--- a/Project1/Reports/Project 1 presentation.pptx
+++ b/Project1/Reports/Project 1 presentation.pptx
@@ -5,15 +5,16 @@
     <p:sldMasterId id="2147483912" r:id="rId1"/>
   </p:sldMasterIdLst>
   <p:notesMasterIdLst>
-    <p:notesMasterId r:id="rId8"/>
+    <p:notesMasterId r:id="rId9"/>
   </p:notesMasterIdLst>
   <p:sldIdLst>
     <p:sldId id="256" r:id="rId2"/>
     <p:sldId id="257" r:id="rId3"/>
-    <p:sldId id="259" r:id="rId4"/>
-    <p:sldId id="260" r:id="rId5"/>
-    <p:sldId id="261" r:id="rId6"/>
-    <p:sldId id="258" r:id="rId7"/>
+    <p:sldId id="263" r:id="rId4"/>
+    <p:sldId id="259" r:id="rId5"/>
+    <p:sldId id="260" r:id="rId6"/>
+    <p:sldId id="261" r:id="rId7"/>
+    <p:sldId id="258" r:id="rId8"/>
   </p:sldIdLst>
   <p:sldSz cx="9144000" cy="6858000" type="screen4x3"/>
   <p:notesSz cx="6858000" cy="9144000"/>
@@ -294,6 +295,13 @@
     <c:dispBlanksAs val="gap"/>
     <c:showDLblsOverMax val="0"/>
   </c:chart>
+  <c:spPr>
+    <a:ln>
+      <a:solidFill>
+        <a:srgbClr val="D1282E"/>
+      </a:solidFill>
+    </a:ln>
+  </c:spPr>
   <c:txPr>
     <a:bodyPr/>
     <a:lstStyle/>
@@ -682,6 +690,13 @@
     <c:dispBlanksAs val="gap"/>
     <c:showDLblsOverMax val="0"/>
   </c:chart>
+  <c:spPr>
+    <a:ln>
+      <a:solidFill>
+        <a:srgbClr val="D1282E"/>
+      </a:solidFill>
+    </a:ln>
+  </c:spPr>
   <c:txPr>
     <a:bodyPr/>
     <a:lstStyle/>
@@ -890,6 +905,4239 @@
     <c:autoUpdate val="0"/>
   </c:externalData>
 </c:chartSpace>
+</file>
+
+<file path=ppt/diagrams/colors1.xml><?xml version="1.0" encoding="utf-8"?>
+<dgm:colorsDef xmlns:dgm="http://schemas.openxmlformats.org/drawingml/2006/diagram" xmlns:a="http://schemas.openxmlformats.org/drawingml/2006/main" uniqueId="urn:microsoft.com/office/officeart/2005/8/colors/colorful4">
+  <dgm:title val=""/>
+  <dgm:desc val=""/>
+  <dgm:catLst>
+    <dgm:cat type="colorful" pri="10400"/>
+  </dgm:catLst>
+  <dgm:styleLbl name="node0">
+    <dgm:fillClrLst meth="repeat">
+      <a:schemeClr val="accent3"/>
+    </dgm:fillClrLst>
+    <dgm:linClrLst meth="repeat">
+      <a:schemeClr val="lt1"/>
+    </dgm:linClrLst>
+    <dgm:effectClrLst/>
+    <dgm:txLinClrLst/>
+    <dgm:txFillClrLst/>
+    <dgm:txEffectClrLst/>
+  </dgm:styleLbl>
+  <dgm:styleLbl name="node1">
+    <dgm:fillClrLst>
+      <a:schemeClr val="accent4"/>
+      <a:schemeClr val="accent5"/>
+    </dgm:fillClrLst>
+    <dgm:linClrLst meth="repeat">
+      <a:schemeClr val="lt1"/>
+    </dgm:linClrLst>
+    <dgm:effectClrLst/>
+    <dgm:txLinClrLst/>
+    <dgm:txFillClrLst/>
+    <dgm:txEffectClrLst/>
+  </dgm:styleLbl>
+  <dgm:styleLbl name="alignNode1">
+    <dgm:fillClrLst>
+      <a:schemeClr val="accent4"/>
+      <a:schemeClr val="accent5"/>
+    </dgm:fillClrLst>
+    <dgm:linClrLst>
+      <a:schemeClr val="accent4"/>
+      <a:schemeClr val="accent5"/>
+    </dgm:linClrLst>
+    <dgm:effectClrLst/>
+    <dgm:txLinClrLst/>
+    <dgm:txFillClrLst/>
+    <dgm:txEffectClrLst/>
+  </dgm:styleLbl>
+  <dgm:styleLbl name="lnNode1">
+    <dgm:fillClrLst>
+      <a:schemeClr val="accent4"/>
+      <a:schemeClr val="accent5"/>
+    </dgm:fillClrLst>
+    <dgm:linClrLst meth="repeat">
+      <a:schemeClr val="lt1"/>
+    </dgm:linClrLst>
+    <dgm:effectClrLst/>
+    <dgm:txLinClrLst/>
+    <dgm:txFillClrLst/>
+    <dgm:txEffectClrLst/>
+  </dgm:styleLbl>
+  <dgm:styleLbl name="vennNode1">
+    <dgm:fillClrLst>
+      <a:schemeClr val="accent4">
+        <a:alpha val="50000"/>
+      </a:schemeClr>
+      <a:schemeClr val="accent5">
+        <a:alpha val="50000"/>
+      </a:schemeClr>
+    </dgm:fillClrLst>
+    <dgm:linClrLst meth="repeat">
+      <a:schemeClr val="lt1"/>
+    </dgm:linClrLst>
+    <dgm:effectClrLst/>
+    <dgm:txLinClrLst/>
+    <dgm:txFillClrLst/>
+    <dgm:txEffectClrLst/>
+  </dgm:styleLbl>
+  <dgm:styleLbl name="node2">
+    <dgm:fillClrLst>
+      <a:schemeClr val="accent5"/>
+    </dgm:fillClrLst>
+    <dgm:linClrLst meth="repeat">
+      <a:schemeClr val="lt1"/>
+    </dgm:linClrLst>
+    <dgm:effectClrLst/>
+    <dgm:txLinClrLst/>
+    <dgm:txFillClrLst/>
+    <dgm:txEffectClrLst/>
+  </dgm:styleLbl>
+  <dgm:styleLbl name="node3">
+    <dgm:fillClrLst>
+      <a:schemeClr val="accent6"/>
+    </dgm:fillClrLst>
+    <dgm:linClrLst meth="repeat">
+      <a:schemeClr val="lt1"/>
+    </dgm:linClrLst>
+    <dgm:effectClrLst/>
+    <dgm:txLinClrLst/>
+    <dgm:txFillClrLst/>
+    <dgm:txEffectClrLst/>
+  </dgm:styleLbl>
+  <dgm:styleLbl name="node4">
+    <dgm:fillClrLst>
+      <a:schemeClr val="accent1"/>
+    </dgm:fillClrLst>
+    <dgm:linClrLst meth="repeat">
+      <a:schemeClr val="lt1"/>
+    </dgm:linClrLst>
+    <dgm:effectClrLst/>
+    <dgm:txLinClrLst/>
+    <dgm:txFillClrLst/>
+    <dgm:txEffectClrLst/>
+  </dgm:styleLbl>
+  <dgm:styleLbl name="fgImgPlace1">
+    <dgm:fillClrLst>
+      <a:schemeClr val="accent4">
+        <a:tint val="50000"/>
+      </a:schemeClr>
+      <a:schemeClr val="accent5">
+        <a:tint val="50000"/>
+      </a:schemeClr>
+    </dgm:fillClrLst>
+    <dgm:linClrLst meth="repeat">
+      <a:schemeClr val="lt1"/>
+    </dgm:linClrLst>
+    <dgm:effectClrLst/>
+    <dgm:txLinClrLst/>
+    <dgm:txFillClrLst meth="repeat">
+      <a:schemeClr val="lt1"/>
+    </dgm:txFillClrLst>
+    <dgm:txEffectClrLst/>
+  </dgm:styleLbl>
+  <dgm:styleLbl name="alignImgPlace1">
+    <dgm:fillClrLst>
+      <a:schemeClr val="accent4">
+        <a:tint val="50000"/>
+      </a:schemeClr>
+      <a:schemeClr val="accent5">
+        <a:tint val="20000"/>
+      </a:schemeClr>
+    </dgm:fillClrLst>
+    <dgm:linClrLst meth="repeat">
+      <a:schemeClr val="lt1"/>
+    </dgm:linClrLst>
+    <dgm:effectClrLst/>
+    <dgm:txLinClrLst/>
+    <dgm:txFillClrLst meth="repeat">
+      <a:schemeClr val="lt1"/>
+    </dgm:txFillClrLst>
+    <dgm:txEffectClrLst/>
+  </dgm:styleLbl>
+  <dgm:styleLbl name="bgImgPlace1">
+    <dgm:fillClrLst>
+      <a:schemeClr val="accent4">
+        <a:tint val="50000"/>
+      </a:schemeClr>
+      <a:schemeClr val="accent5">
+        <a:tint val="20000"/>
+      </a:schemeClr>
+    </dgm:fillClrLst>
+    <dgm:linClrLst meth="repeat">
+      <a:schemeClr val="lt1"/>
+    </dgm:linClrLst>
+    <dgm:effectClrLst/>
+    <dgm:txLinClrLst/>
+    <dgm:txFillClrLst meth="repeat">
+      <a:schemeClr val="lt1"/>
+    </dgm:txFillClrLst>
+    <dgm:txEffectClrLst/>
+  </dgm:styleLbl>
+  <dgm:styleLbl name="sibTrans2D1">
+    <dgm:fillClrLst>
+      <a:schemeClr val="accent4"/>
+      <a:schemeClr val="accent5"/>
+    </dgm:fillClrLst>
+    <dgm:linClrLst meth="repeat">
+      <a:schemeClr val="lt1"/>
+    </dgm:linClrLst>
+    <dgm:effectClrLst/>
+    <dgm:txLinClrLst/>
+    <dgm:txFillClrLst/>
+    <dgm:txEffectClrLst/>
+  </dgm:styleLbl>
+  <dgm:styleLbl name="fgSibTrans2D1">
+    <dgm:fillClrLst>
+      <a:schemeClr val="accent4"/>
+      <a:schemeClr val="accent5"/>
+    </dgm:fillClrLst>
+    <dgm:linClrLst meth="repeat">
+      <a:schemeClr val="lt1"/>
+    </dgm:linClrLst>
+    <dgm:effectClrLst/>
+    <dgm:txLinClrLst/>
+    <dgm:txFillClrLst meth="repeat">
+      <a:schemeClr val="lt1"/>
+    </dgm:txFillClrLst>
+    <dgm:txEffectClrLst/>
+  </dgm:styleLbl>
+  <dgm:styleLbl name="bgSibTrans2D1">
+    <dgm:fillClrLst>
+      <a:schemeClr val="accent4"/>
+      <a:schemeClr val="accent5"/>
+    </dgm:fillClrLst>
+    <dgm:linClrLst meth="repeat">
+      <a:schemeClr val="lt1"/>
+    </dgm:linClrLst>
+    <dgm:effectClrLst/>
+    <dgm:txLinClrLst/>
+    <dgm:txFillClrLst meth="repeat">
+      <a:schemeClr val="lt1"/>
+    </dgm:txFillClrLst>
+    <dgm:txEffectClrLst/>
+  </dgm:styleLbl>
+  <dgm:styleLbl name="sibTrans1D1">
+    <dgm:fillClrLst/>
+    <dgm:linClrLst>
+      <a:schemeClr val="accent4"/>
+      <a:schemeClr val="accent5"/>
+    </dgm:linClrLst>
+    <dgm:effectClrLst/>
+    <dgm:txLinClrLst/>
+    <dgm:txFillClrLst meth="repeat">
+      <a:schemeClr val="tx1"/>
+    </dgm:txFillClrLst>
+    <dgm:txEffectClrLst/>
+  </dgm:styleLbl>
+  <dgm:styleLbl name="callout">
+    <dgm:fillClrLst meth="repeat">
+      <a:schemeClr val="accent4"/>
+    </dgm:fillClrLst>
+    <dgm:linClrLst meth="repeat">
+      <a:schemeClr val="accent4">
+        <a:tint val="50000"/>
+      </a:schemeClr>
+    </dgm:linClrLst>
+    <dgm:effectClrLst/>
+    <dgm:txLinClrLst/>
+    <dgm:txFillClrLst meth="repeat">
+      <a:schemeClr val="tx1"/>
+    </dgm:txFillClrLst>
+    <dgm:txEffectClrLst/>
+  </dgm:styleLbl>
+  <dgm:styleLbl name="asst0">
+    <dgm:fillClrLst meth="repeat">
+      <a:schemeClr val="accent4"/>
+    </dgm:fillClrLst>
+    <dgm:linClrLst meth="repeat">
+      <a:schemeClr val="lt1">
+        <a:shade val="80000"/>
+      </a:schemeClr>
+    </dgm:linClrLst>
+    <dgm:effectClrLst/>
+    <dgm:txLinClrLst/>
+    <dgm:txFillClrLst/>
+    <dgm:txEffectClrLst/>
+  </dgm:styleLbl>
+  <dgm:styleLbl name="asst1">
+    <dgm:fillClrLst meth="repeat">
+      <a:schemeClr val="accent5"/>
+    </dgm:fillClrLst>
+    <dgm:linClrLst meth="repeat">
+      <a:schemeClr val="lt1">
+        <a:shade val="80000"/>
+      </a:schemeClr>
+    </dgm:linClrLst>
+    <dgm:effectClrLst/>
+    <dgm:txLinClrLst/>
+    <dgm:txFillClrLst/>
+    <dgm:txEffectClrLst/>
+  </dgm:styleLbl>
+  <dgm:styleLbl name="asst2">
+    <dgm:fillClrLst>
+      <a:schemeClr val="accent6"/>
+    </dgm:fillClrLst>
+    <dgm:linClrLst meth="repeat">
+      <a:schemeClr val="lt1"/>
+    </dgm:linClrLst>
+    <dgm:effectClrLst/>
+    <dgm:txLinClrLst/>
+    <dgm:txFillClrLst/>
+    <dgm:txEffectClrLst/>
+  </dgm:styleLbl>
+  <dgm:styleLbl name="asst3">
+    <dgm:fillClrLst>
+      <a:schemeClr val="accent1"/>
+    </dgm:fillClrLst>
+    <dgm:linClrLst meth="repeat">
+      <a:schemeClr val="lt1"/>
+    </dgm:linClrLst>
+    <dgm:effectClrLst/>
+    <dgm:txLinClrLst/>
+    <dgm:txFillClrLst/>
+    <dgm:txEffectClrLst/>
+  </dgm:styleLbl>
+  <dgm:styleLbl name="asst4">
+    <dgm:fillClrLst>
+      <a:schemeClr val="accent2"/>
+    </dgm:fillClrLst>
+    <dgm:linClrLst meth="repeat">
+      <a:schemeClr val="lt1"/>
+    </dgm:linClrLst>
+    <dgm:effectClrLst/>
+    <dgm:txLinClrLst/>
+    <dgm:txFillClrLst/>
+    <dgm:txEffectClrLst/>
+  </dgm:styleLbl>
+  <dgm:styleLbl name="parChTrans2D1">
+    <dgm:fillClrLst meth="repeat">
+      <a:schemeClr val="accent4"/>
+    </dgm:fillClrLst>
+    <dgm:linClrLst meth="repeat">
+      <a:schemeClr val="lt1"/>
+    </dgm:linClrLst>
+    <dgm:effectClrLst/>
+    <dgm:txLinClrLst/>
+    <dgm:txFillClrLst meth="repeat">
+      <a:schemeClr val="lt1"/>
+    </dgm:txFillClrLst>
+    <dgm:txEffectClrLst/>
+  </dgm:styleLbl>
+  <dgm:styleLbl name="parChTrans2D2">
+    <dgm:fillClrLst meth="repeat">
+      <a:schemeClr val="accent5"/>
+    </dgm:fillClrLst>
+    <dgm:linClrLst meth="repeat">
+      <a:schemeClr val="lt1"/>
+    </dgm:linClrLst>
+    <dgm:effectClrLst/>
+    <dgm:txLinClrLst/>
+    <dgm:txFillClrLst/>
+    <dgm:txEffectClrLst/>
+  </dgm:styleLbl>
+  <dgm:styleLbl name="parChTrans2D3">
+    <dgm:fillClrLst meth="repeat">
+      <a:schemeClr val="accent5"/>
+    </dgm:fillClrLst>
+    <dgm:linClrLst meth="repeat">
+      <a:schemeClr val="lt1"/>
+    </dgm:linClrLst>
+    <dgm:effectClrLst/>
+    <dgm:txLinClrLst/>
+    <dgm:txFillClrLst/>
+    <dgm:txEffectClrLst/>
+  </dgm:styleLbl>
+  <dgm:styleLbl name="parChTrans2D4">
+    <dgm:fillClrLst meth="repeat">
+      <a:schemeClr val="accent6"/>
+    </dgm:fillClrLst>
+    <dgm:linClrLst meth="repeat">
+      <a:schemeClr val="lt1"/>
+    </dgm:linClrLst>
+    <dgm:effectClrLst/>
+    <dgm:txLinClrLst/>
+    <dgm:txFillClrLst meth="repeat">
+      <a:schemeClr val="lt1"/>
+    </dgm:txFillClrLst>
+    <dgm:txEffectClrLst/>
+  </dgm:styleLbl>
+  <dgm:styleLbl name="parChTrans1D1">
+    <dgm:fillClrLst meth="repeat">
+      <a:schemeClr val="accent4"/>
+    </dgm:fillClrLst>
+    <dgm:linClrLst meth="repeat">
+      <a:schemeClr val="accent4"/>
+    </dgm:linClrLst>
+    <dgm:effectClrLst/>
+    <dgm:txLinClrLst/>
+    <dgm:txFillClrLst meth="repeat">
+      <a:schemeClr val="tx1"/>
+    </dgm:txFillClrLst>
+    <dgm:txEffectClrLst/>
+  </dgm:styleLbl>
+  <dgm:styleLbl name="parChTrans1D2">
+    <dgm:fillClrLst meth="repeat">
+      <a:schemeClr val="accent4">
+        <a:tint val="90000"/>
+      </a:schemeClr>
+    </dgm:fillClrLst>
+    <dgm:linClrLst meth="repeat">
+      <a:schemeClr val="accent5"/>
+    </dgm:linClrLst>
+    <dgm:effectClrLst/>
+    <dgm:txLinClrLst/>
+    <dgm:txFillClrLst meth="repeat">
+      <a:schemeClr val="tx1"/>
+    </dgm:txFillClrLst>
+    <dgm:txEffectClrLst/>
+  </dgm:styleLbl>
+  <dgm:styleLbl name="parChTrans1D3">
+    <dgm:fillClrLst meth="repeat">
+      <a:schemeClr val="accent4">
+        <a:tint val="70000"/>
+      </a:schemeClr>
+    </dgm:fillClrLst>
+    <dgm:linClrLst meth="repeat">
+      <a:schemeClr val="accent6"/>
+    </dgm:linClrLst>
+    <dgm:effectClrLst/>
+    <dgm:txLinClrLst/>
+    <dgm:txFillClrLst meth="repeat">
+      <a:schemeClr val="tx1"/>
+    </dgm:txFillClrLst>
+    <dgm:txEffectClrLst/>
+  </dgm:styleLbl>
+  <dgm:styleLbl name="parChTrans1D4">
+    <dgm:fillClrLst meth="repeat">
+      <a:schemeClr val="accent4">
+        <a:tint val="50000"/>
+      </a:schemeClr>
+    </dgm:fillClrLst>
+    <dgm:linClrLst meth="repeat">
+      <a:schemeClr val="accent1"/>
+    </dgm:linClrLst>
+    <dgm:effectClrLst/>
+    <dgm:txLinClrLst/>
+    <dgm:txFillClrLst meth="repeat">
+      <a:schemeClr val="tx1"/>
+    </dgm:txFillClrLst>
+    <dgm:txEffectClrLst/>
+  </dgm:styleLbl>
+  <dgm:styleLbl name="fgAcc1">
+    <dgm:fillClrLst meth="repeat">
+      <a:schemeClr val="lt1">
+        <a:alpha val="90000"/>
+      </a:schemeClr>
+    </dgm:fillClrLst>
+    <dgm:linClrLst>
+      <a:schemeClr val="accent4"/>
+      <a:schemeClr val="accent5"/>
+    </dgm:linClrLst>
+    <dgm:effectClrLst/>
+    <dgm:txLinClrLst/>
+    <dgm:txFillClrLst meth="repeat">
+      <a:schemeClr val="dk1"/>
+    </dgm:txFillClrLst>
+    <dgm:txEffectClrLst/>
+  </dgm:styleLbl>
+  <dgm:styleLbl name="conFgAcc1">
+    <dgm:fillClrLst meth="repeat">
+      <a:schemeClr val="lt1">
+        <a:alpha val="90000"/>
+      </a:schemeClr>
+    </dgm:fillClrLst>
+    <dgm:linClrLst>
+      <a:schemeClr val="accent4"/>
+      <a:schemeClr val="accent5"/>
+    </dgm:linClrLst>
+    <dgm:effectClrLst/>
+    <dgm:txLinClrLst/>
+    <dgm:txFillClrLst meth="repeat">
+      <a:schemeClr val="dk1"/>
+    </dgm:txFillClrLst>
+    <dgm:txEffectClrLst/>
+  </dgm:styleLbl>
+  <dgm:styleLbl name="alignAcc1">
+    <dgm:fillClrLst meth="repeat">
+      <a:schemeClr val="lt1">
+        <a:alpha val="90000"/>
+      </a:schemeClr>
+    </dgm:fillClrLst>
+    <dgm:linClrLst>
+      <a:schemeClr val="accent4"/>
+      <a:schemeClr val="accent5"/>
+    </dgm:linClrLst>
+    <dgm:effectClrLst/>
+    <dgm:txLinClrLst/>
+    <dgm:txFillClrLst meth="repeat">
+      <a:schemeClr val="dk1"/>
+    </dgm:txFillClrLst>
+    <dgm:txEffectClrLst/>
+  </dgm:styleLbl>
+  <dgm:styleLbl name="trAlignAcc1">
+    <dgm:fillClrLst meth="repeat">
+      <a:schemeClr val="lt1">
+        <a:alpha val="40000"/>
+      </a:schemeClr>
+    </dgm:fillClrLst>
+    <dgm:linClrLst meth="repeat">
+      <a:schemeClr val="accent4"/>
+    </dgm:linClrLst>
+    <dgm:effectClrLst/>
+    <dgm:txLinClrLst/>
+    <dgm:txFillClrLst meth="repeat">
+      <a:schemeClr val="dk1"/>
+    </dgm:txFillClrLst>
+    <dgm:txEffectClrLst/>
+  </dgm:styleLbl>
+  <dgm:styleLbl name="bgAcc1">
+    <dgm:fillClrLst meth="repeat">
+      <a:schemeClr val="lt1">
+        <a:alpha val="90000"/>
+      </a:schemeClr>
+    </dgm:fillClrLst>
+    <dgm:linClrLst>
+      <a:schemeClr val="accent4"/>
+      <a:schemeClr val="accent5"/>
+    </dgm:linClrLst>
+    <dgm:effectClrLst/>
+    <dgm:txLinClrLst/>
+    <dgm:txFillClrLst meth="repeat">
+      <a:schemeClr val="dk1"/>
+    </dgm:txFillClrLst>
+    <dgm:txEffectClrLst/>
+  </dgm:styleLbl>
+  <dgm:styleLbl name="solidFgAcc1">
+    <dgm:fillClrLst meth="repeat">
+      <a:schemeClr val="lt1"/>
+    </dgm:fillClrLst>
+    <dgm:linClrLst>
+      <a:schemeClr val="accent4"/>
+      <a:schemeClr val="accent5"/>
+    </dgm:linClrLst>
+    <dgm:effectClrLst/>
+    <dgm:txLinClrLst/>
+    <dgm:txFillClrLst meth="repeat">
+      <a:schemeClr val="dk1"/>
+    </dgm:txFillClrLst>
+    <dgm:txEffectClrLst/>
+  </dgm:styleLbl>
+  <dgm:styleLbl name="solidAlignAcc1">
+    <dgm:fillClrLst meth="repeat">
+      <a:schemeClr val="lt1"/>
+    </dgm:fillClrLst>
+    <dgm:linClrLst>
+      <a:schemeClr val="accent4"/>
+      <a:schemeClr val="accent5"/>
+    </dgm:linClrLst>
+    <dgm:effectClrLst/>
+    <dgm:txLinClrLst/>
+    <dgm:txFillClrLst meth="repeat">
+      <a:schemeClr val="dk1"/>
+    </dgm:txFillClrLst>
+    <dgm:txEffectClrLst/>
+  </dgm:styleLbl>
+  <dgm:styleLbl name="solidBgAcc1">
+    <dgm:fillClrLst meth="repeat">
+      <a:schemeClr val="lt1"/>
+    </dgm:fillClrLst>
+    <dgm:linClrLst>
+      <a:schemeClr val="accent4"/>
+      <a:schemeClr val="accent5"/>
+    </dgm:linClrLst>
+    <dgm:effectClrLst/>
+    <dgm:txLinClrLst/>
+    <dgm:txFillClrLst meth="repeat">
+      <a:schemeClr val="dk1"/>
+    </dgm:txFillClrLst>
+    <dgm:txEffectClrLst/>
+  </dgm:styleLbl>
+  <dgm:styleLbl name="fgAccFollowNode1">
+    <dgm:fillClrLst>
+      <a:schemeClr val="accent4">
+        <a:tint val="40000"/>
+        <a:alpha val="90000"/>
+      </a:schemeClr>
+      <a:schemeClr val="accent5">
+        <a:tint val="40000"/>
+        <a:alpha val="90000"/>
+      </a:schemeClr>
+    </dgm:fillClrLst>
+    <dgm:linClrLst>
+      <a:schemeClr val="accent4">
+        <a:tint val="40000"/>
+        <a:alpha val="90000"/>
+      </a:schemeClr>
+      <a:schemeClr val="accent5">
+        <a:tint val="40000"/>
+        <a:alpha val="90000"/>
+      </a:schemeClr>
+    </dgm:linClrLst>
+    <dgm:effectClrLst/>
+    <dgm:txLinClrLst/>
+    <dgm:txFillClrLst meth="repeat">
+      <a:schemeClr val="dk1"/>
+    </dgm:txFillClrLst>
+    <dgm:txEffectClrLst/>
+  </dgm:styleLbl>
+  <dgm:styleLbl name="alignAccFollowNode1">
+    <dgm:fillClrLst>
+      <a:schemeClr val="accent4">
+        <a:tint val="40000"/>
+        <a:alpha val="90000"/>
+      </a:schemeClr>
+      <a:schemeClr val="accent5">
+        <a:tint val="40000"/>
+        <a:alpha val="90000"/>
+      </a:schemeClr>
+    </dgm:fillClrLst>
+    <dgm:linClrLst>
+      <a:schemeClr val="accent4">
+        <a:tint val="40000"/>
+        <a:alpha val="90000"/>
+      </a:schemeClr>
+      <a:schemeClr val="accent5">
+        <a:tint val="40000"/>
+        <a:alpha val="90000"/>
+      </a:schemeClr>
+    </dgm:linClrLst>
+    <dgm:effectClrLst/>
+    <dgm:txLinClrLst/>
+    <dgm:txFillClrLst meth="repeat">
+      <a:schemeClr val="dk1"/>
+    </dgm:txFillClrLst>
+    <dgm:txEffectClrLst/>
+  </dgm:styleLbl>
+  <dgm:styleLbl name="bgAccFollowNode1">
+    <dgm:fillClrLst>
+      <a:schemeClr val="accent4">
+        <a:tint val="40000"/>
+        <a:alpha val="90000"/>
+      </a:schemeClr>
+      <a:schemeClr val="accent5">
+        <a:tint val="40000"/>
+        <a:alpha val="90000"/>
+      </a:schemeClr>
+    </dgm:fillClrLst>
+    <dgm:linClrLst>
+      <a:schemeClr val="accent4">
+        <a:tint val="40000"/>
+        <a:alpha val="90000"/>
+      </a:schemeClr>
+      <a:schemeClr val="accent5">
+        <a:tint val="40000"/>
+        <a:alpha val="90000"/>
+      </a:schemeClr>
+    </dgm:linClrLst>
+    <dgm:effectClrLst/>
+    <dgm:txLinClrLst/>
+    <dgm:txFillClrLst meth="repeat">
+      <a:schemeClr val="dk1"/>
+    </dgm:txFillClrLst>
+    <dgm:txEffectClrLst/>
+  </dgm:styleLbl>
+  <dgm:styleLbl name="fgAcc0">
+    <dgm:fillClrLst meth="repeat">
+      <a:schemeClr val="lt1">
+        <a:alpha val="90000"/>
+      </a:schemeClr>
+    </dgm:fillClrLst>
+    <dgm:linClrLst>
+      <a:schemeClr val="accent3"/>
+    </dgm:linClrLst>
+    <dgm:effectClrLst/>
+    <dgm:txLinClrLst/>
+    <dgm:txFillClrLst meth="repeat">
+      <a:schemeClr val="dk1"/>
+    </dgm:txFillClrLst>
+    <dgm:txEffectClrLst/>
+  </dgm:styleLbl>
+  <dgm:styleLbl name="fgAcc2">
+    <dgm:fillClrLst meth="repeat">
+      <a:schemeClr val="lt1">
+        <a:alpha val="90000"/>
+      </a:schemeClr>
+    </dgm:fillClrLst>
+    <dgm:linClrLst>
+      <a:schemeClr val="accent5"/>
+    </dgm:linClrLst>
+    <dgm:effectClrLst/>
+    <dgm:txLinClrLst/>
+    <dgm:txFillClrLst meth="repeat">
+      <a:schemeClr val="dk1"/>
+    </dgm:txFillClrLst>
+    <dgm:txEffectClrLst/>
+  </dgm:styleLbl>
+  <dgm:styleLbl name="fgAcc3">
+    <dgm:fillClrLst meth="repeat">
+      <a:schemeClr val="lt1">
+        <a:alpha val="90000"/>
+      </a:schemeClr>
+    </dgm:fillClrLst>
+    <dgm:linClrLst>
+      <a:schemeClr val="accent6"/>
+    </dgm:linClrLst>
+    <dgm:effectClrLst/>
+    <dgm:txLinClrLst/>
+    <dgm:txFillClrLst meth="repeat">
+      <a:schemeClr val="dk1"/>
+    </dgm:txFillClrLst>
+    <dgm:txEffectClrLst/>
+  </dgm:styleLbl>
+  <dgm:styleLbl name="fgAcc4">
+    <dgm:fillClrLst meth="repeat">
+      <a:schemeClr val="lt1">
+        <a:alpha val="90000"/>
+      </a:schemeClr>
+    </dgm:fillClrLst>
+    <dgm:linClrLst>
+      <a:schemeClr val="accent1"/>
+    </dgm:linClrLst>
+    <dgm:effectClrLst/>
+    <dgm:txLinClrLst/>
+    <dgm:txFillClrLst meth="repeat">
+      <a:schemeClr val="dk1"/>
+    </dgm:txFillClrLst>
+    <dgm:txEffectClrLst/>
+  </dgm:styleLbl>
+  <dgm:styleLbl name="bgShp">
+    <dgm:fillClrLst meth="repeat">
+      <a:schemeClr val="accent4">
+        <a:tint val="40000"/>
+      </a:schemeClr>
+    </dgm:fillClrLst>
+    <dgm:linClrLst meth="repeat">
+      <a:schemeClr val="dk1"/>
+    </dgm:linClrLst>
+    <dgm:effectClrLst/>
+    <dgm:txLinClrLst/>
+    <dgm:txFillClrLst meth="repeat">
+      <a:schemeClr val="dk1"/>
+    </dgm:txFillClrLst>
+    <dgm:txEffectClrLst/>
+  </dgm:styleLbl>
+  <dgm:styleLbl name="dkBgShp">
+    <dgm:fillClrLst meth="repeat">
+      <a:schemeClr val="accent4">
+        <a:shade val="90000"/>
+      </a:schemeClr>
+    </dgm:fillClrLst>
+    <dgm:linClrLst meth="repeat">
+      <a:schemeClr val="dk1"/>
+    </dgm:linClrLst>
+    <dgm:effectClrLst/>
+    <dgm:txLinClrLst/>
+    <dgm:txFillClrLst meth="repeat">
+      <a:schemeClr val="lt1"/>
+    </dgm:txFillClrLst>
+    <dgm:txEffectClrLst/>
+  </dgm:styleLbl>
+  <dgm:styleLbl name="trBgShp">
+    <dgm:fillClrLst meth="repeat">
+      <a:schemeClr val="accent4">
+        <a:tint val="50000"/>
+        <a:alpha val="40000"/>
+      </a:schemeClr>
+    </dgm:fillClrLst>
+    <dgm:linClrLst meth="repeat">
+      <a:schemeClr val="accent4"/>
+    </dgm:linClrLst>
+    <dgm:effectClrLst/>
+    <dgm:txLinClrLst/>
+    <dgm:txFillClrLst meth="repeat">
+      <a:schemeClr val="lt1"/>
+    </dgm:txFillClrLst>
+    <dgm:txEffectClrLst/>
+  </dgm:styleLbl>
+  <dgm:styleLbl name="fgShp">
+    <dgm:fillClrLst meth="repeat">
+      <a:schemeClr val="accent4">
+        <a:tint val="40000"/>
+      </a:schemeClr>
+    </dgm:fillClrLst>
+    <dgm:linClrLst meth="repeat">
+      <a:schemeClr val="lt1"/>
+    </dgm:linClrLst>
+    <dgm:effectClrLst/>
+    <dgm:txLinClrLst/>
+    <dgm:txFillClrLst meth="repeat">
+      <a:schemeClr val="dk1"/>
+    </dgm:txFillClrLst>
+    <dgm:txEffectClrLst/>
+  </dgm:styleLbl>
+  <dgm:styleLbl name="revTx">
+    <dgm:fillClrLst meth="repeat">
+      <a:schemeClr val="lt1">
+        <a:alpha val="0"/>
+      </a:schemeClr>
+    </dgm:fillClrLst>
+    <dgm:linClrLst meth="repeat">
+      <a:schemeClr val="dk1">
+        <a:alpha val="0"/>
+      </a:schemeClr>
+    </dgm:linClrLst>
+    <dgm:effectClrLst/>
+    <dgm:txLinClrLst/>
+    <dgm:txFillClrLst meth="repeat">
+      <a:schemeClr val="tx1"/>
+    </dgm:txFillClrLst>
+    <dgm:txEffectClrLst/>
+  </dgm:styleLbl>
+</dgm:colorsDef>
+</file>
+
+<file path=ppt/diagrams/data1.xml><?xml version="1.0" encoding="utf-8"?>
+<dgm:dataModel xmlns:dgm="http://schemas.openxmlformats.org/drawingml/2006/diagram" xmlns:a="http://schemas.openxmlformats.org/drawingml/2006/main">
+  <dgm:ptLst>
+    <dgm:pt modelId="{53389F62-289C-4144-AB60-B6C5BA96FE21}" type="doc">
+      <dgm:prSet loTypeId="urn:microsoft.com/office/officeart/2005/8/layout/orgChart1" loCatId="" qsTypeId="urn:microsoft.com/office/officeart/2005/8/quickstyle/simple3" qsCatId="simple" csTypeId="urn:microsoft.com/office/officeart/2005/8/colors/colorful4" csCatId="colorful" phldr="1"/>
+      <dgm:spPr/>
+      <dgm:t>
+        <a:bodyPr/>
+        <a:lstStyle/>
+        <a:p>
+          <a:endParaRPr lang="en-US"/>
+        </a:p>
+      </dgm:t>
+    </dgm:pt>
+    <dgm:pt modelId="{54A8F436-9069-F94F-8B0B-44C1706C34E4}">
+      <dgm:prSet phldrT="[Text]"/>
+      <dgm:spPr/>
+      <dgm:t>
+        <a:bodyPr/>
+        <a:lstStyle/>
+        <a:p>
+          <a:r>
+            <a:rPr lang="en-US" dirty="0" smtClean="0"/>
+            <a:t>66 Hard Drug Use at Baseline </a:t>
+          </a:r>
+          <a:endParaRPr lang="en-US" dirty="0"/>
+        </a:p>
+      </dgm:t>
+    </dgm:pt>
+    <dgm:pt modelId="{0B55CC85-A63A-1642-B28D-3FB46C5A259D}" type="parTrans" cxnId="{C2D43525-0AD0-B445-B89E-CF447A716090}">
+      <dgm:prSet/>
+      <dgm:spPr/>
+      <dgm:t>
+        <a:bodyPr/>
+        <a:lstStyle/>
+        <a:p>
+          <a:endParaRPr lang="en-US"/>
+        </a:p>
+      </dgm:t>
+    </dgm:pt>
+    <dgm:pt modelId="{C9121684-0BA7-ED47-8504-A9A7A04B9630}" type="sibTrans" cxnId="{C2D43525-0AD0-B445-B89E-CF447A716090}">
+      <dgm:prSet/>
+      <dgm:spPr/>
+      <dgm:t>
+        <a:bodyPr/>
+        <a:lstStyle/>
+        <a:p>
+          <a:endParaRPr lang="en-US"/>
+        </a:p>
+      </dgm:t>
+    </dgm:pt>
+    <dgm:pt modelId="{4F1EEA9B-E303-594A-9BF8-9D99CE05D852}" type="asst">
+      <dgm:prSet phldrT="[Text]"/>
+      <dgm:spPr/>
+      <dgm:t>
+        <a:bodyPr/>
+        <a:lstStyle/>
+        <a:p>
+          <a:r>
+            <a:rPr lang="en-US" dirty="0" smtClean="0"/>
+            <a:t>39 @ Year Two</a:t>
+          </a:r>
+          <a:endParaRPr lang="en-US" dirty="0"/>
+        </a:p>
+      </dgm:t>
+    </dgm:pt>
+    <dgm:pt modelId="{87C373C6-CC72-264D-9F1B-41EBB8EE40AB}" type="parTrans" cxnId="{2C44437B-75B0-7D4F-922C-674F526D13B4}">
+      <dgm:prSet/>
+      <dgm:spPr/>
+      <dgm:t>
+        <a:bodyPr/>
+        <a:lstStyle/>
+        <a:p>
+          <a:endParaRPr lang="en-US"/>
+        </a:p>
+      </dgm:t>
+    </dgm:pt>
+    <dgm:pt modelId="{BC546616-DA5B-DF4C-AC2D-B071865716F7}" type="sibTrans" cxnId="{2C44437B-75B0-7D4F-922C-674F526D13B4}">
+      <dgm:prSet/>
+      <dgm:spPr/>
+      <dgm:t>
+        <a:bodyPr/>
+        <a:lstStyle/>
+        <a:p>
+          <a:endParaRPr lang="en-US"/>
+        </a:p>
+      </dgm:t>
+    </dgm:pt>
+    <dgm:pt modelId="{E9CA60DA-C245-E949-8D0A-CFB13B830E39}">
+      <dgm:prSet phldrT="[Text]"/>
+      <dgm:spPr/>
+      <dgm:t>
+        <a:bodyPr/>
+        <a:lstStyle/>
+        <a:p>
+          <a:r>
+            <a:rPr lang="en-US" dirty="0" smtClean="0"/>
+            <a:t>20 reported not using hard drugs @ year 2</a:t>
+          </a:r>
+          <a:endParaRPr lang="en-US" dirty="0"/>
+        </a:p>
+      </dgm:t>
+    </dgm:pt>
+    <dgm:pt modelId="{7BC23183-3D1B-7549-B9DB-481B8FAFEDAB}" type="parTrans" cxnId="{0C4D57FE-ED34-B340-A6A0-94C918E69F50}">
+      <dgm:prSet/>
+      <dgm:spPr/>
+      <dgm:t>
+        <a:bodyPr/>
+        <a:lstStyle/>
+        <a:p>
+          <a:endParaRPr lang="en-US"/>
+        </a:p>
+      </dgm:t>
+    </dgm:pt>
+    <dgm:pt modelId="{30475585-800D-1749-B9A3-39CADAB04A79}" type="sibTrans" cxnId="{0C4D57FE-ED34-B340-A6A0-94C918E69F50}">
+      <dgm:prSet/>
+      <dgm:spPr/>
+      <dgm:t>
+        <a:bodyPr/>
+        <a:lstStyle/>
+        <a:p>
+          <a:endParaRPr lang="en-US"/>
+        </a:p>
+      </dgm:t>
+    </dgm:pt>
+    <dgm:pt modelId="{9BB6B4A3-7024-9343-9BD0-26D60B1081A7}">
+      <dgm:prSet phldrT="[Text]"/>
+      <dgm:spPr/>
+      <dgm:t>
+        <a:bodyPr/>
+        <a:lstStyle/>
+        <a:p>
+          <a:r>
+            <a:rPr lang="en-US" dirty="0" smtClean="0"/>
+            <a:t>27 Lost to Follow Up</a:t>
+          </a:r>
+          <a:endParaRPr lang="en-US" dirty="0"/>
+        </a:p>
+      </dgm:t>
+    </dgm:pt>
+    <dgm:pt modelId="{DB7E9D31-CD89-B54B-84D3-81E4A5440C61}" type="parTrans" cxnId="{DC577B87-96B5-6949-A389-B777345B953B}">
+      <dgm:prSet/>
+      <dgm:spPr/>
+      <dgm:t>
+        <a:bodyPr/>
+        <a:lstStyle/>
+        <a:p>
+          <a:endParaRPr lang="en-US"/>
+        </a:p>
+      </dgm:t>
+    </dgm:pt>
+    <dgm:pt modelId="{B2CEABA2-57F2-064B-907C-3918AF0E4B8E}" type="sibTrans" cxnId="{DC577B87-96B5-6949-A389-B777345B953B}">
+      <dgm:prSet/>
+      <dgm:spPr/>
+      <dgm:t>
+        <a:bodyPr/>
+        <a:lstStyle/>
+        <a:p>
+          <a:endParaRPr lang="en-US"/>
+        </a:p>
+      </dgm:t>
+    </dgm:pt>
+    <dgm:pt modelId="{EDBA91B9-AAC5-A64B-90C4-F2BC6E978E0C}">
+      <dgm:prSet phldrT="[Text]"/>
+      <dgm:spPr/>
+      <dgm:t>
+        <a:bodyPr/>
+        <a:lstStyle/>
+        <a:p>
+          <a:r>
+            <a:rPr lang="en-US" dirty="0" smtClean="0"/>
+            <a:t>24 reported IDU (88%)</a:t>
+          </a:r>
+          <a:endParaRPr lang="en-US" dirty="0"/>
+        </a:p>
+      </dgm:t>
+    </dgm:pt>
+    <dgm:pt modelId="{8C50B956-5D3A-8C49-9356-3876DD53799A}" type="parTrans" cxnId="{6CD67DBE-D87B-9143-AC6A-F213C389F5BC}">
+      <dgm:prSet/>
+      <dgm:spPr/>
+      <dgm:t>
+        <a:bodyPr/>
+        <a:lstStyle/>
+        <a:p>
+          <a:endParaRPr lang="en-US"/>
+        </a:p>
+      </dgm:t>
+    </dgm:pt>
+    <dgm:pt modelId="{204CF3B6-8599-FB46-8C4A-F92AA421AF37}" type="sibTrans" cxnId="{6CD67DBE-D87B-9143-AC6A-F213C389F5BC}">
+      <dgm:prSet/>
+      <dgm:spPr/>
+      <dgm:t>
+        <a:bodyPr/>
+        <a:lstStyle/>
+        <a:p>
+          <a:endParaRPr lang="en-US"/>
+        </a:p>
+      </dgm:t>
+    </dgm:pt>
+    <dgm:pt modelId="{1A334592-912E-0E4D-AEC4-2A2EDA61792C}" type="pres">
+      <dgm:prSet presAssocID="{53389F62-289C-4144-AB60-B6C5BA96FE21}" presName="hierChild1" presStyleCnt="0">
+        <dgm:presLayoutVars>
+          <dgm:orgChart val="1"/>
+          <dgm:chPref val="1"/>
+          <dgm:dir/>
+          <dgm:animOne val="branch"/>
+          <dgm:animLvl val="lvl"/>
+          <dgm:resizeHandles/>
+        </dgm:presLayoutVars>
+      </dgm:prSet>
+      <dgm:spPr/>
+    </dgm:pt>
+    <dgm:pt modelId="{7E007A69-DF23-9E4F-8BC2-B0F593D8510C}" type="pres">
+      <dgm:prSet presAssocID="{54A8F436-9069-F94F-8B0B-44C1706C34E4}" presName="hierRoot1" presStyleCnt="0">
+        <dgm:presLayoutVars>
+          <dgm:hierBranch val="init"/>
+        </dgm:presLayoutVars>
+      </dgm:prSet>
+      <dgm:spPr/>
+    </dgm:pt>
+    <dgm:pt modelId="{AF1799DA-7904-BA48-9215-B06118101318}" type="pres">
+      <dgm:prSet presAssocID="{54A8F436-9069-F94F-8B0B-44C1706C34E4}" presName="rootComposite1" presStyleCnt="0"/>
+      <dgm:spPr/>
+    </dgm:pt>
+    <dgm:pt modelId="{EB993652-BDFC-EA4A-B653-9AA1BE4821F4}" type="pres">
+      <dgm:prSet presAssocID="{54A8F436-9069-F94F-8B0B-44C1706C34E4}" presName="rootText1" presStyleLbl="node0" presStyleIdx="0" presStyleCnt="1">
+        <dgm:presLayoutVars>
+          <dgm:chPref val="3"/>
+        </dgm:presLayoutVars>
+      </dgm:prSet>
+      <dgm:spPr/>
+      <dgm:t>
+        <a:bodyPr/>
+        <a:lstStyle/>
+        <a:p>
+          <a:endParaRPr lang="en-US"/>
+        </a:p>
+      </dgm:t>
+    </dgm:pt>
+    <dgm:pt modelId="{0A6D261E-361B-A446-9A0C-F32B7D687C6A}" type="pres">
+      <dgm:prSet presAssocID="{54A8F436-9069-F94F-8B0B-44C1706C34E4}" presName="rootConnector1" presStyleLbl="node1" presStyleIdx="0" presStyleCnt="0"/>
+      <dgm:spPr/>
+    </dgm:pt>
+    <dgm:pt modelId="{7B38BC9A-C3E0-5B4D-BB56-88D80543F095}" type="pres">
+      <dgm:prSet presAssocID="{54A8F436-9069-F94F-8B0B-44C1706C34E4}" presName="hierChild2" presStyleCnt="0"/>
+      <dgm:spPr/>
+    </dgm:pt>
+    <dgm:pt modelId="{A74E31F6-DB94-E341-B4F3-A84CDE79C123}" type="pres">
+      <dgm:prSet presAssocID="{DB7E9D31-CD89-B54B-84D3-81E4A5440C61}" presName="Name37" presStyleLbl="parChTrans1D2" presStyleIdx="0" presStyleCnt="2"/>
+      <dgm:spPr/>
+    </dgm:pt>
+    <dgm:pt modelId="{4E183F4E-289A-EE48-A8A6-90941181E237}" type="pres">
+      <dgm:prSet presAssocID="{9BB6B4A3-7024-9343-9BD0-26D60B1081A7}" presName="hierRoot2" presStyleCnt="0">
+        <dgm:presLayoutVars>
+          <dgm:hierBranch val="init"/>
+        </dgm:presLayoutVars>
+      </dgm:prSet>
+      <dgm:spPr/>
+    </dgm:pt>
+    <dgm:pt modelId="{D5688AEE-8444-8349-8B49-0CB0C062A9B7}" type="pres">
+      <dgm:prSet presAssocID="{9BB6B4A3-7024-9343-9BD0-26D60B1081A7}" presName="rootComposite" presStyleCnt="0"/>
+      <dgm:spPr/>
+    </dgm:pt>
+    <dgm:pt modelId="{8E19568E-2C9A-2742-817B-DBE290276933}" type="pres">
+      <dgm:prSet presAssocID="{9BB6B4A3-7024-9343-9BD0-26D60B1081A7}" presName="rootText" presStyleLbl="node2" presStyleIdx="0" presStyleCnt="1" custLinFactY="-100000" custLinFactNeighborX="97139" custLinFactNeighborY="-149392">
+        <dgm:presLayoutVars>
+          <dgm:chPref val="3"/>
+        </dgm:presLayoutVars>
+      </dgm:prSet>
+      <dgm:spPr/>
+      <dgm:t>
+        <a:bodyPr/>
+        <a:lstStyle/>
+        <a:p>
+          <a:endParaRPr lang="en-US"/>
+        </a:p>
+      </dgm:t>
+    </dgm:pt>
+    <dgm:pt modelId="{4410FC05-8AC9-3A48-8834-1AB4BBBC4C35}" type="pres">
+      <dgm:prSet presAssocID="{9BB6B4A3-7024-9343-9BD0-26D60B1081A7}" presName="rootConnector" presStyleLbl="node2" presStyleIdx="0" presStyleCnt="1"/>
+      <dgm:spPr/>
+    </dgm:pt>
+    <dgm:pt modelId="{861EB84C-BB08-3A4C-909F-D98B08DE6B76}" type="pres">
+      <dgm:prSet presAssocID="{9BB6B4A3-7024-9343-9BD0-26D60B1081A7}" presName="hierChild4" presStyleCnt="0"/>
+      <dgm:spPr/>
+    </dgm:pt>
+    <dgm:pt modelId="{85239D1D-C7EA-834A-9AAE-4F46D551EC7B}" type="pres">
+      <dgm:prSet presAssocID="{8C50B956-5D3A-8C49-9356-3876DD53799A}" presName="Name37" presStyleLbl="parChTrans1D3" presStyleIdx="0" presStyleCnt="2"/>
+      <dgm:spPr/>
+    </dgm:pt>
+    <dgm:pt modelId="{00E665F4-43DF-E640-AAEB-42DC019A1F08}" type="pres">
+      <dgm:prSet presAssocID="{EDBA91B9-AAC5-A64B-90C4-F2BC6E978E0C}" presName="hierRoot2" presStyleCnt="0">
+        <dgm:presLayoutVars>
+          <dgm:hierBranch val="init"/>
+        </dgm:presLayoutVars>
+      </dgm:prSet>
+      <dgm:spPr/>
+    </dgm:pt>
+    <dgm:pt modelId="{7E6ED94B-5618-9F44-B290-FCC4E2EA97BE}" type="pres">
+      <dgm:prSet presAssocID="{EDBA91B9-AAC5-A64B-90C4-F2BC6E978E0C}" presName="rootComposite" presStyleCnt="0"/>
+      <dgm:spPr/>
+    </dgm:pt>
+    <dgm:pt modelId="{1837F620-A098-7645-A20B-07EFC253820A}" type="pres">
+      <dgm:prSet presAssocID="{EDBA91B9-AAC5-A64B-90C4-F2BC6E978E0C}" presName="rootText" presStyleLbl="node3" presStyleIdx="0" presStyleCnt="2" custLinFactY="-100000" custLinFactNeighborX="61359" custLinFactNeighborY="-149392">
+        <dgm:presLayoutVars>
+          <dgm:chPref val="3"/>
+        </dgm:presLayoutVars>
+      </dgm:prSet>
+      <dgm:spPr/>
+      <dgm:t>
+        <a:bodyPr/>
+        <a:lstStyle/>
+        <a:p>
+          <a:endParaRPr lang="en-US"/>
+        </a:p>
+      </dgm:t>
+    </dgm:pt>
+    <dgm:pt modelId="{C47BD8BA-474A-844C-8BCE-0D0772085EF7}" type="pres">
+      <dgm:prSet presAssocID="{EDBA91B9-AAC5-A64B-90C4-F2BC6E978E0C}" presName="rootConnector" presStyleLbl="node3" presStyleIdx="0" presStyleCnt="2"/>
+      <dgm:spPr/>
+    </dgm:pt>
+    <dgm:pt modelId="{A6540FAB-9D27-5C4F-AB23-ADD465B95A00}" type="pres">
+      <dgm:prSet presAssocID="{EDBA91B9-AAC5-A64B-90C4-F2BC6E978E0C}" presName="hierChild4" presStyleCnt="0"/>
+      <dgm:spPr/>
+    </dgm:pt>
+    <dgm:pt modelId="{A465BB77-EC62-FD40-80F2-34C84E0E2377}" type="pres">
+      <dgm:prSet presAssocID="{EDBA91B9-AAC5-A64B-90C4-F2BC6E978E0C}" presName="hierChild5" presStyleCnt="0"/>
+      <dgm:spPr/>
+    </dgm:pt>
+    <dgm:pt modelId="{02EA0507-D80B-4440-87CE-E56AB06243A7}" type="pres">
+      <dgm:prSet presAssocID="{9BB6B4A3-7024-9343-9BD0-26D60B1081A7}" presName="hierChild5" presStyleCnt="0"/>
+      <dgm:spPr/>
+    </dgm:pt>
+    <dgm:pt modelId="{9FF1B793-2F0B-7A43-8F73-4FA7A51A7210}" type="pres">
+      <dgm:prSet presAssocID="{54A8F436-9069-F94F-8B0B-44C1706C34E4}" presName="hierChild3" presStyleCnt="0"/>
+      <dgm:spPr/>
+    </dgm:pt>
+    <dgm:pt modelId="{F94CC450-CA7D-0347-B7D8-CB5A6271CB9F}" type="pres">
+      <dgm:prSet presAssocID="{87C373C6-CC72-264D-9F1B-41EBB8EE40AB}" presName="Name111" presStyleLbl="parChTrans1D2" presStyleIdx="1" presStyleCnt="2"/>
+      <dgm:spPr/>
+    </dgm:pt>
+    <dgm:pt modelId="{8B3E50CE-3080-9540-8105-3248DCA95353}" type="pres">
+      <dgm:prSet presAssocID="{4F1EEA9B-E303-594A-9BF8-9D99CE05D852}" presName="hierRoot3" presStyleCnt="0">
+        <dgm:presLayoutVars>
+          <dgm:hierBranch val="init"/>
+        </dgm:presLayoutVars>
+      </dgm:prSet>
+      <dgm:spPr/>
+    </dgm:pt>
+    <dgm:pt modelId="{591687EA-015D-024E-B34D-6AC691B1DA3D}" type="pres">
+      <dgm:prSet presAssocID="{4F1EEA9B-E303-594A-9BF8-9D99CE05D852}" presName="rootComposite3" presStyleCnt="0"/>
+      <dgm:spPr/>
+    </dgm:pt>
+    <dgm:pt modelId="{EF3D6B73-A00A-0F42-B3E6-D63CBE141F71}" type="pres">
+      <dgm:prSet presAssocID="{4F1EEA9B-E303-594A-9BF8-9D99CE05D852}" presName="rootText3" presStyleLbl="asst1" presStyleIdx="0" presStyleCnt="1">
+        <dgm:presLayoutVars>
+          <dgm:chPref val="3"/>
+        </dgm:presLayoutVars>
+      </dgm:prSet>
+      <dgm:spPr/>
+      <dgm:t>
+        <a:bodyPr/>
+        <a:lstStyle/>
+        <a:p>
+          <a:endParaRPr lang="en-US"/>
+        </a:p>
+      </dgm:t>
+    </dgm:pt>
+    <dgm:pt modelId="{A3E37594-EFF8-F649-8E38-499CDBC88A03}" type="pres">
+      <dgm:prSet presAssocID="{4F1EEA9B-E303-594A-9BF8-9D99CE05D852}" presName="rootConnector3" presStyleLbl="asst1" presStyleIdx="0" presStyleCnt="1"/>
+      <dgm:spPr/>
+    </dgm:pt>
+    <dgm:pt modelId="{14D5B78F-D87A-DB4C-97F5-CB7BE41F5674}" type="pres">
+      <dgm:prSet presAssocID="{4F1EEA9B-E303-594A-9BF8-9D99CE05D852}" presName="hierChild6" presStyleCnt="0"/>
+      <dgm:spPr/>
+    </dgm:pt>
+    <dgm:pt modelId="{0B06B6D5-3879-424F-BDC5-B52A698B7EBB}" type="pres">
+      <dgm:prSet presAssocID="{7BC23183-3D1B-7549-B9DB-481B8FAFEDAB}" presName="Name37" presStyleLbl="parChTrans1D3" presStyleIdx="1" presStyleCnt="2"/>
+      <dgm:spPr/>
+    </dgm:pt>
+    <dgm:pt modelId="{ECFF9FE1-B291-4948-9D08-B9703B2B6BA3}" type="pres">
+      <dgm:prSet presAssocID="{E9CA60DA-C245-E949-8D0A-CFB13B830E39}" presName="hierRoot2" presStyleCnt="0">
+        <dgm:presLayoutVars>
+          <dgm:hierBranch val="init"/>
+        </dgm:presLayoutVars>
+      </dgm:prSet>
+      <dgm:spPr/>
+    </dgm:pt>
+    <dgm:pt modelId="{A8909985-03F4-DA47-A329-B3F99E4BD08C}" type="pres">
+      <dgm:prSet presAssocID="{E9CA60DA-C245-E949-8D0A-CFB13B830E39}" presName="rootComposite" presStyleCnt="0"/>
+      <dgm:spPr/>
+    </dgm:pt>
+    <dgm:pt modelId="{4D4FE7F9-AD3B-C345-B455-E7B6EB3D2D69}" type="pres">
+      <dgm:prSet presAssocID="{E9CA60DA-C245-E949-8D0A-CFB13B830E39}" presName="rootText" presStyleLbl="node3" presStyleIdx="1" presStyleCnt="2">
+        <dgm:presLayoutVars>
+          <dgm:chPref val="3"/>
+        </dgm:presLayoutVars>
+      </dgm:prSet>
+      <dgm:spPr/>
+      <dgm:t>
+        <a:bodyPr/>
+        <a:lstStyle/>
+        <a:p>
+          <a:endParaRPr lang="en-US"/>
+        </a:p>
+      </dgm:t>
+    </dgm:pt>
+    <dgm:pt modelId="{2F2CDFB5-A2BA-9249-843B-DAC0CACBF700}" type="pres">
+      <dgm:prSet presAssocID="{E9CA60DA-C245-E949-8D0A-CFB13B830E39}" presName="rootConnector" presStyleLbl="node3" presStyleIdx="1" presStyleCnt="2"/>
+      <dgm:spPr/>
+    </dgm:pt>
+    <dgm:pt modelId="{7D3D6155-AA85-2947-9EC1-07D13B0C85D1}" type="pres">
+      <dgm:prSet presAssocID="{E9CA60DA-C245-E949-8D0A-CFB13B830E39}" presName="hierChild4" presStyleCnt="0"/>
+      <dgm:spPr/>
+    </dgm:pt>
+    <dgm:pt modelId="{3F66C48E-A7F3-FF42-9CC9-CD2890214254}" type="pres">
+      <dgm:prSet presAssocID="{E9CA60DA-C245-E949-8D0A-CFB13B830E39}" presName="hierChild5" presStyleCnt="0"/>
+      <dgm:spPr/>
+    </dgm:pt>
+    <dgm:pt modelId="{A20E5F0A-6AD6-9547-B3CA-137B9B6B5BD7}" type="pres">
+      <dgm:prSet presAssocID="{4F1EEA9B-E303-594A-9BF8-9D99CE05D852}" presName="hierChild7" presStyleCnt="0"/>
+      <dgm:spPr/>
+    </dgm:pt>
+  </dgm:ptLst>
+  <dgm:cxnLst>
+    <dgm:cxn modelId="{B9596E35-6DF2-2041-BD20-B90D8ED753B0}" type="presOf" srcId="{EDBA91B9-AAC5-A64B-90C4-F2BC6E978E0C}" destId="{1837F620-A098-7645-A20B-07EFC253820A}" srcOrd="0" destOrd="0" presId="urn:microsoft.com/office/officeart/2005/8/layout/orgChart1"/>
+    <dgm:cxn modelId="{870B7DE2-1A40-3E41-83F1-A02EB15BA59B}" type="presOf" srcId="{DB7E9D31-CD89-B54B-84D3-81E4A5440C61}" destId="{A74E31F6-DB94-E341-B4F3-A84CDE79C123}" srcOrd="0" destOrd="0" presId="urn:microsoft.com/office/officeart/2005/8/layout/orgChart1"/>
+    <dgm:cxn modelId="{E645BEFF-5270-9841-8E7C-011F341EA7E0}" type="presOf" srcId="{54A8F436-9069-F94F-8B0B-44C1706C34E4}" destId="{EB993652-BDFC-EA4A-B653-9AA1BE4821F4}" srcOrd="0" destOrd="0" presId="urn:microsoft.com/office/officeart/2005/8/layout/orgChart1"/>
+    <dgm:cxn modelId="{81440AE0-3B26-4A4B-AB8F-E96BFFC6C60A}" type="presOf" srcId="{E9CA60DA-C245-E949-8D0A-CFB13B830E39}" destId="{4D4FE7F9-AD3B-C345-B455-E7B6EB3D2D69}" srcOrd="0" destOrd="0" presId="urn:microsoft.com/office/officeart/2005/8/layout/orgChart1"/>
+    <dgm:cxn modelId="{96E660DC-7A92-564A-B6FA-A900CC98F0EB}" type="presOf" srcId="{8C50B956-5D3A-8C49-9356-3876DD53799A}" destId="{85239D1D-C7EA-834A-9AAE-4F46D551EC7B}" srcOrd="0" destOrd="0" presId="urn:microsoft.com/office/officeart/2005/8/layout/orgChart1"/>
+    <dgm:cxn modelId="{6CD67DBE-D87B-9143-AC6A-F213C389F5BC}" srcId="{9BB6B4A3-7024-9343-9BD0-26D60B1081A7}" destId="{EDBA91B9-AAC5-A64B-90C4-F2BC6E978E0C}" srcOrd="0" destOrd="0" parTransId="{8C50B956-5D3A-8C49-9356-3876DD53799A}" sibTransId="{204CF3B6-8599-FB46-8C4A-F92AA421AF37}"/>
+    <dgm:cxn modelId="{C60B227D-67A2-7F44-8F7F-0BAFF89E91B9}" type="presOf" srcId="{4F1EEA9B-E303-594A-9BF8-9D99CE05D852}" destId="{A3E37594-EFF8-F649-8E38-499CDBC88A03}" srcOrd="1" destOrd="0" presId="urn:microsoft.com/office/officeart/2005/8/layout/orgChart1"/>
+    <dgm:cxn modelId="{DC577B87-96B5-6949-A389-B777345B953B}" srcId="{54A8F436-9069-F94F-8B0B-44C1706C34E4}" destId="{9BB6B4A3-7024-9343-9BD0-26D60B1081A7}" srcOrd="1" destOrd="0" parTransId="{DB7E9D31-CD89-B54B-84D3-81E4A5440C61}" sibTransId="{B2CEABA2-57F2-064B-907C-3918AF0E4B8E}"/>
+    <dgm:cxn modelId="{8E9A36D0-0842-DC43-B240-481E1D0059BD}" type="presOf" srcId="{EDBA91B9-AAC5-A64B-90C4-F2BC6E978E0C}" destId="{C47BD8BA-474A-844C-8BCE-0D0772085EF7}" srcOrd="1" destOrd="0" presId="urn:microsoft.com/office/officeart/2005/8/layout/orgChart1"/>
+    <dgm:cxn modelId="{9CF3BEAB-4694-E94D-AC34-DE25FB8E98B0}" type="presOf" srcId="{54A8F436-9069-F94F-8B0B-44C1706C34E4}" destId="{0A6D261E-361B-A446-9A0C-F32B7D687C6A}" srcOrd="1" destOrd="0" presId="urn:microsoft.com/office/officeart/2005/8/layout/orgChart1"/>
+    <dgm:cxn modelId="{A08D9C5F-B3DC-8A47-BF98-5B6243738BA0}" type="presOf" srcId="{4F1EEA9B-E303-594A-9BF8-9D99CE05D852}" destId="{EF3D6B73-A00A-0F42-B3E6-D63CBE141F71}" srcOrd="0" destOrd="0" presId="urn:microsoft.com/office/officeart/2005/8/layout/orgChart1"/>
+    <dgm:cxn modelId="{93DA6174-4413-434A-B634-894066876A42}" type="presOf" srcId="{E9CA60DA-C245-E949-8D0A-CFB13B830E39}" destId="{2F2CDFB5-A2BA-9249-843B-DAC0CACBF700}" srcOrd="1" destOrd="0" presId="urn:microsoft.com/office/officeart/2005/8/layout/orgChart1"/>
+    <dgm:cxn modelId="{50962AF5-836F-E44C-921C-C7948C7E0EEA}" type="presOf" srcId="{9BB6B4A3-7024-9343-9BD0-26D60B1081A7}" destId="{8E19568E-2C9A-2742-817B-DBE290276933}" srcOrd="0" destOrd="0" presId="urn:microsoft.com/office/officeart/2005/8/layout/orgChart1"/>
+    <dgm:cxn modelId="{2C44437B-75B0-7D4F-922C-674F526D13B4}" srcId="{54A8F436-9069-F94F-8B0B-44C1706C34E4}" destId="{4F1EEA9B-E303-594A-9BF8-9D99CE05D852}" srcOrd="0" destOrd="0" parTransId="{87C373C6-CC72-264D-9F1B-41EBB8EE40AB}" sibTransId="{BC546616-DA5B-DF4C-AC2D-B071865716F7}"/>
+    <dgm:cxn modelId="{852C2DC6-DA7E-5149-9EDC-59AB0F34FF98}" type="presOf" srcId="{9BB6B4A3-7024-9343-9BD0-26D60B1081A7}" destId="{4410FC05-8AC9-3A48-8834-1AB4BBBC4C35}" srcOrd="1" destOrd="0" presId="urn:microsoft.com/office/officeart/2005/8/layout/orgChart1"/>
+    <dgm:cxn modelId="{BB0F2F18-8C16-3348-B145-8A7047B3911F}" type="presOf" srcId="{7BC23183-3D1B-7549-B9DB-481B8FAFEDAB}" destId="{0B06B6D5-3879-424F-BDC5-B52A698B7EBB}" srcOrd="0" destOrd="0" presId="urn:microsoft.com/office/officeart/2005/8/layout/orgChart1"/>
+    <dgm:cxn modelId="{0C4D57FE-ED34-B340-A6A0-94C918E69F50}" srcId="{4F1EEA9B-E303-594A-9BF8-9D99CE05D852}" destId="{E9CA60DA-C245-E949-8D0A-CFB13B830E39}" srcOrd="0" destOrd="0" parTransId="{7BC23183-3D1B-7549-B9DB-481B8FAFEDAB}" sibTransId="{30475585-800D-1749-B9A3-39CADAB04A79}"/>
+    <dgm:cxn modelId="{15F17582-8DCD-904C-B9B4-DB43740CC0A2}" type="presOf" srcId="{87C373C6-CC72-264D-9F1B-41EBB8EE40AB}" destId="{F94CC450-CA7D-0347-B7D8-CB5A6271CB9F}" srcOrd="0" destOrd="0" presId="urn:microsoft.com/office/officeart/2005/8/layout/orgChart1"/>
+    <dgm:cxn modelId="{C2D43525-0AD0-B445-B89E-CF447A716090}" srcId="{53389F62-289C-4144-AB60-B6C5BA96FE21}" destId="{54A8F436-9069-F94F-8B0B-44C1706C34E4}" srcOrd="0" destOrd="0" parTransId="{0B55CC85-A63A-1642-B28D-3FB46C5A259D}" sibTransId="{C9121684-0BA7-ED47-8504-A9A7A04B9630}"/>
+    <dgm:cxn modelId="{CB955EE9-7F33-1748-95A0-B5E2250CCB6F}" type="presOf" srcId="{53389F62-289C-4144-AB60-B6C5BA96FE21}" destId="{1A334592-912E-0E4D-AEC4-2A2EDA61792C}" srcOrd="0" destOrd="0" presId="urn:microsoft.com/office/officeart/2005/8/layout/orgChart1"/>
+    <dgm:cxn modelId="{85640A55-45EE-D34C-9F1F-3B1C25323540}" type="presParOf" srcId="{1A334592-912E-0E4D-AEC4-2A2EDA61792C}" destId="{7E007A69-DF23-9E4F-8BC2-B0F593D8510C}" srcOrd="0" destOrd="0" presId="urn:microsoft.com/office/officeart/2005/8/layout/orgChart1"/>
+    <dgm:cxn modelId="{6FA09F6A-917D-B24A-B488-4F8A5531F27B}" type="presParOf" srcId="{7E007A69-DF23-9E4F-8BC2-B0F593D8510C}" destId="{AF1799DA-7904-BA48-9215-B06118101318}" srcOrd="0" destOrd="0" presId="urn:microsoft.com/office/officeart/2005/8/layout/orgChart1"/>
+    <dgm:cxn modelId="{B2517062-F341-B84C-82C6-1EDE9270837C}" type="presParOf" srcId="{AF1799DA-7904-BA48-9215-B06118101318}" destId="{EB993652-BDFC-EA4A-B653-9AA1BE4821F4}" srcOrd="0" destOrd="0" presId="urn:microsoft.com/office/officeart/2005/8/layout/orgChart1"/>
+    <dgm:cxn modelId="{17FB8B54-A48D-304F-9E40-37769D80F567}" type="presParOf" srcId="{AF1799DA-7904-BA48-9215-B06118101318}" destId="{0A6D261E-361B-A446-9A0C-F32B7D687C6A}" srcOrd="1" destOrd="0" presId="urn:microsoft.com/office/officeart/2005/8/layout/orgChart1"/>
+    <dgm:cxn modelId="{663A0E89-1D5F-7B45-A333-6094264ED116}" type="presParOf" srcId="{7E007A69-DF23-9E4F-8BC2-B0F593D8510C}" destId="{7B38BC9A-C3E0-5B4D-BB56-88D80543F095}" srcOrd="1" destOrd="0" presId="urn:microsoft.com/office/officeart/2005/8/layout/orgChart1"/>
+    <dgm:cxn modelId="{19A09DFE-6AA1-0946-BA6A-A88D579C4300}" type="presParOf" srcId="{7B38BC9A-C3E0-5B4D-BB56-88D80543F095}" destId="{A74E31F6-DB94-E341-B4F3-A84CDE79C123}" srcOrd="0" destOrd="0" presId="urn:microsoft.com/office/officeart/2005/8/layout/orgChart1"/>
+    <dgm:cxn modelId="{A88FC363-2B3A-2845-83DA-4C85959D6F98}" type="presParOf" srcId="{7B38BC9A-C3E0-5B4D-BB56-88D80543F095}" destId="{4E183F4E-289A-EE48-A8A6-90941181E237}" srcOrd="1" destOrd="0" presId="urn:microsoft.com/office/officeart/2005/8/layout/orgChart1"/>
+    <dgm:cxn modelId="{80784772-C03E-5D4A-93E9-138B852D616E}" type="presParOf" srcId="{4E183F4E-289A-EE48-A8A6-90941181E237}" destId="{D5688AEE-8444-8349-8B49-0CB0C062A9B7}" srcOrd="0" destOrd="0" presId="urn:microsoft.com/office/officeart/2005/8/layout/orgChart1"/>
+    <dgm:cxn modelId="{C03B0774-B295-8044-9AA9-E633CFB3508F}" type="presParOf" srcId="{D5688AEE-8444-8349-8B49-0CB0C062A9B7}" destId="{8E19568E-2C9A-2742-817B-DBE290276933}" srcOrd="0" destOrd="0" presId="urn:microsoft.com/office/officeart/2005/8/layout/orgChart1"/>
+    <dgm:cxn modelId="{25DB0105-F9AE-DC47-8C32-1C67AB01515A}" type="presParOf" srcId="{D5688AEE-8444-8349-8B49-0CB0C062A9B7}" destId="{4410FC05-8AC9-3A48-8834-1AB4BBBC4C35}" srcOrd="1" destOrd="0" presId="urn:microsoft.com/office/officeart/2005/8/layout/orgChart1"/>
+    <dgm:cxn modelId="{E19A92A8-C52B-E548-BA99-9D6AC0A31C7D}" type="presParOf" srcId="{4E183F4E-289A-EE48-A8A6-90941181E237}" destId="{861EB84C-BB08-3A4C-909F-D98B08DE6B76}" srcOrd="1" destOrd="0" presId="urn:microsoft.com/office/officeart/2005/8/layout/orgChart1"/>
+    <dgm:cxn modelId="{2C80DBE2-87C4-A842-B3EB-084CEF39754D}" type="presParOf" srcId="{861EB84C-BB08-3A4C-909F-D98B08DE6B76}" destId="{85239D1D-C7EA-834A-9AAE-4F46D551EC7B}" srcOrd="0" destOrd="0" presId="urn:microsoft.com/office/officeart/2005/8/layout/orgChart1"/>
+    <dgm:cxn modelId="{74497C4C-C3A5-E441-B69B-E39F91AE08B8}" type="presParOf" srcId="{861EB84C-BB08-3A4C-909F-D98B08DE6B76}" destId="{00E665F4-43DF-E640-AAEB-42DC019A1F08}" srcOrd="1" destOrd="0" presId="urn:microsoft.com/office/officeart/2005/8/layout/orgChart1"/>
+    <dgm:cxn modelId="{446A652D-0CB4-B24E-9DC4-8292375BD875}" type="presParOf" srcId="{00E665F4-43DF-E640-AAEB-42DC019A1F08}" destId="{7E6ED94B-5618-9F44-B290-FCC4E2EA97BE}" srcOrd="0" destOrd="0" presId="urn:microsoft.com/office/officeart/2005/8/layout/orgChart1"/>
+    <dgm:cxn modelId="{1C1004FB-A86F-444D-B4B9-F9A987BEE09D}" type="presParOf" srcId="{7E6ED94B-5618-9F44-B290-FCC4E2EA97BE}" destId="{1837F620-A098-7645-A20B-07EFC253820A}" srcOrd="0" destOrd="0" presId="urn:microsoft.com/office/officeart/2005/8/layout/orgChart1"/>
+    <dgm:cxn modelId="{9F119E0D-BC43-DA43-8CF1-B5E74A9A6397}" type="presParOf" srcId="{7E6ED94B-5618-9F44-B290-FCC4E2EA97BE}" destId="{C47BD8BA-474A-844C-8BCE-0D0772085EF7}" srcOrd="1" destOrd="0" presId="urn:microsoft.com/office/officeart/2005/8/layout/orgChart1"/>
+    <dgm:cxn modelId="{846B31CA-73FB-DE48-A434-E7C005AF9B09}" type="presParOf" srcId="{00E665F4-43DF-E640-AAEB-42DC019A1F08}" destId="{A6540FAB-9D27-5C4F-AB23-ADD465B95A00}" srcOrd="1" destOrd="0" presId="urn:microsoft.com/office/officeart/2005/8/layout/orgChart1"/>
+    <dgm:cxn modelId="{DF708287-21B1-E14F-AE34-649F805B9BE4}" type="presParOf" srcId="{00E665F4-43DF-E640-AAEB-42DC019A1F08}" destId="{A465BB77-EC62-FD40-80F2-34C84E0E2377}" srcOrd="2" destOrd="0" presId="urn:microsoft.com/office/officeart/2005/8/layout/orgChart1"/>
+    <dgm:cxn modelId="{098DD07F-70BD-1548-AEEB-899D3C6D7DE4}" type="presParOf" srcId="{4E183F4E-289A-EE48-A8A6-90941181E237}" destId="{02EA0507-D80B-4440-87CE-E56AB06243A7}" srcOrd="2" destOrd="0" presId="urn:microsoft.com/office/officeart/2005/8/layout/orgChart1"/>
+    <dgm:cxn modelId="{764C3B76-EEA2-064E-B3CE-FC4B6EFC96B6}" type="presParOf" srcId="{7E007A69-DF23-9E4F-8BC2-B0F593D8510C}" destId="{9FF1B793-2F0B-7A43-8F73-4FA7A51A7210}" srcOrd="2" destOrd="0" presId="urn:microsoft.com/office/officeart/2005/8/layout/orgChart1"/>
+    <dgm:cxn modelId="{ADA7115D-6FB5-ED43-BB61-0047675911F7}" type="presParOf" srcId="{9FF1B793-2F0B-7A43-8F73-4FA7A51A7210}" destId="{F94CC450-CA7D-0347-B7D8-CB5A6271CB9F}" srcOrd="0" destOrd="0" presId="urn:microsoft.com/office/officeart/2005/8/layout/orgChart1"/>
+    <dgm:cxn modelId="{4849A83E-1255-FC46-ADFB-0A6D1CBE5C7A}" type="presParOf" srcId="{9FF1B793-2F0B-7A43-8F73-4FA7A51A7210}" destId="{8B3E50CE-3080-9540-8105-3248DCA95353}" srcOrd="1" destOrd="0" presId="urn:microsoft.com/office/officeart/2005/8/layout/orgChart1"/>
+    <dgm:cxn modelId="{37D910B2-8E76-284F-817E-1CECC9AC9E29}" type="presParOf" srcId="{8B3E50CE-3080-9540-8105-3248DCA95353}" destId="{591687EA-015D-024E-B34D-6AC691B1DA3D}" srcOrd="0" destOrd="0" presId="urn:microsoft.com/office/officeart/2005/8/layout/orgChart1"/>
+    <dgm:cxn modelId="{96E17D22-8D05-7A4D-9473-F55EFA07FE47}" type="presParOf" srcId="{591687EA-015D-024E-B34D-6AC691B1DA3D}" destId="{EF3D6B73-A00A-0F42-B3E6-D63CBE141F71}" srcOrd="0" destOrd="0" presId="urn:microsoft.com/office/officeart/2005/8/layout/orgChart1"/>
+    <dgm:cxn modelId="{79877AF2-58D4-CA41-9D95-38D27C8E43C6}" type="presParOf" srcId="{591687EA-015D-024E-B34D-6AC691B1DA3D}" destId="{A3E37594-EFF8-F649-8E38-499CDBC88A03}" srcOrd="1" destOrd="0" presId="urn:microsoft.com/office/officeart/2005/8/layout/orgChart1"/>
+    <dgm:cxn modelId="{4C0561E0-0C59-8343-93FC-7FFEA2E02BBF}" type="presParOf" srcId="{8B3E50CE-3080-9540-8105-3248DCA95353}" destId="{14D5B78F-D87A-DB4C-97F5-CB7BE41F5674}" srcOrd="1" destOrd="0" presId="urn:microsoft.com/office/officeart/2005/8/layout/orgChart1"/>
+    <dgm:cxn modelId="{B92FB09B-62F2-A24D-A3D5-43ECC23D47CC}" type="presParOf" srcId="{14D5B78F-D87A-DB4C-97F5-CB7BE41F5674}" destId="{0B06B6D5-3879-424F-BDC5-B52A698B7EBB}" srcOrd="0" destOrd="0" presId="urn:microsoft.com/office/officeart/2005/8/layout/orgChart1"/>
+    <dgm:cxn modelId="{ED2AF3E1-2093-FD45-85B1-9F19033BF45F}" type="presParOf" srcId="{14D5B78F-D87A-DB4C-97F5-CB7BE41F5674}" destId="{ECFF9FE1-B291-4948-9D08-B9703B2B6BA3}" srcOrd="1" destOrd="0" presId="urn:microsoft.com/office/officeart/2005/8/layout/orgChart1"/>
+    <dgm:cxn modelId="{582B7282-B6A1-8649-840C-E82BFBCA6F26}" type="presParOf" srcId="{ECFF9FE1-B291-4948-9D08-B9703B2B6BA3}" destId="{A8909985-03F4-DA47-A329-B3F99E4BD08C}" srcOrd="0" destOrd="0" presId="urn:microsoft.com/office/officeart/2005/8/layout/orgChart1"/>
+    <dgm:cxn modelId="{AD07C827-A052-4241-9FBB-56C900B52282}" type="presParOf" srcId="{A8909985-03F4-DA47-A329-B3F99E4BD08C}" destId="{4D4FE7F9-AD3B-C345-B455-E7B6EB3D2D69}" srcOrd="0" destOrd="0" presId="urn:microsoft.com/office/officeart/2005/8/layout/orgChart1"/>
+    <dgm:cxn modelId="{557F3119-2A9D-9B44-B9F2-0C2B85C0DA34}" type="presParOf" srcId="{A8909985-03F4-DA47-A329-B3F99E4BD08C}" destId="{2F2CDFB5-A2BA-9249-843B-DAC0CACBF700}" srcOrd="1" destOrd="0" presId="urn:microsoft.com/office/officeart/2005/8/layout/orgChart1"/>
+    <dgm:cxn modelId="{CF4A6BDE-185F-BE42-984F-8D71850DF1BD}" type="presParOf" srcId="{ECFF9FE1-B291-4948-9D08-B9703B2B6BA3}" destId="{7D3D6155-AA85-2947-9EC1-07D13B0C85D1}" srcOrd="1" destOrd="0" presId="urn:microsoft.com/office/officeart/2005/8/layout/orgChart1"/>
+    <dgm:cxn modelId="{F91F9D26-AF1E-FF40-98FB-EED869EE50FF}" type="presParOf" srcId="{ECFF9FE1-B291-4948-9D08-B9703B2B6BA3}" destId="{3F66C48E-A7F3-FF42-9CC9-CD2890214254}" srcOrd="2" destOrd="0" presId="urn:microsoft.com/office/officeart/2005/8/layout/orgChart1"/>
+    <dgm:cxn modelId="{A50547AB-798B-F845-ABAC-180856FC4728}" type="presParOf" srcId="{8B3E50CE-3080-9540-8105-3248DCA95353}" destId="{A20E5F0A-6AD6-9547-B3CA-137B9B6B5BD7}" srcOrd="2" destOrd="0" presId="urn:microsoft.com/office/officeart/2005/8/layout/orgChart1"/>
+  </dgm:cxnLst>
+  <dgm:bg/>
+  <dgm:whole/>
+  <dgm:extLst>
+    <a:ext uri="http://schemas.microsoft.com/office/drawing/2008/diagram">
+      <dsp:dataModelExt xmlns:dsp="http://schemas.microsoft.com/office/drawing/2008/diagram" relId="rId6" minVer="http://schemas.openxmlformats.org/drawingml/2006/diagram"/>
+    </a:ext>
+  </dgm:extLst>
+</dgm:dataModel>
+</file>
+
+<file path=ppt/diagrams/drawing1.xml><?xml version="1.0" encoding="utf-8"?>
+<dsp:drawing xmlns:dgm="http://schemas.openxmlformats.org/drawingml/2006/diagram" xmlns:dsp="http://schemas.microsoft.com/office/drawing/2008/diagram" xmlns:a="http://schemas.openxmlformats.org/drawingml/2006/main">
+  <dsp:spTree>
+    <dsp:nvGrpSpPr>
+      <dsp:cNvPr id="0" name=""/>
+      <dsp:cNvGrpSpPr/>
+    </dsp:nvGrpSpPr>
+    <dsp:grpSpPr/>
+    <dsp:sp modelId="{0B06B6D5-3879-424F-BDC5-B52A698B7EBB}">
+      <dsp:nvSpPr>
+        <dsp:cNvPr id="0" name=""/>
+        <dsp:cNvSpPr/>
+      </dsp:nvSpPr>
+      <dsp:spPr>
+        <a:xfrm>
+          <a:off x="1881211" y="1251572"/>
+          <a:ext cx="155082" cy="475586"/>
+        </a:xfrm>
+        <a:custGeom>
+          <a:avLst/>
+          <a:gdLst/>
+          <a:ahLst/>
+          <a:cxnLst/>
+          <a:rect l="0" t="0" r="0" b="0"/>
+          <a:pathLst>
+            <a:path>
+              <a:moveTo>
+                <a:pt x="0" y="0"/>
+              </a:moveTo>
+              <a:lnTo>
+                <a:pt x="0" y="475586"/>
+              </a:lnTo>
+              <a:lnTo>
+                <a:pt x="155082" y="475586"/>
+              </a:lnTo>
+            </a:path>
+          </a:pathLst>
+        </a:custGeom>
+        <a:noFill/>
+        <a:ln w="28575" cap="flat" cmpd="sng" algn="ctr">
+          <a:solidFill>
+            <a:schemeClr val="accent6">
+              <a:hueOff val="0"/>
+              <a:satOff val="0"/>
+              <a:lumOff val="0"/>
+              <a:alphaOff val="0"/>
+            </a:schemeClr>
+          </a:solidFill>
+          <a:prstDash val="solid"/>
+        </a:ln>
+        <a:effectLst/>
+      </dsp:spPr>
+      <dsp:style>
+        <a:lnRef idx="2">
+          <a:scrgbClr r="0" g="0" b="0"/>
+        </a:lnRef>
+        <a:fillRef idx="0">
+          <a:scrgbClr r="0" g="0" b="0"/>
+        </a:fillRef>
+        <a:effectRef idx="0">
+          <a:scrgbClr r="0" g="0" b="0"/>
+        </a:effectRef>
+        <a:fontRef idx="minor"/>
+      </dsp:style>
+    </dsp:sp>
+    <dsp:sp modelId="{F94CC450-CA7D-0347-B7D8-CB5A6271CB9F}">
+      <dsp:nvSpPr>
+        <dsp:cNvPr id="0" name=""/>
+        <dsp:cNvSpPr/>
+      </dsp:nvSpPr>
+      <dsp:spPr>
+        <a:xfrm>
+          <a:off x="2398153" y="517514"/>
+          <a:ext cx="780582" cy="475586"/>
+        </a:xfrm>
+        <a:custGeom>
+          <a:avLst/>
+          <a:gdLst/>
+          <a:ahLst/>
+          <a:cxnLst/>
+          <a:rect l="0" t="0" r="0" b="0"/>
+          <a:pathLst>
+            <a:path>
+              <a:moveTo>
+                <a:pt x="780582" y="0"/>
+              </a:moveTo>
+              <a:lnTo>
+                <a:pt x="780582" y="475586"/>
+              </a:lnTo>
+              <a:lnTo>
+                <a:pt x="0" y="475586"/>
+              </a:lnTo>
+            </a:path>
+          </a:pathLst>
+        </a:custGeom>
+        <a:noFill/>
+        <a:ln w="28575" cap="flat" cmpd="sng" algn="ctr">
+          <a:solidFill>
+            <a:schemeClr val="accent5">
+              <a:hueOff val="0"/>
+              <a:satOff val="0"/>
+              <a:lumOff val="0"/>
+              <a:alphaOff val="0"/>
+            </a:schemeClr>
+          </a:solidFill>
+          <a:prstDash val="solid"/>
+        </a:ln>
+        <a:effectLst/>
+      </dsp:spPr>
+      <dsp:style>
+        <a:lnRef idx="2">
+          <a:scrgbClr r="0" g="0" b="0"/>
+        </a:lnRef>
+        <a:fillRef idx="0">
+          <a:scrgbClr r="0" g="0" b="0"/>
+        </a:fillRef>
+        <a:effectRef idx="0">
+          <a:scrgbClr r="0" g="0" b="0"/>
+        </a:effectRef>
+        <a:fontRef idx="minor"/>
+      </dsp:style>
+    </dsp:sp>
+    <dsp:sp modelId="{85239D1D-C7EA-834A-9AAE-4F46D551EC7B}">
+      <dsp:nvSpPr>
+        <dsp:cNvPr id="0" name=""/>
+        <dsp:cNvSpPr/>
+      </dsp:nvSpPr>
+      <dsp:spPr>
+        <a:xfrm>
+          <a:off x="3554645" y="1430475"/>
+          <a:ext cx="214841" cy="475586"/>
+        </a:xfrm>
+        <a:custGeom>
+          <a:avLst/>
+          <a:gdLst/>
+          <a:ahLst/>
+          <a:cxnLst/>
+          <a:rect l="0" t="0" r="0" b="0"/>
+          <a:pathLst>
+            <a:path>
+              <a:moveTo>
+                <a:pt x="214841" y="0"/>
+              </a:moveTo>
+              <a:lnTo>
+                <a:pt x="0" y="475586"/>
+              </a:lnTo>
+            </a:path>
+          </a:pathLst>
+        </a:custGeom>
+        <a:noFill/>
+        <a:ln w="28575" cap="flat" cmpd="sng" algn="ctr">
+          <a:solidFill>
+            <a:schemeClr val="accent6">
+              <a:hueOff val="0"/>
+              <a:satOff val="0"/>
+              <a:lumOff val="0"/>
+              <a:alphaOff val="0"/>
+            </a:schemeClr>
+          </a:solidFill>
+          <a:prstDash val="solid"/>
+        </a:ln>
+        <a:effectLst/>
+      </dsp:spPr>
+      <dsp:style>
+        <a:lnRef idx="2">
+          <a:scrgbClr r="0" g="0" b="0"/>
+        </a:lnRef>
+        <a:fillRef idx="0">
+          <a:scrgbClr r="0" g="0" b="0"/>
+        </a:fillRef>
+        <a:effectRef idx="0">
+          <a:scrgbClr r="0" g="0" b="0"/>
+        </a:effectRef>
+        <a:fontRef idx="minor"/>
+      </dsp:style>
+    </dsp:sp>
+    <dsp:sp modelId="{A74E31F6-DB94-E341-B4F3-A84CDE79C123}">
+      <dsp:nvSpPr>
+        <dsp:cNvPr id="0" name=""/>
+        <dsp:cNvSpPr/>
+      </dsp:nvSpPr>
+      <dsp:spPr>
+        <a:xfrm>
+          <a:off x="3178735" y="517514"/>
+          <a:ext cx="1004304" cy="396019"/>
+        </a:xfrm>
+        <a:custGeom>
+          <a:avLst/>
+          <a:gdLst/>
+          <a:ahLst/>
+          <a:cxnLst/>
+          <a:rect l="0" t="0" r="0" b="0"/>
+          <a:pathLst>
+            <a:path>
+              <a:moveTo>
+                <a:pt x="0" y="0"/>
+              </a:moveTo>
+              <a:lnTo>
+                <a:pt x="0" y="287461"/>
+              </a:lnTo>
+              <a:lnTo>
+                <a:pt x="1004304" y="287461"/>
+              </a:lnTo>
+              <a:lnTo>
+                <a:pt x="1004304" y="396019"/>
+              </a:lnTo>
+            </a:path>
+          </a:pathLst>
+        </a:custGeom>
+        <a:noFill/>
+        <a:ln w="28575" cap="flat" cmpd="sng" algn="ctr">
+          <a:solidFill>
+            <a:schemeClr val="accent5">
+              <a:hueOff val="0"/>
+              <a:satOff val="0"/>
+              <a:lumOff val="0"/>
+              <a:alphaOff val="0"/>
+            </a:schemeClr>
+          </a:solidFill>
+          <a:prstDash val="solid"/>
+        </a:ln>
+        <a:effectLst/>
+      </dsp:spPr>
+      <dsp:style>
+        <a:lnRef idx="2">
+          <a:scrgbClr r="0" g="0" b="0"/>
+        </a:lnRef>
+        <a:fillRef idx="0">
+          <a:scrgbClr r="0" g="0" b="0"/>
+        </a:fillRef>
+        <a:effectRef idx="0">
+          <a:scrgbClr r="0" g="0" b="0"/>
+        </a:effectRef>
+        <a:fontRef idx="minor"/>
+      </dsp:style>
+    </dsp:sp>
+    <dsp:sp modelId="{EB993652-BDFC-EA4A-B653-9AA1BE4821F4}">
+      <dsp:nvSpPr>
+        <dsp:cNvPr id="0" name=""/>
+        <dsp:cNvSpPr/>
+      </dsp:nvSpPr>
+      <dsp:spPr>
+        <a:xfrm>
+          <a:off x="2661793" y="572"/>
+          <a:ext cx="1033884" cy="516942"/>
+        </a:xfrm>
+        <a:prstGeom prst="rect">
+          <a:avLst/>
+        </a:prstGeom>
+        <a:gradFill rotWithShape="0">
+          <a:gsLst>
+            <a:gs pos="0">
+              <a:schemeClr val="accent3">
+                <a:hueOff val="0"/>
+                <a:satOff val="0"/>
+                <a:lumOff val="0"/>
+                <a:alphaOff val="0"/>
+                <a:tint val="60000"/>
+                <a:satMod val="250000"/>
+              </a:schemeClr>
+            </a:gs>
+            <a:gs pos="35000">
+              <a:schemeClr val="accent3">
+                <a:hueOff val="0"/>
+                <a:satOff val="0"/>
+                <a:lumOff val="0"/>
+                <a:alphaOff val="0"/>
+                <a:tint val="47000"/>
+                <a:satMod val="275000"/>
+              </a:schemeClr>
+            </a:gs>
+            <a:gs pos="100000">
+              <a:schemeClr val="accent3">
+                <a:hueOff val="0"/>
+                <a:satOff val="0"/>
+                <a:lumOff val="0"/>
+                <a:alphaOff val="0"/>
+                <a:tint val="25000"/>
+                <a:satMod val="300000"/>
+              </a:schemeClr>
+            </a:gs>
+          </a:gsLst>
+          <a:lin ang="16200000" scaled="1"/>
+        </a:gradFill>
+        <a:ln>
+          <a:noFill/>
+        </a:ln>
+        <a:effectLst/>
+        <a:scene3d>
+          <a:camera prst="orthographicFront"/>
+          <a:lightRig rig="flat" dir="t"/>
+        </a:scene3d>
+        <a:sp3d prstMaterial="dkEdge">
+          <a:bevelT w="8200" h="38100"/>
+        </a:sp3d>
+      </dsp:spPr>
+      <dsp:style>
+        <a:lnRef idx="0">
+          <a:scrgbClr r="0" g="0" b="0"/>
+        </a:lnRef>
+        <a:fillRef idx="2">
+          <a:scrgbClr r="0" g="0" b="0"/>
+        </a:fillRef>
+        <a:effectRef idx="1">
+          <a:scrgbClr r="0" g="0" b="0"/>
+        </a:effectRef>
+        <a:fontRef idx="minor">
+          <a:schemeClr val="dk1"/>
+        </a:fontRef>
+      </dsp:style>
+      <dsp:txBody>
+        <a:bodyPr spcFirstLastPara="0" vert="horz" wrap="square" lIns="6985" tIns="6985" rIns="6985" bIns="6985" numCol="1" spcCol="1270" anchor="ctr" anchorCtr="0">
+          <a:noAutofit/>
+        </a:bodyPr>
+        <a:lstStyle/>
+        <a:p>
+          <a:pPr lvl="0" algn="ctr" defTabSz="488950">
+            <a:lnSpc>
+              <a:spcPct val="90000"/>
+            </a:lnSpc>
+            <a:spcBef>
+              <a:spcPct val="0"/>
+            </a:spcBef>
+            <a:spcAft>
+              <a:spcPct val="35000"/>
+            </a:spcAft>
+          </a:pPr>
+          <a:r>
+            <a:rPr lang="en-US" sz="1100" kern="1200" dirty="0" smtClean="0"/>
+            <a:t>66 Hard Drug Use at Baseline </a:t>
+          </a:r>
+          <a:endParaRPr lang="en-US" sz="1100" kern="1200" dirty="0"/>
+        </a:p>
+      </dsp:txBody>
+      <dsp:txXfrm>
+        <a:off x="2661793" y="572"/>
+        <a:ext cx="1033884" cy="516942"/>
+      </dsp:txXfrm>
+    </dsp:sp>
+    <dsp:sp modelId="{8E19568E-2C9A-2742-817B-DBE290276933}">
+      <dsp:nvSpPr>
+        <dsp:cNvPr id="0" name=""/>
+        <dsp:cNvSpPr/>
+      </dsp:nvSpPr>
+      <dsp:spPr>
+        <a:xfrm>
+          <a:off x="3666098" y="913533"/>
+          <a:ext cx="1033884" cy="516942"/>
+        </a:xfrm>
+        <a:prstGeom prst="rect">
+          <a:avLst/>
+        </a:prstGeom>
+        <a:gradFill rotWithShape="0">
+          <a:gsLst>
+            <a:gs pos="0">
+              <a:schemeClr val="accent5">
+                <a:hueOff val="0"/>
+                <a:satOff val="0"/>
+                <a:lumOff val="0"/>
+                <a:alphaOff val="0"/>
+                <a:tint val="60000"/>
+                <a:satMod val="250000"/>
+              </a:schemeClr>
+            </a:gs>
+            <a:gs pos="35000">
+              <a:schemeClr val="accent5">
+                <a:hueOff val="0"/>
+                <a:satOff val="0"/>
+                <a:lumOff val="0"/>
+                <a:alphaOff val="0"/>
+                <a:tint val="47000"/>
+                <a:satMod val="275000"/>
+              </a:schemeClr>
+            </a:gs>
+            <a:gs pos="100000">
+              <a:schemeClr val="accent5">
+                <a:hueOff val="0"/>
+                <a:satOff val="0"/>
+                <a:lumOff val="0"/>
+                <a:alphaOff val="0"/>
+                <a:tint val="25000"/>
+                <a:satMod val="300000"/>
+              </a:schemeClr>
+            </a:gs>
+          </a:gsLst>
+          <a:lin ang="16200000" scaled="1"/>
+        </a:gradFill>
+        <a:ln>
+          <a:noFill/>
+        </a:ln>
+        <a:effectLst/>
+        <a:scene3d>
+          <a:camera prst="orthographicFront"/>
+          <a:lightRig rig="flat" dir="t"/>
+        </a:scene3d>
+        <a:sp3d prstMaterial="dkEdge">
+          <a:bevelT w="8200" h="38100"/>
+        </a:sp3d>
+      </dsp:spPr>
+      <dsp:style>
+        <a:lnRef idx="0">
+          <a:scrgbClr r="0" g="0" b="0"/>
+        </a:lnRef>
+        <a:fillRef idx="2">
+          <a:scrgbClr r="0" g="0" b="0"/>
+        </a:fillRef>
+        <a:effectRef idx="1">
+          <a:scrgbClr r="0" g="0" b="0"/>
+        </a:effectRef>
+        <a:fontRef idx="minor">
+          <a:schemeClr val="dk1"/>
+        </a:fontRef>
+      </dsp:style>
+      <dsp:txBody>
+        <a:bodyPr spcFirstLastPara="0" vert="horz" wrap="square" lIns="6985" tIns="6985" rIns="6985" bIns="6985" numCol="1" spcCol="1270" anchor="ctr" anchorCtr="0">
+          <a:noAutofit/>
+        </a:bodyPr>
+        <a:lstStyle/>
+        <a:p>
+          <a:pPr lvl="0" algn="ctr" defTabSz="488950">
+            <a:lnSpc>
+              <a:spcPct val="90000"/>
+            </a:lnSpc>
+            <a:spcBef>
+              <a:spcPct val="0"/>
+            </a:spcBef>
+            <a:spcAft>
+              <a:spcPct val="35000"/>
+            </a:spcAft>
+          </a:pPr>
+          <a:r>
+            <a:rPr lang="en-US" sz="1100" kern="1200" dirty="0" smtClean="0"/>
+            <a:t>27 Lost to Follow Up</a:t>
+          </a:r>
+          <a:endParaRPr lang="en-US" sz="1100" kern="1200" dirty="0"/>
+        </a:p>
+      </dsp:txBody>
+      <dsp:txXfrm>
+        <a:off x="3666098" y="913533"/>
+        <a:ext cx="1033884" cy="516942"/>
+      </dsp:txXfrm>
+    </dsp:sp>
+    <dsp:sp modelId="{1837F620-A098-7645-A20B-07EFC253820A}">
+      <dsp:nvSpPr>
+        <dsp:cNvPr id="0" name=""/>
+        <dsp:cNvSpPr/>
+      </dsp:nvSpPr>
+      <dsp:spPr>
+        <a:xfrm>
+          <a:off x="3554645" y="1647591"/>
+          <a:ext cx="1033884" cy="516942"/>
+        </a:xfrm>
+        <a:prstGeom prst="rect">
+          <a:avLst/>
+        </a:prstGeom>
+        <a:gradFill rotWithShape="0">
+          <a:gsLst>
+            <a:gs pos="0">
+              <a:schemeClr val="accent6">
+                <a:hueOff val="0"/>
+                <a:satOff val="0"/>
+                <a:lumOff val="0"/>
+                <a:alphaOff val="0"/>
+                <a:tint val="60000"/>
+                <a:satMod val="250000"/>
+              </a:schemeClr>
+            </a:gs>
+            <a:gs pos="35000">
+              <a:schemeClr val="accent6">
+                <a:hueOff val="0"/>
+                <a:satOff val="0"/>
+                <a:lumOff val="0"/>
+                <a:alphaOff val="0"/>
+                <a:tint val="47000"/>
+                <a:satMod val="275000"/>
+              </a:schemeClr>
+            </a:gs>
+            <a:gs pos="100000">
+              <a:schemeClr val="accent6">
+                <a:hueOff val="0"/>
+                <a:satOff val="0"/>
+                <a:lumOff val="0"/>
+                <a:alphaOff val="0"/>
+                <a:tint val="25000"/>
+                <a:satMod val="300000"/>
+              </a:schemeClr>
+            </a:gs>
+          </a:gsLst>
+          <a:lin ang="16200000" scaled="1"/>
+        </a:gradFill>
+        <a:ln>
+          <a:noFill/>
+        </a:ln>
+        <a:effectLst/>
+        <a:scene3d>
+          <a:camera prst="orthographicFront"/>
+          <a:lightRig rig="flat" dir="t"/>
+        </a:scene3d>
+        <a:sp3d prstMaterial="dkEdge">
+          <a:bevelT w="8200" h="38100"/>
+        </a:sp3d>
+      </dsp:spPr>
+      <dsp:style>
+        <a:lnRef idx="0">
+          <a:scrgbClr r="0" g="0" b="0"/>
+        </a:lnRef>
+        <a:fillRef idx="2">
+          <a:scrgbClr r="0" g="0" b="0"/>
+        </a:fillRef>
+        <a:effectRef idx="1">
+          <a:scrgbClr r="0" g="0" b="0"/>
+        </a:effectRef>
+        <a:fontRef idx="minor">
+          <a:schemeClr val="dk1"/>
+        </a:fontRef>
+      </dsp:style>
+      <dsp:txBody>
+        <a:bodyPr spcFirstLastPara="0" vert="horz" wrap="square" lIns="6985" tIns="6985" rIns="6985" bIns="6985" numCol="1" spcCol="1270" anchor="ctr" anchorCtr="0">
+          <a:noAutofit/>
+        </a:bodyPr>
+        <a:lstStyle/>
+        <a:p>
+          <a:pPr lvl="0" algn="ctr" defTabSz="488950">
+            <a:lnSpc>
+              <a:spcPct val="90000"/>
+            </a:lnSpc>
+            <a:spcBef>
+              <a:spcPct val="0"/>
+            </a:spcBef>
+            <a:spcAft>
+              <a:spcPct val="35000"/>
+            </a:spcAft>
+          </a:pPr>
+          <a:r>
+            <a:rPr lang="en-US" sz="1100" kern="1200" dirty="0" smtClean="0"/>
+            <a:t>24 reported IDU (88%)</a:t>
+          </a:r>
+          <a:endParaRPr lang="en-US" sz="1100" kern="1200" dirty="0"/>
+        </a:p>
+      </dsp:txBody>
+      <dsp:txXfrm>
+        <a:off x="3554645" y="1647591"/>
+        <a:ext cx="1033884" cy="516942"/>
+      </dsp:txXfrm>
+    </dsp:sp>
+    <dsp:sp modelId="{EF3D6B73-A00A-0F42-B3E6-D63CBE141F71}">
+      <dsp:nvSpPr>
+        <dsp:cNvPr id="0" name=""/>
+        <dsp:cNvSpPr/>
+      </dsp:nvSpPr>
+      <dsp:spPr>
+        <a:xfrm>
+          <a:off x="1364268" y="734630"/>
+          <a:ext cx="1033884" cy="516942"/>
+        </a:xfrm>
+        <a:prstGeom prst="rect">
+          <a:avLst/>
+        </a:prstGeom>
+        <a:gradFill rotWithShape="0">
+          <a:gsLst>
+            <a:gs pos="0">
+              <a:schemeClr val="accent5">
+                <a:hueOff val="0"/>
+                <a:satOff val="0"/>
+                <a:lumOff val="0"/>
+                <a:alphaOff val="0"/>
+                <a:tint val="60000"/>
+                <a:satMod val="250000"/>
+              </a:schemeClr>
+            </a:gs>
+            <a:gs pos="35000">
+              <a:schemeClr val="accent5">
+                <a:hueOff val="0"/>
+                <a:satOff val="0"/>
+                <a:lumOff val="0"/>
+                <a:alphaOff val="0"/>
+                <a:tint val="47000"/>
+                <a:satMod val="275000"/>
+              </a:schemeClr>
+            </a:gs>
+            <a:gs pos="100000">
+              <a:schemeClr val="accent5">
+                <a:hueOff val="0"/>
+                <a:satOff val="0"/>
+                <a:lumOff val="0"/>
+                <a:alphaOff val="0"/>
+                <a:tint val="25000"/>
+                <a:satMod val="300000"/>
+              </a:schemeClr>
+            </a:gs>
+          </a:gsLst>
+          <a:lin ang="16200000" scaled="1"/>
+        </a:gradFill>
+        <a:ln>
+          <a:noFill/>
+        </a:ln>
+        <a:effectLst/>
+        <a:scene3d>
+          <a:camera prst="orthographicFront"/>
+          <a:lightRig rig="flat" dir="t"/>
+        </a:scene3d>
+        <a:sp3d prstMaterial="dkEdge">
+          <a:bevelT w="8200" h="38100"/>
+        </a:sp3d>
+      </dsp:spPr>
+      <dsp:style>
+        <a:lnRef idx="0">
+          <a:scrgbClr r="0" g="0" b="0"/>
+        </a:lnRef>
+        <a:fillRef idx="2">
+          <a:scrgbClr r="0" g="0" b="0"/>
+        </a:fillRef>
+        <a:effectRef idx="1">
+          <a:scrgbClr r="0" g="0" b="0"/>
+        </a:effectRef>
+        <a:fontRef idx="minor">
+          <a:schemeClr val="dk1"/>
+        </a:fontRef>
+      </dsp:style>
+      <dsp:txBody>
+        <a:bodyPr spcFirstLastPara="0" vert="horz" wrap="square" lIns="6985" tIns="6985" rIns="6985" bIns="6985" numCol="1" spcCol="1270" anchor="ctr" anchorCtr="0">
+          <a:noAutofit/>
+        </a:bodyPr>
+        <a:lstStyle/>
+        <a:p>
+          <a:pPr lvl="0" algn="ctr" defTabSz="488950">
+            <a:lnSpc>
+              <a:spcPct val="90000"/>
+            </a:lnSpc>
+            <a:spcBef>
+              <a:spcPct val="0"/>
+            </a:spcBef>
+            <a:spcAft>
+              <a:spcPct val="35000"/>
+            </a:spcAft>
+          </a:pPr>
+          <a:r>
+            <a:rPr lang="en-US" sz="1100" kern="1200" dirty="0" smtClean="0"/>
+            <a:t>39 @ Year Two</a:t>
+          </a:r>
+          <a:endParaRPr lang="en-US" sz="1100" kern="1200" dirty="0"/>
+        </a:p>
+      </dsp:txBody>
+      <dsp:txXfrm>
+        <a:off x="1364268" y="734630"/>
+        <a:ext cx="1033884" cy="516942"/>
+      </dsp:txXfrm>
+    </dsp:sp>
+    <dsp:sp modelId="{4D4FE7F9-AD3B-C345-B455-E7B6EB3D2D69}">
+      <dsp:nvSpPr>
+        <dsp:cNvPr id="0" name=""/>
+        <dsp:cNvSpPr/>
+      </dsp:nvSpPr>
+      <dsp:spPr>
+        <a:xfrm>
+          <a:off x="2036293" y="1468687"/>
+          <a:ext cx="1033884" cy="516942"/>
+        </a:xfrm>
+        <a:prstGeom prst="rect">
+          <a:avLst/>
+        </a:prstGeom>
+        <a:gradFill rotWithShape="0">
+          <a:gsLst>
+            <a:gs pos="0">
+              <a:schemeClr val="accent6">
+                <a:hueOff val="0"/>
+                <a:satOff val="0"/>
+                <a:lumOff val="0"/>
+                <a:alphaOff val="0"/>
+                <a:tint val="60000"/>
+                <a:satMod val="250000"/>
+              </a:schemeClr>
+            </a:gs>
+            <a:gs pos="35000">
+              <a:schemeClr val="accent6">
+                <a:hueOff val="0"/>
+                <a:satOff val="0"/>
+                <a:lumOff val="0"/>
+                <a:alphaOff val="0"/>
+                <a:tint val="47000"/>
+                <a:satMod val="275000"/>
+              </a:schemeClr>
+            </a:gs>
+            <a:gs pos="100000">
+              <a:schemeClr val="accent6">
+                <a:hueOff val="0"/>
+                <a:satOff val="0"/>
+                <a:lumOff val="0"/>
+                <a:alphaOff val="0"/>
+                <a:tint val="25000"/>
+                <a:satMod val="300000"/>
+              </a:schemeClr>
+            </a:gs>
+          </a:gsLst>
+          <a:lin ang="16200000" scaled="1"/>
+        </a:gradFill>
+        <a:ln>
+          <a:noFill/>
+        </a:ln>
+        <a:effectLst/>
+        <a:scene3d>
+          <a:camera prst="orthographicFront"/>
+          <a:lightRig rig="flat" dir="t"/>
+        </a:scene3d>
+        <a:sp3d prstMaterial="dkEdge">
+          <a:bevelT w="8200" h="38100"/>
+        </a:sp3d>
+      </dsp:spPr>
+      <dsp:style>
+        <a:lnRef idx="0">
+          <a:scrgbClr r="0" g="0" b="0"/>
+        </a:lnRef>
+        <a:fillRef idx="2">
+          <a:scrgbClr r="0" g="0" b="0"/>
+        </a:fillRef>
+        <a:effectRef idx="1">
+          <a:scrgbClr r="0" g="0" b="0"/>
+        </a:effectRef>
+        <a:fontRef idx="minor">
+          <a:schemeClr val="dk1"/>
+        </a:fontRef>
+      </dsp:style>
+      <dsp:txBody>
+        <a:bodyPr spcFirstLastPara="0" vert="horz" wrap="square" lIns="6985" tIns="6985" rIns="6985" bIns="6985" numCol="1" spcCol="1270" anchor="ctr" anchorCtr="0">
+          <a:noAutofit/>
+        </a:bodyPr>
+        <a:lstStyle/>
+        <a:p>
+          <a:pPr lvl="0" algn="ctr" defTabSz="488950">
+            <a:lnSpc>
+              <a:spcPct val="90000"/>
+            </a:lnSpc>
+            <a:spcBef>
+              <a:spcPct val="0"/>
+            </a:spcBef>
+            <a:spcAft>
+              <a:spcPct val="35000"/>
+            </a:spcAft>
+          </a:pPr>
+          <a:r>
+            <a:rPr lang="en-US" sz="1100" kern="1200" dirty="0" smtClean="0"/>
+            <a:t>20 reported not using hard drugs @ year 2</a:t>
+          </a:r>
+          <a:endParaRPr lang="en-US" sz="1100" kern="1200" dirty="0"/>
+        </a:p>
+      </dsp:txBody>
+      <dsp:txXfrm>
+        <a:off x="2036293" y="1468687"/>
+        <a:ext cx="1033884" cy="516942"/>
+      </dsp:txXfrm>
+    </dsp:sp>
+  </dsp:spTree>
+</dsp:drawing>
+</file>
+
+<file path=ppt/diagrams/layout1.xml><?xml version="1.0" encoding="utf-8"?>
+<dgm:layoutDef xmlns:dgm="http://schemas.openxmlformats.org/drawingml/2006/diagram" xmlns:a="http://schemas.openxmlformats.org/drawingml/2006/main" uniqueId="urn:microsoft.com/office/officeart/2005/8/layout/orgChart1">
+  <dgm:title val=""/>
+  <dgm:desc val=""/>
+  <dgm:catLst>
+    <dgm:cat type="hierarchy" pri="1000"/>
+    <dgm:cat type="convert" pri="6000"/>
+  </dgm:catLst>
+  <dgm:sampData>
+    <dgm:dataModel>
+      <dgm:ptLst>
+        <dgm:pt modelId="0" type="doc"/>
+        <dgm:pt modelId="1">
+          <dgm:prSet phldr="1"/>
+        </dgm:pt>
+        <dgm:pt modelId="2" type="asst">
+          <dgm:prSet phldr="1"/>
+        </dgm:pt>
+        <dgm:pt modelId="3">
+          <dgm:prSet phldr="1"/>
+        </dgm:pt>
+        <dgm:pt modelId="4">
+          <dgm:prSet phldr="1"/>
+        </dgm:pt>
+        <dgm:pt modelId="5">
+          <dgm:prSet phldr="1"/>
+        </dgm:pt>
+      </dgm:ptLst>
+      <dgm:cxnLst>
+        <dgm:cxn modelId="5" srcId="0" destId="1" srcOrd="0" destOrd="0"/>
+        <dgm:cxn modelId="6" srcId="1" destId="2" srcOrd="0" destOrd="0"/>
+        <dgm:cxn modelId="7" srcId="1" destId="3" srcOrd="1" destOrd="0"/>
+        <dgm:cxn modelId="8" srcId="1" destId="4" srcOrd="2" destOrd="0"/>
+        <dgm:cxn modelId="9" srcId="1" destId="5" srcOrd="3" destOrd="0"/>
+      </dgm:cxnLst>
+      <dgm:bg/>
+      <dgm:whole/>
+    </dgm:dataModel>
+  </dgm:sampData>
+  <dgm:styleData>
+    <dgm:dataModel>
+      <dgm:ptLst>
+        <dgm:pt modelId="0" type="doc"/>
+        <dgm:pt modelId="1"/>
+        <dgm:pt modelId="12"/>
+        <dgm:pt modelId="13"/>
+      </dgm:ptLst>
+      <dgm:cxnLst>
+        <dgm:cxn modelId="2" srcId="0" destId="1" srcOrd="0" destOrd="0"/>
+        <dgm:cxn modelId="16" srcId="1" destId="12" srcOrd="1" destOrd="0"/>
+        <dgm:cxn modelId="17" srcId="1" destId="13" srcOrd="2" destOrd="0"/>
+      </dgm:cxnLst>
+      <dgm:bg/>
+      <dgm:whole/>
+    </dgm:dataModel>
+  </dgm:styleData>
+  <dgm:clrData>
+    <dgm:dataModel>
+      <dgm:ptLst>
+        <dgm:pt modelId="0" type="doc"/>
+        <dgm:pt modelId="1"/>
+        <dgm:pt modelId="11" type="asst"/>
+        <dgm:pt modelId="12"/>
+        <dgm:pt modelId="13"/>
+        <dgm:pt modelId="14"/>
+      </dgm:ptLst>
+      <dgm:cxnLst>
+        <dgm:cxn modelId="2" srcId="0" destId="1" srcOrd="0" destOrd="0"/>
+        <dgm:cxn modelId="15" srcId="1" destId="11" srcOrd="0" destOrd="0"/>
+        <dgm:cxn modelId="16" srcId="1" destId="12" srcOrd="1" destOrd="0"/>
+        <dgm:cxn modelId="17" srcId="1" destId="13" srcOrd="2" destOrd="0"/>
+        <dgm:cxn modelId="18" srcId="1" destId="14" srcOrd="2" destOrd="0"/>
+      </dgm:cxnLst>
+      <dgm:bg/>
+      <dgm:whole/>
+    </dgm:dataModel>
+  </dgm:clrData>
+  <dgm:layoutNode name="hierChild1">
+    <dgm:varLst>
+      <dgm:orgChart val="1"/>
+      <dgm:chPref val="1"/>
+      <dgm:dir/>
+      <dgm:animOne val="branch"/>
+      <dgm:animLvl val="lvl"/>
+      <dgm:resizeHandles/>
+    </dgm:varLst>
+    <dgm:choose name="Name0">
+      <dgm:if name="Name1" func="var" arg="dir" op="equ" val="norm">
+        <dgm:alg type="hierChild">
+          <dgm:param type="linDir" val="fromL"/>
+        </dgm:alg>
+      </dgm:if>
+      <dgm:else name="Name2">
+        <dgm:alg type="hierChild">
+          <dgm:param type="linDir" val="fromR"/>
+        </dgm:alg>
+      </dgm:else>
+    </dgm:choose>
+    <dgm:shape xmlns:r="http://schemas.openxmlformats.org/officeDocument/2006/relationships" r:blip="">
+      <dgm:adjLst/>
+    </dgm:shape>
+    <dgm:presOf/>
+    <dgm:constrLst>
+      <dgm:constr type="w" for="des" forName="rootComposite1" refType="w" fact="10"/>
+      <dgm:constr type="h" for="des" forName="rootComposite1" refType="w" refFor="des" refForName="rootComposite1" fact="0.5"/>
+      <dgm:constr type="w" for="des" forName="rootComposite" refType="w" fact="10"/>
+      <dgm:constr type="h" for="des" forName="rootComposite" refType="w" refFor="des" refForName="rootComposite1" fact="0.5"/>
+      <dgm:constr type="w" for="des" forName="rootComposite3" refType="w" fact="10"/>
+      <dgm:constr type="h" for="des" forName="rootComposite3" refType="w" refFor="des" refForName="rootComposite1" fact="0.5"/>
+      <dgm:constr type="primFontSz" for="des" ptType="node" op="equ"/>
+      <dgm:constr type="sp" for="des" op="equ"/>
+      <dgm:constr type="sp" for="des" forName="hierRoot1" refType="w" refFor="des" refForName="rootComposite1" fact="0.21"/>
+      <dgm:constr type="sp" for="des" forName="hierRoot2" refType="sp" refFor="des" refForName="hierRoot1"/>
+      <dgm:constr type="sp" for="des" forName="hierRoot3" refType="sp" refFor="des" refForName="hierRoot1"/>
+      <dgm:constr type="sibSp" refType="w" refFor="des" refForName="rootComposite1" fact="0.21"/>
+      <dgm:constr type="sibSp" for="des" forName="hierChild2" refType="sibSp"/>
+      <dgm:constr type="sibSp" for="des" forName="hierChild3" refType="sibSp"/>
+      <dgm:constr type="sibSp" for="des" forName="hierChild4" refType="sibSp"/>
+      <dgm:constr type="sibSp" for="des" forName="hierChild5" refType="sibSp"/>
+      <dgm:constr type="sibSp" for="des" forName="hierChild6" refType="sibSp"/>
+      <dgm:constr type="sibSp" for="des" forName="hierChild7" refType="sibSp"/>
+      <dgm:constr type="secSibSp" refType="w" refFor="des" refForName="rootComposite1" fact="0.21"/>
+      <dgm:constr type="secSibSp" for="des" forName="hierChild2" refType="secSibSp"/>
+      <dgm:constr type="secSibSp" for="des" forName="hierChild3" refType="secSibSp"/>
+      <dgm:constr type="secSibSp" for="des" forName="hierChild4" refType="secSibSp"/>
+      <dgm:constr type="secSibSp" for="des" forName="hierChild5" refType="secSibSp"/>
+      <dgm:constr type="secSibSp" for="des" forName="hierChild6" refType="secSibSp"/>
+      <dgm:constr type="secSibSp" for="des" forName="hierChild7" refType="secSibSp"/>
+    </dgm:constrLst>
+    <dgm:ruleLst/>
+    <dgm:forEach name="Name3" axis="ch">
+      <dgm:forEach name="Name4" axis="self" ptType="node">
+        <dgm:layoutNode name="hierRoot1">
+          <dgm:varLst>
+            <dgm:hierBranch val="init"/>
+          </dgm:varLst>
+          <dgm:choose name="Name5">
+            <dgm:if name="Name6" func="var" arg="hierBranch" op="equ" val="l">
+              <dgm:choose name="Name7">
+                <dgm:if name="Name8" axis="ch" ptType="asst" func="cnt" op="gte" val="1">
+                  <dgm:alg type="hierRoot">
+                    <dgm:param type="hierAlign" val="tR"/>
+                  </dgm:alg>
+                  <dgm:constrLst>
+                    <dgm:constr type="alignOff" val="0.65"/>
+                  </dgm:constrLst>
+                </dgm:if>
+                <dgm:else name="Name9">
+                  <dgm:alg type="hierRoot">
+                    <dgm:param type="hierAlign" val="tR"/>
+                  </dgm:alg>
+                  <dgm:constrLst>
+                    <dgm:constr type="alignOff" val="0.25"/>
+                  </dgm:constrLst>
+                </dgm:else>
+              </dgm:choose>
+            </dgm:if>
+            <dgm:if name="Name10" func="var" arg="hierBranch" op="equ" val="r">
+              <dgm:choose name="Name11">
+                <dgm:if name="Name12" axis="ch" ptType="asst" func="cnt" op="gte" val="1">
+                  <dgm:alg type="hierRoot">
+                    <dgm:param type="hierAlign" val="tL"/>
+                  </dgm:alg>
+                  <dgm:constrLst>
+                    <dgm:constr type="alignOff" val="0.65"/>
+                  </dgm:constrLst>
+                </dgm:if>
+                <dgm:else name="Name13">
+                  <dgm:alg type="hierRoot">
+                    <dgm:param type="hierAlign" val="tL"/>
+                  </dgm:alg>
+                  <dgm:constrLst>
+                    <dgm:constr type="alignOff" val="0.25"/>
+                  </dgm:constrLst>
+                </dgm:else>
+              </dgm:choose>
+            </dgm:if>
+            <dgm:if name="Name14" func="var" arg="hierBranch" op="equ" val="hang">
+              <dgm:alg type="hierRoot"/>
+              <dgm:constrLst>
+                <dgm:constr type="alignOff" val="0.65"/>
+              </dgm:constrLst>
+            </dgm:if>
+            <dgm:else name="Name15">
+              <dgm:alg type="hierRoot"/>
+              <dgm:constrLst>
+                <dgm:constr type="alignOff"/>
+                <dgm:constr type="bendDist" for="des" ptType="parTrans" refType="sp" fact="0.5"/>
+              </dgm:constrLst>
+            </dgm:else>
+          </dgm:choose>
+          <dgm:shape xmlns:r="http://schemas.openxmlformats.org/officeDocument/2006/relationships" r:blip="">
+            <dgm:adjLst/>
+          </dgm:shape>
+          <dgm:presOf/>
+          <dgm:ruleLst/>
+          <dgm:layoutNode name="rootComposite1">
+            <dgm:alg type="composite"/>
+            <dgm:shape xmlns:r="http://schemas.openxmlformats.org/officeDocument/2006/relationships" r:blip="">
+              <dgm:adjLst/>
+            </dgm:shape>
+            <dgm:presOf axis="self" ptType="node" cnt="1"/>
+            <dgm:choose name="Name16">
+              <dgm:if name="Name17" func="var" arg="hierBranch" op="equ" val="init">
+                <dgm:constrLst>
+                  <dgm:constr type="l" for="ch" forName="rootText1"/>
+                  <dgm:constr type="t" for="ch" forName="rootText1"/>
+                  <dgm:constr type="w" for="ch" forName="rootText1" refType="w"/>
+                  <dgm:constr type="h" for="ch" forName="rootText1" refType="h"/>
+                  <dgm:constr type="l" for="ch" forName="rootConnector1"/>
+                  <dgm:constr type="t" for="ch" forName="rootConnector1"/>
+                  <dgm:constr type="w" for="ch" forName="rootConnector1" refType="w" refFor="ch" refForName="rootText1" fact="0.2"/>
+                  <dgm:constr type="h" for="ch" forName="rootConnector1" refType="h" refFor="ch" refForName="rootText1"/>
+                </dgm:constrLst>
+              </dgm:if>
+              <dgm:if name="Name18" func="var" arg="hierBranch" op="equ" val="l">
+                <dgm:constrLst>
+                  <dgm:constr type="l" for="ch" forName="rootText1"/>
+                  <dgm:constr type="t" for="ch" forName="rootText1"/>
+                  <dgm:constr type="w" for="ch" forName="rootText1" refType="w"/>
+                  <dgm:constr type="h" for="ch" forName="rootText1" refType="h"/>
+                  <dgm:constr type="r" for="ch" forName="rootConnector1" refType="w"/>
+                  <dgm:constr type="t" for="ch" forName="rootConnector1"/>
+                  <dgm:constr type="w" for="ch" forName="rootConnector1" refType="w" refFor="ch" refForName="rootText1" fact="0.2"/>
+                  <dgm:constr type="h" for="ch" forName="rootConnector1" refType="h" refFor="ch" refForName="rootText1"/>
+                </dgm:constrLst>
+              </dgm:if>
+              <dgm:if name="Name19" func="var" arg="hierBranch" op="equ" val="r">
+                <dgm:constrLst>
+                  <dgm:constr type="l" for="ch" forName="rootText1"/>
+                  <dgm:constr type="t" for="ch" forName="rootText1"/>
+                  <dgm:constr type="w" for="ch" forName="rootText1" refType="w"/>
+                  <dgm:constr type="h" for="ch" forName="rootText1" refType="h"/>
+                  <dgm:constr type="l" for="ch" forName="rootConnector1"/>
+                  <dgm:constr type="t" for="ch" forName="rootConnector1"/>
+                  <dgm:constr type="w" for="ch" forName="rootConnector1" refType="w" refFor="ch" refForName="rootText1" fact="0.2"/>
+                  <dgm:constr type="h" for="ch" forName="rootConnector1" refType="h" refFor="ch" refForName="rootText1"/>
+                </dgm:constrLst>
+              </dgm:if>
+              <dgm:else name="Name20">
+                <dgm:constrLst>
+                  <dgm:constr type="l" for="ch" forName="rootText1"/>
+                  <dgm:constr type="t" for="ch" forName="rootText1"/>
+                  <dgm:constr type="w" for="ch" forName="rootText1" refType="w"/>
+                  <dgm:constr type="h" for="ch" forName="rootText1" refType="h"/>
+                  <dgm:constr type="r" for="ch" forName="rootConnector1" refType="w"/>
+                  <dgm:constr type="t" for="ch" forName="rootConnector1"/>
+                  <dgm:constr type="w" for="ch" forName="rootConnector1" refType="w" refFor="ch" refForName="rootText1" fact="0.2"/>
+                  <dgm:constr type="h" for="ch" forName="rootConnector1" refType="h" refFor="ch" refForName="rootText1"/>
+                </dgm:constrLst>
+              </dgm:else>
+            </dgm:choose>
+            <dgm:ruleLst/>
+            <dgm:layoutNode name="rootText1" styleLbl="node0">
+              <dgm:varLst>
+                <dgm:chPref val="3"/>
+              </dgm:varLst>
+              <dgm:alg type="tx"/>
+              <dgm:shape xmlns:r="http://schemas.openxmlformats.org/officeDocument/2006/relationships" type="rect" r:blip="">
+                <dgm:adjLst/>
+              </dgm:shape>
+              <dgm:presOf axis="self" ptType="node" cnt="1"/>
+              <dgm:constrLst>
+                <dgm:constr type="primFontSz" val="65"/>
+                <dgm:constr type="lMarg" refType="primFontSz" fact="0.05"/>
+                <dgm:constr type="rMarg" refType="primFontSz" fact="0.05"/>
+                <dgm:constr type="tMarg" refType="primFontSz" fact="0.05"/>
+                <dgm:constr type="bMarg" refType="primFontSz" fact="0.05"/>
+              </dgm:constrLst>
+              <dgm:ruleLst>
+                <dgm:rule type="primFontSz" val="5" fact="NaN" max="NaN"/>
+              </dgm:ruleLst>
+            </dgm:layoutNode>
+            <dgm:layoutNode name="rootConnector1" moveWith="rootText1">
+              <dgm:alg type="sp"/>
+              <dgm:shape xmlns:r="http://schemas.openxmlformats.org/officeDocument/2006/relationships" type="rect" r:blip="" hideGeom="1">
+                <dgm:adjLst/>
+              </dgm:shape>
+              <dgm:presOf axis="self" ptType="node" cnt="1"/>
+              <dgm:constrLst/>
+              <dgm:ruleLst/>
+            </dgm:layoutNode>
+          </dgm:layoutNode>
+          <dgm:layoutNode name="hierChild2">
+            <dgm:choose name="Name21">
+              <dgm:if name="Name22" func="var" arg="hierBranch" op="equ" val="l">
+                <dgm:alg type="hierChild">
+                  <dgm:param type="chAlign" val="r"/>
+                  <dgm:param type="linDir" val="fromT"/>
+                </dgm:alg>
+              </dgm:if>
+              <dgm:if name="Name23" func="var" arg="hierBranch" op="equ" val="r">
+                <dgm:alg type="hierChild">
+                  <dgm:param type="chAlign" val="l"/>
+                  <dgm:param type="linDir" val="fromT"/>
+                </dgm:alg>
+              </dgm:if>
+              <dgm:if name="Name24" func="var" arg="hierBranch" op="equ" val="hang">
+                <dgm:choose name="Name25">
+                  <dgm:if name="Name26" func="var" arg="dir" op="equ" val="norm">
+                    <dgm:alg type="hierChild">
+                      <dgm:param type="chAlign" val="l"/>
+                      <dgm:param type="linDir" val="fromL"/>
+                      <dgm:param type="secChAlign" val="t"/>
+                      <dgm:param type="secLinDir" val="fromT"/>
+                    </dgm:alg>
+                  </dgm:if>
+                  <dgm:else name="Name27">
+                    <dgm:alg type="hierChild">
+                      <dgm:param type="chAlign" val="l"/>
+                      <dgm:param type="linDir" val="fromR"/>
+                      <dgm:param type="secChAlign" val="t"/>
+                      <dgm:param type="secLinDir" val="fromT"/>
+                    </dgm:alg>
+                  </dgm:else>
+                </dgm:choose>
+              </dgm:if>
+              <dgm:else name="Name28">
+                <dgm:choose name="Name29">
+                  <dgm:if name="Name30" func="var" arg="dir" op="equ" val="norm">
+                    <dgm:alg type="hierChild"/>
+                  </dgm:if>
+                  <dgm:else name="Name31">
+                    <dgm:alg type="hierChild">
+                      <dgm:param type="linDir" val="fromR"/>
+                    </dgm:alg>
+                  </dgm:else>
+                </dgm:choose>
+              </dgm:else>
+            </dgm:choose>
+            <dgm:shape xmlns:r="http://schemas.openxmlformats.org/officeDocument/2006/relationships" r:blip="">
+              <dgm:adjLst/>
+            </dgm:shape>
+            <dgm:presOf/>
+            <dgm:constrLst/>
+            <dgm:ruleLst/>
+            <dgm:forEach name="rep2a" axis="ch" ptType="nonAsst">
+              <dgm:forEach name="Name32" axis="precedSib" ptType="parTrans" st="-1" cnt="1">
+                <dgm:choose name="Name33">
+                  <dgm:if name="Name34" func="var" arg="hierBranch" op="equ" val="std">
+                    <dgm:layoutNode name="Name35">
+                      <dgm:alg type="conn">
+                        <dgm:param type="connRout" val="bend"/>
+                        <dgm:param type="dim" val="1D"/>
+                        <dgm:param type="endSty" val="noArr"/>
+                        <dgm:param type="begPts" val="bCtr"/>
+                        <dgm:param type="endPts" val="tCtr"/>
+                        <dgm:param type="bendPt" val="end"/>
+                      </dgm:alg>
+                      <dgm:shape xmlns:r="http://schemas.openxmlformats.org/officeDocument/2006/relationships" type="conn" r:blip="" zOrderOff="-99999">
+                        <dgm:adjLst/>
+                      </dgm:shape>
+                      <dgm:presOf axis="self"/>
+                      <dgm:constrLst>
+                        <dgm:constr type="begPad"/>
+                        <dgm:constr type="endPad"/>
+                      </dgm:constrLst>
+                      <dgm:ruleLst/>
+                    </dgm:layoutNode>
+                  </dgm:if>
+                  <dgm:if name="Name36" func="var" arg="hierBranch" op="equ" val="init">
+                    <dgm:layoutNode name="Name37">
+                      <dgm:choose name="Name38">
+                        <dgm:if name="Name39" axis="self" func="depth" op="lte" val="2">
+                          <dgm:alg type="conn">
+                            <dgm:param type="connRout" val="bend"/>
+                            <dgm:param type="dim" val="1D"/>
+                            <dgm:param type="endSty" val="noArr"/>
+                            <dgm:param type="begPts" val="bCtr"/>
+                            <dgm:param type="endPts" val="tCtr"/>
+                            <dgm:param type="bendPt" val="end"/>
+                          </dgm:alg>
+                        </dgm:if>
+                        <dgm:else name="Name40">
+                          <dgm:choose name="Name41">
+                            <dgm:if name="Name42" axis="par des" func="maxDepth" op="lte" val="1">
+                              <dgm:choose name="Name43">
+                                <dgm:if name="Name44" axis="par ch" ptType="node asst" func="cnt" op="gte" val="1">
+                                  <dgm:alg type="conn">
+                                    <dgm:param type="connRout" val="bend"/>
+                                    <dgm:param type="dim" val="1D"/>
+                                    <dgm:param type="endSty" val="noArr"/>
+                                    <dgm:param type="begPts" val="bCtr"/>
+                                    <dgm:param type="endPts" val="midL midR"/>
+                                  </dgm:alg>
+                                </dgm:if>
+                                <dgm:else name="Name45">
+                                  <dgm:alg type="conn">
+                                    <dgm:param type="connRout" val="bend"/>
+                                    <dgm:param type="dim" val="1D"/>
+                                    <dgm:param type="endSty" val="noArr"/>
+                                    <dgm:param type="begPts" val="bCtr"/>
+                                    <dgm:param type="endPts" val="midL midR"/>
+                                    <dgm:param type="srcNode" val="rootConnector"/>
+                                  </dgm:alg>
+                                </dgm:else>
+                              </dgm:choose>
+                            </dgm:if>
+                            <dgm:else name="Name46">
+                              <dgm:alg type="conn">
+                                <dgm:param type="connRout" val="bend"/>
+                                <dgm:param type="dim" val="1D"/>
+                                <dgm:param type="endSty" val="noArr"/>
+                                <dgm:param type="begPts" val="bCtr"/>
+                                <dgm:param type="endPts" val="tCtr"/>
+                                <dgm:param type="bendPt" val="end"/>
+                              </dgm:alg>
+                            </dgm:else>
+                          </dgm:choose>
+                        </dgm:else>
+                      </dgm:choose>
+                      <dgm:shape xmlns:r="http://schemas.openxmlformats.org/officeDocument/2006/relationships" type="conn" r:blip="" zOrderOff="-99999">
+                        <dgm:adjLst/>
+                      </dgm:shape>
+                      <dgm:presOf axis="self"/>
+                      <dgm:constrLst>
+                        <dgm:constr type="begPad"/>
+                        <dgm:constr type="endPad"/>
+                      </dgm:constrLst>
+                      <dgm:ruleLst/>
+                    </dgm:layoutNode>
+                  </dgm:if>
+                  <dgm:if name="Name47" func="var" arg="hierBranch" op="equ" val="hang">
+                    <dgm:layoutNode name="Name48">
+                      <dgm:alg type="conn">
+                        <dgm:param type="connRout" val="bend"/>
+                        <dgm:param type="dim" val="1D"/>
+                        <dgm:param type="endSty" val="noArr"/>
+                        <dgm:param type="begPts" val="bCtr"/>
+                        <dgm:param type="endPts" val="midL midR"/>
+                      </dgm:alg>
+                      <dgm:shape xmlns:r="http://schemas.openxmlformats.org/officeDocument/2006/relationships" type="conn" r:blip="" zOrderOff="-99999">
+                        <dgm:adjLst/>
+                      </dgm:shape>
+                      <dgm:presOf axis="self"/>
+                      <dgm:constrLst>
+                        <dgm:constr type="begPad"/>
+                        <dgm:constr type="endPad"/>
+                      </dgm:constrLst>
+                      <dgm:ruleLst/>
+                    </dgm:layoutNode>
+                  </dgm:if>
+                  <dgm:else name="Name49">
+                    <dgm:layoutNode name="Name50">
+                      <dgm:choose name="Name51">
+                        <dgm:if name="Name52" axis="self" func="depth" op="lte" val="2">
+                          <dgm:choose name="Name53">
+                            <dgm:if name="Name54" axis="par ch" ptType="node asst" func="cnt" op="gte" val="1">
+                              <dgm:alg type="conn">
+                                <dgm:param type="connRout" val="bend"/>
+                                <dgm:param type="dim" val="1D"/>
+                                <dgm:param type="endSty" val="noArr"/>
+                                <dgm:param type="begPts" val="bCtr"/>
+                                <dgm:param type="endPts" val="midL midR"/>
+                              </dgm:alg>
+                            </dgm:if>
+                            <dgm:else name="Name55">
+                              <dgm:alg type="conn">
+                                <dgm:param type="connRout" val="bend"/>
+                                <dgm:param type="dim" val="1D"/>
+                                <dgm:param type="endSty" val="noArr"/>
+                                <dgm:param type="begPts" val="bCtr"/>
+                                <dgm:param type="endPts" val="midL midR"/>
+                                <dgm:param type="srcNode" val="rootConnector1"/>
+                              </dgm:alg>
+                            </dgm:else>
+                          </dgm:choose>
+                        </dgm:if>
+                        <dgm:else name="Name56">
+                          <dgm:choose name="Name57">
+                            <dgm:if name="Name58" axis="par ch" ptType="node asst" func="cnt" op="gte" val="1">
+                              <dgm:alg type="conn">
+                                <dgm:param type="connRout" val="bend"/>
+                                <dgm:param type="dim" val="1D"/>
+                                <dgm:param type="endSty" val="noArr"/>
+                                <dgm:param type="begPts" val="bCtr"/>
+                                <dgm:param type="endPts" val="midL midR"/>
+                              </dgm:alg>
+                            </dgm:if>
+                            <dgm:else name="Name59">
+                              <dgm:alg type="conn">
+                                <dgm:param type="connRout" val="bend"/>
+                                <dgm:param type="dim" val="1D"/>
+                                <dgm:param type="endSty" val="noArr"/>
+                                <dgm:param type="begPts" val="bCtr"/>
+                                <dgm:param type="endPts" val="midL midR"/>
+                                <dgm:param type="srcNode" val="rootConnector"/>
+                              </dgm:alg>
+                            </dgm:else>
+                          </dgm:choose>
+                        </dgm:else>
+                      </dgm:choose>
+                      <dgm:shape xmlns:r="http://schemas.openxmlformats.org/officeDocument/2006/relationships" type="conn" r:blip="" zOrderOff="-99999">
+                        <dgm:adjLst/>
+                      </dgm:shape>
+                      <dgm:presOf axis="self"/>
+                      <dgm:constrLst>
+                        <dgm:constr type="begPad"/>
+                        <dgm:constr type="endPad"/>
+                      </dgm:constrLst>
+                      <dgm:ruleLst/>
+                    </dgm:layoutNode>
+                  </dgm:else>
+                </dgm:choose>
+              </dgm:forEach>
+              <dgm:layoutNode name="hierRoot2">
+                <dgm:varLst>
+                  <dgm:hierBranch val="init"/>
+                </dgm:varLst>
+                <dgm:choose name="Name60">
+                  <dgm:if name="Name61" func="var" arg="hierBranch" op="equ" val="l">
+                    <dgm:choose name="Name62">
+                      <dgm:if name="Name63" axis="ch" ptType="asst" func="cnt" op="gte" val="1">
+                        <dgm:alg type="hierRoot">
+                          <dgm:param type="hierAlign" val="tR"/>
+                        </dgm:alg>
+                        <dgm:shape xmlns:r="http://schemas.openxmlformats.org/officeDocument/2006/relationships" r:blip="">
+                          <dgm:adjLst/>
+                        </dgm:shape>
+                        <dgm:presOf/>
+                        <dgm:constrLst>
+                          <dgm:constr type="alignOff" val="0.65"/>
+                        </dgm:constrLst>
+                      </dgm:if>
+                      <dgm:else name="Name64">
+                        <dgm:alg type="hierRoot">
+                          <dgm:param type="hierAlign" val="tR"/>
+                        </dgm:alg>
+                        <dgm:shape xmlns:r="http://schemas.openxmlformats.org/officeDocument/2006/relationships" r:blip="">
+                          <dgm:adjLst/>
+                        </dgm:shape>
+                        <dgm:presOf/>
+                        <dgm:constrLst>
+                          <dgm:constr type="alignOff" val="0.25"/>
+                        </dgm:constrLst>
+                      </dgm:else>
+                    </dgm:choose>
+                  </dgm:if>
+                  <dgm:if name="Name65" func="var" arg="hierBranch" op="equ" val="r">
+                    <dgm:choose name="Name66">
+                      <dgm:if name="Name67" axis="ch" ptType="asst" func="cnt" op="gte" val="1">
+                        <dgm:alg type="hierRoot">
+                          <dgm:param type="hierAlign" val="tL"/>
+                        </dgm:alg>
+                        <dgm:shape xmlns:r="http://schemas.openxmlformats.org/officeDocument/2006/relationships" r:blip="">
+                          <dgm:adjLst/>
+                        </dgm:shape>
+                        <dgm:presOf/>
+                        <dgm:constrLst>
+                          <dgm:constr type="alignOff" val="0.65"/>
+                        </dgm:constrLst>
+                      </dgm:if>
+                      <dgm:else name="Name68">
+                        <dgm:alg type="hierRoot">
+                          <dgm:param type="hierAlign" val="tL"/>
+                        </dgm:alg>
+                        <dgm:shape xmlns:r="http://schemas.openxmlformats.org/officeDocument/2006/relationships" r:blip="">
+                          <dgm:adjLst/>
+                        </dgm:shape>
+                        <dgm:presOf/>
+                        <dgm:constrLst>
+                          <dgm:constr type="alignOff" val="0.25"/>
+                        </dgm:constrLst>
+                      </dgm:else>
+                    </dgm:choose>
+                  </dgm:if>
+                  <dgm:if name="Name69" func="var" arg="hierBranch" op="equ" val="std">
+                    <dgm:alg type="hierRoot"/>
+                    <dgm:shape xmlns:r="http://schemas.openxmlformats.org/officeDocument/2006/relationships" r:blip="">
+                      <dgm:adjLst/>
+                    </dgm:shape>
+                    <dgm:presOf/>
+                    <dgm:constrLst>
+                      <dgm:constr type="alignOff"/>
+                      <dgm:constr type="bendDist" for="des" ptType="parTrans" refType="sp" fact="0.5"/>
+                    </dgm:constrLst>
+                  </dgm:if>
+                  <dgm:if name="Name70" func="var" arg="hierBranch" op="equ" val="init">
+                    <dgm:choose name="Name71">
+                      <dgm:if name="Name72" axis="des" func="maxDepth" op="lte" val="1">
+                        <dgm:choose name="Name73">
+                          <dgm:if name="Name74" axis="ch" ptType="asst" func="cnt" op="gte" val="1">
+                            <dgm:alg type="hierRoot">
+                              <dgm:param type="hierAlign" val="tL"/>
+                            </dgm:alg>
+                            <dgm:shape xmlns:r="http://schemas.openxmlformats.org/officeDocument/2006/relationships" r:blip="">
+                              <dgm:adjLst/>
+                            </dgm:shape>
+                            <dgm:presOf/>
+                            <dgm:constrLst>
+                              <dgm:constr type="alignOff" val="0.65"/>
+                            </dgm:constrLst>
+                          </dgm:if>
+                          <dgm:else name="Name75">
+                            <dgm:alg type="hierRoot">
+                              <dgm:param type="hierAlign" val="tL"/>
+                            </dgm:alg>
+                            <dgm:shape xmlns:r="http://schemas.openxmlformats.org/officeDocument/2006/relationships" r:blip="">
+                              <dgm:adjLst/>
+                            </dgm:shape>
+                            <dgm:presOf/>
+                            <dgm:constrLst>
+                              <dgm:constr type="alignOff" val="0.25"/>
+                            </dgm:constrLst>
+                          </dgm:else>
+                        </dgm:choose>
+                      </dgm:if>
+                      <dgm:else name="Name76">
+                        <dgm:alg type="hierRoot"/>
+                        <dgm:shape xmlns:r="http://schemas.openxmlformats.org/officeDocument/2006/relationships" r:blip="">
+                          <dgm:adjLst/>
+                        </dgm:shape>
+                        <dgm:presOf/>
+                        <dgm:constrLst>
+                          <dgm:constr type="alignOff"/>
+                          <dgm:constr type="bendDist" for="des" ptType="parTrans" refType="sp" fact="0.5"/>
+                        </dgm:constrLst>
+                      </dgm:else>
+                    </dgm:choose>
+                  </dgm:if>
+                  <dgm:else name="Name77">
+                    <dgm:alg type="hierRoot"/>
+                    <dgm:shape xmlns:r="http://schemas.openxmlformats.org/officeDocument/2006/relationships" r:blip="">
+                      <dgm:adjLst/>
+                    </dgm:shape>
+                    <dgm:presOf/>
+                    <dgm:constrLst>
+                      <dgm:constr type="alignOff" val="0.65"/>
+                    </dgm:constrLst>
+                  </dgm:else>
+                </dgm:choose>
+                <dgm:ruleLst/>
+                <dgm:layoutNode name="rootComposite">
+                  <dgm:alg type="composite"/>
+                  <dgm:shape xmlns:r="http://schemas.openxmlformats.org/officeDocument/2006/relationships" r:blip="">
+                    <dgm:adjLst/>
+                  </dgm:shape>
+                  <dgm:presOf axis="self" ptType="node" cnt="1"/>
+                  <dgm:choose name="Name78">
+                    <dgm:if name="Name79" func="var" arg="hierBranch" op="equ" val="init">
+                      <dgm:constrLst>
+                        <dgm:constr type="l" for="ch" forName="rootText"/>
+                        <dgm:constr type="t" for="ch" forName="rootText"/>
+                        <dgm:constr type="w" for="ch" forName="rootText" refType="w"/>
+                        <dgm:constr type="h" for="ch" forName="rootText" refType="h"/>
+                        <dgm:constr type="l" for="ch" forName="rootConnector"/>
+                        <dgm:constr type="t" for="ch" forName="rootConnector"/>
+                        <dgm:constr type="w" for="ch" forName="rootConnector" refType="w" refFor="ch" refForName="rootText" fact="0.2"/>
+                        <dgm:constr type="h" for="ch" forName="rootConnector" refType="h" refFor="ch" refForName="rootText"/>
+                      </dgm:constrLst>
+                    </dgm:if>
+                    <dgm:if name="Name80" func="var" arg="hierBranch" op="equ" val="l">
+                      <dgm:constrLst>
+                        <dgm:constr type="l" for="ch" forName="rootText"/>
+                        <dgm:constr type="t" for="ch" forName="rootText"/>
+                        <dgm:constr type="w" for="ch" forName="rootText" refType="w"/>
+                        <dgm:constr type="h" for="ch" forName="rootText" refType="h"/>
+                        <dgm:constr type="r" for="ch" forName="rootConnector" refType="w"/>
+                        <dgm:constr type="t" for="ch" forName="rootConnector"/>
+                        <dgm:constr type="w" for="ch" forName="rootConnector" refType="w" refFor="ch" refForName="rootText" fact="0.2"/>
+                        <dgm:constr type="h" for="ch" forName="rootConnector" refType="h" refFor="ch" refForName="rootText"/>
+                      </dgm:constrLst>
+                    </dgm:if>
+                    <dgm:if name="Name81" func="var" arg="hierBranch" op="equ" val="r">
+                      <dgm:constrLst>
+                        <dgm:constr type="l" for="ch" forName="rootText"/>
+                        <dgm:constr type="t" for="ch" forName="rootText"/>
+                        <dgm:constr type="w" for="ch" forName="rootText" refType="w"/>
+                        <dgm:constr type="h" for="ch" forName="rootText" refType="h"/>
+                        <dgm:constr type="l" for="ch" forName="rootConnector"/>
+                        <dgm:constr type="t" for="ch" forName="rootConnector"/>
+                        <dgm:constr type="w" for="ch" forName="rootConnector" refType="w" refFor="ch" refForName="rootText" fact="0.2"/>
+                        <dgm:constr type="h" for="ch" forName="rootConnector" refType="h" refFor="ch" refForName="rootText"/>
+                      </dgm:constrLst>
+                    </dgm:if>
+                    <dgm:else name="Name82">
+                      <dgm:constrLst>
+                        <dgm:constr type="l" for="ch" forName="rootText"/>
+                        <dgm:constr type="t" for="ch" forName="rootText"/>
+                        <dgm:constr type="w" for="ch" forName="rootText" refType="w"/>
+                        <dgm:constr type="h" for="ch" forName="rootText" refType="h"/>
+                        <dgm:constr type="r" for="ch" forName="rootConnector" refType="w"/>
+                        <dgm:constr type="t" for="ch" forName="rootConnector"/>
+                        <dgm:constr type="w" for="ch" forName="rootConnector" refType="w" refFor="ch" refForName="rootText" fact="0.2"/>
+                        <dgm:constr type="h" for="ch" forName="rootConnector" refType="h" refFor="ch" refForName="rootText"/>
+                      </dgm:constrLst>
+                    </dgm:else>
+                  </dgm:choose>
+                  <dgm:ruleLst/>
+                  <dgm:layoutNode name="rootText">
+                    <dgm:varLst>
+                      <dgm:chPref val="3"/>
+                    </dgm:varLst>
+                    <dgm:alg type="tx"/>
+                    <dgm:shape xmlns:r="http://schemas.openxmlformats.org/officeDocument/2006/relationships" type="rect" r:blip="">
+                      <dgm:adjLst/>
+                    </dgm:shape>
+                    <dgm:presOf axis="self" ptType="node" cnt="1"/>
+                    <dgm:constrLst>
+                      <dgm:constr type="primFontSz" val="65"/>
+                      <dgm:constr type="lMarg" refType="primFontSz" fact="0.05"/>
+                      <dgm:constr type="rMarg" refType="primFontSz" fact="0.05"/>
+                      <dgm:constr type="tMarg" refType="primFontSz" fact="0.05"/>
+                      <dgm:constr type="bMarg" refType="primFontSz" fact="0.05"/>
+                    </dgm:constrLst>
+                    <dgm:ruleLst>
+                      <dgm:rule type="primFontSz" val="5" fact="NaN" max="NaN"/>
+                    </dgm:ruleLst>
+                  </dgm:layoutNode>
+                  <dgm:layoutNode name="rootConnector" moveWith="rootText">
+                    <dgm:alg type="sp"/>
+                    <dgm:shape xmlns:r="http://schemas.openxmlformats.org/officeDocument/2006/relationships" type="rect" r:blip="" hideGeom="1">
+                      <dgm:adjLst/>
+                    </dgm:shape>
+                    <dgm:presOf axis="self" ptType="node" cnt="1"/>
+                    <dgm:constrLst/>
+                    <dgm:ruleLst/>
+                  </dgm:layoutNode>
+                </dgm:layoutNode>
+                <dgm:layoutNode name="hierChild4">
+                  <dgm:choose name="Name83">
+                    <dgm:if name="Name84" func="var" arg="hierBranch" op="equ" val="l">
+                      <dgm:alg type="hierChild">
+                        <dgm:param type="chAlign" val="r"/>
+                        <dgm:param type="linDir" val="fromT"/>
+                      </dgm:alg>
+                    </dgm:if>
+                    <dgm:if name="Name85" func="var" arg="hierBranch" op="equ" val="r">
+                      <dgm:alg type="hierChild">
+                        <dgm:param type="chAlign" val="l"/>
+                        <dgm:param type="linDir" val="fromT"/>
+                      </dgm:alg>
+                    </dgm:if>
+                    <dgm:if name="Name86" func="var" arg="hierBranch" op="equ" val="hang">
+                      <dgm:choose name="Name87">
+                        <dgm:if name="Name88" func="var" arg="dir" op="equ" val="norm">
+                          <dgm:alg type="hierChild">
+                            <dgm:param type="chAlign" val="l"/>
+                            <dgm:param type="linDir" val="fromL"/>
+                            <dgm:param type="secChAlign" val="t"/>
+                            <dgm:param type="secLinDir" val="fromT"/>
+                          </dgm:alg>
+                        </dgm:if>
+                        <dgm:else name="Name89">
+                          <dgm:alg type="hierChild">
+                            <dgm:param type="chAlign" val="l"/>
+                            <dgm:param type="linDir" val="fromR"/>
+                            <dgm:param type="secChAlign" val="t"/>
+                            <dgm:param type="secLinDir" val="fromT"/>
+                          </dgm:alg>
+                        </dgm:else>
+                      </dgm:choose>
+                    </dgm:if>
+                    <dgm:if name="Name90" func="var" arg="hierBranch" op="equ" val="std">
+                      <dgm:choose name="Name91">
+                        <dgm:if name="Name92" func="var" arg="dir" op="equ" val="norm">
+                          <dgm:alg type="hierChild"/>
+                        </dgm:if>
+                        <dgm:else name="Name93">
+                          <dgm:alg type="hierChild">
+                            <dgm:param type="linDir" val="fromR"/>
+                          </dgm:alg>
+                        </dgm:else>
+                      </dgm:choose>
+                    </dgm:if>
+                    <dgm:if name="Name94" func="var" arg="hierBranch" op="equ" val="init">
+                      <dgm:choose name="Name95">
+                        <dgm:if name="Name96" axis="des" func="maxDepth" op="lte" val="1">
+                          <dgm:alg type="hierChild">
+                            <dgm:param type="chAlign" val="l"/>
+                            <dgm:param type="linDir" val="fromT"/>
+                          </dgm:alg>
+                        </dgm:if>
+                        <dgm:else name="Name97">
+                          <dgm:choose name="Name98">
+                            <dgm:if name="Name99" func="var" arg="dir" op="equ" val="norm">
+                              <dgm:alg type="hierChild"/>
+                            </dgm:if>
+                            <dgm:else name="Name100">
+                              <dgm:alg type="hierChild">
+                                <dgm:param type="linDir" val="fromR"/>
+                              </dgm:alg>
+                            </dgm:else>
+                          </dgm:choose>
+                        </dgm:else>
+                      </dgm:choose>
+                    </dgm:if>
+                    <dgm:else name="Name101"/>
+                  </dgm:choose>
+                  <dgm:shape xmlns:r="http://schemas.openxmlformats.org/officeDocument/2006/relationships" r:blip="">
+                    <dgm:adjLst/>
+                  </dgm:shape>
+                  <dgm:presOf/>
+                  <dgm:constrLst/>
+                  <dgm:ruleLst/>
+                  <dgm:forEach name="Name102" ref="rep2a"/>
+                </dgm:layoutNode>
+                <dgm:layoutNode name="hierChild5">
+                  <dgm:choose name="Name103">
+                    <dgm:if name="Name104" func="var" arg="dir" op="equ" val="norm">
+                      <dgm:alg type="hierChild">
+                        <dgm:param type="chAlign" val="l"/>
+                        <dgm:param type="linDir" val="fromL"/>
+                        <dgm:param type="secChAlign" val="t"/>
+                        <dgm:param type="secLinDir" val="fromT"/>
+                      </dgm:alg>
+                    </dgm:if>
+                    <dgm:else name="Name105">
+                      <dgm:alg type="hierChild">
+                        <dgm:param type="chAlign" val="l"/>
+                        <dgm:param type="linDir" val="fromR"/>
+                        <dgm:param type="secChAlign" val="t"/>
+                        <dgm:param type="secLinDir" val="fromT"/>
+                      </dgm:alg>
+                    </dgm:else>
+                  </dgm:choose>
+                  <dgm:shape xmlns:r="http://schemas.openxmlformats.org/officeDocument/2006/relationships" r:blip="">
+                    <dgm:adjLst/>
+                  </dgm:shape>
+                  <dgm:presOf/>
+                  <dgm:constrLst/>
+                  <dgm:ruleLst/>
+                  <dgm:forEach name="Name106" ref="rep2b"/>
+                </dgm:layoutNode>
+              </dgm:layoutNode>
+            </dgm:forEach>
+          </dgm:layoutNode>
+          <dgm:layoutNode name="hierChild3">
+            <dgm:choose name="Name107">
+              <dgm:if name="Name108" func="var" arg="dir" op="equ" val="norm">
+                <dgm:alg type="hierChild">
+                  <dgm:param type="chAlign" val="l"/>
+                  <dgm:param type="linDir" val="fromL"/>
+                  <dgm:param type="secChAlign" val="t"/>
+                  <dgm:param type="secLinDir" val="fromT"/>
+                </dgm:alg>
+              </dgm:if>
+              <dgm:else name="Name109">
+                <dgm:alg type="hierChild">
+                  <dgm:param type="chAlign" val="l"/>
+                  <dgm:param type="linDir" val="fromR"/>
+                  <dgm:param type="secChAlign" val="t"/>
+                  <dgm:param type="secLinDir" val="fromT"/>
+                </dgm:alg>
+              </dgm:else>
+            </dgm:choose>
+            <dgm:shape xmlns:r="http://schemas.openxmlformats.org/officeDocument/2006/relationships" r:blip="">
+              <dgm:adjLst/>
+            </dgm:shape>
+            <dgm:presOf/>
+            <dgm:constrLst/>
+            <dgm:ruleLst/>
+            <dgm:forEach name="rep2b" axis="ch" ptType="asst">
+              <dgm:forEach name="Name110" axis="precedSib" ptType="parTrans" st="-1" cnt="1">
+                <dgm:layoutNode name="Name111">
+                  <dgm:alg type="conn">
+                    <dgm:param type="connRout" val="bend"/>
+                    <dgm:param type="dim" val="1D"/>
+                    <dgm:param type="endSty" val="noArr"/>
+                    <dgm:param type="begPts" val="bCtr"/>
+                    <dgm:param type="endPts" val="midL midR"/>
+                  </dgm:alg>
+                  <dgm:shape xmlns:r="http://schemas.openxmlformats.org/officeDocument/2006/relationships" type="conn" r:blip="" zOrderOff="-99999">
+                    <dgm:adjLst/>
+                  </dgm:shape>
+                  <dgm:presOf axis="self"/>
+                  <dgm:constrLst>
+                    <dgm:constr type="begPad"/>
+                    <dgm:constr type="endPad"/>
+                  </dgm:constrLst>
+                  <dgm:ruleLst/>
+                </dgm:layoutNode>
+              </dgm:forEach>
+              <dgm:layoutNode name="hierRoot3">
+                <dgm:varLst>
+                  <dgm:hierBranch val="init"/>
+                </dgm:varLst>
+                <dgm:choose name="Name112">
+                  <dgm:if name="Name113" func="var" arg="hierBranch" op="equ" val="l">
+                    <dgm:alg type="hierRoot">
+                      <dgm:param type="hierAlign" val="tR"/>
+                    </dgm:alg>
+                    <dgm:shape xmlns:r="http://schemas.openxmlformats.org/officeDocument/2006/relationships" r:blip="">
+                      <dgm:adjLst/>
+                    </dgm:shape>
+                    <dgm:presOf/>
+                    <dgm:constrLst>
+                      <dgm:constr type="alignOff" val="0.65"/>
+                    </dgm:constrLst>
+                  </dgm:if>
+                  <dgm:if name="Name114" func="var" arg="hierBranch" op="equ" val="r">
+                    <dgm:alg type="hierRoot">
+                      <dgm:param type="hierAlign" val="tL"/>
+                    </dgm:alg>
+                    <dgm:shape xmlns:r="http://schemas.openxmlformats.org/officeDocument/2006/relationships" r:blip="">
+                      <dgm:adjLst/>
+                    </dgm:shape>
+                    <dgm:presOf/>
+                    <dgm:constrLst>
+                      <dgm:constr type="alignOff" val="0.65"/>
+                    </dgm:constrLst>
+                  </dgm:if>
+                  <dgm:if name="Name115" func="var" arg="hierBranch" op="equ" val="hang">
+                    <dgm:alg type="hierRoot"/>
+                    <dgm:shape xmlns:r="http://schemas.openxmlformats.org/officeDocument/2006/relationships" r:blip="">
+                      <dgm:adjLst/>
+                    </dgm:shape>
+                    <dgm:presOf/>
+                    <dgm:constrLst>
+                      <dgm:constr type="alignOff" val="0.65"/>
+                    </dgm:constrLst>
+                  </dgm:if>
+                  <dgm:if name="Name116" func="var" arg="hierBranch" op="equ" val="std">
+                    <dgm:alg type="hierRoot"/>
+                    <dgm:shape xmlns:r="http://schemas.openxmlformats.org/officeDocument/2006/relationships" r:blip="">
+                      <dgm:adjLst/>
+                    </dgm:shape>
+                    <dgm:presOf/>
+                    <dgm:constrLst>
+                      <dgm:constr type="alignOff"/>
+                      <dgm:constr type="bendDist" for="des" ptType="parTrans" refType="sp" fact="0.5"/>
+                    </dgm:constrLst>
+                  </dgm:if>
+                  <dgm:if name="Name117" func="var" arg="hierBranch" op="equ" val="init">
+                    <dgm:choose name="Name118">
+                      <dgm:if name="Name119" axis="des" func="maxDepth" op="lte" val="1">
+                        <dgm:alg type="hierRoot">
+                          <dgm:param type="hierAlign" val="tL"/>
+                        </dgm:alg>
+                        <dgm:shape xmlns:r="http://schemas.openxmlformats.org/officeDocument/2006/relationships" r:blip="">
+                          <dgm:adjLst/>
+                        </dgm:shape>
+                        <dgm:presOf/>
+                        <dgm:constrLst>
+                          <dgm:constr type="alignOff" val="0.65"/>
+                        </dgm:constrLst>
+                      </dgm:if>
+                      <dgm:else name="Name120">
+                        <dgm:alg type="hierRoot"/>
+                        <dgm:shape xmlns:r="http://schemas.openxmlformats.org/officeDocument/2006/relationships" r:blip="">
+                          <dgm:adjLst/>
+                        </dgm:shape>
+                        <dgm:presOf/>
+                        <dgm:constrLst>
+                          <dgm:constr type="alignOff"/>
+                          <dgm:constr type="bendDist" for="des" ptType="parTrans" refType="sp" fact="0.5"/>
+                        </dgm:constrLst>
+                      </dgm:else>
+                    </dgm:choose>
+                  </dgm:if>
+                  <dgm:else name="Name121"/>
+                </dgm:choose>
+                <dgm:ruleLst/>
+                <dgm:layoutNode name="rootComposite3">
+                  <dgm:alg type="composite"/>
+                  <dgm:shape xmlns:r="http://schemas.openxmlformats.org/officeDocument/2006/relationships" r:blip="">
+                    <dgm:adjLst/>
+                  </dgm:shape>
+                  <dgm:presOf axis="self" ptType="node" cnt="1"/>
+                  <dgm:choose name="Name122">
+                    <dgm:if name="Name123" func="var" arg="hierBranch" op="equ" val="init">
+                      <dgm:constrLst>
+                        <dgm:constr type="l" for="ch" forName="rootText3"/>
+                        <dgm:constr type="t" for="ch" forName="rootText3"/>
+                        <dgm:constr type="w" for="ch" forName="rootText3" refType="w"/>
+                        <dgm:constr type="h" for="ch" forName="rootText3" refType="h"/>
+                        <dgm:constr type="l" for="ch" forName="rootConnector3"/>
+                        <dgm:constr type="t" for="ch" forName="rootConnector3"/>
+                        <dgm:constr type="w" for="ch" forName="rootConnector3" refType="w" refFor="ch" refForName="rootText3" fact="0.2"/>
+                        <dgm:constr type="h" for="ch" forName="rootConnector3" refType="h" refFor="ch" refForName="rootText3"/>
+                      </dgm:constrLst>
+                    </dgm:if>
+                    <dgm:if name="Name124" func="var" arg="hierBranch" op="equ" val="l">
+                      <dgm:constrLst>
+                        <dgm:constr type="l" for="ch" forName="rootText3"/>
+                        <dgm:constr type="t" for="ch" forName="rootText3"/>
+                        <dgm:constr type="w" for="ch" forName="rootText3" refType="w"/>
+                        <dgm:constr type="h" for="ch" forName="rootText3" refType="h"/>
+                        <dgm:constr type="r" for="ch" forName="rootConnector3" refType="w"/>
+                        <dgm:constr type="t" for="ch" forName="rootConnector3"/>
+                        <dgm:constr type="w" for="ch" forName="rootConnector3" refType="w" refFor="ch" refForName="rootText3" fact="0.2"/>
+                        <dgm:constr type="h" for="ch" forName="rootConnector3" refType="h" refFor="ch" refForName="rootText3"/>
+                      </dgm:constrLst>
+                    </dgm:if>
+                    <dgm:if name="Name125" func="var" arg="hierBranch" op="equ" val="r">
+                      <dgm:constrLst>
+                        <dgm:constr type="l" for="ch" forName="rootText3"/>
+                        <dgm:constr type="t" for="ch" forName="rootText3"/>
+                        <dgm:constr type="w" for="ch" forName="rootText3" refType="w"/>
+                        <dgm:constr type="h" for="ch" forName="rootText3" refType="h"/>
+                        <dgm:constr type="l" for="ch" forName="rootConnector3"/>
+                        <dgm:constr type="t" for="ch" forName="rootConnector3"/>
+                        <dgm:constr type="w" for="ch" forName="rootConnector3" refType="w" refFor="ch" refForName="rootText3" fact="0.2"/>
+                        <dgm:constr type="h" for="ch" forName="rootConnector3" refType="h" refFor="ch" refForName="rootText3"/>
+                      </dgm:constrLst>
+                    </dgm:if>
+                    <dgm:else name="Name126">
+                      <dgm:constrLst>
+                        <dgm:constr type="l" for="ch" forName="rootText3"/>
+                        <dgm:constr type="t" for="ch" forName="rootText3"/>
+                        <dgm:constr type="w" for="ch" forName="rootText3" refType="w"/>
+                        <dgm:constr type="h" for="ch" forName="rootText3" refType="h"/>
+                        <dgm:constr type="r" for="ch" forName="rootConnector3" refType="w"/>
+                        <dgm:constr type="t" for="ch" forName="rootConnector3"/>
+                        <dgm:constr type="w" for="ch" forName="rootConnector3" refType="w" refFor="ch" refForName="rootText3" fact="0.2"/>
+                        <dgm:constr type="h" for="ch" forName="rootConnector3" refType="h" refFor="ch" refForName="rootText3"/>
+                      </dgm:constrLst>
+                    </dgm:else>
+                  </dgm:choose>
+                  <dgm:ruleLst/>
+                  <dgm:layoutNode name="rootText3">
+                    <dgm:varLst>
+                      <dgm:chPref val="3"/>
+                    </dgm:varLst>
+                    <dgm:alg type="tx"/>
+                    <dgm:shape xmlns:r="http://schemas.openxmlformats.org/officeDocument/2006/relationships" type="rect" r:blip="">
+                      <dgm:adjLst/>
+                    </dgm:shape>
+                    <dgm:presOf axis="self" ptType="node" cnt="1"/>
+                    <dgm:constrLst>
+                      <dgm:constr type="primFontSz" val="65"/>
+                      <dgm:constr type="lMarg" refType="primFontSz" fact="0.05"/>
+                      <dgm:constr type="rMarg" refType="primFontSz" fact="0.05"/>
+                      <dgm:constr type="tMarg" refType="primFontSz" fact="0.05"/>
+                      <dgm:constr type="bMarg" refType="primFontSz" fact="0.05"/>
+                    </dgm:constrLst>
+                    <dgm:ruleLst>
+                      <dgm:rule type="primFontSz" val="5" fact="NaN" max="NaN"/>
+                    </dgm:ruleLst>
+                  </dgm:layoutNode>
+                  <dgm:layoutNode name="rootConnector3" moveWith="rootText1">
+                    <dgm:alg type="sp"/>
+                    <dgm:shape xmlns:r="http://schemas.openxmlformats.org/officeDocument/2006/relationships" type="rect" r:blip="" hideGeom="1">
+                      <dgm:adjLst/>
+                    </dgm:shape>
+                    <dgm:presOf axis="self" ptType="node" cnt="1"/>
+                    <dgm:constrLst/>
+                    <dgm:ruleLst/>
+                  </dgm:layoutNode>
+                </dgm:layoutNode>
+                <dgm:layoutNode name="hierChild6">
+                  <dgm:choose name="Name127">
+                    <dgm:if name="Name128" func="var" arg="hierBranch" op="equ" val="l">
+                      <dgm:alg type="hierChild">
+                        <dgm:param type="chAlign" val="r"/>
+                        <dgm:param type="linDir" val="fromT"/>
+                      </dgm:alg>
+                    </dgm:if>
+                    <dgm:if name="Name129" func="var" arg="hierBranch" op="equ" val="r">
+                      <dgm:alg type="hierChild">
+                        <dgm:param type="chAlign" val="l"/>
+                        <dgm:param type="linDir" val="fromT"/>
+                      </dgm:alg>
+                    </dgm:if>
+                    <dgm:if name="Name130" func="var" arg="hierBranch" op="equ" val="hang">
+                      <dgm:choose name="Name131">
+                        <dgm:if name="Name132" func="var" arg="dir" op="equ" val="norm">
+                          <dgm:alg type="hierChild">
+                            <dgm:param type="chAlign" val="l"/>
+                            <dgm:param type="linDir" val="fromL"/>
+                            <dgm:param type="secChAlign" val="t"/>
+                            <dgm:param type="secLinDir" val="fromT"/>
+                          </dgm:alg>
+                        </dgm:if>
+                        <dgm:else name="Name133">
+                          <dgm:alg type="hierChild">
+                            <dgm:param type="chAlign" val="l"/>
+                            <dgm:param type="linDir" val="fromR"/>
+                            <dgm:param type="secChAlign" val="t"/>
+                            <dgm:param type="secLinDir" val="fromT"/>
+                          </dgm:alg>
+                        </dgm:else>
+                      </dgm:choose>
+                    </dgm:if>
+                    <dgm:if name="Name134" func="var" arg="hierBranch" op="equ" val="std">
+                      <dgm:choose name="Name135">
+                        <dgm:if name="Name136" func="var" arg="dir" op="equ" val="norm">
+                          <dgm:alg type="hierChild"/>
+                        </dgm:if>
+                        <dgm:else name="Name137">
+                          <dgm:alg type="hierChild">
+                            <dgm:param type="linDir" val="fromR"/>
+                          </dgm:alg>
+                        </dgm:else>
+                      </dgm:choose>
+                    </dgm:if>
+                    <dgm:if name="Name138" func="var" arg="hierBranch" op="equ" val="init">
+                      <dgm:choose name="Name139">
+                        <dgm:if name="Name140" axis="des" func="maxDepth" op="lte" val="1">
+                          <dgm:alg type="hierChild">
+                            <dgm:param type="chAlign" val="l"/>
+                            <dgm:param type="linDir" val="fromT"/>
+                          </dgm:alg>
+                        </dgm:if>
+                        <dgm:else name="Name141">
+                          <dgm:alg type="hierChild"/>
+                        </dgm:else>
+                      </dgm:choose>
+                    </dgm:if>
+                    <dgm:else name="Name142"/>
+                  </dgm:choose>
+                  <dgm:shape xmlns:r="http://schemas.openxmlformats.org/officeDocument/2006/relationships" r:blip="">
+                    <dgm:adjLst/>
+                  </dgm:shape>
+                  <dgm:presOf/>
+                  <dgm:constrLst/>
+                  <dgm:ruleLst/>
+                  <dgm:forEach name="Name143" ref="rep2a"/>
+                </dgm:layoutNode>
+                <dgm:layoutNode name="hierChild7">
+                  <dgm:choose name="Name144">
+                    <dgm:if name="Name145" func="var" arg="dir" op="equ" val="norm">
+                      <dgm:alg type="hierChild">
+                        <dgm:param type="chAlign" val="l"/>
+                        <dgm:param type="linDir" val="fromL"/>
+                        <dgm:param type="secChAlign" val="t"/>
+                        <dgm:param type="secLinDir" val="fromT"/>
+                      </dgm:alg>
+                    </dgm:if>
+                    <dgm:else name="Name146">
+                      <dgm:alg type="hierChild">
+                        <dgm:param type="chAlign" val="l"/>
+                        <dgm:param type="linDir" val="fromR"/>
+                        <dgm:param type="secChAlign" val="t"/>
+                        <dgm:param type="secLinDir" val="fromT"/>
+                      </dgm:alg>
+                    </dgm:else>
+                  </dgm:choose>
+                  <dgm:shape xmlns:r="http://schemas.openxmlformats.org/officeDocument/2006/relationships" r:blip="">
+                    <dgm:adjLst/>
+                  </dgm:shape>
+                  <dgm:presOf/>
+                  <dgm:constrLst/>
+                  <dgm:ruleLst/>
+                  <dgm:forEach name="Name147" ref="rep2b"/>
+                </dgm:layoutNode>
+              </dgm:layoutNode>
+            </dgm:forEach>
+          </dgm:layoutNode>
+        </dgm:layoutNode>
+      </dgm:forEach>
+    </dgm:forEach>
+  </dgm:layoutNode>
+</dgm:layoutDef>
+</file>
+
+<file path=ppt/diagrams/quickStyle1.xml><?xml version="1.0" encoding="utf-8"?>
+<dgm:styleDef xmlns:dgm="http://schemas.openxmlformats.org/drawingml/2006/diagram" xmlns:a="http://schemas.openxmlformats.org/drawingml/2006/main" uniqueId="urn:microsoft.com/office/officeart/2005/8/quickstyle/simple3">
+  <dgm:title val=""/>
+  <dgm:desc val=""/>
+  <dgm:catLst>
+    <dgm:cat type="simple" pri="10300"/>
+  </dgm:catLst>
+  <dgm:scene3d>
+    <a:camera prst="orthographicFront"/>
+    <a:lightRig rig="threePt" dir="t"/>
+  </dgm:scene3d>
+  <dgm:styleLbl name="node0">
+    <dgm:scene3d>
+      <a:camera prst="orthographicFront"/>
+      <a:lightRig rig="flat" dir="t"/>
+    </dgm:scene3d>
+    <dgm:sp3d prstMaterial="dkEdge">
+      <a:bevelT w="8200" h="38100"/>
+    </dgm:sp3d>
+    <dgm:txPr/>
+    <dgm:style>
+      <a:lnRef idx="0">
+        <a:scrgbClr r="0" g="0" b="0"/>
+      </a:lnRef>
+      <a:fillRef idx="2">
+        <a:scrgbClr r="0" g="0" b="0"/>
+      </a:fillRef>
+      <a:effectRef idx="1">
+        <a:scrgbClr r="0" g="0" b="0"/>
+      </a:effectRef>
+      <a:fontRef idx="minor">
+        <a:schemeClr val="dk1"/>
+      </a:fontRef>
+    </dgm:style>
+  </dgm:styleLbl>
+  <dgm:styleLbl name="lnNode1">
+    <dgm:scene3d>
+      <a:camera prst="orthographicFront"/>
+      <a:lightRig rig="flat" dir="t"/>
+    </dgm:scene3d>
+    <dgm:sp3d prstMaterial="dkEdge">
+      <a:bevelT w="8200" h="38100"/>
+    </dgm:sp3d>
+    <dgm:txPr/>
+    <dgm:style>
+      <a:lnRef idx="1">
+        <a:scrgbClr r="0" g="0" b="0"/>
+      </a:lnRef>
+      <a:fillRef idx="2">
+        <a:scrgbClr r="0" g="0" b="0"/>
+      </a:fillRef>
+      <a:effectRef idx="0">
+        <a:scrgbClr r="0" g="0" b="0"/>
+      </a:effectRef>
+      <a:fontRef idx="minor">
+        <a:schemeClr val="dk1"/>
+      </a:fontRef>
+    </dgm:style>
+  </dgm:styleLbl>
+  <dgm:styleLbl name="vennNode1">
+    <dgm:scene3d>
+      <a:camera prst="orthographicFront"/>
+      <a:lightRig rig="flat" dir="t"/>
+    </dgm:scene3d>
+    <dgm:sp3d prstMaterial="dkEdge">
+      <a:bevelT w="8200" h="38100"/>
+    </dgm:sp3d>
+    <dgm:txPr/>
+    <dgm:style>
+      <a:lnRef idx="0">
+        <a:scrgbClr r="0" g="0" b="0"/>
+      </a:lnRef>
+      <a:fillRef idx="2">
+        <a:scrgbClr r="0" g="0" b="0"/>
+      </a:fillRef>
+      <a:effectRef idx="0">
+        <a:scrgbClr r="0" g="0" b="0"/>
+      </a:effectRef>
+      <a:fontRef idx="minor">
+        <a:schemeClr val="tx1"/>
+      </a:fontRef>
+    </dgm:style>
+  </dgm:styleLbl>
+  <dgm:styleLbl name="alignNode1">
+    <dgm:scene3d>
+      <a:camera prst="orthographicFront"/>
+      <a:lightRig rig="threePt" dir="t"/>
+    </dgm:scene3d>
+    <dgm:sp3d/>
+    <dgm:txPr/>
+    <dgm:style>
+      <a:lnRef idx="1">
+        <a:scrgbClr r="0" g="0" b="0"/>
+      </a:lnRef>
+      <a:fillRef idx="2">
+        <a:scrgbClr r="0" g="0" b="0"/>
+      </a:fillRef>
+      <a:effectRef idx="1">
+        <a:scrgbClr r="0" g="0" b="0"/>
+      </a:effectRef>
+      <a:fontRef idx="minor">
+        <a:schemeClr val="dk1"/>
+      </a:fontRef>
+    </dgm:style>
+  </dgm:styleLbl>
+  <dgm:styleLbl name="node1">
+    <dgm:scene3d>
+      <a:camera prst="orthographicFront"/>
+      <a:lightRig rig="flat" dir="t"/>
+    </dgm:scene3d>
+    <dgm:sp3d prstMaterial="dkEdge">
+      <a:bevelT w="8200" h="38100"/>
+    </dgm:sp3d>
+    <dgm:txPr/>
+    <dgm:style>
+      <a:lnRef idx="0">
+        <a:scrgbClr r="0" g="0" b="0"/>
+      </a:lnRef>
+      <a:fillRef idx="2">
+        <a:scrgbClr r="0" g="0" b="0"/>
+      </a:fillRef>
+      <a:effectRef idx="1">
+        <a:scrgbClr r="0" g="0" b="0"/>
+      </a:effectRef>
+      <a:fontRef idx="minor">
+        <a:schemeClr val="dk1"/>
+      </a:fontRef>
+    </dgm:style>
+  </dgm:styleLbl>
+  <dgm:styleLbl name="node2">
+    <dgm:scene3d>
+      <a:camera prst="orthographicFront"/>
+      <a:lightRig rig="flat" dir="t"/>
+    </dgm:scene3d>
+    <dgm:sp3d prstMaterial="dkEdge">
+      <a:bevelT w="8200" h="38100"/>
+    </dgm:sp3d>
+    <dgm:txPr/>
+    <dgm:style>
+      <a:lnRef idx="0">
+        <a:scrgbClr r="0" g="0" b="0"/>
+      </a:lnRef>
+      <a:fillRef idx="2">
+        <a:scrgbClr r="0" g="0" b="0"/>
+      </a:fillRef>
+      <a:effectRef idx="1">
+        <a:scrgbClr r="0" g="0" b="0"/>
+      </a:effectRef>
+      <a:fontRef idx="minor">
+        <a:schemeClr val="dk1"/>
+      </a:fontRef>
+    </dgm:style>
+  </dgm:styleLbl>
+  <dgm:styleLbl name="node3">
+    <dgm:scene3d>
+      <a:camera prst="orthographicFront"/>
+      <a:lightRig rig="flat" dir="t"/>
+    </dgm:scene3d>
+    <dgm:sp3d prstMaterial="dkEdge">
+      <a:bevelT w="8200" h="38100"/>
+    </dgm:sp3d>
+    <dgm:txPr/>
+    <dgm:style>
+      <a:lnRef idx="0">
+        <a:scrgbClr r="0" g="0" b="0"/>
+      </a:lnRef>
+      <a:fillRef idx="2">
+        <a:scrgbClr r="0" g="0" b="0"/>
+      </a:fillRef>
+      <a:effectRef idx="1">
+        <a:scrgbClr r="0" g="0" b="0"/>
+      </a:effectRef>
+      <a:fontRef idx="minor">
+        <a:schemeClr val="dk1"/>
+      </a:fontRef>
+    </dgm:style>
+  </dgm:styleLbl>
+  <dgm:styleLbl name="node4">
+    <dgm:scene3d>
+      <a:camera prst="orthographicFront"/>
+      <a:lightRig rig="flat" dir="t"/>
+    </dgm:scene3d>
+    <dgm:sp3d prstMaterial="dkEdge">
+      <a:bevelT w="8200" h="38100"/>
+    </dgm:sp3d>
+    <dgm:txPr/>
+    <dgm:style>
+      <a:lnRef idx="0">
+        <a:scrgbClr r="0" g="0" b="0"/>
+      </a:lnRef>
+      <a:fillRef idx="2">
+        <a:scrgbClr r="0" g="0" b="0"/>
+      </a:fillRef>
+      <a:effectRef idx="1">
+        <a:scrgbClr r="0" g="0" b="0"/>
+      </a:effectRef>
+      <a:fontRef idx="minor">
+        <a:schemeClr val="dk1"/>
+      </a:fontRef>
+    </dgm:style>
+  </dgm:styleLbl>
+  <dgm:styleLbl name="fgImgPlace1">
+    <dgm:scene3d>
+      <a:camera prst="orthographicFront"/>
+      <a:lightRig rig="threePt" dir="t"/>
+    </dgm:scene3d>
+    <dgm:sp3d/>
+    <dgm:txPr/>
+    <dgm:style>
+      <a:lnRef idx="1">
+        <a:scrgbClr r="0" g="0" b="0"/>
+      </a:lnRef>
+      <a:fillRef idx="1">
+        <a:scrgbClr r="0" g="0" b="0"/>
+      </a:fillRef>
+      <a:effectRef idx="1">
+        <a:scrgbClr r="0" g="0" b="0"/>
+      </a:effectRef>
+      <a:fontRef idx="minor"/>
+    </dgm:style>
+  </dgm:styleLbl>
+  <dgm:styleLbl name="alignImgPlace1">
+    <dgm:scene3d>
+      <a:camera prst="orthographicFront"/>
+      <a:lightRig rig="threePt" dir="t"/>
+    </dgm:scene3d>
+    <dgm:sp3d/>
+    <dgm:txPr/>
+    <dgm:style>
+      <a:lnRef idx="1">
+        <a:scrgbClr r="0" g="0" b="0"/>
+      </a:lnRef>
+      <a:fillRef idx="1">
+        <a:scrgbClr r="0" g="0" b="0"/>
+      </a:fillRef>
+      <a:effectRef idx="1">
+        <a:scrgbClr r="0" g="0" b="0"/>
+      </a:effectRef>
+      <a:fontRef idx="minor"/>
+    </dgm:style>
+  </dgm:styleLbl>
+  <dgm:styleLbl name="bgImgPlace1">
+    <dgm:scene3d>
+      <a:camera prst="orthographicFront"/>
+      <a:lightRig rig="threePt" dir="t"/>
+    </dgm:scene3d>
+    <dgm:sp3d/>
+    <dgm:txPr/>
+    <dgm:style>
+      <a:lnRef idx="1">
+        <a:scrgbClr r="0" g="0" b="0"/>
+      </a:lnRef>
+      <a:fillRef idx="1">
+        <a:scrgbClr r="0" g="0" b="0"/>
+      </a:fillRef>
+      <a:effectRef idx="1">
+        <a:scrgbClr r="0" g="0" b="0"/>
+      </a:effectRef>
+      <a:fontRef idx="minor"/>
+    </dgm:style>
+  </dgm:styleLbl>
+  <dgm:styleLbl name="sibTrans2D1">
+    <dgm:scene3d>
+      <a:camera prst="orthographicFront"/>
+      <a:lightRig rig="threePt" dir="t"/>
+    </dgm:scene3d>
+    <dgm:sp3d/>
+    <dgm:txPr/>
+    <dgm:style>
+      <a:lnRef idx="0">
+        <a:scrgbClr r="0" g="0" b="0"/>
+      </a:lnRef>
+      <a:fillRef idx="2">
+        <a:scrgbClr r="0" g="0" b="0"/>
+      </a:fillRef>
+      <a:effectRef idx="1">
+        <a:scrgbClr r="0" g="0" b="0"/>
+      </a:effectRef>
+      <a:fontRef idx="minor">
+        <a:schemeClr val="dk1"/>
+      </a:fontRef>
+    </dgm:style>
+  </dgm:styleLbl>
+  <dgm:styleLbl name="fgSibTrans2D1">
+    <dgm:scene3d>
+      <a:camera prst="orthographicFront"/>
+      <a:lightRig rig="threePt" dir="t"/>
+    </dgm:scene3d>
+    <dgm:sp3d/>
+    <dgm:txPr/>
+    <dgm:style>
+      <a:lnRef idx="0">
+        <a:scrgbClr r="0" g="0" b="0"/>
+      </a:lnRef>
+      <a:fillRef idx="2">
+        <a:scrgbClr r="0" g="0" b="0"/>
+      </a:fillRef>
+      <a:effectRef idx="1">
+        <a:scrgbClr r="0" g="0" b="0"/>
+      </a:effectRef>
+      <a:fontRef idx="minor">
+        <a:schemeClr val="dk1"/>
+      </a:fontRef>
+    </dgm:style>
+  </dgm:styleLbl>
+  <dgm:styleLbl name="bgSibTrans2D1">
+    <dgm:scene3d>
+      <a:camera prst="orthographicFront"/>
+      <a:lightRig rig="threePt" dir="t"/>
+    </dgm:scene3d>
+    <dgm:sp3d/>
+    <dgm:txPr/>
+    <dgm:style>
+      <a:lnRef idx="0">
+        <a:scrgbClr r="0" g="0" b="0"/>
+      </a:lnRef>
+      <a:fillRef idx="2">
+        <a:scrgbClr r="0" g="0" b="0"/>
+      </a:fillRef>
+      <a:effectRef idx="1">
+        <a:scrgbClr r="0" g="0" b="0"/>
+      </a:effectRef>
+      <a:fontRef idx="minor">
+        <a:schemeClr val="dk1"/>
+      </a:fontRef>
+    </dgm:style>
+  </dgm:styleLbl>
+  <dgm:styleLbl name="sibTrans1D1">
+    <dgm:scene3d>
+      <a:camera prst="orthographicFront"/>
+      <a:lightRig rig="threePt" dir="t"/>
+    </dgm:scene3d>
+    <dgm:sp3d/>
+    <dgm:txPr/>
+    <dgm:style>
+      <a:lnRef idx="1">
+        <a:scrgbClr r="0" g="0" b="0"/>
+      </a:lnRef>
+      <a:fillRef idx="0">
+        <a:scrgbClr r="0" g="0" b="0"/>
+      </a:fillRef>
+      <a:effectRef idx="0">
+        <a:scrgbClr r="0" g="0" b="0"/>
+      </a:effectRef>
+      <a:fontRef idx="minor"/>
+    </dgm:style>
+  </dgm:styleLbl>
+  <dgm:styleLbl name="callout">
+    <dgm:scene3d>
+      <a:camera prst="orthographicFront"/>
+      <a:lightRig rig="threePt" dir="t"/>
+    </dgm:scene3d>
+    <dgm:sp3d/>
+    <dgm:txPr/>
+    <dgm:style>
+      <a:lnRef idx="1">
+        <a:scrgbClr r="0" g="0" b="0"/>
+      </a:lnRef>
+      <a:fillRef idx="2">
+        <a:scrgbClr r="0" g="0" b="0"/>
+      </a:fillRef>
+      <a:effectRef idx="1">
+        <a:scrgbClr r="0" g="0" b="0"/>
+      </a:effectRef>
+      <a:fontRef idx="minor"/>
+    </dgm:style>
+  </dgm:styleLbl>
+  <dgm:styleLbl name="asst0">
+    <dgm:scene3d>
+      <a:camera prst="orthographicFront"/>
+      <a:lightRig rig="flat" dir="t"/>
+    </dgm:scene3d>
+    <dgm:sp3d prstMaterial="dkEdge">
+      <a:bevelT w="8200" h="38100"/>
+    </dgm:sp3d>
+    <dgm:txPr/>
+    <dgm:style>
+      <a:lnRef idx="0">
+        <a:scrgbClr r="0" g="0" b="0"/>
+      </a:lnRef>
+      <a:fillRef idx="2">
+        <a:scrgbClr r="0" g="0" b="0"/>
+      </a:fillRef>
+      <a:effectRef idx="1">
+        <a:scrgbClr r="0" g="0" b="0"/>
+      </a:effectRef>
+      <a:fontRef idx="minor">
+        <a:schemeClr val="dk1"/>
+      </a:fontRef>
+    </dgm:style>
+  </dgm:styleLbl>
+  <dgm:styleLbl name="asst1">
+    <dgm:scene3d>
+      <a:camera prst="orthographicFront"/>
+      <a:lightRig rig="flat" dir="t"/>
+    </dgm:scene3d>
+    <dgm:sp3d prstMaterial="dkEdge">
+      <a:bevelT w="8200" h="38100"/>
+    </dgm:sp3d>
+    <dgm:txPr/>
+    <dgm:style>
+      <a:lnRef idx="0">
+        <a:scrgbClr r="0" g="0" b="0"/>
+      </a:lnRef>
+      <a:fillRef idx="2">
+        <a:scrgbClr r="0" g="0" b="0"/>
+      </a:fillRef>
+      <a:effectRef idx="1">
+        <a:scrgbClr r="0" g="0" b="0"/>
+      </a:effectRef>
+      <a:fontRef idx="minor">
+        <a:schemeClr val="dk1"/>
+      </a:fontRef>
+    </dgm:style>
+  </dgm:styleLbl>
+  <dgm:styleLbl name="asst2">
+    <dgm:scene3d>
+      <a:camera prst="orthographicFront"/>
+      <a:lightRig rig="flat" dir="t"/>
+    </dgm:scene3d>
+    <dgm:sp3d prstMaterial="dkEdge">
+      <a:bevelT w="8200" h="38100"/>
+    </dgm:sp3d>
+    <dgm:txPr/>
+    <dgm:style>
+      <a:lnRef idx="0">
+        <a:scrgbClr r="0" g="0" b="0"/>
+      </a:lnRef>
+      <a:fillRef idx="2">
+        <a:scrgbClr r="0" g="0" b="0"/>
+      </a:fillRef>
+      <a:effectRef idx="1">
+        <a:scrgbClr r="0" g="0" b="0"/>
+      </a:effectRef>
+      <a:fontRef idx="minor">
+        <a:schemeClr val="dk1"/>
+      </a:fontRef>
+    </dgm:style>
+  </dgm:styleLbl>
+  <dgm:styleLbl name="asst3">
+    <dgm:scene3d>
+      <a:camera prst="orthographicFront"/>
+      <a:lightRig rig="flat" dir="t"/>
+    </dgm:scene3d>
+    <dgm:sp3d prstMaterial="dkEdge">
+      <a:bevelT w="8200" h="38100"/>
+    </dgm:sp3d>
+    <dgm:txPr/>
+    <dgm:style>
+      <a:lnRef idx="0">
+        <a:scrgbClr r="0" g="0" b="0"/>
+      </a:lnRef>
+      <a:fillRef idx="2">
+        <a:scrgbClr r="0" g="0" b="0"/>
+      </a:fillRef>
+      <a:effectRef idx="1">
+        <a:scrgbClr r="0" g="0" b="0"/>
+      </a:effectRef>
+      <a:fontRef idx="minor">
+        <a:schemeClr val="dk1"/>
+      </a:fontRef>
+    </dgm:style>
+  </dgm:styleLbl>
+  <dgm:styleLbl name="asst4">
+    <dgm:scene3d>
+      <a:camera prst="orthographicFront"/>
+      <a:lightRig rig="flat" dir="t"/>
+    </dgm:scene3d>
+    <dgm:sp3d prstMaterial="dkEdge">
+      <a:bevelT w="8200" h="38100"/>
+    </dgm:sp3d>
+    <dgm:txPr/>
+    <dgm:style>
+      <a:lnRef idx="0">
+        <a:scrgbClr r="0" g="0" b="0"/>
+      </a:lnRef>
+      <a:fillRef idx="2">
+        <a:scrgbClr r="0" g="0" b="0"/>
+      </a:fillRef>
+      <a:effectRef idx="1">
+        <a:scrgbClr r="0" g="0" b="0"/>
+      </a:effectRef>
+      <a:fontRef idx="minor">
+        <a:schemeClr val="dk1"/>
+      </a:fontRef>
+    </dgm:style>
+  </dgm:styleLbl>
+  <dgm:styleLbl name="parChTrans2D1">
+    <dgm:scene3d>
+      <a:camera prst="orthographicFront"/>
+      <a:lightRig rig="threePt" dir="t"/>
+    </dgm:scene3d>
+    <dgm:sp3d/>
+    <dgm:txPr/>
+    <dgm:style>
+      <a:lnRef idx="1">
+        <a:scrgbClr r="0" g="0" b="0"/>
+      </a:lnRef>
+      <a:fillRef idx="2">
+        <a:scrgbClr r="0" g="0" b="0"/>
+      </a:fillRef>
+      <a:effectRef idx="1">
+        <a:scrgbClr r="0" g="0" b="0"/>
+      </a:effectRef>
+      <a:fontRef idx="minor">
+        <a:schemeClr val="dk1"/>
+      </a:fontRef>
+    </dgm:style>
+  </dgm:styleLbl>
+  <dgm:styleLbl name="parChTrans2D2">
+    <dgm:scene3d>
+      <a:camera prst="orthographicFront"/>
+      <a:lightRig rig="threePt" dir="t"/>
+    </dgm:scene3d>
+    <dgm:sp3d/>
+    <dgm:txPr/>
+    <dgm:style>
+      <a:lnRef idx="1">
+        <a:scrgbClr r="0" g="0" b="0"/>
+      </a:lnRef>
+      <a:fillRef idx="2">
+        <a:scrgbClr r="0" g="0" b="0"/>
+      </a:fillRef>
+      <a:effectRef idx="1">
+        <a:scrgbClr r="0" g="0" b="0"/>
+      </a:effectRef>
+      <a:fontRef idx="minor">
+        <a:schemeClr val="dk1"/>
+      </a:fontRef>
+    </dgm:style>
+  </dgm:styleLbl>
+  <dgm:styleLbl name="parChTrans2D3">
+    <dgm:scene3d>
+      <a:camera prst="orthographicFront"/>
+      <a:lightRig rig="threePt" dir="t"/>
+    </dgm:scene3d>
+    <dgm:sp3d/>
+    <dgm:txPr/>
+    <dgm:style>
+      <a:lnRef idx="1">
+        <a:scrgbClr r="0" g="0" b="0"/>
+      </a:lnRef>
+      <a:fillRef idx="2">
+        <a:scrgbClr r="0" g="0" b="0"/>
+      </a:fillRef>
+      <a:effectRef idx="1">
+        <a:scrgbClr r="0" g="0" b="0"/>
+      </a:effectRef>
+      <a:fontRef idx="minor">
+        <a:schemeClr val="dk1"/>
+      </a:fontRef>
+    </dgm:style>
+  </dgm:styleLbl>
+  <dgm:styleLbl name="parChTrans2D4">
+    <dgm:scene3d>
+      <a:camera prst="orthographicFront"/>
+      <a:lightRig rig="threePt" dir="t"/>
+    </dgm:scene3d>
+    <dgm:sp3d/>
+    <dgm:txPr/>
+    <dgm:style>
+      <a:lnRef idx="1">
+        <a:scrgbClr r="0" g="0" b="0"/>
+      </a:lnRef>
+      <a:fillRef idx="2">
+        <a:scrgbClr r="0" g="0" b="0"/>
+      </a:fillRef>
+      <a:effectRef idx="1">
+        <a:scrgbClr r="0" g="0" b="0"/>
+      </a:effectRef>
+      <a:fontRef idx="minor">
+        <a:schemeClr val="dk1"/>
+      </a:fontRef>
+    </dgm:style>
+  </dgm:styleLbl>
+  <dgm:styleLbl name="parChTrans1D1">
+    <dgm:scene3d>
+      <a:camera prst="orthographicFront"/>
+      <a:lightRig rig="threePt" dir="t"/>
+    </dgm:scene3d>
+    <dgm:sp3d/>
+    <dgm:txPr/>
+    <dgm:style>
+      <a:lnRef idx="2">
+        <a:scrgbClr r="0" g="0" b="0"/>
+      </a:lnRef>
+      <a:fillRef idx="0">
+        <a:scrgbClr r="0" g="0" b="0"/>
+      </a:fillRef>
+      <a:effectRef idx="0">
+        <a:scrgbClr r="0" g="0" b="0"/>
+      </a:effectRef>
+      <a:fontRef idx="minor"/>
+    </dgm:style>
+  </dgm:styleLbl>
+  <dgm:styleLbl name="parChTrans1D2">
+    <dgm:scene3d>
+      <a:camera prst="orthographicFront"/>
+      <a:lightRig rig="threePt" dir="t"/>
+    </dgm:scene3d>
+    <dgm:sp3d/>
+    <dgm:txPr/>
+    <dgm:style>
+      <a:lnRef idx="2">
+        <a:scrgbClr r="0" g="0" b="0"/>
+      </a:lnRef>
+      <a:fillRef idx="0">
+        <a:scrgbClr r="0" g="0" b="0"/>
+      </a:fillRef>
+      <a:effectRef idx="0">
+        <a:scrgbClr r="0" g="0" b="0"/>
+      </a:effectRef>
+      <a:fontRef idx="minor"/>
+    </dgm:style>
+  </dgm:styleLbl>
+  <dgm:styleLbl name="parChTrans1D3">
+    <dgm:scene3d>
+      <a:camera prst="orthographicFront"/>
+      <a:lightRig rig="threePt" dir="t"/>
+    </dgm:scene3d>
+    <dgm:sp3d/>
+    <dgm:txPr/>
+    <dgm:style>
+      <a:lnRef idx="2">
+        <a:scrgbClr r="0" g="0" b="0"/>
+      </a:lnRef>
+      <a:fillRef idx="0">
+        <a:scrgbClr r="0" g="0" b="0"/>
+      </a:fillRef>
+      <a:effectRef idx="0">
+        <a:scrgbClr r="0" g="0" b="0"/>
+      </a:effectRef>
+      <a:fontRef idx="minor"/>
+    </dgm:style>
+  </dgm:styleLbl>
+  <dgm:styleLbl name="parChTrans1D4">
+    <dgm:scene3d>
+      <a:camera prst="orthographicFront"/>
+      <a:lightRig rig="threePt" dir="t"/>
+    </dgm:scene3d>
+    <dgm:sp3d/>
+    <dgm:txPr/>
+    <dgm:style>
+      <a:lnRef idx="2">
+        <a:scrgbClr r="0" g="0" b="0"/>
+      </a:lnRef>
+      <a:fillRef idx="0">
+        <a:scrgbClr r="0" g="0" b="0"/>
+      </a:fillRef>
+      <a:effectRef idx="0">
+        <a:scrgbClr r="0" g="0" b="0"/>
+      </a:effectRef>
+      <a:fontRef idx="minor"/>
+    </dgm:style>
+  </dgm:styleLbl>
+  <dgm:styleLbl name="fgAcc1">
+    <dgm:scene3d>
+      <a:camera prst="orthographicFront"/>
+      <a:lightRig rig="threePt" dir="t"/>
+    </dgm:scene3d>
+    <dgm:sp3d/>
+    <dgm:txPr/>
+    <dgm:style>
+      <a:lnRef idx="1">
+        <a:scrgbClr r="0" g="0" b="0"/>
+      </a:lnRef>
+      <a:fillRef idx="1">
+        <a:scrgbClr r="0" g="0" b="0"/>
+      </a:fillRef>
+      <a:effectRef idx="0">
+        <a:scrgbClr r="0" g="0" b="0"/>
+      </a:effectRef>
+      <a:fontRef idx="minor"/>
+    </dgm:style>
+  </dgm:styleLbl>
+  <dgm:styleLbl name="conFgAcc1">
+    <dgm:scene3d>
+      <a:camera prst="orthographicFront"/>
+      <a:lightRig rig="threePt" dir="t"/>
+    </dgm:scene3d>
+    <dgm:sp3d/>
+    <dgm:txPr/>
+    <dgm:style>
+      <a:lnRef idx="1">
+        <a:scrgbClr r="0" g="0" b="0"/>
+      </a:lnRef>
+      <a:fillRef idx="1">
+        <a:scrgbClr r="0" g="0" b="0"/>
+      </a:fillRef>
+      <a:effectRef idx="0">
+        <a:scrgbClr r="0" g="0" b="0"/>
+      </a:effectRef>
+      <a:fontRef idx="minor"/>
+    </dgm:style>
+  </dgm:styleLbl>
+  <dgm:styleLbl name="alignAcc1">
+    <dgm:scene3d>
+      <a:camera prst="orthographicFront"/>
+      <a:lightRig rig="threePt" dir="t"/>
+    </dgm:scene3d>
+    <dgm:sp3d/>
+    <dgm:txPr/>
+    <dgm:style>
+      <a:lnRef idx="1">
+        <a:scrgbClr r="0" g="0" b="0"/>
+      </a:lnRef>
+      <a:fillRef idx="1">
+        <a:scrgbClr r="0" g="0" b="0"/>
+      </a:fillRef>
+      <a:effectRef idx="0">
+        <a:scrgbClr r="0" g="0" b="0"/>
+      </a:effectRef>
+      <a:fontRef idx="minor"/>
+    </dgm:style>
+  </dgm:styleLbl>
+  <dgm:styleLbl name="trAlignAcc1">
+    <dgm:scene3d>
+      <a:camera prst="orthographicFront"/>
+      <a:lightRig rig="threePt" dir="t"/>
+    </dgm:scene3d>
+    <dgm:sp3d/>
+    <dgm:txPr/>
+    <dgm:style>
+      <a:lnRef idx="1">
+        <a:scrgbClr r="0" g="0" b="0"/>
+      </a:lnRef>
+      <a:fillRef idx="1">
+        <a:scrgbClr r="0" g="0" b="0"/>
+      </a:fillRef>
+      <a:effectRef idx="0">
+        <a:scrgbClr r="0" g="0" b="0"/>
+      </a:effectRef>
+      <a:fontRef idx="minor"/>
+    </dgm:style>
+  </dgm:styleLbl>
+  <dgm:styleLbl name="bgAcc1">
+    <dgm:scene3d>
+      <a:camera prst="orthographicFront"/>
+      <a:lightRig rig="threePt" dir="t"/>
+    </dgm:scene3d>
+    <dgm:sp3d/>
+    <dgm:txPr/>
+    <dgm:style>
+      <a:lnRef idx="1">
+        <a:scrgbClr r="0" g="0" b="0"/>
+      </a:lnRef>
+      <a:fillRef idx="1">
+        <a:scrgbClr r="0" g="0" b="0"/>
+      </a:fillRef>
+      <a:effectRef idx="0">
+        <a:scrgbClr r="0" g="0" b="0"/>
+      </a:effectRef>
+      <a:fontRef idx="minor"/>
+    </dgm:style>
+  </dgm:styleLbl>
+  <dgm:styleLbl name="solidFgAcc1">
+    <dgm:scene3d>
+      <a:camera prst="orthographicFront"/>
+      <a:lightRig rig="threePt" dir="t"/>
+    </dgm:scene3d>
+    <dgm:sp3d/>
+    <dgm:txPr/>
+    <dgm:style>
+      <a:lnRef idx="1">
+        <a:scrgbClr r="0" g="0" b="0"/>
+      </a:lnRef>
+      <a:fillRef idx="2">
+        <a:scrgbClr r="0" g="0" b="0"/>
+      </a:fillRef>
+      <a:effectRef idx="0">
+        <a:scrgbClr r="0" g="0" b="0"/>
+      </a:effectRef>
+      <a:fontRef idx="minor"/>
+    </dgm:style>
+  </dgm:styleLbl>
+  <dgm:styleLbl name="solidAlignAcc1">
+    <dgm:scene3d>
+      <a:camera prst="orthographicFront"/>
+      <a:lightRig rig="threePt" dir="t"/>
+    </dgm:scene3d>
+    <dgm:sp3d/>
+    <dgm:txPr/>
+    <dgm:style>
+      <a:lnRef idx="1">
+        <a:scrgbClr r="0" g="0" b="0"/>
+      </a:lnRef>
+      <a:fillRef idx="1">
+        <a:scrgbClr r="0" g="0" b="0"/>
+      </a:fillRef>
+      <a:effectRef idx="0">
+        <a:scrgbClr r="0" g="0" b="0"/>
+      </a:effectRef>
+      <a:fontRef idx="minor"/>
+    </dgm:style>
+  </dgm:styleLbl>
+  <dgm:styleLbl name="solidBgAcc1">
+    <dgm:scene3d>
+      <a:camera prst="orthographicFront"/>
+      <a:lightRig rig="threePt" dir="t"/>
+    </dgm:scene3d>
+    <dgm:sp3d/>
+    <dgm:txPr/>
+    <dgm:style>
+      <a:lnRef idx="1">
+        <a:scrgbClr r="0" g="0" b="0"/>
+      </a:lnRef>
+      <a:fillRef idx="1">
+        <a:scrgbClr r="0" g="0" b="0"/>
+      </a:fillRef>
+      <a:effectRef idx="0">
+        <a:scrgbClr r="0" g="0" b="0"/>
+      </a:effectRef>
+      <a:fontRef idx="minor"/>
+    </dgm:style>
+  </dgm:styleLbl>
+  <dgm:styleLbl name="fgAccFollowNode1">
+    <dgm:scene3d>
+      <a:camera prst="orthographicFront"/>
+      <a:lightRig rig="threePt" dir="t"/>
+    </dgm:scene3d>
+    <dgm:sp3d/>
+    <dgm:txPr/>
+    <dgm:style>
+      <a:lnRef idx="1">
+        <a:scrgbClr r="0" g="0" b="0"/>
+      </a:lnRef>
+      <a:fillRef idx="1">
+        <a:scrgbClr r="0" g="0" b="0"/>
+      </a:fillRef>
+      <a:effectRef idx="0">
+        <a:scrgbClr r="0" g="0" b="0"/>
+      </a:effectRef>
+      <a:fontRef idx="minor"/>
+    </dgm:style>
+  </dgm:styleLbl>
+  <dgm:styleLbl name="alignAccFollowNode1">
+    <dgm:scene3d>
+      <a:camera prst="orthographicFront"/>
+      <a:lightRig rig="threePt" dir="t"/>
+    </dgm:scene3d>
+    <dgm:sp3d/>
+    <dgm:txPr/>
+    <dgm:style>
+      <a:lnRef idx="1">
+        <a:scrgbClr r="0" g="0" b="0"/>
+      </a:lnRef>
+      <a:fillRef idx="1">
+        <a:scrgbClr r="0" g="0" b="0"/>
+      </a:fillRef>
+      <a:effectRef idx="0">
+        <a:scrgbClr r="0" g="0" b="0"/>
+      </a:effectRef>
+      <a:fontRef idx="minor"/>
+    </dgm:style>
+  </dgm:styleLbl>
+  <dgm:styleLbl name="bgAccFollowNode1">
+    <dgm:scene3d>
+      <a:camera prst="orthographicFront"/>
+      <a:lightRig rig="threePt" dir="t"/>
+    </dgm:scene3d>
+    <dgm:sp3d/>
+    <dgm:txPr/>
+    <dgm:style>
+      <a:lnRef idx="1">
+        <a:scrgbClr r="0" g="0" b="0"/>
+      </a:lnRef>
+      <a:fillRef idx="1">
+        <a:scrgbClr r="0" g="0" b="0"/>
+      </a:fillRef>
+      <a:effectRef idx="0">
+        <a:scrgbClr r="0" g="0" b="0"/>
+      </a:effectRef>
+      <a:fontRef idx="minor"/>
+    </dgm:style>
+  </dgm:styleLbl>
+  <dgm:styleLbl name="fgAcc0">
+    <dgm:scene3d>
+      <a:camera prst="orthographicFront"/>
+      <a:lightRig rig="threePt" dir="t"/>
+    </dgm:scene3d>
+    <dgm:sp3d/>
+    <dgm:txPr/>
+    <dgm:style>
+      <a:lnRef idx="1">
+        <a:scrgbClr r="0" g="0" b="0"/>
+      </a:lnRef>
+      <a:fillRef idx="1">
+        <a:scrgbClr r="0" g="0" b="0"/>
+      </a:fillRef>
+      <a:effectRef idx="0">
+        <a:scrgbClr r="0" g="0" b="0"/>
+      </a:effectRef>
+      <a:fontRef idx="minor"/>
+    </dgm:style>
+  </dgm:styleLbl>
+  <dgm:styleLbl name="fgAcc2">
+    <dgm:scene3d>
+      <a:camera prst="orthographicFront"/>
+      <a:lightRig rig="threePt" dir="t"/>
+    </dgm:scene3d>
+    <dgm:sp3d/>
+    <dgm:txPr/>
+    <dgm:style>
+      <a:lnRef idx="1">
+        <a:scrgbClr r="0" g="0" b="0"/>
+      </a:lnRef>
+      <a:fillRef idx="1">
+        <a:scrgbClr r="0" g="0" b="0"/>
+      </a:fillRef>
+      <a:effectRef idx="0">
+        <a:scrgbClr r="0" g="0" b="0"/>
+      </a:effectRef>
+      <a:fontRef idx="minor"/>
+    </dgm:style>
+  </dgm:styleLbl>
+  <dgm:styleLbl name="fgAcc3">
+    <dgm:scene3d>
+      <a:camera prst="orthographicFront"/>
+      <a:lightRig rig="threePt" dir="t"/>
+    </dgm:scene3d>
+    <dgm:sp3d/>
+    <dgm:txPr/>
+    <dgm:style>
+      <a:lnRef idx="1">
+        <a:scrgbClr r="0" g="0" b="0"/>
+      </a:lnRef>
+      <a:fillRef idx="1">
+        <a:scrgbClr r="0" g="0" b="0"/>
+      </a:fillRef>
+      <a:effectRef idx="0">
+        <a:scrgbClr r="0" g="0" b="0"/>
+      </a:effectRef>
+      <a:fontRef idx="minor"/>
+    </dgm:style>
+  </dgm:styleLbl>
+  <dgm:styleLbl name="fgAcc4">
+    <dgm:scene3d>
+      <a:camera prst="orthographicFront"/>
+      <a:lightRig rig="threePt" dir="t"/>
+    </dgm:scene3d>
+    <dgm:sp3d/>
+    <dgm:txPr/>
+    <dgm:style>
+      <a:lnRef idx="1">
+        <a:scrgbClr r="0" g="0" b="0"/>
+      </a:lnRef>
+      <a:fillRef idx="1">
+        <a:scrgbClr r="0" g="0" b="0"/>
+      </a:fillRef>
+      <a:effectRef idx="0">
+        <a:scrgbClr r="0" g="0" b="0"/>
+      </a:effectRef>
+      <a:fontRef idx="minor"/>
+    </dgm:style>
+  </dgm:styleLbl>
+  <dgm:styleLbl name="bgShp">
+    <dgm:scene3d>
+      <a:camera prst="orthographicFront"/>
+      <a:lightRig rig="threePt" dir="t"/>
+    </dgm:scene3d>
+    <dgm:sp3d/>
+    <dgm:txPr/>
+    <dgm:style>
+      <a:lnRef idx="0">
+        <a:scrgbClr r="0" g="0" b="0"/>
+      </a:lnRef>
+      <a:fillRef idx="1">
+        <a:scrgbClr r="0" g="0" b="0"/>
+      </a:fillRef>
+      <a:effectRef idx="1">
+        <a:scrgbClr r="0" g="0" b="0"/>
+      </a:effectRef>
+      <a:fontRef idx="minor"/>
+    </dgm:style>
+  </dgm:styleLbl>
+  <dgm:styleLbl name="dkBgShp">
+    <dgm:scene3d>
+      <a:camera prst="orthographicFront"/>
+      <a:lightRig rig="threePt" dir="t"/>
+    </dgm:scene3d>
+    <dgm:sp3d/>
+    <dgm:txPr/>
+    <dgm:style>
+      <a:lnRef idx="0">
+        <a:scrgbClr r="0" g="0" b="0"/>
+      </a:lnRef>
+      <a:fillRef idx="1">
+        <a:scrgbClr r="0" g="0" b="0"/>
+      </a:fillRef>
+      <a:effectRef idx="1">
+        <a:scrgbClr r="0" g="0" b="0"/>
+      </a:effectRef>
+      <a:fontRef idx="minor"/>
+    </dgm:style>
+  </dgm:styleLbl>
+  <dgm:styleLbl name="trBgShp">
+    <dgm:scene3d>
+      <a:camera prst="orthographicFront"/>
+      <a:lightRig rig="threePt" dir="t"/>
+    </dgm:scene3d>
+    <dgm:sp3d/>
+    <dgm:txPr/>
+    <dgm:style>
+      <a:lnRef idx="0">
+        <a:scrgbClr r="0" g="0" b="0"/>
+      </a:lnRef>
+      <a:fillRef idx="1">
+        <a:scrgbClr r="0" g="0" b="0"/>
+      </a:fillRef>
+      <a:effectRef idx="0">
+        <a:scrgbClr r="0" g="0" b="0"/>
+      </a:effectRef>
+      <a:fontRef idx="minor"/>
+    </dgm:style>
+  </dgm:styleLbl>
+  <dgm:styleLbl name="fgShp">
+    <dgm:scene3d>
+      <a:camera prst="orthographicFront"/>
+      <a:lightRig rig="flat" dir="t"/>
+    </dgm:scene3d>
+    <dgm:sp3d prstMaterial="dkEdge">
+      <a:bevelT w="8200" h="38100"/>
+    </dgm:sp3d>
+    <dgm:txPr/>
+    <dgm:style>
+      <a:lnRef idx="1">
+        <a:scrgbClr r="0" g="0" b="0"/>
+      </a:lnRef>
+      <a:fillRef idx="2">
+        <a:scrgbClr r="0" g="0" b="0"/>
+      </a:fillRef>
+      <a:effectRef idx="1">
+        <a:scrgbClr r="0" g="0" b="0"/>
+      </a:effectRef>
+      <a:fontRef idx="minor"/>
+    </dgm:style>
+  </dgm:styleLbl>
+  <dgm:styleLbl name="revTx">
+    <dgm:scene3d>
+      <a:camera prst="orthographicFront"/>
+      <a:lightRig rig="threePt" dir="t"/>
+    </dgm:scene3d>
+    <dgm:sp3d/>
+    <dgm:txPr/>
+    <dgm:style>
+      <a:lnRef idx="0">
+        <a:scrgbClr r="0" g="0" b="0"/>
+      </a:lnRef>
+      <a:fillRef idx="0">
+        <a:scrgbClr r="0" g="0" b="0"/>
+      </a:fillRef>
+      <a:effectRef idx="0">
+        <a:scrgbClr r="0" g="0" b="0"/>
+      </a:effectRef>
+      <a:fontRef idx="minor"/>
+    </dgm:style>
+  </dgm:styleLbl>
+</dgm:styleDef>
 </file>
 
 <file path=ppt/notesMasters/notesMaster1.xml><?xml version="1.0" encoding="utf-8"?>
@@ -4757,8 +9005,17 @@
           <a:p>
             <a:r>
               <a:rPr lang="en-US" b="0" dirty="0"/>
-              <a:t>Does treatment response 2 years after initiating HAART differs between subjects who report using hard drugs, such as heroine and cocaine, at baseline and other subjects, who did not report hard drug use at baseline.   </a:t>
-            </a:r>
+              <a:t>Does treatment response 2 years after initiating HAART differs between subjects who report using hard drugs, such as heroine and cocaine, at baseline and other subjects, who did not report hard drug use at </a:t>
+            </a:r>
+            <a:r>
+              <a:rPr lang="en-US" b="0" dirty="0" smtClean="0"/>
+              <a:t>baseline</a:t>
+            </a:r>
+            <a:r>
+              <a:rPr lang="en-US" b="0" dirty="0"/>
+              <a:t>?</a:t>
+            </a:r>
+            <a:endParaRPr lang="en-US" b="0" dirty="0"/>
           </a:p>
           <a:p>
             <a:endParaRPr lang="en-US" dirty="0"/>
@@ -4777,10 +9034,24 @@
         </p:nvSpPr>
         <p:spPr>
           <a:xfrm>
-            <a:off x="227882" y="1909983"/>
-            <a:ext cx="8309751" cy="4525963"/>
+            <a:off x="227883" y="2099298"/>
+            <a:ext cx="8309751" cy="4359027"/>
           </a:xfrm>
         </p:spPr>
+        <p:style>
+          <a:lnRef idx="2">
+            <a:schemeClr val="dk1"/>
+          </a:lnRef>
+          <a:fillRef idx="1">
+            <a:schemeClr val="lt1"/>
+          </a:fillRef>
+          <a:effectRef idx="0">
+            <a:schemeClr val="dk1"/>
+          </a:effectRef>
+          <a:fontRef idx="minor">
+            <a:schemeClr val="dk1"/>
+          </a:fontRef>
+        </p:style>
         <p:txBody>
           <a:bodyPr>
             <a:normAutofit fontScale="70000" lnSpcReduction="20000"/>
@@ -4795,7 +9066,27 @@
           <a:p>
             <a:r>
               <a:rPr lang="en-US" b="0" dirty="0"/>
-              <a:t>1.) There is a meaningful difference between hard drug use between hard drug use exposure when compared to controls on the change in CD4 count after two years of treatment </a:t>
+              <a:t>1.) There is a </a:t>
+            </a:r>
+            <a:r>
+              <a:rPr lang="en-US" b="0" dirty="0" smtClean="0"/>
+              <a:t>meaningful difference </a:t>
+            </a:r>
+            <a:r>
+              <a:rPr lang="en-US" b="0" dirty="0"/>
+              <a:t>between hard drug use between hard drug use exposure when compared to controls on </a:t>
+            </a:r>
+            <a:r>
+              <a:rPr lang="en-US" dirty="0">
+                <a:solidFill>
+                  <a:srgbClr val="FF0000"/>
+                </a:solidFill>
+              </a:rPr>
+              <a:t>the change in CD4 count</a:t>
+            </a:r>
+            <a:r>
+              <a:rPr lang="en-US" b="0" dirty="0"/>
+              <a:t> after two years of treatment </a:t>
             </a:r>
             <a:endParaRPr lang="en-US" b="0" dirty="0" smtClean="0"/>
           </a:p>
@@ -4806,7 +9097,35 @@
             </a:r>
             <a:r>
               <a:rPr lang="en-US" b="0" dirty="0"/>
-              <a:t>.) There is a meaningful difference between hard drug use exposure when compared to controls on the change in viral load after two years of </a:t>
+              <a:t>.) There is a meaningful difference between hard drug use exposure when compared to controls on </a:t>
+            </a:r>
+            <a:r>
+              <a:rPr lang="en-US" dirty="0">
+                <a:solidFill>
+                  <a:srgbClr val="FF0000"/>
+                </a:solidFill>
+              </a:rPr>
+              <a:t>the</a:t>
+            </a:r>
+            <a:r>
+              <a:rPr lang="en-US" b="0" dirty="0">
+                <a:solidFill>
+                  <a:srgbClr val="FF0000"/>
+                </a:solidFill>
+              </a:rPr>
+              <a:t> </a:t>
+            </a:r>
+            <a:r>
+              <a:rPr lang="en-US" dirty="0">
+                <a:solidFill>
+                  <a:srgbClr val="FF0000"/>
+                </a:solidFill>
+              </a:rPr>
+              <a:t>change in viral loa</a:t>
+            </a:r>
+            <a:r>
+              <a:rPr lang="en-US" b="0" dirty="0"/>
+              <a:t>d after two years of </a:t>
             </a:r>
             <a:r>
               <a:rPr lang="en-US" b="0" dirty="0" smtClean="0"/>
@@ -4820,7 +9139,19 @@
             </a:r>
             <a:r>
               <a:rPr lang="en-US" b="0" dirty="0"/>
-              <a:t>3.) There is a meaningful difference between hard drug use exposure when compared to controls on the change in aggregate mental health scores after two years of treatment </a:t>
+              <a:t>3.) There is a meaningful difference between hard drug use exposure when compared to controls on</a:t>
+            </a:r>
+            <a:r>
+              <a:rPr lang="en-US" dirty="0">
+                <a:solidFill>
+                  <a:srgbClr val="FF0000"/>
+                </a:solidFill>
+              </a:rPr>
+              <a:t> the change in aggregate mental health scores </a:t>
+            </a:r>
+            <a:r>
+              <a:rPr lang="en-US" b="0" dirty="0"/>
+              <a:t>after two years of treatment </a:t>
             </a:r>
             <a:endParaRPr lang="en-US" b="0" dirty="0" smtClean="0"/>
           </a:p>
@@ -4831,7 +9162,35 @@
             </a:r>
             <a:r>
               <a:rPr lang="en-US" b="0" dirty="0"/>
-              <a:t>.) There is a meaningful difference between hard drug use exposure when compared to controls on the change in aggregate physical health scores after two years of treatment.</a:t>
+              <a:t>.) There is a meaningful difference between hard drug use exposure when compared to controls </a:t>
+            </a:r>
+            <a:r>
+              <a:rPr lang="en-US" b="0" dirty="0">
+                <a:solidFill>
+                  <a:schemeClr val="tx1"/>
+                </a:solidFill>
+              </a:rPr>
+              <a:t>on</a:t>
+            </a:r>
+            <a:r>
+              <a:rPr lang="en-US" dirty="0">
+                <a:solidFill>
+                  <a:schemeClr val="tx1"/>
+                </a:solidFill>
+              </a:rPr>
+              <a:t> </a:t>
+            </a:r>
+            <a:r>
+              <a:rPr lang="en-US" dirty="0">
+                <a:solidFill>
+                  <a:srgbClr val="FF0000"/>
+                </a:solidFill>
+              </a:rPr>
+              <a:t>the change in aggregate physical health scores</a:t>
+            </a:r>
+            <a:r>
+              <a:rPr lang="en-US" b="0" dirty="0"/>
+              <a:t> after two years of treatment.</a:t>
             </a:r>
           </a:p>
           <a:p>
@@ -4849,6 +9208,13 @@
   <p:clrMapOvr>
     <a:masterClrMapping/>
   </p:clrMapOvr>
+  <p:timing>
+    <p:tnLst>
+      <p:par>
+        <p:cTn xmlns:p14="http://schemas.microsoft.com/office/powerpoint/2010/main" id="1" dur="indefinite" restart="never" nodeType="tmRoot"/>
+      </p:par>
+    </p:tnLst>
+  </p:timing>
 </p:sld>
 </file>
 
@@ -4882,18 +9248,20 @@
         <p:spPr>
           <a:xfrm>
             <a:off x="457200" y="152718"/>
-            <a:ext cx="5791200" cy="570569"/>
+            <a:ext cx="5791200" cy="658775"/>
           </a:xfrm>
         </p:spPr>
         <p:txBody>
-          <a:bodyPr>
-            <a:normAutofit fontScale="90000"/>
-          </a:bodyPr>
+          <a:bodyPr/>
           <a:lstStyle/>
           <a:p>
             <a:r>
+              <a:rPr lang="en-US" dirty="0"/>
+              <a:t>Data </a:t>
+            </a:r>
+            <a:r>
               <a:rPr lang="en-US" dirty="0" smtClean="0"/>
-              <a:t>Data Summary</a:t>
+              <a:t>Analysis</a:t>
             </a:r>
             <a:endParaRPr lang="en-US" dirty="0"/>
           </a:p>
@@ -4906,195 +9274,279 @@
             <a:spLocks noGrp="1"/>
           </p:cNvSpPr>
           <p:nvPr>
-            <p:ph sz="half" idx="1"/>
+            <p:ph idx="1"/>
           </p:nvPr>
         </p:nvSpPr>
         <p:spPr>
           <a:xfrm>
-            <a:off x="211677" y="975001"/>
-            <a:ext cx="3034035" cy="4525963"/>
+            <a:off x="457200" y="811494"/>
+            <a:ext cx="4993480" cy="5715734"/>
           </a:xfrm>
         </p:spPr>
         <p:txBody>
           <a:bodyPr>
-            <a:normAutofit fontScale="70000" lnSpcReduction="20000"/>
+            <a:normAutofit fontScale="85000" lnSpcReduction="10000"/>
           </a:bodyPr>
           <a:lstStyle/>
           <a:p>
+            <a:pPr marL="342900" indent="-342900">
+              <a:spcAft>
+                <a:spcPts val="0"/>
+              </a:spcAft>
+              <a:buFont typeface="Arial"/>
+              <a:buChar char="•"/>
+            </a:pPr>
+            <a:r>
+              <a:rPr lang="en-US" dirty="0"/>
+              <a:t>Data management and </a:t>
+            </a:r>
             <a:r>
               <a:rPr lang="en-US" dirty="0" smtClean="0"/>
-              <a:t>Primary variable of interest: </a:t>
-            </a:r>
-          </a:p>
-          <a:p>
-            <a:r>
-              <a:rPr lang="en-US" b="0" dirty="0" smtClean="0"/>
-              <a:t>Hard drug use at baseline (Y or N)</a:t>
-            </a:r>
-          </a:p>
-          <a:p>
+              <a:t>cleaning</a:t>
+            </a:r>
+          </a:p>
+          <a:p>
+            <a:pPr marL="800100" lvl="1" indent="-342900">
+              <a:buFont typeface="Arial"/>
+              <a:buChar char="•"/>
+            </a:pPr>
             <a:r>
               <a:rPr lang="en-US" dirty="0" smtClean="0"/>
-              <a:t>Outcomes of Interest: </a:t>
-            </a:r>
-          </a:p>
-          <a:p>
-            <a:r>
-              <a:rPr lang="en-US" b="0" dirty="0" smtClean="0"/>
-              <a:t>Delta CD4 cell count</a:t>
-            </a:r>
-          </a:p>
-          <a:p>
-            <a:r>
-              <a:rPr lang="en-US" b="0" dirty="0" smtClean="0"/>
-              <a:t>Delta viral load</a:t>
-            </a:r>
-          </a:p>
-          <a:p>
-            <a:r>
-              <a:rPr lang="en-US" b="0" dirty="0" smtClean="0"/>
-              <a:t>Delta aggregate mental health</a:t>
-            </a:r>
-          </a:p>
-          <a:p>
-            <a:r>
-              <a:rPr lang="en-US" b="0" dirty="0" smtClean="0"/>
-              <a:t>Delta aggregate physical health</a:t>
-            </a:r>
-            <a:endParaRPr lang="en-US" b="0" dirty="0"/>
+              <a:t>Changed </a:t>
+            </a:r>
+            <a:r>
+              <a:rPr lang="en-US" dirty="0"/>
+              <a:t>missing </a:t>
+            </a:r>
+            <a:r>
+              <a:rPr lang="en-US" dirty="0" smtClean="0"/>
+              <a:t>values</a:t>
+            </a:r>
+          </a:p>
+          <a:p>
+            <a:pPr marL="800100" lvl="1" indent="-342900">
+              <a:buFont typeface="Arial"/>
+              <a:buChar char="•"/>
+            </a:pPr>
+            <a:r>
+              <a:rPr lang="en-US" dirty="0" smtClean="0"/>
+              <a:t>Outliers</a:t>
+            </a:r>
+          </a:p>
+          <a:p>
+            <a:pPr marL="800100" lvl="1" indent="-342900"/>
+            <a:r>
+              <a:rPr lang="en-US" dirty="0" smtClean="0"/>
+              <a:t>Condensed </a:t>
+            </a:r>
+            <a:r>
+              <a:rPr lang="en-US" dirty="0"/>
+              <a:t>categorical </a:t>
+            </a:r>
+            <a:r>
+              <a:rPr lang="en-US" dirty="0" smtClean="0"/>
+              <a:t>variables</a:t>
+            </a:r>
+          </a:p>
+          <a:p>
+            <a:pPr marL="342900" indent="-342900">
+              <a:spcAft>
+                <a:spcPts val="0"/>
+              </a:spcAft>
+              <a:buFont typeface="Arial"/>
+              <a:buChar char="•"/>
+            </a:pPr>
+            <a:r>
+              <a:rPr lang="en-US" dirty="0" smtClean="0"/>
+              <a:t>Descriptive statistics</a:t>
+            </a:r>
+          </a:p>
+          <a:p>
+            <a:pPr marL="800100" lvl="1" indent="-342900">
+              <a:buFont typeface="Arial"/>
+              <a:buChar char="•"/>
+            </a:pPr>
+            <a:r>
+              <a:rPr lang="en-US" dirty="0" smtClean="0"/>
+              <a:t>Table 1</a:t>
+            </a:r>
+          </a:p>
+          <a:p>
+            <a:pPr marL="342900" indent="-342900">
+              <a:spcAft>
+                <a:spcPts val="0"/>
+              </a:spcAft>
+              <a:buFont typeface="Arial"/>
+              <a:buChar char="•"/>
+            </a:pPr>
+            <a:r>
+              <a:rPr lang="en-US" dirty="0" smtClean="0"/>
+              <a:t>Bivariate </a:t>
+            </a:r>
+            <a:r>
+              <a:rPr lang="en-US" dirty="0"/>
+              <a:t>analysis of outcome </a:t>
+            </a:r>
+            <a:r>
+              <a:rPr lang="en-US" dirty="0" smtClean="0"/>
+              <a:t>estimates</a:t>
+            </a:r>
+          </a:p>
+          <a:p>
+            <a:pPr marL="800100" lvl="1" indent="-342900">
+              <a:buFont typeface="Arial"/>
+              <a:buChar char="•"/>
+            </a:pPr>
+            <a:r>
+              <a:rPr lang="en-US" dirty="0" smtClean="0"/>
+              <a:t>Log transformed viral load</a:t>
+            </a:r>
+          </a:p>
+          <a:p>
+            <a:pPr marL="342900" indent="-342900">
+              <a:spcAft>
+                <a:spcPts val="0"/>
+              </a:spcAft>
+              <a:buFont typeface="Arial"/>
+              <a:buChar char="•"/>
+            </a:pPr>
+            <a:r>
+              <a:rPr lang="en-US" dirty="0" smtClean="0"/>
+              <a:t>Linear regression</a:t>
+            </a:r>
+          </a:p>
+          <a:p>
+            <a:pPr marL="800100" lvl="1" indent="-342900">
+              <a:buFont typeface="Arial"/>
+              <a:buChar char="•"/>
+            </a:pPr>
+            <a:r>
+              <a:rPr lang="en-US" dirty="0" smtClean="0"/>
+              <a:t>Crude, preliminary results</a:t>
+            </a:r>
+          </a:p>
+          <a:p>
+            <a:pPr marL="342900" indent="-342900">
+              <a:spcAft>
+                <a:spcPts val="0"/>
+              </a:spcAft>
+              <a:buFont typeface="Arial"/>
+              <a:buChar char="•"/>
+            </a:pPr>
+            <a:r>
+              <a:rPr lang="en-US" dirty="0" smtClean="0"/>
+              <a:t>Multiple </a:t>
+            </a:r>
+            <a:r>
+              <a:rPr lang="en-US" dirty="0"/>
+              <a:t>linear regression </a:t>
+            </a:r>
+          </a:p>
+          <a:p>
+            <a:pPr marL="800100" lvl="1" indent="-342900">
+              <a:buFont typeface="Arial"/>
+              <a:buChar char="•"/>
+            </a:pPr>
+            <a:r>
+              <a:rPr lang="en-US" dirty="0" smtClean="0"/>
+              <a:t>Model selection</a:t>
+            </a:r>
+          </a:p>
+          <a:p>
+            <a:pPr marL="1485900" lvl="2" indent="-342900">
+              <a:buFont typeface="Arial"/>
+              <a:buChar char="•"/>
+            </a:pPr>
+            <a:r>
+              <a:rPr lang="en-US" dirty="0" smtClean="0"/>
+              <a:t>Covariates </a:t>
+            </a:r>
+            <a:r>
+              <a:rPr lang="en-US" dirty="0"/>
+              <a:t>selected a priori </a:t>
+            </a:r>
+            <a:endParaRPr lang="en-US" dirty="0" smtClean="0"/>
+          </a:p>
+          <a:p>
+            <a:pPr marL="1485900" lvl="2" indent="-342900">
+              <a:buFont typeface="Arial"/>
+              <a:buChar char="•"/>
+            </a:pPr>
+            <a:r>
+              <a:rPr lang="en-US" dirty="0" smtClean="0"/>
+              <a:t>Investigator’s </a:t>
+            </a:r>
+            <a:r>
+              <a:rPr lang="en-US" dirty="0"/>
+              <a:t>clinical </a:t>
+            </a:r>
+            <a:r>
+              <a:rPr lang="en-US" dirty="0" smtClean="0"/>
+              <a:t>knowledge/ previous use</a:t>
+            </a:r>
+          </a:p>
+          <a:p>
+            <a:pPr marL="800100" lvl="1" indent="-342900">
+              <a:buFont typeface="Arial"/>
+              <a:buChar char="•"/>
+            </a:pPr>
+            <a:r>
+              <a:rPr lang="en-US" dirty="0" smtClean="0"/>
+              <a:t>Partial </a:t>
+            </a:r>
+            <a:r>
+              <a:rPr lang="en-US" dirty="0"/>
+              <a:t>f-</a:t>
+            </a:r>
+            <a:r>
+              <a:rPr lang="en-US" dirty="0" smtClean="0"/>
+              <a:t>tests</a:t>
+            </a:r>
+          </a:p>
+          <a:p>
+            <a:pPr marL="800100" lvl="1" indent="-342900">
+              <a:buFont typeface="Arial"/>
+              <a:buChar char="•"/>
+            </a:pPr>
+            <a:r>
+              <a:rPr lang="en-US" dirty="0" smtClean="0"/>
+              <a:t>Correlations </a:t>
+            </a:r>
+            <a:r>
+              <a:rPr lang="en-US" dirty="0"/>
+              <a:t>to look relationships between covariates and delta </a:t>
+            </a:r>
+            <a:r>
+              <a:rPr lang="en-US" dirty="0" smtClean="0"/>
+              <a:t>variables</a:t>
+            </a:r>
+          </a:p>
+          <a:p>
+            <a:pPr marL="342900" indent="-342900">
+              <a:buFont typeface="Arial"/>
+              <a:buChar char="•"/>
+            </a:pPr>
+            <a:r>
+              <a:rPr lang="en-US" dirty="0" smtClean="0"/>
+              <a:t>Multiple comparisons</a:t>
+            </a:r>
+          </a:p>
+          <a:p>
+            <a:pPr marL="800100" lvl="1" indent="-342900">
+              <a:buFont typeface="Arial"/>
+              <a:buChar char="•"/>
+            </a:pPr>
+            <a:r>
+              <a:rPr lang="en-US" dirty="0" smtClean="0"/>
+              <a:t>p&lt;0.025</a:t>
+            </a:r>
+            <a:endParaRPr lang="en-US" dirty="0"/>
           </a:p>
         </p:txBody>
       </p:sp>
       <p:sp>
         <p:nvSpPr>
           <p:cNvPr id="4" name="Content Placeholder 3"/>
-          <p:cNvSpPr>
-            <a:spLocks noGrp="1"/>
-          </p:cNvSpPr>
-          <p:nvPr>
-            <p:ph sz="half" idx="2"/>
-          </p:nvPr>
-        </p:nvSpPr>
-        <p:spPr>
-          <a:xfrm>
-            <a:off x="2910557" y="936289"/>
-            <a:ext cx="3337843" cy="5913544"/>
-          </a:xfrm>
-        </p:spPr>
-        <p:txBody>
-          <a:bodyPr>
-            <a:normAutofit fontScale="70000" lnSpcReduction="20000"/>
-          </a:bodyPr>
-          <a:lstStyle/>
-          <a:p>
-            <a:r>
-              <a:rPr lang="en-US" dirty="0" smtClean="0"/>
-              <a:t>A priori covariates:</a:t>
-            </a:r>
-          </a:p>
-          <a:p>
-            <a:r>
-              <a:rPr lang="en-US" b="0" dirty="0" smtClean="0"/>
-              <a:t>Age</a:t>
-            </a:r>
-          </a:p>
-          <a:p>
-            <a:r>
-              <a:rPr lang="en-US" b="0" dirty="0" smtClean="0"/>
-              <a:t>BMI</a:t>
-            </a:r>
-          </a:p>
-          <a:p>
-            <a:r>
-              <a:rPr lang="en-US" b="0" dirty="0" smtClean="0"/>
-              <a:t>Race </a:t>
-            </a:r>
-            <a:r>
-              <a:rPr lang="en-US" b="0" dirty="0"/>
-              <a:t>(NHW and other)</a:t>
-            </a:r>
-            <a:r>
-              <a:rPr lang="en-US" b="0" dirty="0" smtClean="0"/>
-              <a:t>,</a:t>
-            </a:r>
-          </a:p>
-          <a:p>
-            <a:r>
-              <a:rPr lang="en-US" b="0" dirty="0" smtClean="0"/>
-              <a:t>Income </a:t>
-            </a:r>
-            <a:r>
-              <a:rPr lang="en-US" b="0" dirty="0"/>
-              <a:t>level (&lt;10,10-40, &gt;40</a:t>
-            </a:r>
-            <a:r>
-              <a:rPr lang="en-US" b="0" dirty="0" smtClean="0"/>
-              <a:t>)</a:t>
-            </a:r>
-            <a:endParaRPr lang="en-US" b="0" dirty="0"/>
-          </a:p>
-          <a:p>
-            <a:r>
-              <a:rPr lang="en-US" b="0" dirty="0"/>
-              <a:t>Education level (high school or less and some college or greater)</a:t>
-            </a:r>
-          </a:p>
-          <a:p>
-            <a:r>
-              <a:rPr lang="en-US" b="0" dirty="0" smtClean="0"/>
-              <a:t>Smoker </a:t>
-            </a:r>
-            <a:r>
-              <a:rPr lang="en-US" b="0" dirty="0"/>
-              <a:t>(current and former/never</a:t>
-            </a:r>
-            <a:r>
-              <a:rPr lang="en-US" b="0" dirty="0" smtClean="0"/>
-              <a:t>) </a:t>
-            </a:r>
-          </a:p>
-          <a:p>
-            <a:r>
-              <a:rPr lang="en-US" b="0" dirty="0" smtClean="0"/>
-              <a:t>Alcohol </a:t>
-            </a:r>
-            <a:r>
-              <a:rPr lang="en-US" b="0" dirty="0"/>
-              <a:t>use (&lt;13 drinks or &gt;13 drinks a week</a:t>
-            </a:r>
-            <a:r>
-              <a:rPr lang="en-US" b="0" dirty="0" smtClean="0"/>
-              <a:t>) </a:t>
-            </a:r>
-          </a:p>
-          <a:p>
-            <a:r>
-              <a:rPr lang="en-US" b="0" dirty="0" smtClean="0"/>
-              <a:t>Marijuana use (yes or no)</a:t>
-            </a:r>
-          </a:p>
-          <a:p>
-            <a:r>
-              <a:rPr lang="en-US" b="0" dirty="0" smtClean="0"/>
-              <a:t>Adherence </a:t>
-            </a:r>
-            <a:r>
-              <a:rPr lang="en-US" b="0" dirty="0"/>
-              <a:t>(&gt;95% and &lt;95%</a:t>
-            </a:r>
-            <a:r>
-              <a:rPr lang="en-US" b="0" dirty="0" smtClean="0"/>
-              <a:t>)</a:t>
-            </a:r>
-          </a:p>
-          <a:p>
-            <a:endParaRPr lang="en-US" dirty="0"/>
-          </a:p>
-        </p:txBody>
-      </p:sp>
-      <p:sp>
-        <p:nvSpPr>
-          <p:cNvPr id="5" name="Content Placeholder 3"/>
           <p:cNvSpPr txBox="1">
             <a:spLocks/>
           </p:cNvSpPr>
@@ -5102,16 +9554,30 @@
         </p:nvSpPr>
         <p:spPr>
           <a:xfrm>
-            <a:off x="5603079" y="934656"/>
-            <a:ext cx="3337843" cy="5913544"/>
+            <a:off x="5450680" y="975001"/>
+            <a:ext cx="3492668" cy="5650234"/>
           </a:xfrm>
           <a:prstGeom prst="rect">
             <a:avLst/>
           </a:prstGeom>
         </p:spPr>
+        <p:style>
+          <a:lnRef idx="2">
+            <a:schemeClr val="dk1"/>
+          </a:lnRef>
+          <a:fillRef idx="1">
+            <a:schemeClr val="lt1"/>
+          </a:fillRef>
+          <a:effectRef idx="0">
+            <a:schemeClr val="dk1"/>
+          </a:effectRef>
+          <a:fontRef idx="minor">
+            <a:schemeClr val="dk1"/>
+          </a:fontRef>
+        </p:style>
         <p:txBody>
-          <a:bodyPr vert="horz" lIns="91440" tIns="45720" rIns="91440" bIns="45720" rtlCol="0">
-            <a:normAutofit fontScale="62500" lnSpcReduction="20000"/>
+          <a:bodyPr>
+            <a:normAutofit fontScale="85000" lnSpcReduction="20000"/>
           </a:bodyPr>
           <a:lstStyle>
             <a:lvl1pPr marL="0" indent="0" algn="l" defTabSz="914400" rtl="0" eaLnBrk="1" latinLnBrk="0" hangingPunct="1">
@@ -5123,7 +9589,7 @@
               </a:spcAft>
               <a:buFont typeface="Arial" pitchFamily="34" charset="0"/>
               <a:buNone/>
-              <a:defRPr sz="2800" b="1" kern="1200">
+              <a:defRPr sz="2000" b="1" kern="1200">
                 <a:solidFill>
                   <a:schemeClr val="tx1"/>
                 </a:solidFill>
@@ -5141,7 +9607,7 @@
               </a:buClr>
               <a:buFont typeface="Arial" pitchFamily="34" charset="0"/>
               <a:buChar char="•"/>
-              <a:defRPr sz="2400" kern="1200">
+              <a:defRPr sz="2000" kern="1200">
                 <a:solidFill>
                   <a:schemeClr val="tx1"/>
                 </a:solidFill>
@@ -5159,7 +9625,7 @@
               </a:buClr>
               <a:buFont typeface="Arial" pitchFamily="34" charset="0"/>
               <a:buChar char="•"/>
-              <a:defRPr sz="2000" kern="1200">
+              <a:defRPr sz="1800" kern="1200">
                 <a:solidFill>
                   <a:schemeClr val="tx1"/>
                 </a:solidFill>
@@ -5213,7 +9679,7 @@
               </a:buClr>
               <a:buFont typeface="Arial" pitchFamily="34" charset="0"/>
               <a:buChar char="•"/>
-              <a:defRPr sz="1800" kern="1200">
+              <a:defRPr sz="1600" kern="1200">
                 <a:solidFill>
                   <a:schemeClr val="tx1"/>
                 </a:solidFill>
@@ -5231,7 +9697,7 @@
               </a:buClr>
               <a:buFont typeface="Arial" pitchFamily="34" charset="0"/>
               <a:buChar char="•"/>
-              <a:defRPr sz="1800" kern="1200">
+              <a:defRPr sz="1600" kern="1200">
                 <a:solidFill>
                   <a:schemeClr val="tx1"/>
                 </a:solidFill>
@@ -5249,7 +9715,7 @@
               </a:buClr>
               <a:buFont typeface="Arial" pitchFamily="34" charset="0"/>
               <a:buChar char="•"/>
-              <a:defRPr sz="1800" kern="1200">
+              <a:defRPr sz="1600" kern="1200">
                 <a:solidFill>
                   <a:schemeClr val="tx1"/>
                 </a:solidFill>
@@ -5267,7 +9733,7 @@
               </a:buClr>
               <a:buFont typeface="Arial" pitchFamily="34" charset="0"/>
               <a:buChar char="•"/>
-              <a:defRPr sz="1800" kern="1200">
+              <a:defRPr sz="1600" kern="1200">
                 <a:solidFill>
                   <a:schemeClr val="tx1"/>
                 </a:solidFill>
@@ -5280,7 +9746,7 @@
           <a:p>
             <a:r>
               <a:rPr lang="en-US" dirty="0" smtClean="0"/>
-              <a:t>Data Analysis:</a:t>
+              <a:t>Covariates in adjusted model:</a:t>
             </a:r>
           </a:p>
           <a:p>
@@ -5290,7 +9756,7 @@
             </a:pPr>
             <a:r>
               <a:rPr lang="en-US" b="0" dirty="0" smtClean="0"/>
-              <a:t>Data management and cleaning</a:t>
+              <a:t>Age</a:t>
             </a:r>
           </a:p>
           <a:p>
@@ -5300,7 +9766,7 @@
             </a:pPr>
             <a:r>
               <a:rPr lang="en-US" b="0" dirty="0" smtClean="0"/>
-              <a:t>Descriptive statistics</a:t>
+              <a:t>BMI</a:t>
             </a:r>
           </a:p>
           <a:p>
@@ -5310,7 +9776,17 @@
             </a:pPr>
             <a:r>
               <a:rPr lang="en-US" b="0" dirty="0" smtClean="0"/>
-              <a:t>Bivariate analysis of outcome estimates</a:t>
+              <a:t>Race </a:t>
+            </a:r>
+          </a:p>
+          <a:p>
+            <a:pPr marL="914400" lvl="1" indent="-457200">
+              <a:buFont typeface="Arial"/>
+              <a:buChar char="•"/>
+            </a:pPr>
+            <a:r>
+              <a:rPr lang="en-US" b="0" dirty="0" smtClean="0"/>
+              <a:t>NHW vs. other</a:t>
             </a:r>
           </a:p>
           <a:p>
@@ -5320,7 +9796,17 @@
             </a:pPr>
             <a:r>
               <a:rPr lang="en-US" b="0" dirty="0" smtClean="0"/>
-              <a:t>Preliminary results through crude linear regression</a:t>
+              <a:t>Income level </a:t>
+            </a:r>
+          </a:p>
+          <a:p>
+            <a:pPr marL="914400" lvl="1" indent="-457200">
+              <a:buFont typeface="Arial"/>
+              <a:buChar char="•"/>
+            </a:pPr>
+            <a:r>
+              <a:rPr lang="en-US" b="0" dirty="0" smtClean="0"/>
+              <a:t>&lt;10,10-40, ≥ 40</a:t>
             </a:r>
           </a:p>
           <a:p>
@@ -5330,7 +9816,7 @@
             </a:pPr>
             <a:r>
               <a:rPr lang="en-US" b="0" dirty="0" smtClean="0"/>
-              <a:t>Adjusted models </a:t>
+              <a:t>Education level </a:t>
             </a:r>
           </a:p>
           <a:p>
@@ -5340,7 +9826,17 @@
             </a:pPr>
             <a:r>
               <a:rPr lang="en-US" b="0" dirty="0" smtClean="0"/>
-              <a:t>Multiple linear regression </a:t>
+              <a:t>&lt;high school vs. &gt;high school</a:t>
+            </a:r>
+          </a:p>
+          <a:p>
+            <a:pPr marL="457200" indent="-457200">
+              <a:buFont typeface="Arial"/>
+              <a:buChar char="•"/>
+            </a:pPr>
+            <a:r>
+              <a:rPr lang="en-US" b="0" dirty="0" smtClean="0"/>
+              <a:t>Smoker </a:t>
             </a:r>
           </a:p>
           <a:p>
@@ -5349,8 +9845,18 @@
               <a:buChar char="•"/>
             </a:pPr>
             <a:r>
-              <a:rPr lang="en-US" dirty="0" smtClean="0"/>
-              <a:t>Model covariates selected a priori from investigator’s clinical knowledge and previous use</a:t>
+              <a:rPr lang="en-US" b="0" dirty="0" smtClean="0"/>
+              <a:t>current vs. former/never </a:t>
+            </a:r>
+          </a:p>
+          <a:p>
+            <a:pPr marL="457200" indent="-457200">
+              <a:buFont typeface="Arial"/>
+              <a:buChar char="•"/>
+            </a:pPr>
+            <a:r>
+              <a:rPr lang="en-US" b="0" dirty="0" smtClean="0"/>
+              <a:t>Alcohol use </a:t>
             </a:r>
           </a:p>
           <a:p>
@@ -5360,7 +9866,25 @@
             </a:pPr>
             <a:r>
               <a:rPr lang="en-US" b="0" dirty="0" smtClean="0"/>
-              <a:t>Partial f-tests</a:t>
+              <a:t>&lt;13 drinks vs. ≥</a:t>
+            </a:r>
+            <a:r>
+              <a:rPr lang="en-US" dirty="0" smtClean="0"/>
+              <a:t> </a:t>
+            </a:r>
+            <a:r>
+              <a:rPr lang="en-US" b="0" dirty="0" smtClean="0"/>
+              <a:t>13 drinks a week</a:t>
+            </a:r>
+          </a:p>
+          <a:p>
+            <a:pPr marL="457200" indent="-457200">
+              <a:buFont typeface="Arial"/>
+              <a:buChar char="•"/>
+            </a:pPr>
+            <a:r>
+              <a:rPr lang="en-US" b="0" dirty="0" smtClean="0"/>
+              <a:t>Marijuana use</a:t>
             </a:r>
           </a:p>
           <a:p>
@@ -5369,10 +9893,29 @@
               <a:buChar char="•"/>
             </a:pPr>
             <a:r>
-              <a:rPr lang="en-US" dirty="0" smtClean="0"/>
-              <a:t>Correlations to look relationships between covariates and delta variables</a:t>
-            </a:r>
-            <a:endParaRPr lang="en-US" b="0" dirty="0" smtClean="0"/>
+              <a:rPr lang="en-US" b="0" dirty="0" smtClean="0"/>
+              <a:t> yes vs. no</a:t>
+            </a:r>
+          </a:p>
+          <a:p>
+            <a:pPr marL="457200" indent="-457200">
+              <a:buFont typeface="Arial"/>
+              <a:buChar char="•"/>
+            </a:pPr>
+            <a:r>
+              <a:rPr lang="en-US" b="0" dirty="0" smtClean="0"/>
+              <a:t>Adherence </a:t>
+            </a:r>
+          </a:p>
+          <a:p>
+            <a:pPr marL="914400" lvl="1" indent="-457200">
+              <a:buFont typeface="Arial"/>
+              <a:buChar char="•"/>
+            </a:pPr>
+            <a:r>
+              <a:rPr lang="en-US" b="0" dirty="0" smtClean="0"/>
+              <a:t>&gt;95% vs. &lt;95%</a:t>
+            </a:r>
           </a:p>
           <a:p>
             <a:endParaRPr lang="en-US" dirty="0"/>
@@ -5382,13 +9925,107 @@
     </p:spTree>
     <p:extLst>
       <p:ext uri="{BB962C8B-B14F-4D97-AF65-F5344CB8AC3E}">
-        <p14:creationId xmlns:p14="http://schemas.microsoft.com/office/powerpoint/2010/main" val="2458208279"/>
+        <p14:creationId xmlns:p14="http://schemas.microsoft.com/office/powerpoint/2010/main" val="2425709579"/>
       </p:ext>
     </p:extLst>
   </p:cSld>
   <p:clrMapOvr>
     <a:masterClrMapping/>
   </p:clrMapOvr>
+  <mc:AlternateContent xmlns:mc="http://schemas.openxmlformats.org/markup-compatibility/2006">
+    <mc:Choice xmlns:p14="http://schemas.microsoft.com/office/powerpoint/2010/main" Requires="p14">
+      <p:transition p14:dur="0"/>
+    </mc:Choice>
+    <mc:Fallback>
+      <p:transition xmlns:p14="http://schemas.microsoft.com/office/powerpoint/2010/main"/>
+    </mc:Fallback>
+  </mc:AlternateContent>
+  <p:timing>
+    <p:tnLst>
+      <p:par>
+        <p:cTn xmlns:p14="http://schemas.microsoft.com/office/powerpoint/2010/main" id="1" dur="indefinite" restart="never" nodeType="tmRoot">
+          <p:childTnLst>
+            <p:seq concurrent="1" nextAc="seek">
+              <p:cTn id="2" dur="indefinite" nodeType="mainSeq">
+                <p:childTnLst>
+                  <p:par>
+                    <p:cTn id="3" fill="hold">
+                      <p:stCondLst>
+                        <p:cond delay="indefinite"/>
+                      </p:stCondLst>
+                      <p:childTnLst>
+                        <p:par>
+                          <p:cTn id="4" fill="hold">
+                            <p:stCondLst>
+                              <p:cond delay="0"/>
+                            </p:stCondLst>
+                            <p:childTnLst>
+                              <p:par>
+                                <p:cTn id="5" presetID="3" presetClass="entr" presetSubtype="10" fill="hold" grpId="0" nodeType="clickEffect">
+                                  <p:stCondLst>
+                                    <p:cond delay="0"/>
+                                  </p:stCondLst>
+                                  <p:childTnLst>
+                                    <p:set>
+                                      <p:cBhvr>
+                                        <p:cTn id="6" dur="1" fill="hold">
+                                          <p:stCondLst>
+                                            <p:cond delay="0"/>
+                                          </p:stCondLst>
+                                        </p:cTn>
+                                        <p:tgtEl>
+                                          <p:spTgt spid="4"/>
+                                        </p:tgtEl>
+                                        <p:attrNameLst>
+                                          <p:attrName>style.visibility</p:attrName>
+                                        </p:attrNameLst>
+                                      </p:cBhvr>
+                                      <p:to>
+                                        <p:strVal val="visible"/>
+                                      </p:to>
+                                    </p:set>
+                                    <p:animEffect transition="in" filter="blinds(horizontal)">
+                                      <p:cBhvr>
+                                        <p:cTn id="7" dur="500"/>
+                                        <p:tgtEl>
+                                          <p:spTgt spid="4"/>
+                                        </p:tgtEl>
+                                      </p:cBhvr>
+                                    </p:animEffect>
+                                  </p:childTnLst>
+                                </p:cTn>
+                              </p:par>
+                            </p:childTnLst>
+                          </p:cTn>
+                        </p:par>
+                      </p:childTnLst>
+                    </p:cTn>
+                  </p:par>
+                </p:childTnLst>
+              </p:cTn>
+              <p:prevCondLst>
+                <p:cond evt="onPrev" delay="0">
+                  <p:tgtEl>
+                    <p:sldTgt/>
+                  </p:tgtEl>
+                </p:cond>
+              </p:prevCondLst>
+              <p:nextCondLst>
+                <p:cond evt="onNext" delay="0">
+                  <p:tgtEl>
+                    <p:sldTgt/>
+                  </p:tgtEl>
+                </p:cond>
+              </p:nextCondLst>
+            </p:seq>
+          </p:childTnLst>
+        </p:cTn>
+      </p:par>
+    </p:tnLst>
+    <p:bldLst>
+      <p:bldP spid="4" grpId="0" animBg="1"/>
+    </p:bldLst>
+  </p:timing>
 </p:sld>
 </file>
 
@@ -5421,74 +10058,1788 @@
         </p:nvSpPr>
         <p:spPr>
           <a:xfrm>
-            <a:off x="457199" y="152718"/>
-            <a:ext cx="7480683" cy="764622"/>
+            <a:off x="457200" y="152718"/>
+            <a:ext cx="5791200" cy="570569"/>
           </a:xfrm>
         </p:spPr>
         <p:txBody>
-          <a:bodyPr/>
+          <a:bodyPr>
+            <a:normAutofit fontScale="90000"/>
+          </a:bodyPr>
           <a:lstStyle/>
           <a:p>
             <a:r>
               <a:rPr lang="en-US" dirty="0" smtClean="0"/>
-              <a:t>Laboratory outcomes</a:t>
+              <a:t>Data Summary</a:t>
             </a:r>
             <a:endParaRPr lang="en-US" dirty="0"/>
+          </a:p>
+        </p:txBody>
+      </p:sp>
+      <p:sp>
+        <p:nvSpPr>
+          <p:cNvPr id="3" name="Content Placeholder 2"/>
+          <p:cNvSpPr>
+            <a:spLocks noGrp="1"/>
+          </p:cNvSpPr>
+          <p:nvPr>
+            <p:ph sz="half" idx="1"/>
+          </p:nvPr>
+        </p:nvSpPr>
+        <p:spPr>
+          <a:xfrm>
+            <a:off x="457200" y="975001"/>
+            <a:ext cx="4270250" cy="5411098"/>
+          </a:xfrm>
+        </p:spPr>
+        <p:txBody>
+          <a:bodyPr>
+            <a:normAutofit fontScale="70000" lnSpcReduction="20000"/>
+          </a:bodyPr>
+          <a:lstStyle/>
+          <a:p>
+            <a:r>
+              <a:rPr lang="en-US" dirty="0" smtClean="0"/>
+              <a:t>Cohort @ Year 2</a:t>
+            </a:r>
+          </a:p>
+          <a:p>
+            <a:pPr marL="457200" indent="-457200">
+              <a:buFont typeface="Arial"/>
+              <a:buChar char="•"/>
+            </a:pPr>
+            <a:r>
+              <a:rPr lang="en-US" b="0" dirty="0" smtClean="0"/>
+              <a:t>n=502</a:t>
+            </a:r>
+          </a:p>
+          <a:p>
+            <a:r>
+              <a:rPr lang="en-US" dirty="0" smtClean="0"/>
+              <a:t>Primary variable of interest: </a:t>
+            </a:r>
+          </a:p>
+          <a:p>
+            <a:pPr marL="457200" indent="-457200">
+              <a:buFont typeface="Arial"/>
+              <a:buChar char="•"/>
+            </a:pPr>
+            <a:r>
+              <a:rPr lang="en-US" b="0" dirty="0" smtClean="0"/>
+              <a:t>Hard drug use at baseline (n=39)</a:t>
+            </a:r>
+          </a:p>
+          <a:p>
+            <a:pPr marL="914400" lvl="1" indent="-457200">
+              <a:buFont typeface="Arial"/>
+              <a:buChar char="•"/>
+            </a:pPr>
+            <a:r>
+              <a:rPr lang="en-US" dirty="0" smtClean="0"/>
+              <a:t>Injection </a:t>
+            </a:r>
+            <a:r>
+              <a:rPr lang="en-US" dirty="0"/>
+              <a:t>drug use (n=33</a:t>
+            </a:r>
+            <a:r>
+              <a:rPr lang="en-US" dirty="0" smtClean="0"/>
+              <a:t>)</a:t>
+            </a:r>
+          </a:p>
+          <a:p>
+            <a:pPr marL="914400" lvl="1" indent="-457200">
+              <a:buFont typeface="Arial"/>
+              <a:buChar char="•"/>
+            </a:pPr>
+            <a:r>
+              <a:rPr lang="en-US" dirty="0" smtClean="0"/>
+              <a:t>Heroin </a:t>
+            </a:r>
+            <a:r>
+              <a:rPr lang="en-US" dirty="0"/>
+              <a:t>and other illicit opiates (n=12)</a:t>
+            </a:r>
+            <a:r>
+              <a:rPr lang="en-US" dirty="0"/>
+              <a:t> </a:t>
+            </a:r>
+          </a:p>
+          <a:p>
+            <a:pPr lvl="1" indent="0">
+              <a:buNone/>
+            </a:pPr>
+            <a:endParaRPr lang="en-US" b="0" dirty="0" smtClean="0"/>
+          </a:p>
+          <a:p>
+            <a:r>
+              <a:rPr lang="en-US" dirty="0" smtClean="0"/>
+              <a:t>Outcomes of Interest: </a:t>
+            </a:r>
+          </a:p>
+          <a:p>
+            <a:pPr marL="457200" indent="-457200">
+              <a:buFont typeface="Arial"/>
+              <a:buChar char="•"/>
+            </a:pPr>
+            <a:r>
+              <a:rPr lang="en-US" b="0" dirty="0" smtClean="0"/>
+              <a:t>Delta CD4 cell count</a:t>
+            </a:r>
+          </a:p>
+          <a:p>
+            <a:pPr marL="457200" indent="-457200">
+              <a:buFont typeface="Arial"/>
+              <a:buChar char="•"/>
+            </a:pPr>
+            <a:r>
+              <a:rPr lang="en-US" b="0" dirty="0" smtClean="0"/>
+              <a:t>Delta viral load</a:t>
+            </a:r>
+          </a:p>
+          <a:p>
+            <a:pPr marL="457200" indent="-457200">
+              <a:buFont typeface="Arial"/>
+              <a:buChar char="•"/>
+            </a:pPr>
+            <a:r>
+              <a:rPr lang="en-US" b="0" dirty="0" smtClean="0"/>
+              <a:t>Delta aggregate mental health</a:t>
+            </a:r>
+          </a:p>
+          <a:p>
+            <a:pPr marL="457200" indent="-457200">
+              <a:buFont typeface="Arial"/>
+              <a:buChar char="•"/>
+            </a:pPr>
+            <a:r>
+              <a:rPr lang="en-US" b="0" dirty="0" smtClean="0"/>
+              <a:t>Delta aggregate physical health</a:t>
+            </a:r>
+            <a:endParaRPr lang="en-US" b="0" dirty="0"/>
           </a:p>
         </p:txBody>
       </p:sp>
       <p:graphicFrame>
         <p:nvGraphicFramePr>
-          <p:cNvPr id="5" name="Chart 4"/>
+          <p:cNvPr id="9" name="Table 8"/>
           <p:cNvGraphicFramePr>
-            <a:graphicFrameLocks/>
+            <a:graphicFrameLocks noGrp="1"/>
           </p:cNvGraphicFramePr>
           <p:nvPr>
             <p:extLst>
               <p:ext uri="{D42A27DB-BD31-4B8C-83A1-F6EECF244321}">
-                <p14:modId xmlns:p14="http://schemas.microsoft.com/office/powerpoint/2010/main" val="1595507329"/>
+                <p14:modId xmlns:p14="http://schemas.microsoft.com/office/powerpoint/2010/main" val="4255245694"/>
               </p:ext>
             </p:extLst>
           </p:nvPr>
         </p:nvGraphicFramePr>
         <p:xfrm>
-          <a:off x="425853" y="1980219"/>
-          <a:ext cx="5095386" cy="3700233"/>
+          <a:off x="4727451" y="975001"/>
+          <a:ext cx="3998236" cy="4917143"/>
         </p:xfrm>
         <a:graphic>
-          <a:graphicData uri="http://schemas.openxmlformats.org/drawingml/2006/chart">
-            <c:chart xmlns:c="http://schemas.openxmlformats.org/drawingml/2006/chart" xmlns:r="http://schemas.openxmlformats.org/officeDocument/2006/relationships" r:id="rId2"/>
-          </a:graphicData>
-        </a:graphic>
-      </p:graphicFrame>
-      <p:graphicFrame>
-        <p:nvGraphicFramePr>
-          <p:cNvPr id="6" name="Chart 5"/>
-          <p:cNvGraphicFramePr>
-            <a:graphicFrameLocks/>
-          </p:cNvGraphicFramePr>
-          <p:nvPr>
-            <p:extLst>
-              <p:ext uri="{D42A27DB-BD31-4B8C-83A1-F6EECF244321}">
-                <p14:modId xmlns:p14="http://schemas.microsoft.com/office/powerpoint/2010/main" val="2104916186"/>
-              </p:ext>
-            </p:extLst>
-          </p:nvPr>
-        </p:nvGraphicFramePr>
-        <p:xfrm>
-          <a:off x="4946365" y="1351752"/>
-          <a:ext cx="4843689" cy="3623053"/>
-        </p:xfrm>
-        <a:graphic>
-          <a:graphicData uri="http://schemas.openxmlformats.org/drawingml/2006/chart">
-            <c:chart xmlns:c="http://schemas.openxmlformats.org/drawingml/2006/chart" xmlns:r="http://schemas.openxmlformats.org/officeDocument/2006/relationships" r:id="rId3"/>
+          <a:graphicData uri="http://schemas.openxmlformats.org/drawingml/2006/table">
+            <a:tbl>
+              <a:tblPr firstRow="1" bandRow="1">
+                <a:tableStyleId>{72833802-FEF1-4C79-8D5D-14CF1EAF98D9}</a:tableStyleId>
+              </a:tblPr>
+              <a:tblGrid>
+                <a:gridCol w="1844388"/>
+                <a:gridCol w="1175952"/>
+                <a:gridCol w="977896"/>
+              </a:tblGrid>
+              <a:tr h="547309">
+                <a:tc>
+                  <a:txBody>
+                    <a:bodyPr/>
+                    <a:lstStyle/>
+                    <a:p>
+                      <a:pPr algn="ctr" fontAlgn="b"/>
+                      <a:r>
+                        <a:rPr lang="en-US" sz="1100" u="none" strike="noStrike">
+                          <a:effectLst/>
+                        </a:rPr>
+                        <a:t>Variable</a:t>
+                      </a:r>
+                      <a:endParaRPr lang="en-US" sz="1100" b="1" i="0" u="none" strike="noStrike">
+                        <a:solidFill>
+                          <a:srgbClr val="FFFFFF"/>
+                        </a:solidFill>
+                        <a:effectLst/>
+                        <a:latin typeface="Calibri"/>
+                      </a:endParaRPr>
+                    </a:p>
+                  </a:txBody>
+                  <a:tcPr marL="11395" marR="11395" marT="11395" marB="0" anchor="b"/>
+                </a:tc>
+                <a:tc>
+                  <a:txBody>
+                    <a:bodyPr/>
+                    <a:lstStyle/>
+                    <a:p>
+                      <a:pPr algn="ctr" fontAlgn="b"/>
+                      <a:r>
+                        <a:rPr lang="en-US" sz="1100" u="none" strike="noStrike">
+                          <a:effectLst/>
+                        </a:rPr>
+                        <a:t>Non-Hard Drug Use</a:t>
+                      </a:r>
+                      <a:br>
+                        <a:rPr lang="en-US" sz="1100" u="none" strike="noStrike">
+                          <a:effectLst/>
+                        </a:rPr>
+                      </a:br>
+                      <a:r>
+                        <a:rPr lang="en-US" sz="1100" u="none" strike="noStrike">
+                          <a:effectLst/>
+                        </a:rPr>
+                        <a:t>n=472</a:t>
+                      </a:r>
+                      <a:endParaRPr lang="en-US" sz="1100" b="1" i="0" u="none" strike="noStrike">
+                        <a:solidFill>
+                          <a:srgbClr val="FFFFFF"/>
+                        </a:solidFill>
+                        <a:effectLst/>
+                        <a:latin typeface="Calibri"/>
+                      </a:endParaRPr>
+                    </a:p>
+                  </a:txBody>
+                  <a:tcPr marL="11395" marR="11395" marT="11395" marB="0" anchor="b"/>
+                </a:tc>
+                <a:tc>
+                  <a:txBody>
+                    <a:bodyPr/>
+                    <a:lstStyle/>
+                    <a:p>
+                      <a:pPr algn="ctr" fontAlgn="b"/>
+                      <a:r>
+                        <a:rPr lang="en-US" sz="1100" u="none" strike="noStrike">
+                          <a:effectLst/>
+                        </a:rPr>
+                        <a:t>Hard Drug Use </a:t>
+                      </a:r>
+                      <a:br>
+                        <a:rPr lang="en-US" sz="1100" u="none" strike="noStrike">
+                          <a:effectLst/>
+                        </a:rPr>
+                      </a:br>
+                      <a:r>
+                        <a:rPr lang="en-US" sz="1100" u="none" strike="noStrike">
+                          <a:effectLst/>
+                        </a:rPr>
+                        <a:t>n=39</a:t>
+                      </a:r>
+                      <a:endParaRPr lang="en-US" sz="1100" b="1" i="0" u="none" strike="noStrike">
+                        <a:solidFill>
+                          <a:srgbClr val="FFFFFF"/>
+                        </a:solidFill>
+                        <a:effectLst/>
+                        <a:latin typeface="Calibri"/>
+                      </a:endParaRPr>
+                    </a:p>
+                  </a:txBody>
+                  <a:tcPr marL="11395" marR="11395" marT="11395" marB="0" anchor="b"/>
+                </a:tc>
+              </a:tr>
+              <a:tr h="190520">
+                <a:tc>
+                  <a:txBody>
+                    <a:bodyPr/>
+                    <a:lstStyle/>
+                    <a:p>
+                      <a:pPr algn="l" fontAlgn="b"/>
+                      <a:r>
+                        <a:rPr lang="en-US" sz="1100" u="none" strike="noStrike">
+                          <a:effectLst/>
+                        </a:rPr>
+                        <a:t>Age (SD)</a:t>
+                      </a:r>
+                      <a:endParaRPr lang="en-US" sz="1100" b="1" i="0" u="none" strike="noStrike">
+                        <a:solidFill>
+                          <a:srgbClr val="000000"/>
+                        </a:solidFill>
+                        <a:effectLst/>
+                        <a:latin typeface="Calibri"/>
+                      </a:endParaRPr>
+                    </a:p>
+                  </a:txBody>
+                  <a:tcPr marL="11395" marR="11395" marT="11395" marB="0" anchor="b"/>
+                </a:tc>
+                <a:tc>
+                  <a:txBody>
+                    <a:bodyPr/>
+                    <a:lstStyle/>
+                    <a:p>
+                      <a:pPr algn="l" fontAlgn="b"/>
+                      <a:r>
+                        <a:rPr lang="is-IS" sz="1100" u="none" strike="noStrike">
+                          <a:effectLst/>
+                        </a:rPr>
+                        <a:t>43 (8.73)</a:t>
+                      </a:r>
+                      <a:endParaRPr lang="is-IS" sz="1100" b="0" i="0" u="none" strike="noStrike">
+                        <a:solidFill>
+                          <a:srgbClr val="000000"/>
+                        </a:solidFill>
+                        <a:effectLst/>
+                        <a:latin typeface="Calibri"/>
+                      </a:endParaRPr>
+                    </a:p>
+                  </a:txBody>
+                  <a:tcPr marL="11395" marR="11395" marT="11395" marB="0" anchor="b"/>
+                </a:tc>
+                <a:tc>
+                  <a:txBody>
+                    <a:bodyPr/>
+                    <a:lstStyle/>
+                    <a:p>
+                      <a:pPr algn="l" fontAlgn="b"/>
+                      <a:r>
+                        <a:rPr lang="mr-IN" sz="1100" u="none" strike="noStrike">
+                          <a:effectLst/>
+                        </a:rPr>
+                        <a:t>45 (9.49)</a:t>
+                      </a:r>
+                      <a:endParaRPr lang="mr-IN" sz="1100" b="0" i="0" u="none" strike="noStrike">
+                        <a:solidFill>
+                          <a:srgbClr val="000000"/>
+                        </a:solidFill>
+                        <a:effectLst/>
+                        <a:latin typeface="Calibri"/>
+                      </a:endParaRPr>
+                    </a:p>
+                  </a:txBody>
+                  <a:tcPr marL="11395" marR="11395" marT="11395" marB="0" anchor="b"/>
+                </a:tc>
+              </a:tr>
+              <a:tr h="190520">
+                <a:tc>
+                  <a:txBody>
+                    <a:bodyPr/>
+                    <a:lstStyle/>
+                    <a:p>
+                      <a:pPr algn="l" fontAlgn="b"/>
+                      <a:r>
+                        <a:rPr lang="en-US" sz="1100" u="none" strike="noStrike">
+                          <a:effectLst/>
+                        </a:rPr>
+                        <a:t>BMI (SD)</a:t>
+                      </a:r>
+                      <a:endParaRPr lang="en-US" sz="1100" b="1" i="0" u="none" strike="noStrike">
+                        <a:solidFill>
+                          <a:srgbClr val="000000"/>
+                        </a:solidFill>
+                        <a:effectLst/>
+                        <a:latin typeface="Calibri"/>
+                      </a:endParaRPr>
+                    </a:p>
+                  </a:txBody>
+                  <a:tcPr marL="11395" marR="11395" marT="11395" marB="0" anchor="b"/>
+                </a:tc>
+                <a:tc>
+                  <a:txBody>
+                    <a:bodyPr/>
+                    <a:lstStyle/>
+                    <a:p>
+                      <a:pPr algn="l" fontAlgn="b"/>
+                      <a:r>
+                        <a:rPr lang="is-IS" sz="1100" u="none" strike="noStrike">
+                          <a:effectLst/>
+                        </a:rPr>
+                        <a:t>26.5 (23.5)</a:t>
+                      </a:r>
+                      <a:endParaRPr lang="is-IS" sz="1100" b="0" i="0" u="none" strike="noStrike">
+                        <a:solidFill>
+                          <a:srgbClr val="000000"/>
+                        </a:solidFill>
+                        <a:effectLst/>
+                        <a:latin typeface="Calibri"/>
+                      </a:endParaRPr>
+                    </a:p>
+                  </a:txBody>
+                  <a:tcPr marL="11395" marR="11395" marT="11395" marB="0" anchor="b"/>
+                </a:tc>
+                <a:tc>
+                  <a:txBody>
+                    <a:bodyPr/>
+                    <a:lstStyle/>
+                    <a:p>
+                      <a:pPr algn="l" fontAlgn="b"/>
+                      <a:r>
+                        <a:rPr lang="is-IS" sz="1100" u="none" strike="noStrike">
+                          <a:effectLst/>
+                        </a:rPr>
+                        <a:t>23.62 (3.44)</a:t>
+                      </a:r>
+                      <a:endParaRPr lang="is-IS" sz="1100" b="0" i="0" u="none" strike="noStrike">
+                        <a:solidFill>
+                          <a:srgbClr val="000000"/>
+                        </a:solidFill>
+                        <a:effectLst/>
+                        <a:latin typeface="Calibri"/>
+                      </a:endParaRPr>
+                    </a:p>
+                  </a:txBody>
+                  <a:tcPr marL="11395" marR="11395" marT="11395" marB="0" anchor="b"/>
+                </a:tc>
+              </a:tr>
+              <a:tr h="190520">
+                <a:tc>
+                  <a:txBody>
+                    <a:bodyPr/>
+                    <a:lstStyle/>
+                    <a:p>
+                      <a:pPr algn="l" fontAlgn="b"/>
+                      <a:r>
+                        <a:rPr lang="en-US" sz="1100" u="none" strike="noStrike">
+                          <a:effectLst/>
+                        </a:rPr>
+                        <a:t>Education (%)</a:t>
+                      </a:r>
+                      <a:endParaRPr lang="en-US" sz="1100" b="1" i="0" u="none" strike="noStrike">
+                        <a:solidFill>
+                          <a:srgbClr val="000000"/>
+                        </a:solidFill>
+                        <a:effectLst/>
+                        <a:latin typeface="Calibri"/>
+                      </a:endParaRPr>
+                    </a:p>
+                  </a:txBody>
+                  <a:tcPr marL="11395" marR="11395" marT="11395" marB="0" anchor="b"/>
+                </a:tc>
+                <a:tc>
+                  <a:txBody>
+                    <a:bodyPr/>
+                    <a:lstStyle/>
+                    <a:p>
+                      <a:pPr algn="l" fontAlgn="b"/>
+                      <a:endParaRPr lang="en-US" sz="1100" b="0" i="0" u="none" strike="noStrike">
+                        <a:solidFill>
+                          <a:srgbClr val="000000"/>
+                        </a:solidFill>
+                        <a:effectLst/>
+                        <a:latin typeface="Calibri"/>
+                      </a:endParaRPr>
+                    </a:p>
+                  </a:txBody>
+                  <a:tcPr marL="11395" marR="11395" marT="11395" marB="0" anchor="b"/>
+                </a:tc>
+                <a:tc>
+                  <a:txBody>
+                    <a:bodyPr/>
+                    <a:lstStyle/>
+                    <a:p>
+                      <a:pPr algn="l" fontAlgn="b"/>
+                      <a:endParaRPr lang="en-US" sz="1100" b="0" i="0" u="none" strike="noStrike">
+                        <a:solidFill>
+                          <a:srgbClr val="000000"/>
+                        </a:solidFill>
+                        <a:effectLst/>
+                        <a:latin typeface="Calibri"/>
+                      </a:endParaRPr>
+                    </a:p>
+                  </a:txBody>
+                  <a:tcPr marL="11395" marR="11395" marT="11395" marB="0" anchor="b"/>
+                </a:tc>
+              </a:tr>
+              <a:tr h="190520">
+                <a:tc>
+                  <a:txBody>
+                    <a:bodyPr/>
+                    <a:lstStyle/>
+                    <a:p>
+                      <a:pPr algn="l" fontAlgn="b"/>
+                      <a:r>
+                        <a:rPr lang="en-US" sz="1100" u="none" strike="noStrike">
+                          <a:effectLst/>
+                        </a:rPr>
+                        <a:t>Highschool</a:t>
+                      </a:r>
+                      <a:endParaRPr lang="en-US" sz="1100" b="1" i="0" u="none" strike="noStrike">
+                        <a:solidFill>
+                          <a:srgbClr val="000000"/>
+                        </a:solidFill>
+                        <a:effectLst/>
+                        <a:latin typeface="Calibri"/>
+                      </a:endParaRPr>
+                    </a:p>
+                  </a:txBody>
+                  <a:tcPr marL="136745" marR="11395" marT="11395" marB="0" anchor="b"/>
+                </a:tc>
+                <a:tc>
+                  <a:txBody>
+                    <a:bodyPr/>
+                    <a:lstStyle/>
+                    <a:p>
+                      <a:pPr algn="l" fontAlgn="b"/>
+                      <a:r>
+                        <a:rPr lang="is-IS" sz="1100" u="none" strike="noStrike">
+                          <a:effectLst/>
+                        </a:rPr>
+                        <a:t>94 (20.3)</a:t>
+                      </a:r>
+                      <a:endParaRPr lang="is-IS" sz="1100" b="0" i="0" u="none" strike="noStrike">
+                        <a:solidFill>
+                          <a:srgbClr val="000000"/>
+                        </a:solidFill>
+                        <a:effectLst/>
+                        <a:latin typeface="Calibri"/>
+                      </a:endParaRPr>
+                    </a:p>
+                  </a:txBody>
+                  <a:tcPr marL="11395" marR="11395" marT="11395" marB="0" anchor="b"/>
+                </a:tc>
+                <a:tc>
+                  <a:txBody>
+                    <a:bodyPr/>
+                    <a:lstStyle/>
+                    <a:p>
+                      <a:pPr algn="l" fontAlgn="b"/>
+                      <a:r>
+                        <a:rPr lang="mr-IN" sz="1100" u="none" strike="noStrike">
+                          <a:effectLst/>
+                        </a:rPr>
+                        <a:t>16 (41.03)</a:t>
+                      </a:r>
+                      <a:endParaRPr lang="mr-IN" sz="1100" b="0" i="0" u="none" strike="noStrike">
+                        <a:solidFill>
+                          <a:srgbClr val="000000"/>
+                        </a:solidFill>
+                        <a:effectLst/>
+                        <a:latin typeface="Calibri"/>
+                      </a:endParaRPr>
+                    </a:p>
+                  </a:txBody>
+                  <a:tcPr marL="11395" marR="11395" marT="11395" marB="0" anchor="b"/>
+                </a:tc>
+              </a:tr>
+              <a:tr h="190520">
+                <a:tc>
+                  <a:txBody>
+                    <a:bodyPr/>
+                    <a:lstStyle/>
+                    <a:p>
+                      <a:pPr algn="l" fontAlgn="b"/>
+                      <a:r>
+                        <a:rPr lang="en-US" sz="1100" u="none" strike="noStrike">
+                          <a:effectLst/>
+                        </a:rPr>
+                        <a:t>Some college or more</a:t>
+                      </a:r>
+                      <a:endParaRPr lang="en-US" sz="1100" b="1" i="0" u="none" strike="noStrike">
+                        <a:solidFill>
+                          <a:srgbClr val="000000"/>
+                        </a:solidFill>
+                        <a:effectLst/>
+                        <a:latin typeface="Calibri"/>
+                      </a:endParaRPr>
+                    </a:p>
+                  </a:txBody>
+                  <a:tcPr marL="136745" marR="11395" marT="11395" marB="0" anchor="b"/>
+                </a:tc>
+                <a:tc>
+                  <a:txBody>
+                    <a:bodyPr/>
+                    <a:lstStyle/>
+                    <a:p>
+                      <a:pPr algn="l" fontAlgn="b"/>
+                      <a:r>
+                        <a:rPr lang="mr-IN" sz="1100" u="none" strike="noStrike">
+                          <a:effectLst/>
+                        </a:rPr>
+                        <a:t>369 (79.7)</a:t>
+                      </a:r>
+                      <a:endParaRPr lang="mr-IN" sz="1100" b="0" i="0" u="none" strike="noStrike">
+                        <a:solidFill>
+                          <a:srgbClr val="000000"/>
+                        </a:solidFill>
+                        <a:effectLst/>
+                        <a:latin typeface="Calibri"/>
+                      </a:endParaRPr>
+                    </a:p>
+                  </a:txBody>
+                  <a:tcPr marL="11395" marR="11395" marT="11395" marB="0" anchor="b"/>
+                </a:tc>
+                <a:tc>
+                  <a:txBody>
+                    <a:bodyPr/>
+                    <a:lstStyle/>
+                    <a:p>
+                      <a:pPr algn="l" fontAlgn="b"/>
+                      <a:r>
+                        <a:rPr lang="mr-IN" sz="1100" u="none" strike="noStrike">
+                          <a:effectLst/>
+                        </a:rPr>
+                        <a:t>23(58.97)</a:t>
+                      </a:r>
+                      <a:endParaRPr lang="mr-IN" sz="1100" b="0" i="0" u="none" strike="noStrike">
+                        <a:solidFill>
+                          <a:srgbClr val="000000"/>
+                        </a:solidFill>
+                        <a:effectLst/>
+                        <a:latin typeface="Calibri"/>
+                      </a:endParaRPr>
+                    </a:p>
+                  </a:txBody>
+                  <a:tcPr marL="11395" marR="11395" marT="11395" marB="0" anchor="b"/>
+                </a:tc>
+              </a:tr>
+              <a:tr h="190520">
+                <a:tc>
+                  <a:txBody>
+                    <a:bodyPr/>
+                    <a:lstStyle/>
+                    <a:p>
+                      <a:pPr algn="l" fontAlgn="b"/>
+                      <a:r>
+                        <a:rPr lang="mr-IN" sz="1100" u="none" strike="noStrike">
+                          <a:effectLst/>
+                        </a:rPr>
+                        <a:t>Race (%)</a:t>
+                      </a:r>
+                      <a:endParaRPr lang="mr-IN" sz="1100" b="1" i="0" u="none" strike="noStrike">
+                        <a:solidFill>
+                          <a:srgbClr val="000000"/>
+                        </a:solidFill>
+                        <a:effectLst/>
+                        <a:latin typeface="Calibri"/>
+                      </a:endParaRPr>
+                    </a:p>
+                  </a:txBody>
+                  <a:tcPr marL="11395" marR="11395" marT="11395" marB="0" anchor="b"/>
+                </a:tc>
+                <a:tc>
+                  <a:txBody>
+                    <a:bodyPr/>
+                    <a:lstStyle/>
+                    <a:p>
+                      <a:pPr algn="l" fontAlgn="b"/>
+                      <a:endParaRPr lang="en-US" sz="1100" b="0" i="0" u="none" strike="noStrike">
+                        <a:solidFill>
+                          <a:srgbClr val="000000"/>
+                        </a:solidFill>
+                        <a:effectLst/>
+                        <a:latin typeface="Calibri"/>
+                      </a:endParaRPr>
+                    </a:p>
+                  </a:txBody>
+                  <a:tcPr marL="11395" marR="11395" marT="11395" marB="0" anchor="b"/>
+                </a:tc>
+                <a:tc>
+                  <a:txBody>
+                    <a:bodyPr/>
+                    <a:lstStyle/>
+                    <a:p>
+                      <a:pPr algn="l" fontAlgn="b"/>
+                      <a:endParaRPr lang="en-US" sz="1100" b="0" i="0" u="none" strike="noStrike">
+                        <a:solidFill>
+                          <a:srgbClr val="000000"/>
+                        </a:solidFill>
+                        <a:effectLst/>
+                        <a:latin typeface="Calibri"/>
+                      </a:endParaRPr>
+                    </a:p>
+                  </a:txBody>
+                  <a:tcPr marL="11395" marR="11395" marT="11395" marB="0" anchor="b"/>
+                </a:tc>
+              </a:tr>
+              <a:tr h="190520">
+                <a:tc>
+                  <a:txBody>
+                    <a:bodyPr/>
+                    <a:lstStyle/>
+                    <a:p>
+                      <a:pPr algn="l" fontAlgn="b"/>
+                      <a:r>
+                        <a:rPr lang="en-US" sz="1100" u="none" strike="noStrike">
+                          <a:effectLst/>
+                        </a:rPr>
+                        <a:t>White, Non-Hispanic</a:t>
+                      </a:r>
+                      <a:endParaRPr lang="en-US" sz="1100" b="1" i="0" u="none" strike="noStrike">
+                        <a:solidFill>
+                          <a:srgbClr val="000000"/>
+                        </a:solidFill>
+                        <a:effectLst/>
+                        <a:latin typeface="Calibri"/>
+                      </a:endParaRPr>
+                    </a:p>
+                  </a:txBody>
+                  <a:tcPr marL="136745" marR="11395" marT="11395" marB="0" anchor="b"/>
+                </a:tc>
+                <a:tc>
+                  <a:txBody>
+                    <a:bodyPr/>
+                    <a:lstStyle/>
+                    <a:p>
+                      <a:pPr algn="l" fontAlgn="b"/>
+                      <a:r>
+                        <a:rPr lang="mr-IN" sz="1100" u="none" strike="noStrike">
+                          <a:effectLst/>
+                        </a:rPr>
+                        <a:t>298 (64.36)</a:t>
+                      </a:r>
+                      <a:endParaRPr lang="mr-IN" sz="1100" b="0" i="0" u="none" strike="noStrike">
+                        <a:solidFill>
+                          <a:srgbClr val="000000"/>
+                        </a:solidFill>
+                        <a:effectLst/>
+                        <a:latin typeface="Calibri"/>
+                      </a:endParaRPr>
+                    </a:p>
+                  </a:txBody>
+                  <a:tcPr marL="11395" marR="11395" marT="11395" marB="0" anchor="b"/>
+                </a:tc>
+                <a:tc>
+                  <a:txBody>
+                    <a:bodyPr/>
+                    <a:lstStyle/>
+                    <a:p>
+                      <a:pPr algn="l" fontAlgn="b"/>
+                      <a:r>
+                        <a:rPr lang="is-IS" sz="1100" u="none" strike="noStrike">
+                          <a:effectLst/>
+                        </a:rPr>
+                        <a:t>19 (48.72)</a:t>
+                      </a:r>
+                      <a:endParaRPr lang="is-IS" sz="1100" b="0" i="0" u="none" strike="noStrike">
+                        <a:solidFill>
+                          <a:srgbClr val="000000"/>
+                        </a:solidFill>
+                        <a:effectLst/>
+                        <a:latin typeface="Calibri"/>
+                      </a:endParaRPr>
+                    </a:p>
+                  </a:txBody>
+                  <a:tcPr marL="11395" marR="11395" marT="11395" marB="0" anchor="b"/>
+                </a:tc>
+              </a:tr>
+              <a:tr h="190520">
+                <a:tc>
+                  <a:txBody>
+                    <a:bodyPr/>
+                    <a:lstStyle/>
+                    <a:p>
+                      <a:pPr algn="l" fontAlgn="b"/>
+                      <a:r>
+                        <a:rPr lang="en-US" sz="1100" u="none" strike="noStrike">
+                          <a:effectLst/>
+                        </a:rPr>
+                        <a:t>Other</a:t>
+                      </a:r>
+                      <a:endParaRPr lang="en-US" sz="1100" b="1" i="0" u="none" strike="noStrike">
+                        <a:solidFill>
+                          <a:srgbClr val="000000"/>
+                        </a:solidFill>
+                        <a:effectLst/>
+                        <a:latin typeface="Calibri"/>
+                      </a:endParaRPr>
+                    </a:p>
+                  </a:txBody>
+                  <a:tcPr marL="136745" marR="11395" marT="11395" marB="0" anchor="b"/>
+                </a:tc>
+                <a:tc>
+                  <a:txBody>
+                    <a:bodyPr/>
+                    <a:lstStyle/>
+                    <a:p>
+                      <a:pPr algn="l" fontAlgn="b"/>
+                      <a:r>
+                        <a:rPr lang="is-IS" sz="1100" u="none" strike="noStrike">
+                          <a:effectLst/>
+                        </a:rPr>
+                        <a:t>165 (35.64)</a:t>
+                      </a:r>
+                      <a:endParaRPr lang="is-IS" sz="1100" b="0" i="0" u="none" strike="noStrike">
+                        <a:solidFill>
+                          <a:srgbClr val="000000"/>
+                        </a:solidFill>
+                        <a:effectLst/>
+                        <a:latin typeface="Calibri"/>
+                      </a:endParaRPr>
+                    </a:p>
+                  </a:txBody>
+                  <a:tcPr marL="11395" marR="11395" marT="11395" marB="0" anchor="b"/>
+                </a:tc>
+                <a:tc>
+                  <a:txBody>
+                    <a:bodyPr/>
+                    <a:lstStyle/>
+                    <a:p>
+                      <a:pPr algn="l" fontAlgn="b"/>
+                      <a:r>
+                        <a:rPr lang="mr-IN" sz="1100" u="none" strike="noStrike">
+                          <a:effectLst/>
+                        </a:rPr>
+                        <a:t>20 (51.28)</a:t>
+                      </a:r>
+                      <a:endParaRPr lang="mr-IN" sz="1100" b="0" i="0" u="none" strike="noStrike">
+                        <a:solidFill>
+                          <a:srgbClr val="000000"/>
+                        </a:solidFill>
+                        <a:effectLst/>
+                        <a:latin typeface="Calibri"/>
+                      </a:endParaRPr>
+                    </a:p>
+                  </a:txBody>
+                  <a:tcPr marL="11395" marR="11395" marT="11395" marB="0" anchor="b"/>
+                </a:tc>
+              </a:tr>
+              <a:tr h="190520">
+                <a:tc>
+                  <a:txBody>
+                    <a:bodyPr/>
+                    <a:lstStyle/>
+                    <a:p>
+                      <a:pPr algn="l" fontAlgn="b"/>
+                      <a:r>
+                        <a:rPr lang="en-US" sz="1100" u="none" strike="noStrike">
+                          <a:effectLst/>
+                        </a:rPr>
+                        <a:t>Income (%)</a:t>
+                      </a:r>
+                      <a:endParaRPr lang="en-US" sz="1100" b="1" i="0" u="none" strike="noStrike">
+                        <a:solidFill>
+                          <a:srgbClr val="000000"/>
+                        </a:solidFill>
+                        <a:effectLst/>
+                        <a:latin typeface="Calibri"/>
+                      </a:endParaRPr>
+                    </a:p>
+                  </a:txBody>
+                  <a:tcPr marL="11395" marR="11395" marT="11395" marB="0" anchor="b"/>
+                </a:tc>
+                <a:tc>
+                  <a:txBody>
+                    <a:bodyPr/>
+                    <a:lstStyle/>
+                    <a:p>
+                      <a:pPr algn="l" fontAlgn="b"/>
+                      <a:endParaRPr lang="en-US" sz="1100" b="0" i="0" u="none" strike="noStrike">
+                        <a:solidFill>
+                          <a:srgbClr val="000000"/>
+                        </a:solidFill>
+                        <a:effectLst/>
+                        <a:latin typeface="Calibri"/>
+                      </a:endParaRPr>
+                    </a:p>
+                  </a:txBody>
+                  <a:tcPr marL="11395" marR="11395" marT="11395" marB="0" anchor="b"/>
+                </a:tc>
+                <a:tc>
+                  <a:txBody>
+                    <a:bodyPr/>
+                    <a:lstStyle/>
+                    <a:p>
+                      <a:pPr algn="l" fontAlgn="b"/>
+                      <a:endParaRPr lang="en-US" sz="1100" b="0" i="0" u="none" strike="noStrike">
+                        <a:solidFill>
+                          <a:srgbClr val="000000"/>
+                        </a:solidFill>
+                        <a:effectLst/>
+                        <a:latin typeface="Calibri"/>
+                      </a:endParaRPr>
+                    </a:p>
+                  </a:txBody>
+                  <a:tcPr marL="11395" marR="11395" marT="11395" marB="0" anchor="b"/>
+                </a:tc>
+              </a:tr>
+              <a:tr h="190520">
+                <a:tc>
+                  <a:txBody>
+                    <a:bodyPr/>
+                    <a:lstStyle/>
+                    <a:p>
+                      <a:pPr algn="l" fontAlgn="b"/>
+                      <a:r>
+                        <a:rPr lang="en-US" sz="1100" u="none" strike="noStrike">
+                          <a:effectLst/>
+                        </a:rPr>
+                        <a:t>&lt; 10,000</a:t>
+                      </a:r>
+                      <a:endParaRPr lang="en-US" sz="1100" b="1" i="0" u="none" strike="noStrike">
+                        <a:solidFill>
+                          <a:srgbClr val="000000"/>
+                        </a:solidFill>
+                        <a:effectLst/>
+                        <a:latin typeface="Calibri"/>
+                      </a:endParaRPr>
+                    </a:p>
+                  </a:txBody>
+                  <a:tcPr marL="136745" marR="11395" marT="11395" marB="0" anchor="b"/>
+                </a:tc>
+                <a:tc>
+                  <a:txBody>
+                    <a:bodyPr/>
+                    <a:lstStyle/>
+                    <a:p>
+                      <a:pPr algn="l" fontAlgn="b"/>
+                      <a:r>
+                        <a:rPr lang="is-IS" sz="1100" u="none" strike="noStrike">
+                          <a:effectLst/>
+                        </a:rPr>
+                        <a:t>192 (43.05)</a:t>
+                      </a:r>
+                      <a:endParaRPr lang="is-IS" sz="1100" b="0" i="0" u="none" strike="noStrike">
+                        <a:solidFill>
+                          <a:srgbClr val="000000"/>
+                        </a:solidFill>
+                        <a:effectLst/>
+                        <a:latin typeface="Calibri"/>
+                      </a:endParaRPr>
+                    </a:p>
+                  </a:txBody>
+                  <a:tcPr marL="11395" marR="11395" marT="11395" marB="0" anchor="b"/>
+                </a:tc>
+                <a:tc>
+                  <a:txBody>
+                    <a:bodyPr/>
+                    <a:lstStyle/>
+                    <a:p>
+                      <a:pPr algn="l" fontAlgn="b"/>
+                      <a:r>
+                        <a:rPr lang="mr-IN" sz="1100" u="none" strike="noStrike">
+                          <a:effectLst/>
+                        </a:rPr>
+                        <a:t>16 (41.03)</a:t>
+                      </a:r>
+                      <a:endParaRPr lang="mr-IN" sz="1100" b="0" i="0" u="none" strike="noStrike">
+                        <a:solidFill>
+                          <a:srgbClr val="000000"/>
+                        </a:solidFill>
+                        <a:effectLst/>
+                        <a:latin typeface="Calibri"/>
+                      </a:endParaRPr>
+                    </a:p>
+                  </a:txBody>
+                  <a:tcPr marL="11395" marR="11395" marT="11395" marB="0" anchor="b"/>
+                </a:tc>
+              </a:tr>
+              <a:tr h="190520">
+                <a:tc>
+                  <a:txBody>
+                    <a:bodyPr/>
+                    <a:lstStyle/>
+                    <a:p>
+                      <a:pPr algn="l" fontAlgn="b"/>
+                      <a:r>
+                        <a:rPr lang="en-US" sz="1100" u="none" strike="noStrike">
+                          <a:effectLst/>
+                        </a:rPr>
+                        <a:t>10- 40,000</a:t>
+                      </a:r>
+                      <a:endParaRPr lang="en-US" sz="1100" b="1" i="0" u="none" strike="noStrike">
+                        <a:solidFill>
+                          <a:srgbClr val="000000"/>
+                        </a:solidFill>
+                        <a:effectLst/>
+                        <a:latin typeface="Calibri"/>
+                      </a:endParaRPr>
+                    </a:p>
+                  </a:txBody>
+                  <a:tcPr marL="136745" marR="11395" marT="11395" marB="0" anchor="b"/>
+                </a:tc>
+                <a:tc>
+                  <a:txBody>
+                    <a:bodyPr/>
+                    <a:lstStyle/>
+                    <a:p>
+                      <a:pPr algn="l" fontAlgn="b"/>
+                      <a:r>
+                        <a:rPr lang="is-IS" sz="1100" u="none" strike="noStrike">
+                          <a:effectLst/>
+                        </a:rPr>
+                        <a:t>91 (20.40)</a:t>
+                      </a:r>
+                      <a:endParaRPr lang="is-IS" sz="1100" b="0" i="0" u="none" strike="noStrike">
+                        <a:solidFill>
+                          <a:srgbClr val="000000"/>
+                        </a:solidFill>
+                        <a:effectLst/>
+                        <a:latin typeface="Calibri"/>
+                      </a:endParaRPr>
+                    </a:p>
+                  </a:txBody>
+                  <a:tcPr marL="11395" marR="11395" marT="11395" marB="0" anchor="b"/>
+                </a:tc>
+                <a:tc>
+                  <a:txBody>
+                    <a:bodyPr/>
+                    <a:lstStyle/>
+                    <a:p>
+                      <a:pPr algn="l" fontAlgn="b"/>
+                      <a:r>
+                        <a:rPr lang="mr-IN" sz="1100" u="none" strike="noStrike">
+                          <a:effectLst/>
+                        </a:rPr>
+                        <a:t>14 (35.90)</a:t>
+                      </a:r>
+                      <a:endParaRPr lang="mr-IN" sz="1100" b="0" i="0" u="none" strike="noStrike">
+                        <a:solidFill>
+                          <a:srgbClr val="000000"/>
+                        </a:solidFill>
+                        <a:effectLst/>
+                        <a:latin typeface="Calibri"/>
+                      </a:endParaRPr>
+                    </a:p>
+                  </a:txBody>
+                  <a:tcPr marL="11395" marR="11395" marT="11395" marB="0" anchor="b"/>
+                </a:tc>
+              </a:tr>
+              <a:tr h="190520">
+                <a:tc>
+                  <a:txBody>
+                    <a:bodyPr/>
+                    <a:lstStyle/>
+                    <a:p>
+                      <a:pPr algn="l" fontAlgn="b"/>
+                      <a:r>
+                        <a:rPr lang="en-US" sz="1100" u="none" strike="noStrike">
+                          <a:effectLst/>
+                        </a:rPr>
+                        <a:t>&gt; 40,000</a:t>
+                      </a:r>
+                      <a:endParaRPr lang="en-US" sz="1100" b="1" i="0" u="none" strike="noStrike">
+                        <a:solidFill>
+                          <a:srgbClr val="000000"/>
+                        </a:solidFill>
+                        <a:effectLst/>
+                        <a:latin typeface="Calibri"/>
+                      </a:endParaRPr>
+                    </a:p>
+                  </a:txBody>
+                  <a:tcPr marL="136745" marR="11395" marT="11395" marB="0" anchor="b"/>
+                </a:tc>
+                <a:tc>
+                  <a:txBody>
+                    <a:bodyPr/>
+                    <a:lstStyle/>
+                    <a:p>
+                      <a:pPr algn="l" fontAlgn="b"/>
+                      <a:r>
+                        <a:rPr lang="is-IS" sz="1100" u="none" strike="noStrike">
+                          <a:effectLst/>
+                        </a:rPr>
+                        <a:t>163 (36.55)</a:t>
+                      </a:r>
+                      <a:endParaRPr lang="is-IS" sz="1100" b="0" i="0" u="none" strike="noStrike">
+                        <a:solidFill>
+                          <a:srgbClr val="000000"/>
+                        </a:solidFill>
+                        <a:effectLst/>
+                        <a:latin typeface="Calibri"/>
+                      </a:endParaRPr>
+                    </a:p>
+                  </a:txBody>
+                  <a:tcPr marL="11395" marR="11395" marT="11395" marB="0" anchor="b"/>
+                </a:tc>
+                <a:tc>
+                  <a:txBody>
+                    <a:bodyPr/>
+                    <a:lstStyle/>
+                    <a:p>
+                      <a:pPr algn="l" fontAlgn="b"/>
+                      <a:r>
+                        <a:rPr lang="is-IS" sz="1100" u="none" strike="noStrike">
+                          <a:effectLst/>
+                        </a:rPr>
+                        <a:t>9 (23.08)</a:t>
+                      </a:r>
+                      <a:endParaRPr lang="is-IS" sz="1100" b="0" i="0" u="none" strike="noStrike">
+                        <a:solidFill>
+                          <a:srgbClr val="000000"/>
+                        </a:solidFill>
+                        <a:effectLst/>
+                        <a:latin typeface="Calibri"/>
+                      </a:endParaRPr>
+                    </a:p>
+                  </a:txBody>
+                  <a:tcPr marL="11395" marR="11395" marT="11395" marB="0" anchor="b"/>
+                </a:tc>
+              </a:tr>
+              <a:tr h="190520">
+                <a:tc>
+                  <a:txBody>
+                    <a:bodyPr/>
+                    <a:lstStyle/>
+                    <a:p>
+                      <a:pPr algn="l" fontAlgn="b"/>
+                      <a:r>
+                        <a:rPr lang="en-US" sz="1100" u="none" strike="noStrike">
+                          <a:effectLst/>
+                        </a:rPr>
+                        <a:t>Alcohol Use (%)</a:t>
+                      </a:r>
+                      <a:endParaRPr lang="en-US" sz="1100" b="1" i="0" u="none" strike="noStrike">
+                        <a:solidFill>
+                          <a:srgbClr val="000000"/>
+                        </a:solidFill>
+                        <a:effectLst/>
+                        <a:latin typeface="Calibri"/>
+                      </a:endParaRPr>
+                    </a:p>
+                  </a:txBody>
+                  <a:tcPr marL="11395" marR="11395" marT="11395" marB="0" anchor="b"/>
+                </a:tc>
+                <a:tc>
+                  <a:txBody>
+                    <a:bodyPr/>
+                    <a:lstStyle/>
+                    <a:p>
+                      <a:pPr algn="l" fontAlgn="b"/>
+                      <a:endParaRPr lang="en-US" sz="1100" b="0" i="0" u="none" strike="noStrike">
+                        <a:solidFill>
+                          <a:srgbClr val="000000"/>
+                        </a:solidFill>
+                        <a:effectLst/>
+                        <a:latin typeface="Calibri"/>
+                      </a:endParaRPr>
+                    </a:p>
+                  </a:txBody>
+                  <a:tcPr marL="11395" marR="11395" marT="11395" marB="0" anchor="b"/>
+                </a:tc>
+                <a:tc>
+                  <a:txBody>
+                    <a:bodyPr/>
+                    <a:lstStyle/>
+                    <a:p>
+                      <a:pPr algn="l" fontAlgn="b"/>
+                      <a:endParaRPr lang="en-US" sz="1100" b="0" i="0" u="none" strike="noStrike">
+                        <a:solidFill>
+                          <a:srgbClr val="000000"/>
+                        </a:solidFill>
+                        <a:effectLst/>
+                        <a:latin typeface="Calibri"/>
+                      </a:endParaRPr>
+                    </a:p>
+                  </a:txBody>
+                  <a:tcPr marL="11395" marR="11395" marT="11395" marB="0" anchor="b"/>
+                </a:tc>
+              </a:tr>
+              <a:tr h="190520">
+                <a:tc>
+                  <a:txBody>
+                    <a:bodyPr/>
+                    <a:lstStyle/>
+                    <a:p>
+                      <a:pPr algn="l" fontAlgn="b"/>
+                      <a:r>
+                        <a:rPr lang="en-US" sz="1100" u="none" strike="noStrike">
+                          <a:effectLst/>
+                        </a:rPr>
+                        <a:t>&lt;13 drinks/week</a:t>
+                      </a:r>
+                      <a:endParaRPr lang="en-US" sz="1100" b="1" i="0" u="none" strike="noStrike">
+                        <a:solidFill>
+                          <a:srgbClr val="000000"/>
+                        </a:solidFill>
+                        <a:effectLst/>
+                        <a:latin typeface="Calibri"/>
+                      </a:endParaRPr>
+                    </a:p>
+                  </a:txBody>
+                  <a:tcPr marL="136745" marR="11395" marT="11395" marB="0" anchor="b"/>
+                </a:tc>
+                <a:tc>
+                  <a:txBody>
+                    <a:bodyPr/>
+                    <a:lstStyle/>
+                    <a:p>
+                      <a:pPr algn="l" fontAlgn="b"/>
+                      <a:r>
+                        <a:rPr lang="mr-IN" sz="1100" u="none" strike="noStrike">
+                          <a:effectLst/>
+                        </a:rPr>
+                        <a:t>430 (92.87)</a:t>
+                      </a:r>
+                      <a:endParaRPr lang="mr-IN" sz="1100" b="0" i="0" u="none" strike="noStrike">
+                        <a:solidFill>
+                          <a:srgbClr val="000000"/>
+                        </a:solidFill>
+                        <a:effectLst/>
+                        <a:latin typeface="Calibri"/>
+                      </a:endParaRPr>
+                    </a:p>
+                  </a:txBody>
+                  <a:tcPr marL="11395" marR="11395" marT="11395" marB="0" anchor="b"/>
+                </a:tc>
+                <a:tc>
+                  <a:txBody>
+                    <a:bodyPr/>
+                    <a:lstStyle/>
+                    <a:p>
+                      <a:pPr algn="l" fontAlgn="b"/>
+                      <a:r>
+                        <a:rPr lang="mr-IN" sz="1100" u="none" strike="noStrike">
+                          <a:effectLst/>
+                        </a:rPr>
+                        <a:t>37 (94.87)</a:t>
+                      </a:r>
+                      <a:endParaRPr lang="mr-IN" sz="1100" b="0" i="0" u="none" strike="noStrike">
+                        <a:solidFill>
+                          <a:srgbClr val="000000"/>
+                        </a:solidFill>
+                        <a:effectLst/>
+                        <a:latin typeface="Calibri"/>
+                      </a:endParaRPr>
+                    </a:p>
+                  </a:txBody>
+                  <a:tcPr marL="11395" marR="11395" marT="11395" marB="0" anchor="b"/>
+                </a:tc>
+              </a:tr>
+              <a:tr h="190520">
+                <a:tc>
+                  <a:txBody>
+                    <a:bodyPr/>
+                    <a:lstStyle/>
+                    <a:p>
+                      <a:pPr algn="l" fontAlgn="b"/>
+                      <a:r>
+                        <a:rPr lang="en-US" sz="1100" u="none" strike="noStrike">
+                          <a:effectLst/>
+                        </a:rPr>
+                        <a:t>&gt;13 drinks/week</a:t>
+                      </a:r>
+                      <a:endParaRPr lang="en-US" sz="1100" b="1" i="0" u="none" strike="noStrike">
+                        <a:solidFill>
+                          <a:srgbClr val="000000"/>
+                        </a:solidFill>
+                        <a:effectLst/>
+                        <a:latin typeface="Calibri"/>
+                      </a:endParaRPr>
+                    </a:p>
+                  </a:txBody>
+                  <a:tcPr marL="136745" marR="11395" marT="11395" marB="0" anchor="b"/>
+                </a:tc>
+                <a:tc>
+                  <a:txBody>
+                    <a:bodyPr/>
+                    <a:lstStyle/>
+                    <a:p>
+                      <a:pPr algn="l" fontAlgn="b"/>
+                      <a:r>
+                        <a:rPr lang="mr-IN" sz="1100" u="none" strike="noStrike">
+                          <a:effectLst/>
+                        </a:rPr>
+                        <a:t>33 (5.13)</a:t>
+                      </a:r>
+                      <a:endParaRPr lang="mr-IN" sz="1100" b="0" i="0" u="none" strike="noStrike">
+                        <a:solidFill>
+                          <a:srgbClr val="000000"/>
+                        </a:solidFill>
+                        <a:effectLst/>
+                        <a:latin typeface="Calibri"/>
+                      </a:endParaRPr>
+                    </a:p>
+                  </a:txBody>
+                  <a:tcPr marL="11395" marR="11395" marT="11395" marB="0" anchor="b"/>
+                </a:tc>
+                <a:tc>
+                  <a:txBody>
+                    <a:bodyPr/>
+                    <a:lstStyle/>
+                    <a:p>
+                      <a:pPr algn="l" fontAlgn="b"/>
+                      <a:r>
+                        <a:rPr lang="mr-IN" sz="1100" u="none" strike="noStrike">
+                          <a:effectLst/>
+                        </a:rPr>
+                        <a:t>2 (5.13)</a:t>
+                      </a:r>
+                      <a:endParaRPr lang="mr-IN" sz="1100" b="0" i="0" u="none" strike="noStrike">
+                        <a:solidFill>
+                          <a:srgbClr val="000000"/>
+                        </a:solidFill>
+                        <a:effectLst/>
+                        <a:latin typeface="Calibri"/>
+                      </a:endParaRPr>
+                    </a:p>
+                  </a:txBody>
+                  <a:tcPr marL="11395" marR="11395" marT="11395" marB="0" anchor="b"/>
+                </a:tc>
+              </a:tr>
+              <a:tr h="190520">
+                <a:tc>
+                  <a:txBody>
+                    <a:bodyPr/>
+                    <a:lstStyle/>
+                    <a:p>
+                      <a:pPr algn="l" fontAlgn="b"/>
+                      <a:r>
+                        <a:rPr lang="en-US" sz="1100" u="none" strike="noStrike">
+                          <a:effectLst/>
+                        </a:rPr>
+                        <a:t>Adherence (%)</a:t>
+                      </a:r>
+                      <a:endParaRPr lang="en-US" sz="1100" b="1" i="0" u="none" strike="noStrike">
+                        <a:solidFill>
+                          <a:srgbClr val="000000"/>
+                        </a:solidFill>
+                        <a:effectLst/>
+                        <a:latin typeface="Calibri"/>
+                      </a:endParaRPr>
+                    </a:p>
+                  </a:txBody>
+                  <a:tcPr marL="11395" marR="11395" marT="11395" marB="0" anchor="b"/>
+                </a:tc>
+                <a:tc>
+                  <a:txBody>
+                    <a:bodyPr/>
+                    <a:lstStyle/>
+                    <a:p>
+                      <a:pPr algn="l" fontAlgn="b"/>
+                      <a:endParaRPr lang="en-US" sz="1100" b="0" i="0" u="none" strike="noStrike">
+                        <a:solidFill>
+                          <a:srgbClr val="000000"/>
+                        </a:solidFill>
+                        <a:effectLst/>
+                        <a:latin typeface="Calibri"/>
+                      </a:endParaRPr>
+                    </a:p>
+                  </a:txBody>
+                  <a:tcPr marL="11395" marR="11395" marT="11395" marB="0" anchor="b"/>
+                </a:tc>
+                <a:tc>
+                  <a:txBody>
+                    <a:bodyPr/>
+                    <a:lstStyle/>
+                    <a:p>
+                      <a:pPr algn="l" fontAlgn="b"/>
+                      <a:endParaRPr lang="en-US" sz="1100" b="0" i="0" u="none" strike="noStrike">
+                        <a:solidFill>
+                          <a:srgbClr val="000000"/>
+                        </a:solidFill>
+                        <a:effectLst/>
+                        <a:latin typeface="Calibri"/>
+                      </a:endParaRPr>
+                    </a:p>
+                  </a:txBody>
+                  <a:tcPr marL="11395" marR="11395" marT="11395" marB="0" anchor="b"/>
+                </a:tc>
+              </a:tr>
+              <a:tr h="190520">
+                <a:tc>
+                  <a:txBody>
+                    <a:bodyPr/>
+                    <a:lstStyle/>
+                    <a:p>
+                      <a:pPr algn="l" fontAlgn="b"/>
+                      <a:r>
+                        <a:rPr lang="mr-IN" sz="1100" u="none" strike="noStrike">
+                          <a:effectLst/>
+                        </a:rPr>
+                        <a:t>95-100%</a:t>
+                      </a:r>
+                      <a:endParaRPr lang="mr-IN" sz="1100" b="1" i="0" u="none" strike="noStrike">
+                        <a:solidFill>
+                          <a:srgbClr val="000000"/>
+                        </a:solidFill>
+                        <a:effectLst/>
+                        <a:latin typeface="Calibri"/>
+                      </a:endParaRPr>
+                    </a:p>
+                  </a:txBody>
+                  <a:tcPr marL="136745" marR="11395" marT="11395" marB="0" anchor="b"/>
+                </a:tc>
+                <a:tc>
+                  <a:txBody>
+                    <a:bodyPr/>
+                    <a:lstStyle/>
+                    <a:p>
+                      <a:pPr algn="l" fontAlgn="b"/>
+                      <a:r>
+                        <a:rPr lang="mr-IN" sz="1100" u="none" strike="noStrike">
+                          <a:effectLst/>
+                        </a:rPr>
+                        <a:t>413 (89.20)</a:t>
+                      </a:r>
+                      <a:endParaRPr lang="mr-IN" sz="1100" b="0" i="0" u="none" strike="noStrike">
+                        <a:solidFill>
+                          <a:srgbClr val="000000"/>
+                        </a:solidFill>
+                        <a:effectLst/>
+                        <a:latin typeface="Calibri"/>
+                      </a:endParaRPr>
+                    </a:p>
+                  </a:txBody>
+                  <a:tcPr marL="11395" marR="11395" marT="11395" marB="0" anchor="b"/>
+                </a:tc>
+                <a:tc>
+                  <a:txBody>
+                    <a:bodyPr/>
+                    <a:lstStyle/>
+                    <a:p>
+                      <a:pPr algn="l" fontAlgn="b"/>
+                      <a:r>
+                        <a:rPr lang="mr-IN" sz="1100" u="none" strike="noStrike">
+                          <a:effectLst/>
+                        </a:rPr>
+                        <a:t>38 (97.44)</a:t>
+                      </a:r>
+                      <a:endParaRPr lang="mr-IN" sz="1100" b="0" i="0" u="none" strike="noStrike">
+                        <a:solidFill>
+                          <a:srgbClr val="000000"/>
+                        </a:solidFill>
+                        <a:effectLst/>
+                        <a:latin typeface="Calibri"/>
+                      </a:endParaRPr>
+                    </a:p>
+                  </a:txBody>
+                  <a:tcPr marL="11395" marR="11395" marT="11395" marB="0" anchor="b"/>
+                </a:tc>
+              </a:tr>
+              <a:tr h="190520">
+                <a:tc>
+                  <a:txBody>
+                    <a:bodyPr/>
+                    <a:lstStyle/>
+                    <a:p>
+                      <a:pPr algn="l" fontAlgn="b"/>
+                      <a:r>
+                        <a:rPr lang="mr-IN" sz="1100" u="none" strike="noStrike">
+                          <a:effectLst/>
+                        </a:rPr>
+                        <a:t>&lt;95%</a:t>
+                      </a:r>
+                      <a:endParaRPr lang="mr-IN" sz="1100" b="1" i="0" u="none" strike="noStrike">
+                        <a:solidFill>
+                          <a:srgbClr val="000000"/>
+                        </a:solidFill>
+                        <a:effectLst/>
+                        <a:latin typeface="Calibri"/>
+                      </a:endParaRPr>
+                    </a:p>
+                  </a:txBody>
+                  <a:tcPr marL="136745" marR="11395" marT="11395" marB="0" anchor="b"/>
+                </a:tc>
+                <a:tc>
+                  <a:txBody>
+                    <a:bodyPr/>
+                    <a:lstStyle/>
+                    <a:p>
+                      <a:pPr algn="l" fontAlgn="b"/>
+                      <a:r>
+                        <a:rPr lang="mr-IN" sz="1100" u="none" strike="noStrike">
+                          <a:effectLst/>
+                        </a:rPr>
+                        <a:t>50 (10.80)</a:t>
+                      </a:r>
+                      <a:endParaRPr lang="mr-IN" sz="1100" b="0" i="0" u="none" strike="noStrike">
+                        <a:solidFill>
+                          <a:srgbClr val="000000"/>
+                        </a:solidFill>
+                        <a:effectLst/>
+                        <a:latin typeface="Calibri"/>
+                      </a:endParaRPr>
+                    </a:p>
+                  </a:txBody>
+                  <a:tcPr marL="11395" marR="11395" marT="11395" marB="0" anchor="b"/>
+                </a:tc>
+                <a:tc>
+                  <a:txBody>
+                    <a:bodyPr/>
+                    <a:lstStyle/>
+                    <a:p>
+                      <a:pPr algn="l" fontAlgn="b"/>
+                      <a:r>
+                        <a:rPr lang="is-IS" sz="1100" u="none" strike="noStrike">
+                          <a:effectLst/>
+                        </a:rPr>
+                        <a:t>1 (2.56)</a:t>
+                      </a:r>
+                      <a:endParaRPr lang="is-IS" sz="1100" b="0" i="0" u="none" strike="noStrike">
+                        <a:solidFill>
+                          <a:srgbClr val="000000"/>
+                        </a:solidFill>
+                        <a:effectLst/>
+                        <a:latin typeface="Calibri"/>
+                      </a:endParaRPr>
+                    </a:p>
+                  </a:txBody>
+                  <a:tcPr marL="11395" marR="11395" marT="11395" marB="0" anchor="b"/>
+                </a:tc>
+              </a:tr>
+              <a:tr h="190520">
+                <a:tc>
+                  <a:txBody>
+                    <a:bodyPr/>
+                    <a:lstStyle/>
+                    <a:p>
+                      <a:pPr algn="l" fontAlgn="b"/>
+                      <a:r>
+                        <a:rPr lang="en-US" sz="1100" u="none" strike="noStrike">
+                          <a:effectLst/>
+                        </a:rPr>
+                        <a:t>Smoker (%)</a:t>
+                      </a:r>
+                      <a:endParaRPr lang="en-US" sz="1100" b="1" i="0" u="none" strike="noStrike">
+                        <a:solidFill>
+                          <a:srgbClr val="000000"/>
+                        </a:solidFill>
+                        <a:effectLst/>
+                        <a:latin typeface="Calibri"/>
+                      </a:endParaRPr>
+                    </a:p>
+                  </a:txBody>
+                  <a:tcPr marL="11395" marR="11395" marT="11395" marB="0" anchor="b"/>
+                </a:tc>
+                <a:tc>
+                  <a:txBody>
+                    <a:bodyPr/>
+                    <a:lstStyle/>
+                    <a:p>
+                      <a:pPr algn="l" fontAlgn="b"/>
+                      <a:endParaRPr lang="en-US" sz="1100" b="0" i="0" u="none" strike="noStrike">
+                        <a:solidFill>
+                          <a:srgbClr val="000000"/>
+                        </a:solidFill>
+                        <a:effectLst/>
+                        <a:latin typeface="Calibri"/>
+                      </a:endParaRPr>
+                    </a:p>
+                  </a:txBody>
+                  <a:tcPr marL="11395" marR="11395" marT="11395" marB="0" anchor="b"/>
+                </a:tc>
+                <a:tc>
+                  <a:txBody>
+                    <a:bodyPr/>
+                    <a:lstStyle/>
+                    <a:p>
+                      <a:pPr algn="l" fontAlgn="b"/>
+                      <a:endParaRPr lang="en-US" sz="1100" b="0" i="0" u="none" strike="noStrike">
+                        <a:solidFill>
+                          <a:srgbClr val="000000"/>
+                        </a:solidFill>
+                        <a:effectLst/>
+                        <a:latin typeface="Calibri"/>
+                      </a:endParaRPr>
+                    </a:p>
+                  </a:txBody>
+                  <a:tcPr marL="11395" marR="11395" marT="11395" marB="0" anchor="b"/>
+                </a:tc>
+              </a:tr>
+              <a:tr h="190520">
+                <a:tc>
+                  <a:txBody>
+                    <a:bodyPr/>
+                    <a:lstStyle/>
+                    <a:p>
+                      <a:pPr algn="l" fontAlgn="b"/>
+                      <a:r>
+                        <a:rPr lang="en-US" sz="1100" u="none" strike="noStrike">
+                          <a:effectLst/>
+                        </a:rPr>
+                        <a:t>Never/Former</a:t>
+                      </a:r>
+                      <a:endParaRPr lang="en-US" sz="1100" b="1" i="0" u="none" strike="noStrike">
+                        <a:solidFill>
+                          <a:srgbClr val="000000"/>
+                        </a:solidFill>
+                        <a:effectLst/>
+                        <a:latin typeface="Calibri"/>
+                      </a:endParaRPr>
+                    </a:p>
+                  </a:txBody>
+                  <a:tcPr marL="136745" marR="11395" marT="11395" marB="0" anchor="b"/>
+                </a:tc>
+                <a:tc>
+                  <a:txBody>
+                    <a:bodyPr/>
+                    <a:lstStyle/>
+                    <a:p>
+                      <a:pPr algn="l" fontAlgn="b"/>
+                      <a:r>
+                        <a:rPr lang="is-IS" sz="1100" u="none" strike="noStrike">
+                          <a:effectLst/>
+                        </a:rPr>
+                        <a:t>299 (64.58)</a:t>
+                      </a:r>
+                      <a:endParaRPr lang="is-IS" sz="1100" b="0" i="0" u="none" strike="noStrike">
+                        <a:solidFill>
+                          <a:srgbClr val="000000"/>
+                        </a:solidFill>
+                        <a:effectLst/>
+                        <a:latin typeface="Calibri"/>
+                      </a:endParaRPr>
+                    </a:p>
+                  </a:txBody>
+                  <a:tcPr marL="11395" marR="11395" marT="11395" marB="0" anchor="b"/>
+                </a:tc>
+                <a:tc>
+                  <a:txBody>
+                    <a:bodyPr/>
+                    <a:lstStyle/>
+                    <a:p>
+                      <a:pPr algn="l" fontAlgn="b"/>
+                      <a:r>
+                        <a:rPr lang="is-IS" sz="1100" u="none" strike="noStrike">
+                          <a:effectLst/>
+                        </a:rPr>
+                        <a:t>9 (23.08)</a:t>
+                      </a:r>
+                      <a:endParaRPr lang="is-IS" sz="1100" b="0" i="0" u="none" strike="noStrike">
+                        <a:solidFill>
+                          <a:srgbClr val="000000"/>
+                        </a:solidFill>
+                        <a:effectLst/>
+                        <a:latin typeface="Calibri"/>
+                      </a:endParaRPr>
+                    </a:p>
+                  </a:txBody>
+                  <a:tcPr marL="11395" marR="11395" marT="11395" marB="0" anchor="b"/>
+                </a:tc>
+              </a:tr>
+              <a:tr h="190520">
+                <a:tc>
+                  <a:txBody>
+                    <a:bodyPr/>
+                    <a:lstStyle/>
+                    <a:p>
+                      <a:pPr algn="l" fontAlgn="b"/>
+                      <a:r>
+                        <a:rPr lang="en-US" sz="1100" u="none" strike="noStrike">
+                          <a:effectLst/>
+                        </a:rPr>
+                        <a:t>Current</a:t>
+                      </a:r>
+                      <a:endParaRPr lang="en-US" sz="1100" b="1" i="0" u="none" strike="noStrike">
+                        <a:solidFill>
+                          <a:srgbClr val="000000"/>
+                        </a:solidFill>
+                        <a:effectLst/>
+                        <a:latin typeface="Calibri"/>
+                      </a:endParaRPr>
+                    </a:p>
+                  </a:txBody>
+                  <a:tcPr marL="136745" marR="11395" marT="11395" marB="0" anchor="b"/>
+                </a:tc>
+                <a:tc>
+                  <a:txBody>
+                    <a:bodyPr/>
+                    <a:lstStyle/>
+                    <a:p>
+                      <a:pPr algn="l" fontAlgn="b"/>
+                      <a:r>
+                        <a:rPr lang="is-IS" sz="1100" u="none" strike="noStrike">
+                          <a:effectLst/>
+                        </a:rPr>
+                        <a:t>164 (35.42)</a:t>
+                      </a:r>
+                      <a:endParaRPr lang="is-IS" sz="1100" b="0" i="0" u="none" strike="noStrike">
+                        <a:solidFill>
+                          <a:srgbClr val="000000"/>
+                        </a:solidFill>
+                        <a:effectLst/>
+                        <a:latin typeface="Calibri"/>
+                      </a:endParaRPr>
+                    </a:p>
+                  </a:txBody>
+                  <a:tcPr marL="11395" marR="11395" marT="11395" marB="0" anchor="b"/>
+                </a:tc>
+                <a:tc>
+                  <a:txBody>
+                    <a:bodyPr/>
+                    <a:lstStyle/>
+                    <a:p>
+                      <a:pPr algn="l" fontAlgn="b"/>
+                      <a:r>
+                        <a:rPr lang="mr-IN" sz="1100" u="none" strike="noStrike">
+                          <a:effectLst/>
+                        </a:rPr>
+                        <a:t>30 (76.92)</a:t>
+                      </a:r>
+                      <a:endParaRPr lang="mr-IN" sz="1100" b="0" i="0" u="none" strike="noStrike">
+                        <a:solidFill>
+                          <a:srgbClr val="000000"/>
+                        </a:solidFill>
+                        <a:effectLst/>
+                        <a:latin typeface="Calibri"/>
+                      </a:endParaRPr>
+                    </a:p>
+                  </a:txBody>
+                  <a:tcPr marL="11395" marR="11395" marT="11395" marB="0" anchor="b"/>
+                </a:tc>
+              </a:tr>
+              <a:tr h="368914">
+                <a:tc>
+                  <a:txBody>
+                    <a:bodyPr/>
+                    <a:lstStyle/>
+                    <a:p>
+                      <a:pPr algn="l" fontAlgn="b"/>
+                      <a:r>
+                        <a:rPr lang="en-US" sz="1100" u="none" strike="noStrike" dirty="0">
+                          <a:effectLst/>
+                        </a:rPr>
+                        <a:t>Marijuana/Hash Use- Yes (%)</a:t>
+                      </a:r>
+                      <a:endParaRPr lang="en-US" sz="1100" b="1" i="0" u="none" strike="noStrike" dirty="0">
+                        <a:solidFill>
+                          <a:srgbClr val="000000"/>
+                        </a:solidFill>
+                        <a:effectLst/>
+                        <a:latin typeface="Calibri"/>
+                      </a:endParaRPr>
+                    </a:p>
+                  </a:txBody>
+                  <a:tcPr marL="11395" marR="11395" marT="11395" marB="0" anchor="b"/>
+                </a:tc>
+                <a:tc>
+                  <a:txBody>
+                    <a:bodyPr/>
+                    <a:lstStyle/>
+                    <a:p>
+                      <a:pPr algn="l" fontAlgn="b"/>
+                      <a:r>
+                        <a:rPr lang="mr-IN" sz="1100" u="none" strike="noStrike">
+                          <a:effectLst/>
+                        </a:rPr>
+                        <a:t>194 (41.90)</a:t>
+                      </a:r>
+                      <a:endParaRPr lang="mr-IN" sz="1100" b="0" i="0" u="none" strike="noStrike">
+                        <a:solidFill>
+                          <a:srgbClr val="000000"/>
+                        </a:solidFill>
+                        <a:effectLst/>
+                        <a:latin typeface="Calibri"/>
+                      </a:endParaRPr>
+                    </a:p>
+                  </a:txBody>
+                  <a:tcPr marL="11395" marR="11395" marT="11395" marB="0" anchor="b"/>
+                </a:tc>
+                <a:tc>
+                  <a:txBody>
+                    <a:bodyPr/>
+                    <a:lstStyle/>
+                    <a:p>
+                      <a:pPr algn="l" fontAlgn="b"/>
+                      <a:r>
+                        <a:rPr lang="mr-IN" sz="1100" u="none" strike="noStrike" dirty="0">
+                          <a:effectLst/>
+                        </a:rPr>
+                        <a:t>12 (30.77)</a:t>
+                      </a:r>
+                      <a:endParaRPr lang="mr-IN" sz="1100" b="0" i="0" u="none" strike="noStrike" dirty="0">
+                        <a:solidFill>
+                          <a:srgbClr val="000000"/>
+                        </a:solidFill>
+                        <a:effectLst/>
+                        <a:latin typeface="Calibri"/>
+                      </a:endParaRPr>
+                    </a:p>
+                  </a:txBody>
+                  <a:tcPr marL="11395" marR="11395" marT="11395" marB="0" anchor="b"/>
+                </a:tc>
+              </a:tr>
+            </a:tbl>
           </a:graphicData>
         </a:graphic>
       </p:graphicFrame>
     </p:spTree>
     <p:extLst>
       <p:ext uri="{BB962C8B-B14F-4D97-AF65-F5344CB8AC3E}">
-        <p14:creationId xmlns:p14="http://schemas.microsoft.com/office/powerpoint/2010/main" val="3099093747"/>
+        <p14:creationId xmlns:p14="http://schemas.microsoft.com/office/powerpoint/2010/main" val="2458208279"/>
       </p:ext>
     </p:extLst>
   </p:cSld>
@@ -5532,12 +11883,14 @@
           </a:xfrm>
         </p:spPr>
         <p:txBody>
-          <a:bodyPr/>
+          <a:bodyPr>
+            <a:normAutofit fontScale="90000"/>
+          </a:bodyPr>
           <a:lstStyle/>
           <a:p>
             <a:r>
               <a:rPr lang="en-US" dirty="0" smtClean="0"/>
-              <a:t>Quality of life outcomes</a:t>
+              <a:t>Laboratory Delta outcomes</a:t>
             </a:r>
             <a:endParaRPr lang="en-US" dirty="0"/>
           </a:p>
@@ -5545,21 +11898,21 @@
       </p:sp>
       <p:graphicFrame>
         <p:nvGraphicFramePr>
-          <p:cNvPr id="7" name="Chart 6"/>
+          <p:cNvPr id="5" name="Chart 4"/>
           <p:cNvGraphicFramePr>
             <a:graphicFrameLocks/>
           </p:cNvGraphicFramePr>
           <p:nvPr>
             <p:extLst>
               <p:ext uri="{D42A27DB-BD31-4B8C-83A1-F6EECF244321}">
-                <p14:modId xmlns:p14="http://schemas.microsoft.com/office/powerpoint/2010/main" val="1614252225"/>
+                <p14:modId xmlns:p14="http://schemas.microsoft.com/office/powerpoint/2010/main" val="404818480"/>
               </p:ext>
             </p:extLst>
           </p:nvPr>
         </p:nvGraphicFramePr>
         <p:xfrm>
-          <a:off x="152400" y="2057400"/>
-          <a:ext cx="4572000" cy="2743200"/>
+          <a:off x="161256" y="1076111"/>
+          <a:ext cx="4848429" cy="2769661"/>
         </p:xfrm>
         <a:graphic>
           <a:graphicData uri="http://schemas.openxmlformats.org/drawingml/2006/chart">
@@ -5569,21 +11922,21 @@
       </p:graphicFrame>
       <p:graphicFrame>
         <p:nvGraphicFramePr>
-          <p:cNvPr id="8" name="Chart 7"/>
+          <p:cNvPr id="6" name="Chart 5"/>
           <p:cNvGraphicFramePr>
             <a:graphicFrameLocks/>
           </p:cNvGraphicFramePr>
           <p:nvPr>
             <p:extLst>
               <p:ext uri="{D42A27DB-BD31-4B8C-83A1-F6EECF244321}">
-                <p14:modId xmlns:p14="http://schemas.microsoft.com/office/powerpoint/2010/main" val="354340380"/>
+                <p14:modId xmlns:p14="http://schemas.microsoft.com/office/powerpoint/2010/main" val="1130701764"/>
               </p:ext>
             </p:extLst>
           </p:nvPr>
         </p:nvGraphicFramePr>
         <p:xfrm>
-          <a:off x="4724400" y="2143891"/>
-          <a:ext cx="4572000" cy="2743200"/>
+          <a:off x="4021861" y="3845772"/>
+          <a:ext cx="4903845" cy="2888741"/>
         </p:xfrm>
         <a:graphic>
           <a:graphicData uri="http://schemas.openxmlformats.org/drawingml/2006/chart">
@@ -5591,10 +11944,1042 @@
           </a:graphicData>
         </a:graphic>
       </p:graphicFrame>
+      <p:graphicFrame>
+        <p:nvGraphicFramePr>
+          <p:cNvPr id="8" name="Table 7"/>
+          <p:cNvGraphicFramePr>
+            <a:graphicFrameLocks noGrp="1"/>
+          </p:cNvGraphicFramePr>
+          <p:nvPr>
+            <p:extLst>
+              <p:ext uri="{D42A27DB-BD31-4B8C-83A1-F6EECF244321}">
+                <p14:modId xmlns:p14="http://schemas.microsoft.com/office/powerpoint/2010/main" val="4189576122"/>
+              </p:ext>
+            </p:extLst>
+          </p:nvPr>
+        </p:nvGraphicFramePr>
+        <p:xfrm>
+          <a:off x="5133164" y="1343076"/>
+          <a:ext cx="3792540" cy="1499801"/>
+        </p:xfrm>
+        <a:graphic>
+          <a:graphicData uri="http://schemas.openxmlformats.org/drawingml/2006/table">
+            <a:tbl>
+              <a:tblPr firstRow="1" firstCol="1" bandRow="1" bandCol="1">
+                <a:tableStyleId>{72833802-FEF1-4C79-8D5D-14CF1EAF98D9}</a:tableStyleId>
+              </a:tblPr>
+              <a:tblGrid>
+                <a:gridCol w="758508"/>
+                <a:gridCol w="846709"/>
+                <a:gridCol w="670307"/>
+                <a:gridCol w="864350"/>
+                <a:gridCol w="652666"/>
+              </a:tblGrid>
+              <a:tr h="244628">
+                <a:tc gridSpan="5">
+                  <a:txBody>
+                    <a:bodyPr/>
+                    <a:lstStyle/>
+                    <a:p>
+                      <a:pPr algn="ctr" fontAlgn="b"/>
+                      <a:r>
+                        <a:rPr lang="en-US" sz="1200" u="none" strike="noStrike" dirty="0">
+                          <a:effectLst/>
+                          <a:latin typeface="+mn-lt"/>
+                        </a:rPr>
+                        <a:t>CD4 Cell Count Change</a:t>
+                      </a:r>
+                      <a:endParaRPr lang="en-US" sz="1200" b="0" i="0" u="none" strike="noStrike" dirty="0">
+                        <a:solidFill>
+                          <a:srgbClr val="000000"/>
+                        </a:solidFill>
+                        <a:effectLst/>
+                        <a:latin typeface="+mn-lt"/>
+                      </a:endParaRPr>
+                    </a:p>
+                  </a:txBody>
+                  <a:tcPr marL="12700" marR="12700" marT="12700" marB="0" anchor="b"/>
+                </a:tc>
+                <a:tc hMerge="1">
+                  <a:txBody>
+                    <a:bodyPr/>
+                    <a:lstStyle/>
+                    <a:p>
+                      <a:endParaRPr lang="en-US"/>
+                    </a:p>
+                  </a:txBody>
+                  <a:tcPr/>
+                </a:tc>
+                <a:tc hMerge="1">
+                  <a:txBody>
+                    <a:bodyPr/>
+                    <a:lstStyle/>
+                    <a:p>
+                      <a:endParaRPr lang="en-US"/>
+                    </a:p>
+                  </a:txBody>
+                  <a:tcPr/>
+                </a:tc>
+                <a:tc hMerge="1">
+                  <a:txBody>
+                    <a:bodyPr/>
+                    <a:lstStyle/>
+                    <a:p>
+                      <a:endParaRPr lang="en-US"/>
+                    </a:p>
+                  </a:txBody>
+                  <a:tcPr/>
+                </a:tc>
+                <a:tc hMerge="1">
+                  <a:txBody>
+                    <a:bodyPr/>
+                    <a:lstStyle/>
+                    <a:p>
+                      <a:endParaRPr lang="en-US"/>
+                    </a:p>
+                  </a:txBody>
+                  <a:tcPr/>
+                </a:tc>
+              </a:tr>
+              <a:tr h="418391">
+                <a:tc>
+                  <a:txBody>
+                    <a:bodyPr/>
+                    <a:lstStyle/>
+                    <a:p>
+                      <a:pPr algn="ctr" fontAlgn="b"/>
+                      <a:r>
+                        <a:rPr lang="sk-SK" sz="1200" u="none" strike="noStrike">
+                          <a:effectLst/>
+                          <a:latin typeface="+mn-lt"/>
+                        </a:rPr>
+                        <a:t> </a:t>
+                      </a:r>
+                      <a:endParaRPr lang="sk-SK" sz="1200" b="0" i="0" u="none" strike="noStrike">
+                        <a:solidFill>
+                          <a:srgbClr val="000000"/>
+                        </a:solidFill>
+                        <a:effectLst/>
+                        <a:latin typeface="+mn-lt"/>
+                      </a:endParaRPr>
+                    </a:p>
+                  </a:txBody>
+                  <a:tcPr marL="12700" marR="12700" marT="12700" marB="0" anchor="b"/>
+                </a:tc>
+                <a:tc>
+                  <a:txBody>
+                    <a:bodyPr/>
+                    <a:lstStyle/>
+                    <a:p>
+                      <a:pPr algn="ctr" fontAlgn="b"/>
+                      <a:r>
+                        <a:rPr lang="en-US" sz="1200" u="none" strike="noStrike" dirty="0" smtClean="0">
+                          <a:effectLst/>
+                          <a:latin typeface="+mn-lt"/>
+                        </a:rPr>
+                        <a:t>Crude</a:t>
+                      </a:r>
+                      <a:endParaRPr lang="en-US" sz="1200" b="0" i="0" u="none" strike="noStrike" dirty="0">
+                        <a:solidFill>
+                          <a:srgbClr val="000000"/>
+                        </a:solidFill>
+                        <a:effectLst/>
+                        <a:latin typeface="+mn-lt"/>
+                      </a:endParaRPr>
+                    </a:p>
+                  </a:txBody>
+                  <a:tcPr marL="12700" marR="12700" marT="12700" marB="0" anchor="b"/>
+                </a:tc>
+                <a:tc>
+                  <a:txBody>
+                    <a:bodyPr/>
+                    <a:lstStyle/>
+                    <a:p>
+                      <a:pPr algn="ctr" fontAlgn="b"/>
+                      <a:r>
+                        <a:rPr lang="en-US" sz="1200" u="none" strike="noStrike" dirty="0">
+                          <a:effectLst/>
+                          <a:latin typeface="+mn-lt"/>
+                        </a:rPr>
+                        <a:t>P-value</a:t>
+                      </a:r>
+                      <a:endParaRPr lang="en-US" sz="1200" b="0" i="0" u="none" strike="noStrike" dirty="0">
+                        <a:solidFill>
+                          <a:srgbClr val="000000"/>
+                        </a:solidFill>
+                        <a:effectLst/>
+                        <a:latin typeface="+mn-lt"/>
+                      </a:endParaRPr>
+                    </a:p>
+                  </a:txBody>
+                  <a:tcPr marL="12700" marR="12700" marT="12700" marB="0" anchor="b"/>
+                </a:tc>
+                <a:tc>
+                  <a:txBody>
+                    <a:bodyPr/>
+                    <a:lstStyle/>
+                    <a:p>
+                      <a:pPr algn="ctr" fontAlgn="b"/>
+                      <a:r>
+                        <a:rPr lang="en-US" sz="1200" u="none" strike="noStrike" dirty="0" smtClean="0">
+                          <a:effectLst/>
+                          <a:latin typeface="+mn-lt"/>
+                        </a:rPr>
+                        <a:t>Adjusted</a:t>
+                      </a:r>
+                      <a:endParaRPr lang="en-US" sz="1200" b="0" i="0" u="none" strike="noStrike" dirty="0">
+                        <a:solidFill>
+                          <a:srgbClr val="000000"/>
+                        </a:solidFill>
+                        <a:effectLst/>
+                        <a:latin typeface="+mn-lt"/>
+                      </a:endParaRPr>
+                    </a:p>
+                  </a:txBody>
+                  <a:tcPr marL="12700" marR="12700" marT="12700" marB="0" anchor="b"/>
+                </a:tc>
+                <a:tc>
+                  <a:txBody>
+                    <a:bodyPr/>
+                    <a:lstStyle/>
+                    <a:p>
+                      <a:pPr algn="ctr" fontAlgn="b"/>
+                      <a:r>
+                        <a:rPr lang="en-US" sz="1200" u="none" strike="noStrike">
+                          <a:effectLst/>
+                          <a:latin typeface="+mn-lt"/>
+                        </a:rPr>
+                        <a:t>P-value</a:t>
+                      </a:r>
+                      <a:endParaRPr lang="en-US" sz="1200" b="0" i="0" u="none" strike="noStrike">
+                        <a:solidFill>
+                          <a:srgbClr val="000000"/>
+                        </a:solidFill>
+                        <a:effectLst/>
+                        <a:latin typeface="+mn-lt"/>
+                      </a:endParaRPr>
+                    </a:p>
+                  </a:txBody>
+                  <a:tcPr marL="12700" marR="12700" marT="12700" marB="0" anchor="b"/>
+                </a:tc>
+              </a:tr>
+              <a:tr h="418391">
+                <a:tc>
+                  <a:txBody>
+                    <a:bodyPr/>
+                    <a:lstStyle/>
+                    <a:p>
+                      <a:pPr algn="ctr" fontAlgn="b"/>
+                      <a:r>
+                        <a:rPr lang="en-US" sz="1200" u="none" strike="noStrike">
+                          <a:effectLst/>
+                          <a:latin typeface="+mn-lt"/>
+                        </a:rPr>
+                        <a:t>Intercept</a:t>
+                      </a:r>
+                      <a:endParaRPr lang="en-US" sz="1200" b="0" i="0" u="none" strike="noStrike">
+                        <a:solidFill>
+                          <a:srgbClr val="000000"/>
+                        </a:solidFill>
+                        <a:effectLst/>
+                        <a:latin typeface="+mn-lt"/>
+                      </a:endParaRPr>
+                    </a:p>
+                  </a:txBody>
+                  <a:tcPr marL="12700" marR="12700" marT="12700" marB="0" anchor="b"/>
+                </a:tc>
+                <a:tc>
+                  <a:txBody>
+                    <a:bodyPr/>
+                    <a:lstStyle/>
+                    <a:p>
+                      <a:pPr algn="ctr" fontAlgn="b"/>
+                      <a:r>
+                        <a:rPr lang="mr-IN" sz="1200" u="none" strike="noStrike" dirty="0" smtClean="0">
+                          <a:effectLst/>
+                          <a:latin typeface="+mn-lt"/>
+                        </a:rPr>
+                        <a:t>182.</a:t>
+                      </a:r>
+                      <a:r>
+                        <a:rPr lang="en-US" sz="1200" u="none" strike="noStrike" dirty="0" smtClean="0">
+                          <a:effectLst/>
+                          <a:latin typeface="+mn-lt"/>
+                        </a:rPr>
+                        <a:t>6</a:t>
+                      </a:r>
+                      <a:r>
+                        <a:rPr lang="mr-IN" sz="1200" u="none" strike="noStrike" dirty="0" smtClean="0">
+                          <a:effectLst/>
+                          <a:latin typeface="+mn-lt"/>
+                        </a:rPr>
+                        <a:t> </a:t>
+                      </a:r>
+                      <a:r>
+                        <a:rPr lang="mr-IN" sz="1200" u="none" strike="noStrike" dirty="0">
+                          <a:effectLst/>
+                          <a:latin typeface="+mn-lt"/>
+                        </a:rPr>
+                        <a:t>(8.43)</a:t>
+                      </a:r>
+                      <a:endParaRPr lang="mr-IN" sz="1200" b="0" i="0" u="none" strike="noStrike" dirty="0">
+                        <a:solidFill>
+                          <a:srgbClr val="000000"/>
+                        </a:solidFill>
+                        <a:effectLst/>
+                        <a:latin typeface="+mn-lt"/>
+                      </a:endParaRPr>
+                    </a:p>
+                  </a:txBody>
+                  <a:tcPr marL="12700" marR="12700" marT="12700" marB="0" anchor="b"/>
+                </a:tc>
+                <a:tc>
+                  <a:txBody>
+                    <a:bodyPr/>
+                    <a:lstStyle/>
+                    <a:p>
+                      <a:pPr algn="ctr" fontAlgn="b"/>
+                      <a:r>
+                        <a:rPr lang="mr-IN" sz="1200" u="none" strike="noStrike" dirty="0">
+                          <a:effectLst/>
+                          <a:latin typeface="+mn-lt"/>
+                        </a:rPr>
+                        <a:t>&lt;.0001</a:t>
+                      </a:r>
+                      <a:endParaRPr lang="mr-IN" sz="1200" b="0" i="0" u="none" strike="noStrike" dirty="0">
+                        <a:solidFill>
+                          <a:srgbClr val="000000"/>
+                        </a:solidFill>
+                        <a:effectLst/>
+                        <a:latin typeface="+mn-lt"/>
+                      </a:endParaRPr>
+                    </a:p>
+                  </a:txBody>
+                  <a:tcPr marL="12700" marR="12700" marT="12700" marB="0" anchor="b"/>
+                </a:tc>
+                <a:tc>
+                  <a:txBody>
+                    <a:bodyPr/>
+                    <a:lstStyle/>
+                    <a:p>
+                      <a:pPr algn="ctr" fontAlgn="b"/>
+                      <a:r>
+                        <a:rPr lang="is-IS" sz="1200" u="none" strike="noStrike" dirty="0">
+                          <a:effectLst/>
+                          <a:latin typeface="+mn-lt"/>
+                        </a:rPr>
+                        <a:t>169.724 (52.76)</a:t>
+                      </a:r>
+                      <a:endParaRPr lang="is-IS" sz="1200" b="0" i="0" u="none" strike="noStrike" dirty="0">
+                        <a:solidFill>
+                          <a:srgbClr val="000000"/>
+                        </a:solidFill>
+                        <a:effectLst/>
+                        <a:latin typeface="+mn-lt"/>
+                      </a:endParaRPr>
+                    </a:p>
+                  </a:txBody>
+                  <a:tcPr marL="12700" marR="12700" marT="12700" marB="0" anchor="b"/>
+                </a:tc>
+                <a:tc>
+                  <a:txBody>
+                    <a:bodyPr/>
+                    <a:lstStyle/>
+                    <a:p>
+                      <a:pPr algn="ctr" fontAlgn="b"/>
+                      <a:r>
+                        <a:rPr lang="nb-NO" sz="1200" u="none" strike="noStrike" dirty="0">
+                          <a:effectLst/>
+                          <a:latin typeface="+mn-lt"/>
+                        </a:rPr>
+                        <a:t>0.0014</a:t>
+                      </a:r>
+                      <a:endParaRPr lang="nb-NO" sz="1200" b="1" i="0" u="none" strike="noStrike" dirty="0">
+                        <a:solidFill>
+                          <a:srgbClr val="000000"/>
+                        </a:solidFill>
+                        <a:effectLst/>
+                        <a:latin typeface="+mn-lt"/>
+                      </a:endParaRPr>
+                    </a:p>
+                  </a:txBody>
+                  <a:tcPr marL="12700" marR="12700" marT="12700" marB="0" anchor="b"/>
+                </a:tc>
+              </a:tr>
+              <a:tr h="418391">
+                <a:tc>
+                  <a:txBody>
+                    <a:bodyPr/>
+                    <a:lstStyle/>
+                    <a:p>
+                      <a:pPr algn="ctr" fontAlgn="b"/>
+                      <a:r>
+                        <a:rPr lang="en-US" sz="1200" u="none" strike="noStrike">
+                          <a:effectLst/>
+                          <a:latin typeface="+mn-lt"/>
+                        </a:rPr>
+                        <a:t>Hard Drugs</a:t>
+                      </a:r>
+                      <a:endParaRPr lang="en-US" sz="1200" b="0" i="0" u="none" strike="noStrike">
+                        <a:solidFill>
+                          <a:srgbClr val="000000"/>
+                        </a:solidFill>
+                        <a:effectLst/>
+                        <a:latin typeface="+mn-lt"/>
+                      </a:endParaRPr>
+                    </a:p>
+                  </a:txBody>
+                  <a:tcPr marL="12700" marR="12700" marT="12700" marB="0" anchor="b"/>
+                </a:tc>
+                <a:tc>
+                  <a:txBody>
+                    <a:bodyPr/>
+                    <a:lstStyle/>
+                    <a:p>
+                      <a:pPr algn="ctr" fontAlgn="b"/>
+                      <a:r>
+                        <a:rPr lang="is-IS" sz="1200" u="none" strike="noStrike">
+                          <a:effectLst/>
+                          <a:latin typeface="+mn-lt"/>
+                        </a:rPr>
+                        <a:t>-169.16 (29.68)</a:t>
+                      </a:r>
+                      <a:endParaRPr lang="is-IS" sz="1200" b="0" i="0" u="none" strike="noStrike">
+                        <a:solidFill>
+                          <a:srgbClr val="000000"/>
+                        </a:solidFill>
+                        <a:effectLst/>
+                        <a:latin typeface="+mn-lt"/>
+                      </a:endParaRPr>
+                    </a:p>
+                  </a:txBody>
+                  <a:tcPr marL="12700" marR="12700" marT="12700" marB="0" anchor="b"/>
+                </a:tc>
+                <a:tc>
+                  <a:txBody>
+                    <a:bodyPr/>
+                    <a:lstStyle/>
+                    <a:p>
+                      <a:pPr algn="ctr" fontAlgn="b"/>
+                      <a:r>
+                        <a:rPr lang="mr-IN" sz="1200" b="1" u="none" strike="noStrike" dirty="0">
+                          <a:effectLst/>
+                          <a:latin typeface="+mn-lt"/>
+                        </a:rPr>
+                        <a:t>&lt;.0001</a:t>
+                      </a:r>
+                      <a:endParaRPr lang="mr-IN" sz="1200" b="1" i="0" u="none" strike="noStrike" dirty="0">
+                        <a:solidFill>
+                          <a:srgbClr val="000000"/>
+                        </a:solidFill>
+                        <a:effectLst/>
+                        <a:latin typeface="+mn-lt"/>
+                      </a:endParaRPr>
+                    </a:p>
+                  </a:txBody>
+                  <a:tcPr marL="12700" marR="12700" marT="12700" marB="0" anchor="b"/>
+                </a:tc>
+                <a:tc>
+                  <a:txBody>
+                    <a:bodyPr/>
+                    <a:lstStyle/>
+                    <a:p>
+                      <a:pPr algn="ctr" fontAlgn="b"/>
+                      <a:r>
+                        <a:rPr lang="mr-IN" sz="1200" u="none" strike="noStrike" dirty="0">
+                          <a:effectLst/>
+                          <a:latin typeface="+mn-lt"/>
+                        </a:rPr>
+                        <a:t>-166.61 (31.25)</a:t>
+                      </a:r>
+                      <a:endParaRPr lang="mr-IN" sz="1200" b="0" i="0" u="none" strike="noStrike" dirty="0">
+                        <a:solidFill>
+                          <a:srgbClr val="000000"/>
+                        </a:solidFill>
+                        <a:effectLst/>
+                        <a:latin typeface="+mn-lt"/>
+                      </a:endParaRPr>
+                    </a:p>
+                  </a:txBody>
+                  <a:tcPr marL="12700" marR="12700" marT="12700" marB="0" anchor="b"/>
+                </a:tc>
+                <a:tc>
+                  <a:txBody>
+                    <a:bodyPr/>
+                    <a:lstStyle/>
+                    <a:p>
+                      <a:pPr algn="ctr" fontAlgn="b"/>
+                      <a:r>
+                        <a:rPr lang="mr-IN" sz="1200" b="1" u="none" strike="noStrike" dirty="0">
+                          <a:effectLst/>
+                          <a:latin typeface="+mn-lt"/>
+                        </a:rPr>
+                        <a:t>&lt;.0001</a:t>
+                      </a:r>
+                      <a:endParaRPr lang="mr-IN" sz="1200" b="1" i="0" u="none" strike="noStrike" dirty="0">
+                        <a:solidFill>
+                          <a:srgbClr val="000000"/>
+                        </a:solidFill>
+                        <a:effectLst/>
+                        <a:latin typeface="+mn-lt"/>
+                      </a:endParaRPr>
+                    </a:p>
+                  </a:txBody>
+                  <a:tcPr marL="12700" marR="12700" marT="12700" marB="0" anchor="b"/>
+                </a:tc>
+              </a:tr>
+            </a:tbl>
+          </a:graphicData>
+        </a:graphic>
+      </p:graphicFrame>
+      <p:graphicFrame>
+        <p:nvGraphicFramePr>
+          <p:cNvPr id="9" name="Table 8"/>
+          <p:cNvGraphicFramePr>
+            <a:graphicFrameLocks noGrp="1"/>
+          </p:cNvGraphicFramePr>
+          <p:nvPr>
+            <p:extLst>
+              <p:ext uri="{D42A27DB-BD31-4B8C-83A1-F6EECF244321}">
+                <p14:modId xmlns:p14="http://schemas.microsoft.com/office/powerpoint/2010/main" val="181149307"/>
+              </p:ext>
+            </p:extLst>
+          </p:nvPr>
+        </p:nvGraphicFramePr>
+        <p:xfrm>
+          <a:off x="161256" y="4500844"/>
+          <a:ext cx="3719485" cy="1638280"/>
+        </p:xfrm>
+        <a:graphic>
+          <a:graphicData uri="http://schemas.openxmlformats.org/drawingml/2006/table">
+            <a:tbl>
+              <a:tblPr firstRow="1" firstCol="1" bandRow="1" bandCol="1">
+                <a:tableStyleId>{72833802-FEF1-4C79-8D5D-14CF1EAF98D9}</a:tableStyleId>
+              </a:tblPr>
+              <a:tblGrid>
+                <a:gridCol w="743897"/>
+                <a:gridCol w="743897"/>
+                <a:gridCol w="743897"/>
+                <a:gridCol w="743897"/>
+                <a:gridCol w="743897"/>
+              </a:tblGrid>
+              <a:tr h="409570">
+                <a:tc gridSpan="5">
+                  <a:txBody>
+                    <a:bodyPr/>
+                    <a:lstStyle/>
+                    <a:p>
+                      <a:pPr algn="ctr" fontAlgn="b"/>
+                      <a:r>
+                        <a:rPr lang="en-US" sz="1200" u="none" strike="noStrike" dirty="0">
+                          <a:effectLst/>
+                          <a:latin typeface="+mn-lt"/>
+                        </a:rPr>
+                        <a:t>Viral </a:t>
+                      </a:r>
+                      <a:r>
+                        <a:rPr lang="en-US" sz="1200" u="none" strike="noStrike" dirty="0" smtClean="0">
+                          <a:effectLst/>
+                          <a:latin typeface="+mn-lt"/>
+                        </a:rPr>
+                        <a:t>Load (log10) </a:t>
+                      </a:r>
+                      <a:r>
+                        <a:rPr lang="en-US" sz="1200" u="none" strike="noStrike" dirty="0">
+                          <a:effectLst/>
+                          <a:latin typeface="+mn-lt"/>
+                        </a:rPr>
+                        <a:t>Change</a:t>
+                      </a:r>
+                      <a:endParaRPr lang="en-US" sz="1200" b="0" i="0" u="none" strike="noStrike" dirty="0">
+                        <a:solidFill>
+                          <a:srgbClr val="000000"/>
+                        </a:solidFill>
+                        <a:effectLst/>
+                        <a:latin typeface="+mn-lt"/>
+                      </a:endParaRPr>
+                    </a:p>
+                  </a:txBody>
+                  <a:tcPr marL="12700" marR="12700" marT="12700" marB="0" anchor="b"/>
+                </a:tc>
+                <a:tc hMerge="1">
+                  <a:txBody>
+                    <a:bodyPr/>
+                    <a:lstStyle/>
+                    <a:p>
+                      <a:endParaRPr lang="en-US"/>
+                    </a:p>
+                  </a:txBody>
+                  <a:tcPr/>
+                </a:tc>
+                <a:tc hMerge="1">
+                  <a:txBody>
+                    <a:bodyPr/>
+                    <a:lstStyle/>
+                    <a:p>
+                      <a:endParaRPr lang="en-US"/>
+                    </a:p>
+                  </a:txBody>
+                  <a:tcPr/>
+                </a:tc>
+                <a:tc hMerge="1">
+                  <a:txBody>
+                    <a:bodyPr/>
+                    <a:lstStyle/>
+                    <a:p>
+                      <a:endParaRPr lang="en-US"/>
+                    </a:p>
+                  </a:txBody>
+                  <a:tcPr/>
+                </a:tc>
+                <a:tc hMerge="1">
+                  <a:txBody>
+                    <a:bodyPr/>
+                    <a:lstStyle/>
+                    <a:p>
+                      <a:endParaRPr lang="en-US"/>
+                    </a:p>
+                  </a:txBody>
+                  <a:tcPr/>
+                </a:tc>
+              </a:tr>
+              <a:tr h="409570">
+                <a:tc>
+                  <a:txBody>
+                    <a:bodyPr/>
+                    <a:lstStyle/>
+                    <a:p>
+                      <a:pPr algn="ctr" fontAlgn="b"/>
+                      <a:r>
+                        <a:rPr lang="sk-SK" sz="1200" u="none" strike="noStrike" dirty="0">
+                          <a:effectLst/>
+                          <a:latin typeface="+mn-lt"/>
+                        </a:rPr>
+                        <a:t> </a:t>
+                      </a:r>
+                      <a:endParaRPr lang="sk-SK" sz="1200" b="0" i="0" u="none" strike="noStrike" dirty="0">
+                        <a:solidFill>
+                          <a:srgbClr val="000000"/>
+                        </a:solidFill>
+                        <a:effectLst/>
+                        <a:latin typeface="+mn-lt"/>
+                      </a:endParaRPr>
+                    </a:p>
+                  </a:txBody>
+                  <a:tcPr marL="12700" marR="12700" marT="12700" marB="0" anchor="b"/>
+                </a:tc>
+                <a:tc>
+                  <a:txBody>
+                    <a:bodyPr/>
+                    <a:lstStyle/>
+                    <a:p>
+                      <a:pPr algn="ctr" fontAlgn="b"/>
+                      <a:r>
+                        <a:rPr lang="en-US" sz="1200" u="none" strike="noStrike" dirty="0" smtClean="0">
+                          <a:effectLst/>
+                          <a:latin typeface="+mn-lt"/>
+                        </a:rPr>
+                        <a:t>Crude</a:t>
+                      </a:r>
+                      <a:endParaRPr lang="en-US" sz="1200" b="0" i="0" u="none" strike="noStrike" dirty="0">
+                        <a:solidFill>
+                          <a:srgbClr val="000000"/>
+                        </a:solidFill>
+                        <a:effectLst/>
+                        <a:latin typeface="+mn-lt"/>
+                      </a:endParaRPr>
+                    </a:p>
+                  </a:txBody>
+                  <a:tcPr marL="12700" marR="12700" marT="12700" marB="0" anchor="b"/>
+                </a:tc>
+                <a:tc>
+                  <a:txBody>
+                    <a:bodyPr/>
+                    <a:lstStyle/>
+                    <a:p>
+                      <a:pPr algn="ctr" fontAlgn="b"/>
+                      <a:r>
+                        <a:rPr lang="en-US" sz="1200" u="none" strike="noStrike">
+                          <a:effectLst/>
+                          <a:latin typeface="+mn-lt"/>
+                        </a:rPr>
+                        <a:t>P-value</a:t>
+                      </a:r>
+                      <a:endParaRPr lang="en-US" sz="1200" b="0" i="0" u="none" strike="noStrike">
+                        <a:solidFill>
+                          <a:srgbClr val="000000"/>
+                        </a:solidFill>
+                        <a:effectLst/>
+                        <a:latin typeface="+mn-lt"/>
+                      </a:endParaRPr>
+                    </a:p>
+                  </a:txBody>
+                  <a:tcPr marL="12700" marR="12700" marT="12700" marB="0" anchor="b"/>
+                </a:tc>
+                <a:tc>
+                  <a:txBody>
+                    <a:bodyPr/>
+                    <a:lstStyle/>
+                    <a:p>
+                      <a:pPr algn="ctr" fontAlgn="b"/>
+                      <a:r>
+                        <a:rPr lang="en-US" sz="1200" u="none" strike="noStrike" dirty="0" smtClean="0">
+                          <a:effectLst/>
+                          <a:latin typeface="+mn-lt"/>
+                        </a:rPr>
+                        <a:t>Adjusted</a:t>
+                      </a:r>
+                      <a:endParaRPr lang="en-US" sz="1200" b="0" i="0" u="none" strike="noStrike" dirty="0">
+                        <a:solidFill>
+                          <a:srgbClr val="000000"/>
+                        </a:solidFill>
+                        <a:effectLst/>
+                        <a:latin typeface="+mn-lt"/>
+                      </a:endParaRPr>
+                    </a:p>
+                  </a:txBody>
+                  <a:tcPr marL="12700" marR="12700" marT="12700" marB="0" anchor="b"/>
+                </a:tc>
+                <a:tc>
+                  <a:txBody>
+                    <a:bodyPr/>
+                    <a:lstStyle/>
+                    <a:p>
+                      <a:pPr algn="ctr" fontAlgn="b"/>
+                      <a:r>
+                        <a:rPr lang="en-US" sz="1200" u="none" strike="noStrike">
+                          <a:effectLst/>
+                          <a:latin typeface="+mn-lt"/>
+                        </a:rPr>
+                        <a:t>P-value</a:t>
+                      </a:r>
+                      <a:endParaRPr lang="en-US" sz="1200" b="0" i="0" u="none" strike="noStrike">
+                        <a:solidFill>
+                          <a:srgbClr val="000000"/>
+                        </a:solidFill>
+                        <a:effectLst/>
+                        <a:latin typeface="+mn-lt"/>
+                      </a:endParaRPr>
+                    </a:p>
+                  </a:txBody>
+                  <a:tcPr marL="12700" marR="12700" marT="12700" marB="0" anchor="b"/>
+                </a:tc>
+              </a:tr>
+              <a:tr h="409570">
+                <a:tc>
+                  <a:txBody>
+                    <a:bodyPr/>
+                    <a:lstStyle/>
+                    <a:p>
+                      <a:pPr algn="ctr" fontAlgn="b"/>
+                      <a:r>
+                        <a:rPr lang="en-US" sz="1200" u="none" strike="noStrike">
+                          <a:effectLst/>
+                          <a:latin typeface="+mn-lt"/>
+                        </a:rPr>
+                        <a:t>Intercept</a:t>
+                      </a:r>
+                      <a:endParaRPr lang="en-US" sz="1200" b="0" i="0" u="none" strike="noStrike">
+                        <a:solidFill>
+                          <a:srgbClr val="000000"/>
+                        </a:solidFill>
+                        <a:effectLst/>
+                        <a:latin typeface="+mn-lt"/>
+                      </a:endParaRPr>
+                    </a:p>
+                  </a:txBody>
+                  <a:tcPr marL="12700" marR="12700" marT="12700" marB="0" anchor="b"/>
+                </a:tc>
+                <a:tc>
+                  <a:txBody>
+                    <a:bodyPr/>
+                    <a:lstStyle/>
+                    <a:p>
+                      <a:pPr algn="ctr" fontAlgn="b"/>
+                      <a:r>
+                        <a:rPr lang="mr-IN" sz="1200" u="none" strike="noStrike" dirty="0">
+                          <a:effectLst/>
+                          <a:latin typeface="+mn-lt"/>
+                        </a:rPr>
+                        <a:t>-2.71 (0.06)</a:t>
+                      </a:r>
+                      <a:endParaRPr lang="mr-IN" sz="1200" b="0" i="0" u="none" strike="noStrike" dirty="0">
+                        <a:solidFill>
+                          <a:srgbClr val="000000"/>
+                        </a:solidFill>
+                        <a:effectLst/>
+                        <a:latin typeface="+mn-lt"/>
+                      </a:endParaRPr>
+                    </a:p>
+                  </a:txBody>
+                  <a:tcPr marL="12700" marR="12700" marT="12700" marB="0" anchor="b"/>
+                </a:tc>
+                <a:tc>
+                  <a:txBody>
+                    <a:bodyPr/>
+                    <a:lstStyle/>
+                    <a:p>
+                      <a:pPr algn="ctr" fontAlgn="b"/>
+                      <a:r>
+                        <a:rPr lang="mr-IN" sz="1200" u="none" strike="noStrike">
+                          <a:effectLst/>
+                          <a:latin typeface="+mn-lt"/>
+                        </a:rPr>
+                        <a:t>&lt;.0001</a:t>
+                      </a:r>
+                      <a:endParaRPr lang="mr-IN" sz="1200" b="0" i="0" u="none" strike="noStrike">
+                        <a:solidFill>
+                          <a:srgbClr val="000000"/>
+                        </a:solidFill>
+                        <a:effectLst/>
+                        <a:latin typeface="+mn-lt"/>
+                      </a:endParaRPr>
+                    </a:p>
+                  </a:txBody>
+                  <a:tcPr marL="12700" marR="12700" marT="12700" marB="0" anchor="b"/>
+                </a:tc>
+                <a:tc>
+                  <a:txBody>
+                    <a:bodyPr/>
+                    <a:lstStyle/>
+                    <a:p>
+                      <a:pPr algn="ctr" fontAlgn="b"/>
+                      <a:r>
+                        <a:rPr lang="mr-IN" sz="1200" u="none" strike="noStrike" dirty="0" smtClean="0">
+                          <a:effectLst/>
+                          <a:latin typeface="+mn-lt"/>
+                        </a:rPr>
+                        <a:t>0.3</a:t>
+                      </a:r>
+                      <a:r>
+                        <a:rPr lang="en-US" sz="1200" u="none" strike="noStrike" dirty="0" smtClean="0">
+                          <a:effectLst/>
+                          <a:latin typeface="+mn-lt"/>
+                        </a:rPr>
+                        <a:t>5</a:t>
+                      </a:r>
+                      <a:r>
+                        <a:rPr lang="mr-IN" sz="1200" u="none" strike="noStrike" dirty="0" smtClean="0">
+                          <a:effectLst/>
+                          <a:latin typeface="+mn-lt"/>
+                        </a:rPr>
+                        <a:t> </a:t>
+                      </a:r>
+                      <a:endParaRPr lang="en-US" sz="1200" u="none" strike="noStrike" dirty="0" smtClean="0">
+                        <a:effectLst/>
+                        <a:latin typeface="+mn-lt"/>
+                      </a:endParaRPr>
+                    </a:p>
+                    <a:p>
+                      <a:pPr algn="ctr" fontAlgn="b"/>
+                      <a:r>
+                        <a:rPr lang="mr-IN" sz="1200" u="none" strike="noStrike" dirty="0" smtClean="0">
+                          <a:effectLst/>
+                          <a:latin typeface="+mn-lt"/>
+                        </a:rPr>
+                        <a:t>(</a:t>
+                      </a:r>
+                      <a:r>
+                        <a:rPr lang="mr-IN" sz="1200" u="none" strike="noStrike" dirty="0">
+                          <a:effectLst/>
+                          <a:latin typeface="+mn-lt"/>
+                        </a:rPr>
+                        <a:t>.459)</a:t>
+                      </a:r>
+                      <a:endParaRPr lang="mr-IN" sz="1200" b="0" i="0" u="none" strike="noStrike" dirty="0">
+                        <a:solidFill>
+                          <a:srgbClr val="000000"/>
+                        </a:solidFill>
+                        <a:effectLst/>
+                        <a:latin typeface="+mn-lt"/>
+                      </a:endParaRPr>
+                    </a:p>
+                  </a:txBody>
+                  <a:tcPr marL="12700" marR="12700" marT="12700" marB="0" anchor="b"/>
+                </a:tc>
+                <a:tc>
+                  <a:txBody>
+                    <a:bodyPr/>
+                    <a:lstStyle/>
+                    <a:p>
+                      <a:pPr algn="ctr" fontAlgn="b"/>
+                      <a:r>
+                        <a:rPr lang="nb-NO" sz="1200" u="none" strike="noStrike" dirty="0">
+                          <a:effectLst/>
+                          <a:latin typeface="+mn-lt"/>
+                        </a:rPr>
+                        <a:t>0.4483</a:t>
+                      </a:r>
+                      <a:endParaRPr lang="nb-NO" sz="1200" b="0" i="0" u="none" strike="noStrike" dirty="0">
+                        <a:solidFill>
+                          <a:srgbClr val="000000"/>
+                        </a:solidFill>
+                        <a:effectLst/>
+                        <a:latin typeface="+mn-lt"/>
+                      </a:endParaRPr>
+                    </a:p>
+                  </a:txBody>
+                  <a:tcPr marL="12700" marR="12700" marT="12700" marB="0" anchor="b"/>
+                </a:tc>
+              </a:tr>
+              <a:tr h="409570">
+                <a:tc>
+                  <a:txBody>
+                    <a:bodyPr/>
+                    <a:lstStyle/>
+                    <a:p>
+                      <a:pPr algn="ctr" fontAlgn="b"/>
+                      <a:r>
+                        <a:rPr lang="en-US" sz="1200" u="none" strike="noStrike">
+                          <a:effectLst/>
+                          <a:latin typeface="+mn-lt"/>
+                        </a:rPr>
+                        <a:t>Hard Drugs</a:t>
+                      </a:r>
+                      <a:endParaRPr lang="en-US" sz="1200" b="0" i="0" u="none" strike="noStrike">
+                        <a:solidFill>
+                          <a:srgbClr val="000000"/>
+                        </a:solidFill>
+                        <a:effectLst/>
+                        <a:latin typeface="+mn-lt"/>
+                      </a:endParaRPr>
+                    </a:p>
+                  </a:txBody>
+                  <a:tcPr marL="12700" marR="12700" marT="12700" marB="0" anchor="b"/>
+                </a:tc>
+                <a:tc>
+                  <a:txBody>
+                    <a:bodyPr/>
+                    <a:lstStyle/>
+                    <a:p>
+                      <a:pPr algn="ctr" fontAlgn="b"/>
+                      <a:r>
+                        <a:rPr lang="mr-IN" sz="1200" u="none" strike="noStrike" dirty="0">
+                          <a:effectLst/>
+                          <a:latin typeface="+mn-lt"/>
+                        </a:rPr>
+                        <a:t>0.01 (0.21)</a:t>
+                      </a:r>
+                      <a:endParaRPr lang="mr-IN" sz="1200" b="0" i="0" u="none" strike="noStrike" dirty="0">
+                        <a:solidFill>
+                          <a:srgbClr val="000000"/>
+                        </a:solidFill>
+                        <a:effectLst/>
+                        <a:latin typeface="+mn-lt"/>
+                      </a:endParaRPr>
+                    </a:p>
+                  </a:txBody>
+                  <a:tcPr marL="12700" marR="12700" marT="12700" marB="0" anchor="b"/>
+                </a:tc>
+                <a:tc>
+                  <a:txBody>
+                    <a:bodyPr/>
+                    <a:lstStyle/>
+                    <a:p>
+                      <a:pPr algn="ctr" fontAlgn="b"/>
+                      <a:r>
+                        <a:rPr lang="it-IT" sz="1200" u="none" strike="noStrike" dirty="0">
+                          <a:effectLst/>
+                          <a:latin typeface="+mn-lt"/>
+                        </a:rPr>
+                        <a:t>0.9446</a:t>
+                      </a:r>
+                      <a:endParaRPr lang="it-IT" sz="1200" b="0" i="0" u="none" strike="noStrike" dirty="0">
+                        <a:solidFill>
+                          <a:srgbClr val="000000"/>
+                        </a:solidFill>
+                        <a:effectLst/>
+                        <a:latin typeface="+mn-lt"/>
+                      </a:endParaRPr>
+                    </a:p>
+                  </a:txBody>
+                  <a:tcPr marL="12700" marR="12700" marT="12700" marB="0" anchor="b"/>
+                </a:tc>
+                <a:tc>
+                  <a:txBody>
+                    <a:bodyPr/>
+                    <a:lstStyle/>
+                    <a:p>
+                      <a:pPr algn="ctr" fontAlgn="b"/>
+                      <a:r>
+                        <a:rPr lang="mr-IN" sz="1200" u="none" strike="noStrike" dirty="0">
+                          <a:effectLst/>
+                          <a:latin typeface="+mn-lt"/>
+                        </a:rPr>
+                        <a:t>-</a:t>
+                      </a:r>
+                      <a:r>
+                        <a:rPr lang="mr-IN" sz="1200" u="none" strike="noStrike" dirty="0" smtClean="0">
+                          <a:effectLst/>
+                          <a:latin typeface="+mn-lt"/>
+                        </a:rPr>
+                        <a:t>0.01</a:t>
+                      </a:r>
+                      <a:endParaRPr lang="en-US" sz="1200" u="none" strike="noStrike" dirty="0" smtClean="0">
+                        <a:effectLst/>
+                        <a:latin typeface="+mn-lt"/>
+                      </a:endParaRPr>
+                    </a:p>
+                    <a:p>
+                      <a:pPr algn="ctr" fontAlgn="b"/>
+                      <a:r>
+                        <a:rPr lang="mr-IN" sz="1200" u="none" strike="noStrike" dirty="0" smtClean="0">
+                          <a:effectLst/>
+                          <a:latin typeface="+mn-lt"/>
+                        </a:rPr>
+                        <a:t> </a:t>
+                      </a:r>
+                      <a:r>
+                        <a:rPr lang="mr-IN" sz="1200" u="none" strike="noStrike" dirty="0">
+                          <a:effectLst/>
+                          <a:latin typeface="+mn-lt"/>
+                        </a:rPr>
+                        <a:t>(0.2)</a:t>
+                      </a:r>
+                      <a:endParaRPr lang="mr-IN" sz="1200" b="0" i="0" u="none" strike="noStrike" dirty="0">
+                        <a:solidFill>
+                          <a:srgbClr val="000000"/>
+                        </a:solidFill>
+                        <a:effectLst/>
+                        <a:latin typeface="+mn-lt"/>
+                      </a:endParaRPr>
+                    </a:p>
+                  </a:txBody>
+                  <a:tcPr marL="12700" marR="12700" marT="12700" marB="0" anchor="b"/>
+                </a:tc>
+                <a:tc>
+                  <a:txBody>
+                    <a:bodyPr/>
+                    <a:lstStyle/>
+                    <a:p>
+                      <a:pPr algn="ctr" fontAlgn="b"/>
+                      <a:r>
+                        <a:rPr lang="nb-NO" sz="1200" u="none" strike="noStrike" dirty="0">
+                          <a:effectLst/>
+                          <a:latin typeface="+mn-lt"/>
+                        </a:rPr>
+                        <a:t>0.9519</a:t>
+                      </a:r>
+                      <a:endParaRPr lang="nb-NO" sz="1200" b="0" i="0" u="none" strike="noStrike" dirty="0">
+                        <a:solidFill>
+                          <a:srgbClr val="000000"/>
+                        </a:solidFill>
+                        <a:effectLst/>
+                        <a:latin typeface="+mn-lt"/>
+                      </a:endParaRPr>
+                    </a:p>
+                  </a:txBody>
+                  <a:tcPr marL="12700" marR="12700" marT="12700" marB="0" anchor="b"/>
+                </a:tc>
+              </a:tr>
+            </a:tbl>
+          </a:graphicData>
+        </a:graphic>
+      </p:graphicFrame>
     </p:spTree>
     <p:extLst>
       <p:ext uri="{BB962C8B-B14F-4D97-AF65-F5344CB8AC3E}">
-        <p14:creationId xmlns:p14="http://schemas.microsoft.com/office/powerpoint/2010/main" val="1676403821"/>
+        <p14:creationId xmlns:p14="http://schemas.microsoft.com/office/powerpoint/2010/main" val="3099093747"/>
       </p:ext>
     </p:extLst>
   </p:cSld>
@@ -5634,7 +13019,1112 @@
         <p:spPr>
           <a:xfrm>
             <a:off x="457199" y="152718"/>
-            <a:ext cx="8186273" cy="1371600"/>
+            <a:ext cx="8345031" cy="764622"/>
+          </a:xfrm>
+        </p:spPr>
+        <p:txBody>
+          <a:bodyPr>
+            <a:normAutofit fontScale="90000"/>
+          </a:bodyPr>
+          <a:lstStyle/>
+          <a:p>
+            <a:r>
+              <a:rPr lang="en-US" dirty="0" smtClean="0"/>
+              <a:t>Quality of life Delta outcomes</a:t>
+            </a:r>
+            <a:endParaRPr lang="en-US" dirty="0"/>
+          </a:p>
+        </p:txBody>
+      </p:sp>
+      <p:graphicFrame>
+        <p:nvGraphicFramePr>
+          <p:cNvPr id="7" name="Chart 6"/>
+          <p:cNvGraphicFramePr>
+            <a:graphicFrameLocks/>
+          </p:cNvGraphicFramePr>
+          <p:nvPr>
+            <p:extLst>
+              <p:ext uri="{D42A27DB-BD31-4B8C-83A1-F6EECF244321}">
+                <p14:modId xmlns:p14="http://schemas.microsoft.com/office/powerpoint/2010/main" val="3476239329"/>
+              </p:ext>
+            </p:extLst>
+          </p:nvPr>
+        </p:nvGraphicFramePr>
+        <p:xfrm>
+          <a:off x="152400" y="1076600"/>
+          <a:ext cx="4328093" cy="2892659"/>
+        </p:xfrm>
+        <a:graphic>
+          <a:graphicData uri="http://schemas.openxmlformats.org/drawingml/2006/chart">
+            <c:chart xmlns:c="http://schemas.openxmlformats.org/drawingml/2006/chart" xmlns:r="http://schemas.openxmlformats.org/officeDocument/2006/relationships" r:id="rId2"/>
+          </a:graphicData>
+        </a:graphic>
+      </p:graphicFrame>
+      <p:graphicFrame>
+        <p:nvGraphicFramePr>
+          <p:cNvPr id="8" name="Chart 7"/>
+          <p:cNvGraphicFramePr>
+            <a:graphicFrameLocks/>
+          </p:cNvGraphicFramePr>
+          <p:nvPr>
+            <p:extLst>
+              <p:ext uri="{D42A27DB-BD31-4B8C-83A1-F6EECF244321}">
+                <p14:modId xmlns:p14="http://schemas.microsoft.com/office/powerpoint/2010/main" val="1297835220"/>
+              </p:ext>
+            </p:extLst>
+          </p:nvPr>
+        </p:nvGraphicFramePr>
+        <p:xfrm>
+          <a:off x="4480493" y="3819800"/>
+          <a:ext cx="4516031" cy="3038199"/>
+        </p:xfrm>
+        <a:graphic>
+          <a:graphicData uri="http://schemas.openxmlformats.org/drawingml/2006/chart">
+            <c:chart xmlns:c="http://schemas.openxmlformats.org/drawingml/2006/chart" xmlns:r="http://schemas.openxmlformats.org/officeDocument/2006/relationships" r:id="rId3"/>
+          </a:graphicData>
+        </a:graphic>
+      </p:graphicFrame>
+      <p:graphicFrame>
+        <p:nvGraphicFramePr>
+          <p:cNvPr id="3" name="Table 2"/>
+          <p:cNvGraphicFramePr>
+            <a:graphicFrameLocks noGrp="1"/>
+          </p:cNvGraphicFramePr>
+          <p:nvPr>
+            <p:extLst>
+              <p:ext uri="{D42A27DB-BD31-4B8C-83A1-F6EECF244321}">
+                <p14:modId xmlns:p14="http://schemas.microsoft.com/office/powerpoint/2010/main" val="1484469475"/>
+              </p:ext>
+            </p:extLst>
+          </p:nvPr>
+        </p:nvGraphicFramePr>
+        <p:xfrm>
+          <a:off x="4780369" y="1431282"/>
+          <a:ext cx="4021860" cy="1655920"/>
+        </p:xfrm>
+        <a:graphic>
+          <a:graphicData uri="http://schemas.openxmlformats.org/drawingml/2006/table">
+            <a:tbl>
+              <a:tblPr firstRow="1" firstCol="1" bandRow="1" bandCol="1">
+                <a:tableStyleId>{72833802-FEF1-4C79-8D5D-14CF1EAF98D9}</a:tableStyleId>
+              </a:tblPr>
+              <a:tblGrid>
+                <a:gridCol w="740869"/>
+                <a:gridCol w="970186"/>
+                <a:gridCol w="652671"/>
+                <a:gridCol w="1111303"/>
+                <a:gridCol w="546831"/>
+              </a:tblGrid>
+              <a:tr h="413980">
+                <a:tc gridSpan="5">
+                  <a:txBody>
+                    <a:bodyPr/>
+                    <a:lstStyle/>
+                    <a:p>
+                      <a:pPr algn="ctr" fontAlgn="b"/>
+                      <a:r>
+                        <a:rPr lang="en-US" sz="1200" u="none" strike="noStrike" dirty="0">
+                          <a:effectLst/>
+                          <a:latin typeface="+mn-lt"/>
+                        </a:rPr>
+                        <a:t>Aggregate Physical Health </a:t>
+                      </a:r>
+                      <a:r>
+                        <a:rPr lang="en-US" sz="1200" u="none" strike="noStrike" dirty="0" smtClean="0">
+                          <a:effectLst/>
+                          <a:latin typeface="+mn-lt"/>
+                        </a:rPr>
+                        <a:t>Change </a:t>
+                      </a:r>
+                      <a:endParaRPr lang="en-US" sz="1200" b="0" i="0" u="none" strike="noStrike" dirty="0">
+                        <a:solidFill>
+                          <a:srgbClr val="000000"/>
+                        </a:solidFill>
+                        <a:effectLst/>
+                        <a:latin typeface="+mn-lt"/>
+                      </a:endParaRPr>
+                    </a:p>
+                  </a:txBody>
+                  <a:tcPr marL="12700" marR="12700" marT="12700" marB="0" anchor="b"/>
+                </a:tc>
+                <a:tc hMerge="1">
+                  <a:txBody>
+                    <a:bodyPr/>
+                    <a:lstStyle/>
+                    <a:p>
+                      <a:endParaRPr lang="en-US"/>
+                    </a:p>
+                  </a:txBody>
+                  <a:tcPr/>
+                </a:tc>
+                <a:tc hMerge="1">
+                  <a:txBody>
+                    <a:bodyPr/>
+                    <a:lstStyle/>
+                    <a:p>
+                      <a:endParaRPr lang="en-US"/>
+                    </a:p>
+                  </a:txBody>
+                  <a:tcPr/>
+                </a:tc>
+                <a:tc hMerge="1">
+                  <a:txBody>
+                    <a:bodyPr/>
+                    <a:lstStyle/>
+                    <a:p>
+                      <a:endParaRPr lang="en-US"/>
+                    </a:p>
+                  </a:txBody>
+                  <a:tcPr/>
+                </a:tc>
+                <a:tc hMerge="1">
+                  <a:txBody>
+                    <a:bodyPr/>
+                    <a:lstStyle/>
+                    <a:p>
+                      <a:endParaRPr lang="en-US"/>
+                    </a:p>
+                  </a:txBody>
+                  <a:tcPr/>
+                </a:tc>
+              </a:tr>
+              <a:tr h="413980">
+                <a:tc>
+                  <a:txBody>
+                    <a:bodyPr/>
+                    <a:lstStyle/>
+                    <a:p>
+                      <a:pPr algn="ctr" fontAlgn="b"/>
+                      <a:r>
+                        <a:rPr lang="sk-SK" sz="1200" u="none" strike="noStrike">
+                          <a:effectLst/>
+                          <a:latin typeface="+mn-lt"/>
+                        </a:rPr>
+                        <a:t> </a:t>
+                      </a:r>
+                      <a:endParaRPr lang="sk-SK" sz="1200" b="0" i="0" u="none" strike="noStrike">
+                        <a:solidFill>
+                          <a:srgbClr val="000000"/>
+                        </a:solidFill>
+                        <a:effectLst/>
+                        <a:latin typeface="+mn-lt"/>
+                      </a:endParaRPr>
+                    </a:p>
+                  </a:txBody>
+                  <a:tcPr marL="12700" marR="12700" marT="12700" marB="0" anchor="b"/>
+                </a:tc>
+                <a:tc>
+                  <a:txBody>
+                    <a:bodyPr/>
+                    <a:lstStyle/>
+                    <a:p>
+                      <a:pPr algn="ctr" fontAlgn="b"/>
+                      <a:r>
+                        <a:rPr lang="en-US" sz="1200" u="none" strike="noStrike" dirty="0" smtClean="0">
+                          <a:effectLst/>
+                          <a:latin typeface="+mn-lt"/>
+                        </a:rPr>
+                        <a:t>Crude</a:t>
+                      </a:r>
+                      <a:endParaRPr lang="en-US" sz="1200" b="0" i="0" u="none" strike="noStrike" dirty="0">
+                        <a:solidFill>
+                          <a:srgbClr val="000000"/>
+                        </a:solidFill>
+                        <a:effectLst/>
+                        <a:latin typeface="+mn-lt"/>
+                      </a:endParaRPr>
+                    </a:p>
+                  </a:txBody>
+                  <a:tcPr marL="12700" marR="12700" marT="12700" marB="0" anchor="b"/>
+                </a:tc>
+                <a:tc>
+                  <a:txBody>
+                    <a:bodyPr/>
+                    <a:lstStyle/>
+                    <a:p>
+                      <a:pPr algn="ctr" fontAlgn="b"/>
+                      <a:r>
+                        <a:rPr lang="en-US" sz="1200" u="none" strike="noStrike">
+                          <a:effectLst/>
+                          <a:latin typeface="+mn-lt"/>
+                        </a:rPr>
+                        <a:t>P-value</a:t>
+                      </a:r>
+                      <a:endParaRPr lang="en-US" sz="1200" b="0" i="0" u="none" strike="noStrike">
+                        <a:solidFill>
+                          <a:srgbClr val="000000"/>
+                        </a:solidFill>
+                        <a:effectLst/>
+                        <a:latin typeface="+mn-lt"/>
+                      </a:endParaRPr>
+                    </a:p>
+                  </a:txBody>
+                  <a:tcPr marL="12700" marR="12700" marT="12700" marB="0" anchor="b"/>
+                </a:tc>
+                <a:tc>
+                  <a:txBody>
+                    <a:bodyPr/>
+                    <a:lstStyle/>
+                    <a:p>
+                      <a:pPr algn="ctr" fontAlgn="b"/>
+                      <a:r>
+                        <a:rPr lang="en-US" sz="1200" u="none" strike="noStrike" dirty="0" smtClean="0">
+                          <a:effectLst/>
+                          <a:latin typeface="+mn-lt"/>
+                        </a:rPr>
+                        <a:t>Adjusted</a:t>
+                      </a:r>
+                      <a:endParaRPr lang="en-US" sz="1200" b="0" i="0" u="none" strike="noStrike" dirty="0">
+                        <a:solidFill>
+                          <a:srgbClr val="000000"/>
+                        </a:solidFill>
+                        <a:effectLst/>
+                        <a:latin typeface="+mn-lt"/>
+                      </a:endParaRPr>
+                    </a:p>
+                  </a:txBody>
+                  <a:tcPr marL="12700" marR="12700" marT="12700" marB="0" anchor="b"/>
+                </a:tc>
+                <a:tc>
+                  <a:txBody>
+                    <a:bodyPr/>
+                    <a:lstStyle/>
+                    <a:p>
+                      <a:pPr algn="ctr" fontAlgn="b"/>
+                      <a:r>
+                        <a:rPr lang="en-US" sz="1200" u="none" strike="noStrike">
+                          <a:effectLst/>
+                          <a:latin typeface="+mn-lt"/>
+                        </a:rPr>
+                        <a:t>P-value</a:t>
+                      </a:r>
+                      <a:endParaRPr lang="en-US" sz="1200" b="0" i="0" u="none" strike="noStrike">
+                        <a:solidFill>
+                          <a:srgbClr val="000000"/>
+                        </a:solidFill>
+                        <a:effectLst/>
+                        <a:latin typeface="+mn-lt"/>
+                      </a:endParaRPr>
+                    </a:p>
+                  </a:txBody>
+                  <a:tcPr marL="12700" marR="12700" marT="12700" marB="0" anchor="b"/>
+                </a:tc>
+              </a:tr>
+              <a:tr h="413980">
+                <a:tc>
+                  <a:txBody>
+                    <a:bodyPr/>
+                    <a:lstStyle/>
+                    <a:p>
+                      <a:pPr algn="ctr" fontAlgn="b"/>
+                      <a:r>
+                        <a:rPr lang="en-US" sz="1200" u="none" strike="noStrike">
+                          <a:effectLst/>
+                          <a:latin typeface="+mn-lt"/>
+                        </a:rPr>
+                        <a:t>Intercept</a:t>
+                      </a:r>
+                      <a:endParaRPr lang="en-US" sz="1200" b="0" i="0" u="none" strike="noStrike">
+                        <a:solidFill>
+                          <a:srgbClr val="000000"/>
+                        </a:solidFill>
+                        <a:effectLst/>
+                        <a:latin typeface="+mn-lt"/>
+                      </a:endParaRPr>
+                    </a:p>
+                  </a:txBody>
+                  <a:tcPr marL="12700" marR="12700" marT="12700" marB="0" anchor="b"/>
+                </a:tc>
+                <a:tc>
+                  <a:txBody>
+                    <a:bodyPr/>
+                    <a:lstStyle/>
+                    <a:p>
+                      <a:pPr algn="ctr" fontAlgn="b"/>
+                      <a:r>
+                        <a:rPr lang="mr-IN" sz="1200" u="none" strike="noStrike">
+                          <a:effectLst/>
+                          <a:latin typeface="+mn-lt"/>
+                        </a:rPr>
+                        <a:t>-1.43 (0.4)</a:t>
+                      </a:r>
+                      <a:endParaRPr lang="mr-IN" sz="1200" b="0" i="0" u="none" strike="noStrike">
+                        <a:solidFill>
+                          <a:srgbClr val="000000"/>
+                        </a:solidFill>
+                        <a:effectLst/>
+                        <a:latin typeface="+mn-lt"/>
+                      </a:endParaRPr>
+                    </a:p>
+                  </a:txBody>
+                  <a:tcPr marL="12700" marR="12700" marT="12700" marB="0" anchor="b"/>
+                </a:tc>
+                <a:tc>
+                  <a:txBody>
+                    <a:bodyPr/>
+                    <a:lstStyle/>
+                    <a:p>
+                      <a:pPr algn="ctr" fontAlgn="b"/>
+                      <a:r>
+                        <a:rPr lang="nb-NO" sz="1200" u="none" strike="noStrike">
+                          <a:effectLst/>
+                          <a:latin typeface="+mn-lt"/>
+                        </a:rPr>
+                        <a:t>0.0003</a:t>
+                      </a:r>
+                      <a:endParaRPr lang="nb-NO" sz="1200" b="0" i="0" u="none" strike="noStrike">
+                        <a:solidFill>
+                          <a:srgbClr val="000000"/>
+                        </a:solidFill>
+                        <a:effectLst/>
+                        <a:latin typeface="+mn-lt"/>
+                      </a:endParaRPr>
+                    </a:p>
+                  </a:txBody>
+                  <a:tcPr marL="12700" marR="12700" marT="12700" marB="0" anchor="b"/>
+                </a:tc>
+                <a:tc>
+                  <a:txBody>
+                    <a:bodyPr/>
+                    <a:lstStyle/>
+                    <a:p>
+                      <a:pPr algn="ctr" fontAlgn="b"/>
+                      <a:r>
+                        <a:rPr lang="mr-IN" sz="1200" u="none" strike="noStrike" dirty="0" smtClean="0">
+                          <a:effectLst/>
+                          <a:latin typeface="+mn-lt"/>
+                        </a:rPr>
+                        <a:t>16.71 </a:t>
+                      </a:r>
+                      <a:r>
+                        <a:rPr lang="mr-IN" sz="1200" u="none" strike="noStrike" dirty="0">
+                          <a:effectLst/>
+                          <a:latin typeface="+mn-lt"/>
+                        </a:rPr>
+                        <a:t>(3.69)</a:t>
+                      </a:r>
+                      <a:endParaRPr lang="mr-IN" sz="1200" b="0" i="0" u="none" strike="noStrike" dirty="0">
+                        <a:solidFill>
+                          <a:srgbClr val="000000"/>
+                        </a:solidFill>
+                        <a:effectLst/>
+                        <a:latin typeface="+mn-lt"/>
+                      </a:endParaRPr>
+                    </a:p>
+                  </a:txBody>
+                  <a:tcPr marL="12700" marR="12700" marT="12700" marB="0" anchor="b"/>
+                </a:tc>
+                <a:tc>
+                  <a:txBody>
+                    <a:bodyPr/>
+                    <a:lstStyle/>
+                    <a:p>
+                      <a:pPr algn="ctr" fontAlgn="b"/>
+                      <a:r>
+                        <a:rPr lang="mr-IN" sz="1200" u="none" strike="noStrike" dirty="0">
+                          <a:effectLst/>
+                          <a:latin typeface="+mn-lt"/>
+                        </a:rPr>
+                        <a:t>&lt;.</a:t>
+                      </a:r>
+                      <a:r>
+                        <a:rPr lang="mr-IN" sz="1200" b="1" u="none" strike="noStrike" dirty="0">
+                          <a:effectLst/>
+                          <a:latin typeface="+mn-lt"/>
+                        </a:rPr>
+                        <a:t>0001</a:t>
+                      </a:r>
+                      <a:endParaRPr lang="mr-IN" sz="1200" b="1" i="0" u="none" strike="noStrike" dirty="0">
+                        <a:solidFill>
+                          <a:srgbClr val="000000"/>
+                        </a:solidFill>
+                        <a:effectLst/>
+                        <a:latin typeface="+mn-lt"/>
+                      </a:endParaRPr>
+                    </a:p>
+                  </a:txBody>
+                  <a:tcPr marL="12700" marR="12700" marT="12700" marB="0" anchor="b"/>
+                </a:tc>
+              </a:tr>
+              <a:tr h="413980">
+                <a:tc>
+                  <a:txBody>
+                    <a:bodyPr/>
+                    <a:lstStyle/>
+                    <a:p>
+                      <a:pPr algn="ctr" fontAlgn="b"/>
+                      <a:r>
+                        <a:rPr lang="en-US" sz="1200" u="none" strike="noStrike">
+                          <a:effectLst/>
+                          <a:latin typeface="+mn-lt"/>
+                        </a:rPr>
+                        <a:t>Hard Drugs</a:t>
+                      </a:r>
+                      <a:endParaRPr lang="en-US" sz="1200" b="0" i="0" u="none" strike="noStrike">
+                        <a:solidFill>
+                          <a:srgbClr val="000000"/>
+                        </a:solidFill>
+                        <a:effectLst/>
+                        <a:latin typeface="+mn-lt"/>
+                      </a:endParaRPr>
+                    </a:p>
+                  </a:txBody>
+                  <a:tcPr marL="12700" marR="12700" marT="12700" marB="0" anchor="b"/>
+                </a:tc>
+                <a:tc>
+                  <a:txBody>
+                    <a:bodyPr/>
+                    <a:lstStyle/>
+                    <a:p>
+                      <a:pPr algn="ctr" fontAlgn="b"/>
+                      <a:r>
+                        <a:rPr lang="mr-IN" sz="1200" u="none" strike="noStrike">
+                          <a:effectLst/>
+                          <a:latin typeface="+mn-lt"/>
+                        </a:rPr>
+                        <a:t>-2.43(1.41)</a:t>
+                      </a:r>
+                      <a:endParaRPr lang="mr-IN" sz="1200" b="0" i="0" u="none" strike="noStrike">
+                        <a:solidFill>
+                          <a:srgbClr val="000000"/>
+                        </a:solidFill>
+                        <a:effectLst/>
+                        <a:latin typeface="+mn-lt"/>
+                      </a:endParaRPr>
+                    </a:p>
+                  </a:txBody>
+                  <a:tcPr marL="12700" marR="12700" marT="12700" marB="0" anchor="b"/>
+                </a:tc>
+                <a:tc>
+                  <a:txBody>
+                    <a:bodyPr/>
+                    <a:lstStyle/>
+                    <a:p>
+                      <a:pPr algn="ctr" fontAlgn="b"/>
+                      <a:r>
+                        <a:rPr lang="nb-NO" sz="1200" u="none" strike="noStrike">
+                          <a:effectLst/>
+                          <a:latin typeface="+mn-lt"/>
+                        </a:rPr>
+                        <a:t>0.0851</a:t>
+                      </a:r>
+                      <a:endParaRPr lang="nb-NO" sz="1200" b="0" i="0" u="none" strike="noStrike">
+                        <a:solidFill>
+                          <a:srgbClr val="000000"/>
+                        </a:solidFill>
+                        <a:effectLst/>
+                        <a:latin typeface="+mn-lt"/>
+                      </a:endParaRPr>
+                    </a:p>
+                  </a:txBody>
+                  <a:tcPr marL="12700" marR="12700" marT="12700" marB="0" anchor="b"/>
+                </a:tc>
+                <a:tc>
+                  <a:txBody>
+                    <a:bodyPr/>
+                    <a:lstStyle/>
+                    <a:p>
+                      <a:pPr algn="ctr" fontAlgn="b"/>
+                      <a:r>
+                        <a:rPr lang="mr-IN" sz="1200" u="none" strike="noStrike" dirty="0">
+                          <a:effectLst/>
+                          <a:latin typeface="+mn-lt"/>
+                        </a:rPr>
+                        <a:t>-</a:t>
+                      </a:r>
+                      <a:r>
+                        <a:rPr lang="mr-IN" sz="1200" u="none" strike="noStrike" dirty="0" smtClean="0">
+                          <a:effectLst/>
+                          <a:latin typeface="+mn-lt"/>
+                        </a:rPr>
+                        <a:t>3.2</a:t>
+                      </a:r>
+                      <a:r>
+                        <a:rPr lang="en-US" sz="1200" u="none" strike="noStrike" dirty="0" smtClean="0">
+                          <a:effectLst/>
+                          <a:latin typeface="+mn-lt"/>
+                        </a:rPr>
+                        <a:t>2</a:t>
+                      </a:r>
+                      <a:r>
+                        <a:rPr lang="mr-IN" sz="1200" u="none" strike="noStrike" dirty="0" smtClean="0">
+                          <a:effectLst/>
+                          <a:latin typeface="+mn-lt"/>
+                        </a:rPr>
+                        <a:t> </a:t>
+                      </a:r>
+                      <a:r>
+                        <a:rPr lang="mr-IN" sz="1200" u="none" strike="noStrike" dirty="0">
+                          <a:effectLst/>
+                          <a:latin typeface="+mn-lt"/>
+                        </a:rPr>
+                        <a:t>(1.4)</a:t>
+                      </a:r>
+                      <a:endParaRPr lang="mr-IN" sz="1200" b="0" i="0" u="none" strike="noStrike" dirty="0">
+                        <a:solidFill>
+                          <a:srgbClr val="000000"/>
+                        </a:solidFill>
+                        <a:effectLst/>
+                        <a:latin typeface="+mn-lt"/>
+                      </a:endParaRPr>
+                    </a:p>
+                  </a:txBody>
+                  <a:tcPr marL="12700" marR="12700" marT="12700" marB="0" anchor="b"/>
+                </a:tc>
+                <a:tc>
+                  <a:txBody>
+                    <a:bodyPr/>
+                    <a:lstStyle/>
+                    <a:p>
+                      <a:pPr algn="ctr" fontAlgn="b"/>
+                      <a:r>
+                        <a:rPr lang="is-IS" sz="1200" b="1" u="none" strike="noStrike" dirty="0">
+                          <a:effectLst/>
+                          <a:latin typeface="+mn-lt"/>
+                        </a:rPr>
+                        <a:t>0.0218</a:t>
+                      </a:r>
+                      <a:endParaRPr lang="is-IS" sz="1200" b="1" i="0" u="none" strike="noStrike" dirty="0">
+                        <a:solidFill>
+                          <a:srgbClr val="000000"/>
+                        </a:solidFill>
+                        <a:effectLst/>
+                        <a:latin typeface="+mn-lt"/>
+                      </a:endParaRPr>
+                    </a:p>
+                  </a:txBody>
+                  <a:tcPr marL="12700" marR="12700" marT="12700" marB="0" anchor="b"/>
+                </a:tc>
+              </a:tr>
+            </a:tbl>
+          </a:graphicData>
+        </a:graphic>
+      </p:graphicFrame>
+      <p:graphicFrame>
+        <p:nvGraphicFramePr>
+          <p:cNvPr id="4" name="Table 3"/>
+          <p:cNvGraphicFramePr>
+            <a:graphicFrameLocks noGrp="1"/>
+          </p:cNvGraphicFramePr>
+          <p:nvPr>
+            <p:extLst>
+              <p:ext uri="{D42A27DB-BD31-4B8C-83A1-F6EECF244321}">
+                <p14:modId xmlns:p14="http://schemas.microsoft.com/office/powerpoint/2010/main" val="73152238"/>
+              </p:ext>
+            </p:extLst>
+          </p:nvPr>
+        </p:nvGraphicFramePr>
+        <p:xfrm>
+          <a:off x="152400" y="4523605"/>
+          <a:ext cx="4297099" cy="1633158"/>
+        </p:xfrm>
+        <a:graphic>
+          <a:graphicData uri="http://schemas.openxmlformats.org/drawingml/2006/table">
+            <a:tbl>
+              <a:tblPr firstRow="1" firstCol="1" bandRow="1" bandCol="1">
+                <a:tableStyleId>{72833802-FEF1-4C79-8D5D-14CF1EAF98D9}</a:tableStyleId>
+              </a:tblPr>
+              <a:tblGrid>
+                <a:gridCol w="800146"/>
+                <a:gridCol w="920476"/>
+                <a:gridCol w="737659"/>
+                <a:gridCol w="1170182"/>
+                <a:gridCol w="668636"/>
+              </a:tblGrid>
+              <a:tr h="351533">
+                <a:tc gridSpan="5">
+                  <a:txBody>
+                    <a:bodyPr/>
+                    <a:lstStyle/>
+                    <a:p>
+                      <a:pPr algn="ctr" fontAlgn="b"/>
+                      <a:r>
+                        <a:rPr lang="en-US" sz="1200" u="none" strike="noStrike">
+                          <a:effectLst/>
+                          <a:latin typeface="+mn-lt"/>
+                        </a:rPr>
+                        <a:t>Aggregate Mental Health Change</a:t>
+                      </a:r>
+                      <a:endParaRPr lang="en-US" sz="1200" b="0" i="0" u="none" strike="noStrike">
+                        <a:solidFill>
+                          <a:srgbClr val="000000"/>
+                        </a:solidFill>
+                        <a:effectLst/>
+                        <a:latin typeface="+mn-lt"/>
+                      </a:endParaRPr>
+                    </a:p>
+                  </a:txBody>
+                  <a:tcPr marL="12700" marR="12700" marT="12700" marB="0" anchor="b"/>
+                </a:tc>
+                <a:tc hMerge="1">
+                  <a:txBody>
+                    <a:bodyPr/>
+                    <a:lstStyle/>
+                    <a:p>
+                      <a:endParaRPr lang="en-US"/>
+                    </a:p>
+                  </a:txBody>
+                  <a:tcPr/>
+                </a:tc>
+                <a:tc hMerge="1">
+                  <a:txBody>
+                    <a:bodyPr/>
+                    <a:lstStyle/>
+                    <a:p>
+                      <a:endParaRPr lang="en-US"/>
+                    </a:p>
+                  </a:txBody>
+                  <a:tcPr/>
+                </a:tc>
+                <a:tc hMerge="1">
+                  <a:txBody>
+                    <a:bodyPr/>
+                    <a:lstStyle/>
+                    <a:p>
+                      <a:endParaRPr lang="en-US"/>
+                    </a:p>
+                  </a:txBody>
+                  <a:tcPr/>
+                </a:tc>
+                <a:tc hMerge="1">
+                  <a:txBody>
+                    <a:bodyPr/>
+                    <a:lstStyle/>
+                    <a:p>
+                      <a:endParaRPr lang="en-US"/>
+                    </a:p>
+                  </a:txBody>
+                  <a:tcPr/>
+                </a:tc>
+              </a:tr>
+              <a:tr h="465046">
+                <a:tc>
+                  <a:txBody>
+                    <a:bodyPr/>
+                    <a:lstStyle/>
+                    <a:p>
+                      <a:pPr algn="ctr" fontAlgn="b"/>
+                      <a:r>
+                        <a:rPr lang="sk-SK" sz="1200" u="none" strike="noStrike">
+                          <a:effectLst/>
+                          <a:latin typeface="+mn-lt"/>
+                        </a:rPr>
+                        <a:t> </a:t>
+                      </a:r>
+                      <a:endParaRPr lang="sk-SK" sz="1200" b="0" i="0" u="none" strike="noStrike">
+                        <a:solidFill>
+                          <a:srgbClr val="000000"/>
+                        </a:solidFill>
+                        <a:effectLst/>
+                        <a:latin typeface="+mn-lt"/>
+                      </a:endParaRPr>
+                    </a:p>
+                  </a:txBody>
+                  <a:tcPr marL="12700" marR="12700" marT="12700" marB="0" anchor="b"/>
+                </a:tc>
+                <a:tc>
+                  <a:txBody>
+                    <a:bodyPr/>
+                    <a:lstStyle/>
+                    <a:p>
+                      <a:pPr algn="ctr" fontAlgn="b"/>
+                      <a:r>
+                        <a:rPr lang="en-US" sz="1200" u="none" strike="noStrike" dirty="0" smtClean="0">
+                          <a:effectLst/>
+                          <a:latin typeface="+mn-lt"/>
+                        </a:rPr>
+                        <a:t>Crude</a:t>
+                      </a:r>
+                      <a:endParaRPr lang="en-US" sz="1200" b="0" i="0" u="none" strike="noStrike" dirty="0">
+                        <a:solidFill>
+                          <a:srgbClr val="000000"/>
+                        </a:solidFill>
+                        <a:effectLst/>
+                        <a:latin typeface="+mn-lt"/>
+                      </a:endParaRPr>
+                    </a:p>
+                  </a:txBody>
+                  <a:tcPr marL="12700" marR="12700" marT="12700" marB="0" anchor="b"/>
+                </a:tc>
+                <a:tc>
+                  <a:txBody>
+                    <a:bodyPr/>
+                    <a:lstStyle/>
+                    <a:p>
+                      <a:pPr algn="ctr" fontAlgn="b"/>
+                      <a:r>
+                        <a:rPr lang="en-US" sz="1200" u="none" strike="noStrike" dirty="0">
+                          <a:effectLst/>
+                          <a:latin typeface="+mn-lt"/>
+                        </a:rPr>
+                        <a:t>P-value</a:t>
+                      </a:r>
+                      <a:endParaRPr lang="en-US" sz="1200" b="0" i="0" u="none" strike="noStrike" dirty="0">
+                        <a:solidFill>
+                          <a:srgbClr val="000000"/>
+                        </a:solidFill>
+                        <a:effectLst/>
+                        <a:latin typeface="+mn-lt"/>
+                      </a:endParaRPr>
+                    </a:p>
+                  </a:txBody>
+                  <a:tcPr marL="12700" marR="12700" marT="12700" marB="0" anchor="b"/>
+                </a:tc>
+                <a:tc>
+                  <a:txBody>
+                    <a:bodyPr/>
+                    <a:lstStyle/>
+                    <a:p>
+                      <a:pPr algn="ctr" fontAlgn="b"/>
+                      <a:r>
+                        <a:rPr lang="en-US" sz="1200" u="none" strike="noStrike" dirty="0" smtClean="0">
+                          <a:effectLst/>
+                          <a:latin typeface="+mn-lt"/>
+                        </a:rPr>
+                        <a:t>Adjusted</a:t>
+                      </a:r>
+                      <a:endParaRPr lang="en-US" sz="1200" b="0" i="0" u="none" strike="noStrike" dirty="0">
+                        <a:solidFill>
+                          <a:srgbClr val="000000"/>
+                        </a:solidFill>
+                        <a:effectLst/>
+                        <a:latin typeface="+mn-lt"/>
+                      </a:endParaRPr>
+                    </a:p>
+                  </a:txBody>
+                  <a:tcPr marL="12700" marR="12700" marT="12700" marB="0" anchor="b"/>
+                </a:tc>
+                <a:tc>
+                  <a:txBody>
+                    <a:bodyPr/>
+                    <a:lstStyle/>
+                    <a:p>
+                      <a:pPr algn="ctr" fontAlgn="b"/>
+                      <a:r>
+                        <a:rPr lang="en-US" sz="1200" u="none" strike="noStrike">
+                          <a:effectLst/>
+                          <a:latin typeface="+mn-lt"/>
+                        </a:rPr>
+                        <a:t>P-value</a:t>
+                      </a:r>
+                      <a:endParaRPr lang="en-US" sz="1200" b="0" i="0" u="none" strike="noStrike">
+                        <a:solidFill>
+                          <a:srgbClr val="000000"/>
+                        </a:solidFill>
+                        <a:effectLst/>
+                        <a:latin typeface="+mn-lt"/>
+                      </a:endParaRPr>
+                    </a:p>
+                  </a:txBody>
+                  <a:tcPr marL="12700" marR="12700" marT="12700" marB="0" anchor="b"/>
+                </a:tc>
+              </a:tr>
+              <a:tr h="351533">
+                <a:tc>
+                  <a:txBody>
+                    <a:bodyPr/>
+                    <a:lstStyle/>
+                    <a:p>
+                      <a:pPr algn="ctr" fontAlgn="b"/>
+                      <a:r>
+                        <a:rPr lang="en-US" sz="1200" u="none" strike="noStrike">
+                          <a:effectLst/>
+                          <a:latin typeface="+mn-lt"/>
+                        </a:rPr>
+                        <a:t>Intercept</a:t>
+                      </a:r>
+                      <a:endParaRPr lang="en-US" sz="1200" b="0" i="0" u="none" strike="noStrike">
+                        <a:solidFill>
+                          <a:srgbClr val="000000"/>
+                        </a:solidFill>
+                        <a:effectLst/>
+                        <a:latin typeface="+mn-lt"/>
+                      </a:endParaRPr>
+                    </a:p>
+                  </a:txBody>
+                  <a:tcPr marL="12700" marR="12700" marT="12700" marB="0" anchor="b"/>
+                </a:tc>
+                <a:tc>
+                  <a:txBody>
+                    <a:bodyPr/>
+                    <a:lstStyle/>
+                    <a:p>
+                      <a:pPr algn="ctr" fontAlgn="b"/>
+                      <a:r>
+                        <a:rPr lang="mr-IN" sz="1200" u="none" strike="noStrike" dirty="0">
+                          <a:effectLst/>
+                          <a:latin typeface="+mn-lt"/>
+                        </a:rPr>
+                        <a:t>2.15 (0.56)</a:t>
+                      </a:r>
+                      <a:endParaRPr lang="mr-IN" sz="1200" b="0" i="0" u="none" strike="noStrike" dirty="0">
+                        <a:solidFill>
+                          <a:srgbClr val="000000"/>
+                        </a:solidFill>
+                        <a:effectLst/>
+                        <a:latin typeface="+mn-lt"/>
+                      </a:endParaRPr>
+                    </a:p>
+                  </a:txBody>
+                  <a:tcPr marL="12700" marR="12700" marT="12700" marB="0" anchor="b"/>
+                </a:tc>
+                <a:tc>
+                  <a:txBody>
+                    <a:bodyPr/>
+                    <a:lstStyle/>
+                    <a:p>
+                      <a:pPr algn="ctr" fontAlgn="b"/>
+                      <a:r>
+                        <a:rPr lang="nb-NO" sz="1200" u="none" strike="noStrike">
+                          <a:effectLst/>
+                          <a:latin typeface="+mn-lt"/>
+                        </a:rPr>
+                        <a:t>0.0001</a:t>
+                      </a:r>
+                      <a:endParaRPr lang="nb-NO" sz="1200" b="0" i="0" u="none" strike="noStrike">
+                        <a:solidFill>
+                          <a:srgbClr val="000000"/>
+                        </a:solidFill>
+                        <a:effectLst/>
+                        <a:latin typeface="+mn-lt"/>
+                      </a:endParaRPr>
+                    </a:p>
+                  </a:txBody>
+                  <a:tcPr marL="12700" marR="12700" marT="12700" marB="0" anchor="b"/>
+                </a:tc>
+                <a:tc>
+                  <a:txBody>
+                    <a:bodyPr/>
+                    <a:lstStyle/>
+                    <a:p>
+                      <a:pPr algn="ctr" fontAlgn="b"/>
+                      <a:r>
+                        <a:rPr lang="is-IS" sz="1200" u="none" strike="noStrike" dirty="0" smtClean="0">
+                          <a:effectLst/>
+                          <a:latin typeface="+mn-lt"/>
+                        </a:rPr>
+                        <a:t>20.92 </a:t>
+                      </a:r>
+                      <a:r>
+                        <a:rPr lang="is-IS" sz="1200" u="none" strike="noStrike" dirty="0">
+                          <a:effectLst/>
+                          <a:latin typeface="+mn-lt"/>
+                        </a:rPr>
+                        <a:t>(</a:t>
+                      </a:r>
+                      <a:r>
+                        <a:rPr lang="is-IS" sz="1200" u="none" strike="noStrike" dirty="0" smtClean="0">
+                          <a:effectLst/>
+                          <a:latin typeface="+mn-lt"/>
+                        </a:rPr>
+                        <a:t>3.13)</a:t>
+                      </a:r>
+                      <a:endParaRPr lang="is-IS" sz="1200" b="0" i="0" u="none" strike="noStrike" dirty="0">
+                        <a:solidFill>
+                          <a:srgbClr val="000000"/>
+                        </a:solidFill>
+                        <a:effectLst/>
+                        <a:latin typeface="+mn-lt"/>
+                      </a:endParaRPr>
+                    </a:p>
+                  </a:txBody>
+                  <a:tcPr marL="12700" marR="12700" marT="12700" marB="0" anchor="b"/>
+                </a:tc>
+                <a:tc>
+                  <a:txBody>
+                    <a:bodyPr/>
+                    <a:lstStyle/>
+                    <a:p>
+                      <a:pPr algn="ctr" fontAlgn="b"/>
+                      <a:r>
+                        <a:rPr lang="mr-IN" sz="1200" u="none" strike="noStrike">
+                          <a:effectLst/>
+                          <a:latin typeface="+mn-lt"/>
+                        </a:rPr>
+                        <a:t>&lt;.0001</a:t>
+                      </a:r>
+                      <a:endParaRPr lang="mr-IN" sz="1200" b="1" i="0" u="none" strike="noStrike">
+                        <a:solidFill>
+                          <a:srgbClr val="000000"/>
+                        </a:solidFill>
+                        <a:effectLst/>
+                        <a:latin typeface="+mn-lt"/>
+                      </a:endParaRPr>
+                    </a:p>
+                  </a:txBody>
+                  <a:tcPr marL="12700" marR="12700" marT="12700" marB="0" anchor="b"/>
+                </a:tc>
+              </a:tr>
+              <a:tr h="465046">
+                <a:tc>
+                  <a:txBody>
+                    <a:bodyPr/>
+                    <a:lstStyle/>
+                    <a:p>
+                      <a:pPr algn="ctr" fontAlgn="b"/>
+                      <a:r>
+                        <a:rPr lang="en-US" sz="1200" u="none" strike="noStrike">
+                          <a:effectLst/>
+                          <a:latin typeface="+mn-lt"/>
+                        </a:rPr>
+                        <a:t>Hard Drugs</a:t>
+                      </a:r>
+                      <a:endParaRPr lang="en-US" sz="1200" b="0" i="0" u="none" strike="noStrike">
+                        <a:solidFill>
+                          <a:srgbClr val="000000"/>
+                        </a:solidFill>
+                        <a:effectLst/>
+                        <a:latin typeface="+mn-lt"/>
+                      </a:endParaRPr>
+                    </a:p>
+                  </a:txBody>
+                  <a:tcPr marL="12700" marR="12700" marT="12700" marB="0" anchor="b"/>
+                </a:tc>
+                <a:tc>
+                  <a:txBody>
+                    <a:bodyPr/>
+                    <a:lstStyle/>
+                    <a:p>
+                      <a:pPr algn="ctr" fontAlgn="b"/>
+                      <a:r>
+                        <a:rPr lang="is-IS" sz="1200" u="none" strike="noStrike">
+                          <a:effectLst/>
+                          <a:latin typeface="+mn-lt"/>
+                        </a:rPr>
+                        <a:t>1.43 (2.01)</a:t>
+                      </a:r>
+                      <a:endParaRPr lang="is-IS" sz="1200" b="0" i="0" u="none" strike="noStrike">
+                        <a:solidFill>
+                          <a:srgbClr val="000000"/>
+                        </a:solidFill>
+                        <a:effectLst/>
+                        <a:latin typeface="+mn-lt"/>
+                      </a:endParaRPr>
+                    </a:p>
+                  </a:txBody>
+                  <a:tcPr marL="12700" marR="12700" marT="12700" marB="0" anchor="b"/>
+                </a:tc>
+                <a:tc>
+                  <a:txBody>
+                    <a:bodyPr/>
+                    <a:lstStyle/>
+                    <a:p>
+                      <a:pPr algn="ctr" fontAlgn="b"/>
+                      <a:r>
+                        <a:rPr lang="nb-NO" sz="1200" u="none" strike="noStrike">
+                          <a:effectLst/>
+                          <a:latin typeface="+mn-lt"/>
+                        </a:rPr>
+                        <a:t>0.4711</a:t>
+                      </a:r>
+                      <a:endParaRPr lang="nb-NO" sz="1200" b="0" i="0" u="none" strike="noStrike">
+                        <a:solidFill>
+                          <a:srgbClr val="000000"/>
+                        </a:solidFill>
+                        <a:effectLst/>
+                        <a:latin typeface="+mn-lt"/>
+                      </a:endParaRPr>
+                    </a:p>
+                  </a:txBody>
+                  <a:tcPr marL="12700" marR="12700" marT="12700" marB="0" anchor="b"/>
+                </a:tc>
+                <a:tc>
+                  <a:txBody>
+                    <a:bodyPr/>
+                    <a:lstStyle/>
+                    <a:p>
+                      <a:pPr algn="ctr" fontAlgn="b"/>
+                      <a:r>
+                        <a:rPr lang="mr-IN" sz="1200" u="none" strike="noStrike" dirty="0">
+                          <a:effectLst/>
+                          <a:latin typeface="+mn-lt"/>
+                        </a:rPr>
+                        <a:t>-0.55 (1.77)</a:t>
+                      </a:r>
+                      <a:endParaRPr lang="mr-IN" sz="1200" b="0" i="0" u="none" strike="noStrike" dirty="0">
+                        <a:solidFill>
+                          <a:srgbClr val="000000"/>
+                        </a:solidFill>
+                        <a:effectLst/>
+                        <a:latin typeface="+mn-lt"/>
+                      </a:endParaRPr>
+                    </a:p>
+                  </a:txBody>
+                  <a:tcPr marL="12700" marR="12700" marT="12700" marB="0" anchor="b"/>
+                </a:tc>
+                <a:tc>
+                  <a:txBody>
+                    <a:bodyPr/>
+                    <a:lstStyle/>
+                    <a:p>
+                      <a:pPr algn="ctr" fontAlgn="b"/>
+                      <a:r>
+                        <a:rPr lang="nb-NO" sz="1200" u="none" strike="noStrike" dirty="0">
+                          <a:effectLst/>
+                          <a:latin typeface="+mn-lt"/>
+                        </a:rPr>
+                        <a:t>0.7571</a:t>
+                      </a:r>
+                      <a:endParaRPr lang="nb-NO" sz="1200" b="0" i="0" u="none" strike="noStrike" dirty="0">
+                        <a:solidFill>
+                          <a:srgbClr val="000000"/>
+                        </a:solidFill>
+                        <a:effectLst/>
+                        <a:latin typeface="+mn-lt"/>
+                      </a:endParaRPr>
+                    </a:p>
+                  </a:txBody>
+                  <a:tcPr marL="12700" marR="12700" marT="12700" marB="0" anchor="b"/>
+                </a:tc>
+              </a:tr>
+            </a:tbl>
+          </a:graphicData>
+        </a:graphic>
+      </p:graphicFrame>
+    </p:spTree>
+    <p:extLst>
+      <p:ext uri="{BB962C8B-B14F-4D97-AF65-F5344CB8AC3E}">
+        <p14:creationId xmlns:p14="http://schemas.microsoft.com/office/powerpoint/2010/main" val="1676403821"/>
+      </p:ext>
+    </p:extLst>
+  </p:cSld>
+  <p:clrMapOvr>
+    <a:masterClrMapping/>
+  </p:clrMapOvr>
+</p:sld>
+</file>
+
+<file path=ppt/slides/slide7.xml><?xml version="1.0" encoding="utf-8"?>
+<p:sld xmlns:a="http://schemas.openxmlformats.org/drawingml/2006/main" xmlns:r="http://schemas.openxmlformats.org/officeDocument/2006/relationships" xmlns:p="http://schemas.openxmlformats.org/presentationml/2006/main">
+  <p:cSld>
+    <p:spTree>
+      <p:nvGrpSpPr>
+        <p:cNvPr id="1" name=""/>
+        <p:cNvGrpSpPr/>
+        <p:nvPr/>
+      </p:nvGrpSpPr>
+      <p:grpSpPr>
+        <a:xfrm>
+          <a:off x="0" y="0"/>
+          <a:ext cx="0" cy="0"/>
+          <a:chOff x="0" y="0"/>
+          <a:chExt cx="0" cy="0"/>
+        </a:xfrm>
+      </p:grpSpPr>
+      <p:sp>
+        <p:nvSpPr>
+          <p:cNvPr id="2" name="Title 1"/>
+          <p:cNvSpPr>
+            <a:spLocks noGrp="1"/>
+          </p:cNvSpPr>
+          <p:nvPr>
+            <p:ph type="title"/>
+          </p:nvPr>
+        </p:nvSpPr>
+        <p:spPr>
+          <a:xfrm>
+            <a:off x="457199" y="152718"/>
+            <a:ext cx="8186273" cy="958675"/>
           </a:xfrm>
         </p:spPr>
         <p:txBody>
@@ -5659,7 +14149,12 @@
             <p:ph idx="1"/>
           </p:nvPr>
         </p:nvSpPr>
-        <p:spPr/>
+        <p:spPr>
+          <a:xfrm>
+            <a:off x="457200" y="1287805"/>
+            <a:ext cx="7620000" cy="3828131"/>
+          </a:xfrm>
+        </p:spPr>
         <p:txBody>
           <a:bodyPr>
             <a:normAutofit/>
@@ -5672,68 +14167,31 @@
             </a:r>
           </a:p>
           <a:p>
-            <a:r>
-              <a:rPr lang="en-US" b="0" dirty="0" smtClean="0"/>
-              <a:t>The </a:t>
-            </a:r>
-            <a:r>
-              <a:rPr lang="en-US" b="0" dirty="0"/>
-              <a:t>change in CD4 cell count after two years was significantly less (-166.61 [31.25]) in the group that reported hard drug use prior to treatment initialization (p=&lt;0.0001) after adjusting for covariates.</a:t>
-            </a:r>
-            <a:r>
-              <a:rPr lang="en-US" b="0" dirty="0"/>
-              <a:t> </a:t>
-            </a:r>
-            <a:endParaRPr lang="en-US" b="0" dirty="0" smtClean="0"/>
-          </a:p>
-          <a:p>
-            <a:r>
-              <a:rPr lang="en-US" dirty="0" smtClean="0"/>
-              <a:t>Limitations (MCAR or MNAR):</a:t>
-            </a:r>
-            <a:endParaRPr lang="en-US" b="0" dirty="0" smtClean="0"/>
-          </a:p>
-          <a:p>
-            <a:r>
-              <a:rPr lang="en-US" b="0" dirty="0"/>
-              <a:t>At year </a:t>
-            </a:r>
-            <a:r>
-              <a:rPr lang="en-US" b="0" dirty="0" smtClean="0"/>
-              <a:t>two:</a:t>
-            </a:r>
-            <a:endParaRPr lang="en-US" b="0" dirty="0"/>
-          </a:p>
-          <a:p>
             <a:pPr marL="342900" indent="-342900">
               <a:buFont typeface="Arial"/>
               <a:buChar char="•"/>
             </a:pPr>
             <a:r>
               <a:rPr lang="en-US" b="0" dirty="0" smtClean="0"/>
-              <a:t>27 </a:t>
+              <a:t>The </a:t>
             </a:r>
             <a:r>
               <a:rPr lang="en-US" b="0" dirty="0"/>
-              <a:t>of </a:t>
+              <a:t>change in CD4 cell count after two years was significantly less (-166.61 [31.25]) in the group that reported hard drug use prior to treatment initialization (p=&lt;0.0001) </a:t>
             </a:r>
             <a:r>
               <a:rPr lang="en-US" b="0" dirty="0" smtClean="0"/>
-              <a:t>the hard drug use at baseline group were </a:t>
-            </a:r>
-            <a:r>
-              <a:rPr lang="en-US" b="0" dirty="0"/>
-              <a:t>lost to follow </a:t>
-            </a:r>
-            <a:r>
-              <a:rPr lang="en-US" b="0" dirty="0" smtClean="0"/>
-              <a:t>up</a:t>
-            </a:r>
-            <a:r>
-              <a:rPr lang="en-US" b="0" dirty="0"/>
-              <a:t> </a:t>
-            </a:r>
+              <a:t>in both the crude and adjusted models. </a:t>
+            </a:r>
+          </a:p>
+          <a:p>
             <a:endParaRPr lang="en-US" b="0" dirty="0" smtClean="0"/>
+          </a:p>
+          <a:p>
+            <a:r>
+              <a:rPr lang="en-US" dirty="0" smtClean="0"/>
+              <a:t>Limitations (MCAR or MNAR):</a:t>
+            </a:r>
           </a:p>
           <a:p>
             <a:pPr marL="342900" indent="-342900">
@@ -5742,42 +14200,7 @@
             </a:pPr>
             <a:r>
               <a:rPr lang="en-US" b="0" dirty="0" smtClean="0"/>
-              <a:t>20 </a:t>
-            </a:r>
-            <a:r>
-              <a:rPr lang="en-US" b="0" dirty="0"/>
-              <a:t>men no longer reported hard drug </a:t>
-            </a:r>
-            <a:r>
-              <a:rPr lang="en-US" b="0" dirty="0" smtClean="0"/>
-              <a:t>use</a:t>
-            </a:r>
-            <a:r>
-              <a:rPr lang="en-US" b="0" dirty="0"/>
-              <a:t> </a:t>
-            </a:r>
-            <a:endParaRPr lang="en-US" b="0" dirty="0" smtClean="0"/>
-          </a:p>
-          <a:p>
-            <a:pPr marL="342900" indent="-342900">
-              <a:buFont typeface="Arial"/>
-              <a:buChar char="•"/>
-            </a:pPr>
-            <a:r>
-              <a:rPr lang="en-US" b="0" dirty="0" smtClean="0"/>
-              <a:t>11 </a:t>
-            </a:r>
-            <a:r>
-              <a:rPr lang="en-US" b="0" dirty="0"/>
-              <a:t>men from the non-drug use group started reporting hard drug </a:t>
-            </a:r>
-            <a:r>
-              <a:rPr lang="en-US" b="0" dirty="0" smtClean="0"/>
-              <a:t>use</a:t>
-            </a:r>
-            <a:r>
-              <a:rPr lang="en-US" b="0" dirty="0"/>
-              <a:t> </a:t>
+              <a:t>Further investigation about participants that are missing from the hard drug use group</a:t>
             </a:r>
           </a:p>
           <a:p>
@@ -5785,6 +14208,28 @@
           </a:p>
         </p:txBody>
       </p:sp>
+      <p:graphicFrame>
+        <p:nvGraphicFramePr>
+          <p:cNvPr id="4" name="Diagram 3"/>
+          <p:cNvGraphicFramePr/>
+          <p:nvPr>
+            <p:extLst>
+              <p:ext uri="{D42A27DB-BD31-4B8C-83A1-F6EECF244321}">
+                <p14:modId xmlns:p14="http://schemas.microsoft.com/office/powerpoint/2010/main" val="1572234938"/>
+              </p:ext>
+            </p:extLst>
+          </p:nvPr>
+        </p:nvGraphicFramePr>
+        <p:xfrm>
+          <a:off x="1171205" y="4445570"/>
+          <a:ext cx="5318418" cy="3454318"/>
+        </p:xfrm>
+        <a:graphic>
+          <a:graphicData uri="http://schemas.openxmlformats.org/drawingml/2006/diagram">
+            <dgm:relIds xmlns:dgm="http://schemas.openxmlformats.org/drawingml/2006/diagram" xmlns:r="http://schemas.openxmlformats.org/officeDocument/2006/relationships" r:dm="rId2" r:lo="rId3" r:qs="rId4" r:cs="rId5"/>
+          </a:graphicData>
+        </a:graphic>
+      </p:graphicFrame>
     </p:spTree>
     <p:extLst>
       <p:ext uri="{BB962C8B-B14F-4D97-AF65-F5344CB8AC3E}">

--- a/Project1/Reports/Project 1 presentation.pptx
+++ b/Project1/Reports/Project 1 presentation.pptx
@@ -248,11 +248,11 @@
         </c:dLbls>
         <c:gapWidth val="75"/>
         <c:overlap val="-25"/>
-        <c:axId val="2138976040"/>
-        <c:axId val="2138988888"/>
+        <c:axId val="2127421544"/>
+        <c:axId val="2127505688"/>
       </c:barChart>
       <c:catAx>
-        <c:axId val="2138976040"/>
+        <c:axId val="2127421544"/>
         <c:scaling>
           <c:orientation val="minMax"/>
         </c:scaling>
@@ -262,7 +262,7 @@
         <c:majorTickMark val="none"/>
         <c:minorTickMark val="none"/>
         <c:tickLblPos val="nextTo"/>
-        <c:crossAx val="2138988888"/>
+        <c:crossAx val="2127505688"/>
         <c:crosses val="autoZero"/>
         <c:auto val="1"/>
         <c:lblAlgn val="ctr"/>
@@ -270,7 +270,7 @@
         <c:noMultiLvlLbl val="0"/>
       </c:catAx>
       <c:valAx>
-        <c:axId val="2138988888"/>
+        <c:axId val="2127505688"/>
         <c:scaling>
           <c:orientation val="minMax"/>
         </c:scaling>
@@ -281,7 +281,7 @@
         <c:majorTickMark val="none"/>
         <c:minorTickMark val="none"/>
         <c:tickLblPos val="nextTo"/>
-        <c:crossAx val="2138976040"/>
+        <c:crossAx val="2127421544"/>
         <c:crosses val="autoZero"/>
         <c:crossBetween val="between"/>
       </c:valAx>
@@ -450,11 +450,11 @@
         </c:dLbls>
         <c:gapWidth val="75"/>
         <c:overlap val="-25"/>
-        <c:axId val="-2135897176"/>
-        <c:axId val="-2132659800"/>
+        <c:axId val="2102611576"/>
+        <c:axId val="2102658328"/>
       </c:barChart>
       <c:catAx>
-        <c:axId val="-2135897176"/>
+        <c:axId val="2102611576"/>
         <c:scaling>
           <c:orientation val="minMax"/>
         </c:scaling>
@@ -463,7 +463,7 @@
         <c:majorTickMark val="none"/>
         <c:minorTickMark val="none"/>
         <c:tickLblPos val="nextTo"/>
-        <c:crossAx val="-2132659800"/>
+        <c:crossAx val="2102658328"/>
         <c:crosses val="autoZero"/>
         <c:auto val="1"/>
         <c:lblAlgn val="ctr"/>
@@ -471,7 +471,7 @@
         <c:noMultiLvlLbl val="0"/>
       </c:catAx>
       <c:valAx>
-        <c:axId val="-2132659800"/>
+        <c:axId val="2102658328"/>
         <c:scaling>
           <c:orientation val="minMax"/>
         </c:scaling>
@@ -482,7 +482,7 @@
         <c:majorTickMark val="none"/>
         <c:minorTickMark val="none"/>
         <c:tickLblPos val="nextTo"/>
-        <c:crossAx val="-2135897176"/>
+        <c:crossAx val="2102611576"/>
         <c:crosses val="autoZero"/>
         <c:crossBetween val="between"/>
       </c:valAx>
@@ -644,11 +644,11 @@
         </c:dLbls>
         <c:gapWidth val="75"/>
         <c:overlap val="-25"/>
-        <c:axId val="-2134624856"/>
-        <c:axId val="-2134621880"/>
+        <c:axId val="2104607320"/>
+        <c:axId val="2104775992"/>
       </c:barChart>
       <c:catAx>
-        <c:axId val="-2134624856"/>
+        <c:axId val="2104607320"/>
         <c:scaling>
           <c:orientation val="minMax"/>
         </c:scaling>
@@ -657,7 +657,7 @@
         <c:majorTickMark val="none"/>
         <c:minorTickMark val="none"/>
         <c:tickLblPos val="nextTo"/>
-        <c:crossAx val="-2134621880"/>
+        <c:crossAx val="2104775992"/>
         <c:crosses val="autoZero"/>
         <c:auto val="1"/>
         <c:lblAlgn val="ctr"/>
@@ -665,7 +665,7 @@
         <c:noMultiLvlLbl val="0"/>
       </c:catAx>
       <c:valAx>
-        <c:axId val="-2134621880"/>
+        <c:axId val="2104775992"/>
         <c:scaling>
           <c:orientation val="minMax"/>
         </c:scaling>
@@ -676,7 +676,7 @@
         <c:majorTickMark val="none"/>
         <c:minorTickMark val="none"/>
         <c:tickLblPos val="nextTo"/>
-        <c:crossAx val="-2134624856"/>
+        <c:crossAx val="2104607320"/>
         <c:crosses val="autoZero"/>
         <c:crossBetween val="between"/>
       </c:valAx>
@@ -845,11 +845,11 @@
         </c:dLbls>
         <c:gapWidth val="75"/>
         <c:overlap val="-25"/>
-        <c:axId val="-2133223272"/>
-        <c:axId val="-2133220296"/>
+        <c:axId val="2104572312"/>
+        <c:axId val="2132190136"/>
       </c:barChart>
       <c:catAx>
-        <c:axId val="-2133223272"/>
+        <c:axId val="2104572312"/>
         <c:scaling>
           <c:orientation val="minMax"/>
         </c:scaling>
@@ -858,7 +858,7 @@
         <c:majorTickMark val="none"/>
         <c:minorTickMark val="none"/>
         <c:tickLblPos val="nextTo"/>
-        <c:crossAx val="-2133220296"/>
+        <c:crossAx val="2132190136"/>
         <c:crosses val="autoZero"/>
         <c:auto val="1"/>
         <c:lblAlgn val="ctr"/>
@@ -866,7 +866,7 @@
         <c:noMultiLvlLbl val="0"/>
       </c:catAx>
       <c:valAx>
-        <c:axId val="-2133220296"/>
+        <c:axId val="2132190136"/>
         <c:scaling>
           <c:orientation val="minMax"/>
         </c:scaling>
@@ -877,7 +877,7 @@
         <c:majorTickMark val="none"/>
         <c:minorTickMark val="none"/>
         <c:tickLblPos val="nextTo"/>
-        <c:crossAx val="-2133223272"/>
+        <c:crossAx val="2104572312"/>
         <c:crosses val="autoZero"/>
         <c:crossBetween val="between"/>
       </c:valAx>
@@ -1900,6 +1900,13 @@
         </dgm:presLayoutVars>
       </dgm:prSet>
       <dgm:spPr/>
+      <dgm:t>
+        <a:bodyPr/>
+        <a:lstStyle/>
+        <a:p>
+          <a:endParaRPr lang="en-US"/>
+        </a:p>
+      </dgm:t>
     </dgm:pt>
     <dgm:pt modelId="{7E007A69-DF23-9E4F-8BC2-B0F593D8510C}" type="pres">
       <dgm:prSet presAssocID="{54A8F436-9069-F94F-8B0B-44C1706C34E4}" presName="hierRoot1" presStyleCnt="0">
@@ -1931,6 +1938,13 @@
     <dgm:pt modelId="{0A6D261E-361B-A446-9A0C-F32B7D687C6A}" type="pres">
       <dgm:prSet presAssocID="{54A8F436-9069-F94F-8B0B-44C1706C34E4}" presName="rootConnector1" presStyleLbl="node1" presStyleIdx="0" presStyleCnt="0"/>
       <dgm:spPr/>
+      <dgm:t>
+        <a:bodyPr/>
+        <a:lstStyle/>
+        <a:p>
+          <a:endParaRPr lang="en-US"/>
+        </a:p>
+      </dgm:t>
     </dgm:pt>
     <dgm:pt modelId="{7B38BC9A-C3E0-5B4D-BB56-88D80543F095}" type="pres">
       <dgm:prSet presAssocID="{54A8F436-9069-F94F-8B0B-44C1706C34E4}" presName="hierChild2" presStyleCnt="0"/>
@@ -1939,6 +1953,13 @@
     <dgm:pt modelId="{A74E31F6-DB94-E341-B4F3-A84CDE79C123}" type="pres">
       <dgm:prSet presAssocID="{DB7E9D31-CD89-B54B-84D3-81E4A5440C61}" presName="Name37" presStyleLbl="parChTrans1D2" presStyleIdx="0" presStyleCnt="2"/>
       <dgm:spPr/>
+      <dgm:t>
+        <a:bodyPr/>
+        <a:lstStyle/>
+        <a:p>
+          <a:endParaRPr lang="en-US"/>
+        </a:p>
+      </dgm:t>
     </dgm:pt>
     <dgm:pt modelId="{4E183F4E-289A-EE48-A8A6-90941181E237}" type="pres">
       <dgm:prSet presAssocID="{9BB6B4A3-7024-9343-9BD0-26D60B1081A7}" presName="hierRoot2" presStyleCnt="0">
@@ -1970,6 +1991,13 @@
     <dgm:pt modelId="{4410FC05-8AC9-3A48-8834-1AB4BBBC4C35}" type="pres">
       <dgm:prSet presAssocID="{9BB6B4A3-7024-9343-9BD0-26D60B1081A7}" presName="rootConnector" presStyleLbl="node2" presStyleIdx="0" presStyleCnt="1"/>
       <dgm:spPr/>
+      <dgm:t>
+        <a:bodyPr/>
+        <a:lstStyle/>
+        <a:p>
+          <a:endParaRPr lang="en-US"/>
+        </a:p>
+      </dgm:t>
     </dgm:pt>
     <dgm:pt modelId="{861EB84C-BB08-3A4C-909F-D98B08DE6B76}" type="pres">
       <dgm:prSet presAssocID="{9BB6B4A3-7024-9343-9BD0-26D60B1081A7}" presName="hierChild4" presStyleCnt="0"/>
@@ -1978,6 +2006,13 @@
     <dgm:pt modelId="{85239D1D-C7EA-834A-9AAE-4F46D551EC7B}" type="pres">
       <dgm:prSet presAssocID="{8C50B956-5D3A-8C49-9356-3876DD53799A}" presName="Name37" presStyleLbl="parChTrans1D3" presStyleIdx="0" presStyleCnt="2"/>
       <dgm:spPr/>
+      <dgm:t>
+        <a:bodyPr/>
+        <a:lstStyle/>
+        <a:p>
+          <a:endParaRPr lang="en-US"/>
+        </a:p>
+      </dgm:t>
     </dgm:pt>
     <dgm:pt modelId="{00E665F4-43DF-E640-AAEB-42DC019A1F08}" type="pres">
       <dgm:prSet presAssocID="{EDBA91B9-AAC5-A64B-90C4-F2BC6E978E0C}" presName="hierRoot2" presStyleCnt="0">
@@ -2009,6 +2044,13 @@
     <dgm:pt modelId="{C47BD8BA-474A-844C-8BCE-0D0772085EF7}" type="pres">
       <dgm:prSet presAssocID="{EDBA91B9-AAC5-A64B-90C4-F2BC6E978E0C}" presName="rootConnector" presStyleLbl="node3" presStyleIdx="0" presStyleCnt="2"/>
       <dgm:spPr/>
+      <dgm:t>
+        <a:bodyPr/>
+        <a:lstStyle/>
+        <a:p>
+          <a:endParaRPr lang="en-US"/>
+        </a:p>
+      </dgm:t>
     </dgm:pt>
     <dgm:pt modelId="{A6540FAB-9D27-5C4F-AB23-ADD465B95A00}" type="pres">
       <dgm:prSet presAssocID="{EDBA91B9-AAC5-A64B-90C4-F2BC6E978E0C}" presName="hierChild4" presStyleCnt="0"/>
@@ -2029,6 +2071,13 @@
     <dgm:pt modelId="{F94CC450-CA7D-0347-B7D8-CB5A6271CB9F}" type="pres">
       <dgm:prSet presAssocID="{87C373C6-CC72-264D-9F1B-41EBB8EE40AB}" presName="Name111" presStyleLbl="parChTrans1D2" presStyleIdx="1" presStyleCnt="2"/>
       <dgm:spPr/>
+      <dgm:t>
+        <a:bodyPr/>
+        <a:lstStyle/>
+        <a:p>
+          <a:endParaRPr lang="en-US"/>
+        </a:p>
+      </dgm:t>
     </dgm:pt>
     <dgm:pt modelId="{8B3E50CE-3080-9540-8105-3248DCA95353}" type="pres">
       <dgm:prSet presAssocID="{4F1EEA9B-E303-594A-9BF8-9D99CE05D852}" presName="hierRoot3" presStyleCnt="0">
@@ -2060,6 +2109,13 @@
     <dgm:pt modelId="{A3E37594-EFF8-F649-8E38-499CDBC88A03}" type="pres">
       <dgm:prSet presAssocID="{4F1EEA9B-E303-594A-9BF8-9D99CE05D852}" presName="rootConnector3" presStyleLbl="asst1" presStyleIdx="0" presStyleCnt="1"/>
       <dgm:spPr/>
+      <dgm:t>
+        <a:bodyPr/>
+        <a:lstStyle/>
+        <a:p>
+          <a:endParaRPr lang="en-US"/>
+        </a:p>
+      </dgm:t>
     </dgm:pt>
     <dgm:pt modelId="{14D5B78F-D87A-DB4C-97F5-CB7BE41F5674}" type="pres">
       <dgm:prSet presAssocID="{4F1EEA9B-E303-594A-9BF8-9D99CE05D852}" presName="hierChild6" presStyleCnt="0"/>
@@ -2068,6 +2124,13 @@
     <dgm:pt modelId="{0B06B6D5-3879-424F-BDC5-B52A698B7EBB}" type="pres">
       <dgm:prSet presAssocID="{7BC23183-3D1B-7549-B9DB-481B8FAFEDAB}" presName="Name37" presStyleLbl="parChTrans1D3" presStyleIdx="1" presStyleCnt="2"/>
       <dgm:spPr/>
+      <dgm:t>
+        <a:bodyPr/>
+        <a:lstStyle/>
+        <a:p>
+          <a:endParaRPr lang="en-US"/>
+        </a:p>
+      </dgm:t>
     </dgm:pt>
     <dgm:pt modelId="{ECFF9FE1-B291-4948-9D08-B9703B2B6BA3}" type="pres">
       <dgm:prSet presAssocID="{E9CA60DA-C245-E949-8D0A-CFB13B830E39}" presName="hierRoot2" presStyleCnt="0">
@@ -2099,6 +2162,13 @@
     <dgm:pt modelId="{2F2CDFB5-A2BA-9249-843B-DAC0CACBF700}" type="pres">
       <dgm:prSet presAssocID="{E9CA60DA-C245-E949-8D0A-CFB13B830E39}" presName="rootConnector" presStyleLbl="node3" presStyleIdx="1" presStyleCnt="2"/>
       <dgm:spPr/>
+      <dgm:t>
+        <a:bodyPr/>
+        <a:lstStyle/>
+        <a:p>
+          <a:endParaRPr lang="en-US"/>
+        </a:p>
+      </dgm:t>
     </dgm:pt>
     <dgm:pt modelId="{7D3D6155-AA85-2947-9EC1-07D13B0C85D1}" type="pres">
       <dgm:prSet presAssocID="{E9CA60DA-C245-E949-8D0A-CFB13B830E39}" presName="hierChild4" presStyleCnt="0"/>
@@ -2114,26 +2184,26 @@
     </dgm:pt>
   </dgm:ptLst>
   <dgm:cxnLst>
-    <dgm:cxn modelId="{B9596E35-6DF2-2041-BD20-B90D8ED753B0}" type="presOf" srcId="{EDBA91B9-AAC5-A64B-90C4-F2BC6E978E0C}" destId="{1837F620-A098-7645-A20B-07EFC253820A}" srcOrd="0" destOrd="0" presId="urn:microsoft.com/office/officeart/2005/8/layout/orgChart1"/>
-    <dgm:cxn modelId="{870B7DE2-1A40-3E41-83F1-A02EB15BA59B}" type="presOf" srcId="{DB7E9D31-CD89-B54B-84D3-81E4A5440C61}" destId="{A74E31F6-DB94-E341-B4F3-A84CDE79C123}" srcOrd="0" destOrd="0" presId="urn:microsoft.com/office/officeart/2005/8/layout/orgChart1"/>
-    <dgm:cxn modelId="{E645BEFF-5270-9841-8E7C-011F341EA7E0}" type="presOf" srcId="{54A8F436-9069-F94F-8B0B-44C1706C34E4}" destId="{EB993652-BDFC-EA4A-B653-9AA1BE4821F4}" srcOrd="0" destOrd="0" presId="urn:microsoft.com/office/officeart/2005/8/layout/orgChart1"/>
-    <dgm:cxn modelId="{81440AE0-3B26-4A4B-AB8F-E96BFFC6C60A}" type="presOf" srcId="{E9CA60DA-C245-E949-8D0A-CFB13B830E39}" destId="{4D4FE7F9-AD3B-C345-B455-E7B6EB3D2D69}" srcOrd="0" destOrd="0" presId="urn:microsoft.com/office/officeart/2005/8/layout/orgChart1"/>
-    <dgm:cxn modelId="{96E660DC-7A92-564A-B6FA-A900CC98F0EB}" type="presOf" srcId="{8C50B956-5D3A-8C49-9356-3876DD53799A}" destId="{85239D1D-C7EA-834A-9AAE-4F46D551EC7B}" srcOrd="0" destOrd="0" presId="urn:microsoft.com/office/officeart/2005/8/layout/orgChart1"/>
-    <dgm:cxn modelId="{6CD67DBE-D87B-9143-AC6A-F213C389F5BC}" srcId="{9BB6B4A3-7024-9343-9BD0-26D60B1081A7}" destId="{EDBA91B9-AAC5-A64B-90C4-F2BC6E978E0C}" srcOrd="0" destOrd="0" parTransId="{8C50B956-5D3A-8C49-9356-3876DD53799A}" sibTransId="{204CF3B6-8599-FB46-8C4A-F92AA421AF37}"/>
-    <dgm:cxn modelId="{C60B227D-67A2-7F44-8F7F-0BAFF89E91B9}" type="presOf" srcId="{4F1EEA9B-E303-594A-9BF8-9D99CE05D852}" destId="{A3E37594-EFF8-F649-8E38-499CDBC88A03}" srcOrd="1" destOrd="0" presId="urn:microsoft.com/office/officeart/2005/8/layout/orgChart1"/>
-    <dgm:cxn modelId="{DC577B87-96B5-6949-A389-B777345B953B}" srcId="{54A8F436-9069-F94F-8B0B-44C1706C34E4}" destId="{9BB6B4A3-7024-9343-9BD0-26D60B1081A7}" srcOrd="1" destOrd="0" parTransId="{DB7E9D31-CD89-B54B-84D3-81E4A5440C61}" sibTransId="{B2CEABA2-57F2-064B-907C-3918AF0E4B8E}"/>
+    <dgm:cxn modelId="{15F17582-8DCD-904C-B9B4-DB43740CC0A2}" type="presOf" srcId="{87C373C6-CC72-264D-9F1B-41EBB8EE40AB}" destId="{F94CC450-CA7D-0347-B7D8-CB5A6271CB9F}" srcOrd="0" destOrd="0" presId="urn:microsoft.com/office/officeart/2005/8/layout/orgChart1"/>
+    <dgm:cxn modelId="{C2D43525-0AD0-B445-B89E-CF447A716090}" srcId="{53389F62-289C-4144-AB60-B6C5BA96FE21}" destId="{54A8F436-9069-F94F-8B0B-44C1706C34E4}" srcOrd="0" destOrd="0" parTransId="{0B55CC85-A63A-1642-B28D-3FB46C5A259D}" sibTransId="{C9121684-0BA7-ED47-8504-A9A7A04B9630}"/>
+    <dgm:cxn modelId="{2C44437B-75B0-7D4F-922C-674F526D13B4}" srcId="{54A8F436-9069-F94F-8B0B-44C1706C34E4}" destId="{4F1EEA9B-E303-594A-9BF8-9D99CE05D852}" srcOrd="0" destOrd="0" parTransId="{87C373C6-CC72-264D-9F1B-41EBB8EE40AB}" sibTransId="{BC546616-DA5B-DF4C-AC2D-B071865716F7}"/>
     <dgm:cxn modelId="{8E9A36D0-0842-DC43-B240-481E1D0059BD}" type="presOf" srcId="{EDBA91B9-AAC5-A64B-90C4-F2BC6E978E0C}" destId="{C47BD8BA-474A-844C-8BCE-0D0772085EF7}" srcOrd="1" destOrd="0" presId="urn:microsoft.com/office/officeart/2005/8/layout/orgChart1"/>
     <dgm:cxn modelId="{9CF3BEAB-4694-E94D-AC34-DE25FB8E98B0}" type="presOf" srcId="{54A8F436-9069-F94F-8B0B-44C1706C34E4}" destId="{0A6D261E-361B-A446-9A0C-F32B7D687C6A}" srcOrd="1" destOrd="0" presId="urn:microsoft.com/office/officeart/2005/8/layout/orgChart1"/>
+    <dgm:cxn modelId="{BB0F2F18-8C16-3348-B145-8A7047B3911F}" type="presOf" srcId="{7BC23183-3D1B-7549-B9DB-481B8FAFEDAB}" destId="{0B06B6D5-3879-424F-BDC5-B52A698B7EBB}" srcOrd="0" destOrd="0" presId="urn:microsoft.com/office/officeart/2005/8/layout/orgChart1"/>
+    <dgm:cxn modelId="{B9596E35-6DF2-2041-BD20-B90D8ED753B0}" type="presOf" srcId="{EDBA91B9-AAC5-A64B-90C4-F2BC6E978E0C}" destId="{1837F620-A098-7645-A20B-07EFC253820A}" srcOrd="0" destOrd="0" presId="urn:microsoft.com/office/officeart/2005/8/layout/orgChart1"/>
+    <dgm:cxn modelId="{0C4D57FE-ED34-B340-A6A0-94C918E69F50}" srcId="{4F1EEA9B-E303-594A-9BF8-9D99CE05D852}" destId="{E9CA60DA-C245-E949-8D0A-CFB13B830E39}" srcOrd="0" destOrd="0" parTransId="{7BC23183-3D1B-7549-B9DB-481B8FAFEDAB}" sibTransId="{30475585-800D-1749-B9A3-39CADAB04A79}"/>
+    <dgm:cxn modelId="{CB955EE9-7F33-1748-95A0-B5E2250CCB6F}" type="presOf" srcId="{53389F62-289C-4144-AB60-B6C5BA96FE21}" destId="{1A334592-912E-0E4D-AEC4-2A2EDA61792C}" srcOrd="0" destOrd="0" presId="urn:microsoft.com/office/officeart/2005/8/layout/orgChart1"/>
+    <dgm:cxn modelId="{81440AE0-3B26-4A4B-AB8F-E96BFFC6C60A}" type="presOf" srcId="{E9CA60DA-C245-E949-8D0A-CFB13B830E39}" destId="{4D4FE7F9-AD3B-C345-B455-E7B6EB3D2D69}" srcOrd="0" destOrd="0" presId="urn:microsoft.com/office/officeart/2005/8/layout/orgChart1"/>
+    <dgm:cxn modelId="{E645BEFF-5270-9841-8E7C-011F341EA7E0}" type="presOf" srcId="{54A8F436-9069-F94F-8B0B-44C1706C34E4}" destId="{EB993652-BDFC-EA4A-B653-9AA1BE4821F4}" srcOrd="0" destOrd="0" presId="urn:microsoft.com/office/officeart/2005/8/layout/orgChart1"/>
     <dgm:cxn modelId="{A08D9C5F-B3DC-8A47-BF98-5B6243738BA0}" type="presOf" srcId="{4F1EEA9B-E303-594A-9BF8-9D99CE05D852}" destId="{EF3D6B73-A00A-0F42-B3E6-D63CBE141F71}" srcOrd="0" destOrd="0" presId="urn:microsoft.com/office/officeart/2005/8/layout/orgChart1"/>
+    <dgm:cxn modelId="{96E660DC-7A92-564A-B6FA-A900CC98F0EB}" type="presOf" srcId="{8C50B956-5D3A-8C49-9356-3876DD53799A}" destId="{85239D1D-C7EA-834A-9AAE-4F46D551EC7B}" srcOrd="0" destOrd="0" presId="urn:microsoft.com/office/officeart/2005/8/layout/orgChart1"/>
+    <dgm:cxn modelId="{852C2DC6-DA7E-5149-9EDC-59AB0F34FF98}" type="presOf" srcId="{9BB6B4A3-7024-9343-9BD0-26D60B1081A7}" destId="{4410FC05-8AC9-3A48-8834-1AB4BBBC4C35}" srcOrd="1" destOrd="0" presId="urn:microsoft.com/office/officeart/2005/8/layout/orgChart1"/>
+    <dgm:cxn modelId="{C60B227D-67A2-7F44-8F7F-0BAFF89E91B9}" type="presOf" srcId="{4F1EEA9B-E303-594A-9BF8-9D99CE05D852}" destId="{A3E37594-EFF8-F649-8E38-499CDBC88A03}" srcOrd="1" destOrd="0" presId="urn:microsoft.com/office/officeart/2005/8/layout/orgChart1"/>
+    <dgm:cxn modelId="{50962AF5-836F-E44C-921C-C7948C7E0EEA}" type="presOf" srcId="{9BB6B4A3-7024-9343-9BD0-26D60B1081A7}" destId="{8E19568E-2C9A-2742-817B-DBE290276933}" srcOrd="0" destOrd="0" presId="urn:microsoft.com/office/officeart/2005/8/layout/orgChart1"/>
+    <dgm:cxn modelId="{870B7DE2-1A40-3E41-83F1-A02EB15BA59B}" type="presOf" srcId="{DB7E9D31-CD89-B54B-84D3-81E4A5440C61}" destId="{A74E31F6-DB94-E341-B4F3-A84CDE79C123}" srcOrd="0" destOrd="0" presId="urn:microsoft.com/office/officeart/2005/8/layout/orgChart1"/>
+    <dgm:cxn modelId="{6CD67DBE-D87B-9143-AC6A-F213C389F5BC}" srcId="{9BB6B4A3-7024-9343-9BD0-26D60B1081A7}" destId="{EDBA91B9-AAC5-A64B-90C4-F2BC6E978E0C}" srcOrd="0" destOrd="0" parTransId="{8C50B956-5D3A-8C49-9356-3876DD53799A}" sibTransId="{204CF3B6-8599-FB46-8C4A-F92AA421AF37}"/>
     <dgm:cxn modelId="{93DA6174-4413-434A-B634-894066876A42}" type="presOf" srcId="{E9CA60DA-C245-E949-8D0A-CFB13B830E39}" destId="{2F2CDFB5-A2BA-9249-843B-DAC0CACBF700}" srcOrd="1" destOrd="0" presId="urn:microsoft.com/office/officeart/2005/8/layout/orgChart1"/>
-    <dgm:cxn modelId="{50962AF5-836F-E44C-921C-C7948C7E0EEA}" type="presOf" srcId="{9BB6B4A3-7024-9343-9BD0-26D60B1081A7}" destId="{8E19568E-2C9A-2742-817B-DBE290276933}" srcOrd="0" destOrd="0" presId="urn:microsoft.com/office/officeart/2005/8/layout/orgChart1"/>
-    <dgm:cxn modelId="{2C44437B-75B0-7D4F-922C-674F526D13B4}" srcId="{54A8F436-9069-F94F-8B0B-44C1706C34E4}" destId="{4F1EEA9B-E303-594A-9BF8-9D99CE05D852}" srcOrd="0" destOrd="0" parTransId="{87C373C6-CC72-264D-9F1B-41EBB8EE40AB}" sibTransId="{BC546616-DA5B-DF4C-AC2D-B071865716F7}"/>
-    <dgm:cxn modelId="{852C2DC6-DA7E-5149-9EDC-59AB0F34FF98}" type="presOf" srcId="{9BB6B4A3-7024-9343-9BD0-26D60B1081A7}" destId="{4410FC05-8AC9-3A48-8834-1AB4BBBC4C35}" srcOrd="1" destOrd="0" presId="urn:microsoft.com/office/officeart/2005/8/layout/orgChart1"/>
-    <dgm:cxn modelId="{BB0F2F18-8C16-3348-B145-8A7047B3911F}" type="presOf" srcId="{7BC23183-3D1B-7549-B9DB-481B8FAFEDAB}" destId="{0B06B6D5-3879-424F-BDC5-B52A698B7EBB}" srcOrd="0" destOrd="0" presId="urn:microsoft.com/office/officeart/2005/8/layout/orgChart1"/>
-    <dgm:cxn modelId="{0C4D57FE-ED34-B340-A6A0-94C918E69F50}" srcId="{4F1EEA9B-E303-594A-9BF8-9D99CE05D852}" destId="{E9CA60DA-C245-E949-8D0A-CFB13B830E39}" srcOrd="0" destOrd="0" parTransId="{7BC23183-3D1B-7549-B9DB-481B8FAFEDAB}" sibTransId="{30475585-800D-1749-B9A3-39CADAB04A79}"/>
-    <dgm:cxn modelId="{15F17582-8DCD-904C-B9B4-DB43740CC0A2}" type="presOf" srcId="{87C373C6-CC72-264D-9F1B-41EBB8EE40AB}" destId="{F94CC450-CA7D-0347-B7D8-CB5A6271CB9F}" srcOrd="0" destOrd="0" presId="urn:microsoft.com/office/officeart/2005/8/layout/orgChart1"/>
-    <dgm:cxn modelId="{C2D43525-0AD0-B445-B89E-CF447A716090}" srcId="{53389F62-289C-4144-AB60-B6C5BA96FE21}" destId="{54A8F436-9069-F94F-8B0B-44C1706C34E4}" srcOrd="0" destOrd="0" parTransId="{0B55CC85-A63A-1642-B28D-3FB46C5A259D}" sibTransId="{C9121684-0BA7-ED47-8504-A9A7A04B9630}"/>
-    <dgm:cxn modelId="{CB955EE9-7F33-1748-95A0-B5E2250CCB6F}" type="presOf" srcId="{53389F62-289C-4144-AB60-B6C5BA96FE21}" destId="{1A334592-912E-0E4D-AEC4-2A2EDA61792C}" srcOrd="0" destOrd="0" presId="urn:microsoft.com/office/officeart/2005/8/layout/orgChart1"/>
+    <dgm:cxn modelId="{DC577B87-96B5-6949-A389-B777345B953B}" srcId="{54A8F436-9069-F94F-8B0B-44C1706C34E4}" destId="{9BB6B4A3-7024-9343-9BD0-26D60B1081A7}" srcOrd="1" destOrd="0" parTransId="{DB7E9D31-CD89-B54B-84D3-81E4A5440C61}" sibTransId="{B2CEABA2-57F2-064B-907C-3918AF0E4B8E}"/>
     <dgm:cxn modelId="{85640A55-45EE-D34C-9F1F-3B1C25323540}" type="presParOf" srcId="{1A334592-912E-0E4D-AEC4-2A2EDA61792C}" destId="{7E007A69-DF23-9E4F-8BC2-B0F593D8510C}" srcOrd="0" destOrd="0" presId="urn:microsoft.com/office/officeart/2005/8/layout/orgChart1"/>
     <dgm:cxn modelId="{6FA09F6A-917D-B24A-B488-4F8A5531F27B}" type="presParOf" srcId="{7E007A69-DF23-9E4F-8BC2-B0F593D8510C}" destId="{AF1799DA-7904-BA48-9215-B06118101318}" srcOrd="0" destOrd="0" presId="urn:microsoft.com/office/officeart/2005/8/layout/orgChart1"/>
     <dgm:cxn modelId="{B2517062-F341-B84C-82C6-1EDE9270837C}" type="presParOf" srcId="{AF1799DA-7904-BA48-9215-B06118101318}" destId="{EB993652-BDFC-EA4A-B653-9AA1BE4821F4}" srcOrd="0" destOrd="0" presId="urn:microsoft.com/office/officeart/2005/8/layout/orgChart1"/>
@@ -2173,7 +2243,7 @@
   <dgm:whole/>
   <dgm:extLst>
     <a:ext uri="http://schemas.microsoft.com/office/drawing/2008/diagram">
-      <dsp:dataModelExt xmlns:dsp="http://schemas.microsoft.com/office/drawing/2008/diagram" relId="rId6" minVer="http://schemas.openxmlformats.org/drawingml/2006/diagram"/>
+      <dsp:dataModelExt xmlns:dsp="http://schemas.microsoft.com/office/drawing/2008/diagram" relId="rId7" minVer="http://schemas.openxmlformats.org/drawingml/2006/diagram"/>
     </a:ext>
   </dgm:extLst>
 </dgm:dataModel>
@@ -5222,7 +5292,7 @@
           <a:p>
             <a:fld id="{92760EC3-7FD2-FF43-89D6-03661C27F508}" type="datetimeFigureOut">
               <a:rPr lang="en-US" smtClean="0"/>
-              <a:t>10/8/17</a:t>
+              <a:t>10/9/17</a:t>
             </a:fld>
             <a:endParaRPr lang="en-US"/>
           </a:p>
@@ -5574,6 +5644,593 @@
 </p:notes>
 </file>
 
+<file path=ppt/notesSlides/notesSlide2.xml><?xml version="1.0" encoding="utf-8"?>
+<p:notes xmlns:a="http://schemas.openxmlformats.org/drawingml/2006/main" xmlns:r="http://schemas.openxmlformats.org/officeDocument/2006/relationships" xmlns:p="http://schemas.openxmlformats.org/presentationml/2006/main">
+  <p:cSld>
+    <p:spTree>
+      <p:nvGrpSpPr>
+        <p:cNvPr id="1" name=""/>
+        <p:cNvGrpSpPr/>
+        <p:nvPr/>
+      </p:nvGrpSpPr>
+      <p:grpSpPr>
+        <a:xfrm>
+          <a:off x="0" y="0"/>
+          <a:ext cx="0" cy="0"/>
+          <a:chOff x="0" y="0"/>
+          <a:chExt cx="0" cy="0"/>
+        </a:xfrm>
+      </p:grpSpPr>
+      <p:sp>
+        <p:nvSpPr>
+          <p:cNvPr id="2" name="Slide Image Placeholder 1"/>
+          <p:cNvSpPr>
+            <a:spLocks noGrp="1" noRot="1" noChangeAspect="1"/>
+          </p:cNvSpPr>
+          <p:nvPr>
+            <p:ph type="sldImg"/>
+          </p:nvPr>
+        </p:nvSpPr>
+        <p:spPr/>
+      </p:sp>
+      <p:sp>
+        <p:nvSpPr>
+          <p:cNvPr id="3" name="Notes Placeholder 2"/>
+          <p:cNvSpPr>
+            <a:spLocks noGrp="1"/>
+          </p:cNvSpPr>
+          <p:nvPr>
+            <p:ph type="body" idx="1"/>
+          </p:nvPr>
+        </p:nvSpPr>
+        <p:spPr/>
+        <p:txBody>
+          <a:bodyPr/>
+          <a:lstStyle/>
+          <a:p>
+            <a:r>
+              <a:rPr lang="en-US" dirty="0" smtClean="0"/>
+              <a:t>502 at year two, 39 reported hard</a:t>
+            </a:r>
+            <a:r>
+              <a:rPr lang="en-US" baseline="0" dirty="0" smtClean="0"/>
+              <a:t> drug use at baseline, (defined as </a:t>
+            </a:r>
+            <a:r>
+              <a:rPr lang="en-US" baseline="0" dirty="0" err="1" smtClean="0"/>
+              <a:t>idu</a:t>
+            </a:r>
+            <a:r>
+              <a:rPr lang="en-US" baseline="0" dirty="0" smtClean="0"/>
+              <a:t>, heroin, or illicit opiates) 33 IDU, </a:t>
+            </a:r>
+          </a:p>
+          <a:p>
+            <a:r>
+              <a:rPr lang="en-US" baseline="0" dirty="0" smtClean="0"/>
+              <a:t>Change in 2 lab measures and 2 QOL measures- year 2 minus baseline</a:t>
+            </a:r>
+          </a:p>
+          <a:p>
+            <a:r>
+              <a:rPr lang="en-US" baseline="0" dirty="0" err="1" smtClean="0"/>
+              <a:t>Idu</a:t>
+            </a:r>
+            <a:r>
+              <a:rPr lang="en-US" baseline="0" dirty="0" smtClean="0"/>
+              <a:t> lower </a:t>
+            </a:r>
+            <a:r>
+              <a:rPr lang="en-US" baseline="0" dirty="0" err="1" smtClean="0"/>
+              <a:t>bmis</a:t>
+            </a:r>
+            <a:r>
+              <a:rPr lang="en-US" baseline="0" dirty="0" smtClean="0"/>
+              <a:t>, current smokers, more likely to be in the 10-40thousand than &gt;40, half were race other, </a:t>
+            </a:r>
+            <a:endParaRPr lang="en-US" dirty="0"/>
+          </a:p>
+        </p:txBody>
+      </p:sp>
+      <p:sp>
+        <p:nvSpPr>
+          <p:cNvPr id="4" name="Slide Number Placeholder 3"/>
+          <p:cNvSpPr>
+            <a:spLocks noGrp="1"/>
+          </p:cNvSpPr>
+          <p:nvPr>
+            <p:ph type="sldNum" sz="quarter" idx="10"/>
+          </p:nvPr>
+        </p:nvSpPr>
+        <p:spPr/>
+        <p:txBody>
+          <a:bodyPr/>
+          <a:lstStyle/>
+          <a:p>
+            <a:fld id="{87C4D014-3C19-164A-91DC-F941936BE9EA}" type="slidenum">
+              <a:rPr lang="en-US" smtClean="0"/>
+              <a:t>4</a:t>
+            </a:fld>
+            <a:endParaRPr lang="en-US"/>
+          </a:p>
+        </p:txBody>
+      </p:sp>
+    </p:spTree>
+    <p:extLst>
+      <p:ext uri="{BB962C8B-B14F-4D97-AF65-F5344CB8AC3E}">
+        <p14:creationId xmlns:p14="http://schemas.microsoft.com/office/powerpoint/2010/main" val="3074145927"/>
+      </p:ext>
+    </p:extLst>
+  </p:cSld>
+  <p:clrMapOvr>
+    <a:masterClrMapping/>
+  </p:clrMapOvr>
+</p:notes>
+</file>
+
+<file path=ppt/notesSlides/notesSlide3.xml><?xml version="1.0" encoding="utf-8"?>
+<p:notes xmlns:a="http://schemas.openxmlformats.org/drawingml/2006/main" xmlns:r="http://schemas.openxmlformats.org/officeDocument/2006/relationships" xmlns:p="http://schemas.openxmlformats.org/presentationml/2006/main">
+  <p:cSld>
+    <p:spTree>
+      <p:nvGrpSpPr>
+        <p:cNvPr id="1" name=""/>
+        <p:cNvGrpSpPr/>
+        <p:nvPr/>
+      </p:nvGrpSpPr>
+      <p:grpSpPr>
+        <a:xfrm>
+          <a:off x="0" y="0"/>
+          <a:ext cx="0" cy="0"/>
+          <a:chOff x="0" y="0"/>
+          <a:chExt cx="0" cy="0"/>
+        </a:xfrm>
+      </p:grpSpPr>
+      <p:sp>
+        <p:nvSpPr>
+          <p:cNvPr id="2" name="Slide Image Placeholder 1"/>
+          <p:cNvSpPr>
+            <a:spLocks noGrp="1" noRot="1" noChangeAspect="1"/>
+          </p:cNvSpPr>
+          <p:nvPr>
+            <p:ph type="sldImg"/>
+          </p:nvPr>
+        </p:nvSpPr>
+        <p:spPr/>
+      </p:sp>
+      <p:sp>
+        <p:nvSpPr>
+          <p:cNvPr id="3" name="Notes Placeholder 2"/>
+          <p:cNvSpPr>
+            <a:spLocks noGrp="1"/>
+          </p:cNvSpPr>
+          <p:nvPr>
+            <p:ph type="body" idx="1"/>
+          </p:nvPr>
+        </p:nvSpPr>
+        <p:spPr/>
+        <p:txBody>
+          <a:bodyPr/>
+          <a:lstStyle/>
+          <a:p>
+            <a:r>
+              <a:rPr lang="en-US" sz="1200" u="sng" kern="1200" dirty="0" smtClean="0">
+                <a:solidFill>
+                  <a:schemeClr val="tx1"/>
+                </a:solidFill>
+                <a:effectLst/>
+                <a:latin typeface="+mn-lt"/>
+                <a:ea typeface="+mn-ea"/>
+                <a:cs typeface="+mn-cs"/>
+              </a:rPr>
+              <a:t> </a:t>
+            </a:r>
+            <a:r>
+              <a:rPr lang="en-US" sz="1200" kern="1200" dirty="0" smtClean="0">
+                <a:solidFill>
+                  <a:schemeClr val="tx1"/>
+                </a:solidFill>
+                <a:effectLst/>
+                <a:latin typeface="+mn-lt"/>
+                <a:ea typeface="+mn-ea"/>
+                <a:cs typeface="+mn-cs"/>
+              </a:rPr>
+              <a:t>compares the crude estimates to the adjusted estimates for change in CD4 cell count. The crude model showed that the hard drug use group had a significant decrease in CD4 cells when compared to the controls (p=&lt;0.0001). After holding the covariates constant, the hard drug use group still had significantly less CD4 cell increases at an average of 166.61 (31.25) less than compared to controls (p=&lt;0.0001). </a:t>
+            </a:r>
+            <a:r>
+              <a:rPr lang="en-US" sz="1200" b="1" kern="1200" dirty="0" smtClean="0">
+                <a:solidFill>
+                  <a:schemeClr val="tx1"/>
+                </a:solidFill>
+                <a:effectLst/>
+                <a:latin typeface="+mn-lt"/>
+                <a:ea typeface="+mn-ea"/>
+                <a:cs typeface="+mn-cs"/>
+              </a:rPr>
+              <a:t>However, a partial f-test gave a critical f-value of 1.579 and was not significant (p=0.228). </a:t>
+            </a:r>
+            <a:endParaRPr lang="en-US" b="1" dirty="0"/>
+          </a:p>
+        </p:txBody>
+      </p:sp>
+      <p:sp>
+        <p:nvSpPr>
+          <p:cNvPr id="4" name="Slide Number Placeholder 3"/>
+          <p:cNvSpPr>
+            <a:spLocks noGrp="1"/>
+          </p:cNvSpPr>
+          <p:nvPr>
+            <p:ph type="sldNum" sz="quarter" idx="10"/>
+          </p:nvPr>
+        </p:nvSpPr>
+        <p:spPr/>
+        <p:txBody>
+          <a:bodyPr/>
+          <a:lstStyle/>
+          <a:p>
+            <a:fld id="{87C4D014-3C19-164A-91DC-F941936BE9EA}" type="slidenum">
+              <a:rPr lang="en-US" smtClean="0"/>
+              <a:t>5</a:t>
+            </a:fld>
+            <a:endParaRPr lang="en-US"/>
+          </a:p>
+        </p:txBody>
+      </p:sp>
+    </p:spTree>
+    <p:extLst>
+      <p:ext uri="{BB962C8B-B14F-4D97-AF65-F5344CB8AC3E}">
+        <p14:creationId xmlns:p14="http://schemas.microsoft.com/office/powerpoint/2010/main" val="2991213174"/>
+      </p:ext>
+    </p:extLst>
+  </p:cSld>
+  <p:clrMapOvr>
+    <a:masterClrMapping/>
+  </p:clrMapOvr>
+</p:notes>
+</file>
+
+<file path=ppt/notesSlides/notesSlide4.xml><?xml version="1.0" encoding="utf-8"?>
+<p:notes xmlns:a="http://schemas.openxmlformats.org/drawingml/2006/main" xmlns:r="http://schemas.openxmlformats.org/officeDocument/2006/relationships" xmlns:p="http://schemas.openxmlformats.org/presentationml/2006/main">
+  <p:cSld>
+    <p:spTree>
+      <p:nvGrpSpPr>
+        <p:cNvPr id="1" name=""/>
+        <p:cNvGrpSpPr/>
+        <p:nvPr/>
+      </p:nvGrpSpPr>
+      <p:grpSpPr>
+        <a:xfrm>
+          <a:off x="0" y="0"/>
+          <a:ext cx="0" cy="0"/>
+          <a:chOff x="0" y="0"/>
+          <a:chExt cx="0" cy="0"/>
+        </a:xfrm>
+      </p:grpSpPr>
+      <p:sp>
+        <p:nvSpPr>
+          <p:cNvPr id="2" name="Slide Image Placeholder 1"/>
+          <p:cNvSpPr>
+            <a:spLocks noGrp="1" noRot="1" noChangeAspect="1"/>
+          </p:cNvSpPr>
+          <p:nvPr>
+            <p:ph type="sldImg"/>
+          </p:nvPr>
+        </p:nvSpPr>
+        <p:spPr/>
+      </p:sp>
+      <p:sp>
+        <p:nvSpPr>
+          <p:cNvPr id="3" name="Notes Placeholder 2"/>
+          <p:cNvSpPr>
+            <a:spLocks noGrp="1"/>
+          </p:cNvSpPr>
+          <p:nvPr>
+            <p:ph type="body" idx="1"/>
+          </p:nvPr>
+        </p:nvSpPr>
+        <p:spPr/>
+        <p:txBody>
+          <a:bodyPr/>
+          <a:lstStyle/>
+          <a:p>
+            <a:r>
+              <a:rPr lang="en-US" sz="1200" kern="1200" dirty="0" smtClean="0">
+                <a:solidFill>
+                  <a:schemeClr val="tx1"/>
+                </a:solidFill>
+                <a:effectLst/>
+                <a:latin typeface="+mn-lt"/>
+                <a:ea typeface="+mn-ea"/>
+                <a:cs typeface="+mn-cs"/>
+              </a:rPr>
+              <a:t>compares the crude estimates to adjusted estimates for change in SF-36 aggregate physical health scores. After holding the covariates constant, the relationship between the hard drug use group is significantly strengthened when compared to the controls (p=0.0218). The changes in physical health scores were an average 3.22 (1.4) less than controls. A partial f-test did not find the adjusted model to be significant when compared to the crude model (p=0.55). </a:t>
+            </a:r>
+            <a:endParaRPr lang="en-US" dirty="0"/>
+          </a:p>
+        </p:txBody>
+      </p:sp>
+      <p:sp>
+        <p:nvSpPr>
+          <p:cNvPr id="4" name="Slide Number Placeholder 3"/>
+          <p:cNvSpPr>
+            <a:spLocks noGrp="1"/>
+          </p:cNvSpPr>
+          <p:nvPr>
+            <p:ph type="sldNum" sz="quarter" idx="10"/>
+          </p:nvPr>
+        </p:nvSpPr>
+        <p:spPr/>
+        <p:txBody>
+          <a:bodyPr/>
+          <a:lstStyle/>
+          <a:p>
+            <a:fld id="{87C4D014-3C19-164A-91DC-F941936BE9EA}" type="slidenum">
+              <a:rPr lang="en-US" smtClean="0"/>
+              <a:t>6</a:t>
+            </a:fld>
+            <a:endParaRPr lang="en-US"/>
+          </a:p>
+        </p:txBody>
+      </p:sp>
+    </p:spTree>
+    <p:extLst>
+      <p:ext uri="{BB962C8B-B14F-4D97-AF65-F5344CB8AC3E}">
+        <p14:creationId xmlns:p14="http://schemas.microsoft.com/office/powerpoint/2010/main" val="161445531"/>
+      </p:ext>
+    </p:extLst>
+  </p:cSld>
+  <p:clrMapOvr>
+    <a:masterClrMapping/>
+  </p:clrMapOvr>
+</p:notes>
+</file>
+
+<file path=ppt/notesSlides/notesSlide5.xml><?xml version="1.0" encoding="utf-8"?>
+<p:notes xmlns:a="http://schemas.openxmlformats.org/drawingml/2006/main" xmlns:r="http://schemas.openxmlformats.org/officeDocument/2006/relationships" xmlns:p="http://schemas.openxmlformats.org/presentationml/2006/main">
+  <p:cSld>
+    <p:spTree>
+      <p:nvGrpSpPr>
+        <p:cNvPr id="1" name=""/>
+        <p:cNvGrpSpPr/>
+        <p:nvPr/>
+      </p:nvGrpSpPr>
+      <p:grpSpPr>
+        <a:xfrm>
+          <a:off x="0" y="0"/>
+          <a:ext cx="0" cy="0"/>
+          <a:chOff x="0" y="0"/>
+          <a:chExt cx="0" cy="0"/>
+        </a:xfrm>
+      </p:grpSpPr>
+      <p:sp>
+        <p:nvSpPr>
+          <p:cNvPr id="2" name="Slide Image Placeholder 1"/>
+          <p:cNvSpPr>
+            <a:spLocks noGrp="1" noRot="1" noChangeAspect="1"/>
+          </p:cNvSpPr>
+          <p:nvPr>
+            <p:ph type="sldImg"/>
+          </p:nvPr>
+        </p:nvSpPr>
+        <p:spPr/>
+      </p:sp>
+      <p:sp>
+        <p:nvSpPr>
+          <p:cNvPr id="3" name="Notes Placeholder 2"/>
+          <p:cNvSpPr>
+            <a:spLocks noGrp="1"/>
+          </p:cNvSpPr>
+          <p:nvPr>
+            <p:ph type="body" idx="1"/>
+          </p:nvPr>
+        </p:nvSpPr>
+        <p:spPr/>
+        <p:txBody>
+          <a:bodyPr/>
+          <a:lstStyle/>
+          <a:p>
+            <a:pPr marL="0" marR="0" indent="0" algn="l" defTabSz="457200" rtl="0" eaLnBrk="1" fontAlgn="auto" latinLnBrk="0" hangingPunct="1">
+              <a:lnSpc>
+                <a:spcPct val="100000"/>
+              </a:lnSpc>
+              <a:spcBef>
+                <a:spcPts val="0"/>
+              </a:spcBef>
+              <a:spcAft>
+                <a:spcPts val="0"/>
+              </a:spcAft>
+              <a:buClrTx/>
+              <a:buSzTx/>
+              <a:buFontTx/>
+              <a:buNone/>
+              <a:tabLst/>
+              <a:defRPr/>
+            </a:pPr>
+            <a:r>
+              <a:rPr lang="en-US" sz="1200" kern="1200" dirty="0" smtClean="0">
+                <a:solidFill>
+                  <a:schemeClr val="tx1"/>
+                </a:solidFill>
+                <a:effectLst/>
+                <a:latin typeface="+mn-lt"/>
+                <a:ea typeface="+mn-ea"/>
+                <a:cs typeface="+mn-cs"/>
+              </a:rPr>
+              <a:t>Hard drug use associated with lower cd4 cell count, </a:t>
+            </a:r>
+          </a:p>
+          <a:p>
+            <a:pPr marL="0" marR="0" indent="0" algn="l" defTabSz="457200" rtl="0" eaLnBrk="1" fontAlgn="auto" latinLnBrk="0" hangingPunct="1">
+              <a:lnSpc>
+                <a:spcPct val="100000"/>
+              </a:lnSpc>
+              <a:spcBef>
+                <a:spcPts val="0"/>
+              </a:spcBef>
+              <a:spcAft>
+                <a:spcPts val="0"/>
+              </a:spcAft>
+              <a:buClrTx/>
+              <a:buSzTx/>
+              <a:buFontTx/>
+              <a:buNone/>
+              <a:tabLst/>
+              <a:defRPr/>
+            </a:pPr>
+            <a:r>
+              <a:rPr lang="en-US" sz="1200" kern="1200" dirty="0" smtClean="0">
+                <a:solidFill>
+                  <a:schemeClr val="tx1"/>
+                </a:solidFill>
+                <a:effectLst/>
+                <a:latin typeface="+mn-lt"/>
+                <a:ea typeface="+mn-ea"/>
+                <a:cs typeface="+mn-cs"/>
+              </a:rPr>
+              <a:t>Partial f did not find adjusted model best</a:t>
+            </a:r>
+            <a:r>
+              <a:rPr lang="en-US" sz="1200" kern="1200" baseline="0" dirty="0" smtClean="0">
+                <a:solidFill>
+                  <a:schemeClr val="tx1"/>
+                </a:solidFill>
+                <a:effectLst/>
+                <a:latin typeface="+mn-lt"/>
+                <a:ea typeface="+mn-ea"/>
+                <a:cs typeface="+mn-cs"/>
+              </a:rPr>
+              <a:t> fit, </a:t>
+            </a:r>
+            <a:r>
+              <a:rPr lang="en-US" sz="1200" kern="1200" dirty="0" err="1" smtClean="0">
+                <a:solidFill>
+                  <a:schemeClr val="tx1"/>
+                </a:solidFill>
+                <a:effectLst/>
+                <a:latin typeface="+mn-lt"/>
+                <a:ea typeface="+mn-ea"/>
+                <a:cs typeface="+mn-cs"/>
+              </a:rPr>
+              <a:t>Colinear</a:t>
+            </a:r>
+            <a:r>
+              <a:rPr lang="en-US" sz="1200" kern="1200" dirty="0" smtClean="0">
+                <a:solidFill>
+                  <a:schemeClr val="tx1"/>
+                </a:solidFill>
+                <a:effectLst/>
+                <a:latin typeface="+mn-lt"/>
+                <a:ea typeface="+mn-ea"/>
+                <a:cs typeface="+mn-cs"/>
+              </a:rPr>
+              <a:t> Income,</a:t>
+            </a:r>
+            <a:r>
+              <a:rPr lang="en-US" sz="1200" kern="1200" baseline="0" dirty="0" smtClean="0">
+                <a:solidFill>
+                  <a:schemeClr val="tx1"/>
+                </a:solidFill>
+                <a:effectLst/>
+                <a:latin typeface="+mn-lt"/>
+                <a:ea typeface="+mn-ea"/>
+                <a:cs typeface="+mn-cs"/>
+              </a:rPr>
+              <a:t> </a:t>
+            </a:r>
+            <a:r>
+              <a:rPr lang="en-US" sz="1200" kern="1200" dirty="0" smtClean="0">
+                <a:solidFill>
+                  <a:schemeClr val="tx1"/>
+                </a:solidFill>
+                <a:effectLst/>
+                <a:latin typeface="+mn-lt"/>
+                <a:ea typeface="+mn-ea"/>
+                <a:cs typeface="+mn-cs"/>
+              </a:rPr>
+              <a:t>high school variables were weakly correlated (r=-0.19, p=&lt;0.0001), </a:t>
+            </a:r>
+          </a:p>
+          <a:p>
+            <a:pPr marL="0" marR="0" indent="0" algn="l" defTabSz="457200" rtl="0" eaLnBrk="1" fontAlgn="auto" latinLnBrk="0" hangingPunct="1">
+              <a:lnSpc>
+                <a:spcPct val="100000"/>
+              </a:lnSpc>
+              <a:spcBef>
+                <a:spcPts val="0"/>
+              </a:spcBef>
+              <a:spcAft>
+                <a:spcPts val="0"/>
+              </a:spcAft>
+              <a:buClrTx/>
+              <a:buSzTx/>
+              <a:buFontTx/>
+              <a:buNone/>
+              <a:tabLst/>
+              <a:defRPr/>
+            </a:pPr>
+            <a:r>
+              <a:rPr lang="en-US" sz="1200" kern="1200" dirty="0" smtClean="0">
+                <a:solidFill>
+                  <a:schemeClr val="tx1"/>
+                </a:solidFill>
+                <a:effectLst/>
+                <a:latin typeface="+mn-lt"/>
+                <a:ea typeface="+mn-ea"/>
+                <a:cs typeface="+mn-cs"/>
+              </a:rPr>
+              <a:t>Limitation- 27 hard drug users were</a:t>
+            </a:r>
+            <a:r>
+              <a:rPr lang="en-US" sz="1200" kern="1200" baseline="0" dirty="0" smtClean="0">
+                <a:solidFill>
+                  <a:schemeClr val="tx1"/>
+                </a:solidFill>
+                <a:effectLst/>
+                <a:latin typeface="+mn-lt"/>
+                <a:ea typeface="+mn-ea"/>
+                <a:cs typeface="+mn-cs"/>
+              </a:rPr>
+              <a:t> lost to follow up</a:t>
+            </a:r>
+            <a:endParaRPr lang="en-US" dirty="0"/>
+          </a:p>
+        </p:txBody>
+      </p:sp>
+      <p:sp>
+        <p:nvSpPr>
+          <p:cNvPr id="4" name="Slide Number Placeholder 3"/>
+          <p:cNvSpPr>
+            <a:spLocks noGrp="1"/>
+          </p:cNvSpPr>
+          <p:nvPr>
+            <p:ph type="sldNum" sz="quarter" idx="10"/>
+          </p:nvPr>
+        </p:nvSpPr>
+        <p:spPr/>
+        <p:txBody>
+          <a:bodyPr/>
+          <a:lstStyle/>
+          <a:p>
+            <a:fld id="{87C4D014-3C19-164A-91DC-F941936BE9EA}" type="slidenum">
+              <a:rPr lang="en-US" smtClean="0"/>
+              <a:t>7</a:t>
+            </a:fld>
+            <a:endParaRPr lang="en-US"/>
+          </a:p>
+        </p:txBody>
+      </p:sp>
+    </p:spTree>
+    <p:extLst>
+      <p:ext uri="{BB962C8B-B14F-4D97-AF65-F5344CB8AC3E}">
+        <p14:creationId xmlns:p14="http://schemas.microsoft.com/office/powerpoint/2010/main" val="2268441155"/>
+      </p:ext>
+    </p:extLst>
+  </p:cSld>
+  <p:clrMapOvr>
+    <a:masterClrMapping/>
+  </p:clrMapOvr>
+</p:notes>
+</file>
+
 <file path=ppt/slideLayouts/slideLayout1.xml><?xml version="1.0" encoding="utf-8"?>
 <p:sldLayout xmlns:a="http://schemas.openxmlformats.org/drawingml/2006/main" xmlns:r="http://schemas.openxmlformats.org/officeDocument/2006/relationships" xmlns:p="http://schemas.openxmlformats.org/presentationml/2006/main" showMasterSp="0" type="title" preserve="1">
   <p:cSld name="Title Slide">
@@ -5768,7 +6425,7 @@
             <a:fld id="{451DEABC-D766-4322-8E78-B830FAE35C72}" type="datetime4">
               <a:rPr lang="en-US" smtClean="0"/>
               <a:pPr/>
-              <a:t>October 8, 2017</a:t>
+              <a:t>October 9, 2017</a:t>
             </a:fld>
             <a:endParaRPr lang="en-US" dirty="0"/>
           </a:p>
@@ -6035,7 +6692,7 @@
             <a:fld id="{F3131F9E-604E-4343-9F29-EF72E8231CAD}" type="datetime4">
               <a:rPr lang="en-US" smtClean="0"/>
               <a:pPr/>
-              <a:t>October 8, 2017</a:t>
+              <a:t>October 9, 2017</a:t>
             </a:fld>
             <a:endParaRPr lang="en-US"/>
           </a:p>
@@ -6212,7 +6869,7 @@
             <a:fld id="{34A8E1CE-37F8-4102-8DF9-852A0A51F293}" type="datetime4">
               <a:rPr lang="en-US" smtClean="0"/>
               <a:pPr/>
-              <a:t>October 8, 2017</a:t>
+              <a:t>October 9, 2017</a:t>
             </a:fld>
             <a:endParaRPr lang="en-US"/>
           </a:p>
@@ -6379,7 +7036,7 @@
             <a:fld id="{93333F43-3E86-47E4-BFBB-2476D384E1C6}" type="datetime4">
               <a:rPr lang="en-US" smtClean="0"/>
               <a:pPr/>
-              <a:t>October 8, 2017</a:t>
+              <a:t>October 9, 2017</a:t>
             </a:fld>
             <a:endParaRPr lang="en-US"/>
           </a:p>
@@ -6630,7 +7287,7 @@
             <a:fld id="{751663BA-01FC-4367-B6F3-ABB2645D55F1}" type="datetime4">
               <a:rPr lang="en-US" smtClean="0"/>
               <a:pPr/>
-              <a:t>October 8, 2017</a:t>
+              <a:t>October 9, 2017</a:t>
             </a:fld>
             <a:endParaRPr lang="en-US" dirty="0"/>
           </a:p>
@@ -6915,7 +7572,7 @@
             <a:fld id="{79B19C71-EC74-44AF-B27E-FC7DC3C3A61D}" type="datetime4">
               <a:rPr lang="en-US" smtClean="0"/>
               <a:pPr/>
-              <a:t>October 8, 2017</a:t>
+              <a:t>October 9, 2017</a:t>
             </a:fld>
             <a:endParaRPr lang="en-US"/>
           </a:p>
@@ -7356,7 +8013,7 @@
             <a:fld id="{6A5CDA29-3CBE-48EA-92AE-A996835462BA}" type="datetime4">
               <a:rPr lang="en-US" smtClean="0"/>
               <a:pPr/>
-              <a:t>October 8, 2017</a:t>
+              <a:t>October 9, 2017</a:t>
             </a:fld>
             <a:endParaRPr lang="en-US"/>
           </a:p>
@@ -7471,7 +8128,7 @@
             <a:fld id="{E29EC054-3869-4501-B163-1BBFDE8DCE04}" type="datetime4">
               <a:rPr lang="en-US" smtClean="0"/>
               <a:pPr/>
-              <a:t>October 8, 2017</a:t>
+              <a:t>October 9, 2017</a:t>
             </a:fld>
             <a:endParaRPr lang="en-US"/>
           </a:p>
@@ -7563,7 +8220,7 @@
             <a:fld id="{0A63D831-56C1-49CF-8EF7-8B9A98402BCD}" type="datetime4">
               <a:rPr lang="en-US" smtClean="0"/>
               <a:pPr/>
-              <a:t>October 8, 2017</a:t>
+              <a:t>October 9, 2017</a:t>
             </a:fld>
             <a:endParaRPr lang="en-US"/>
           </a:p>
@@ -7807,7 +8464,7 @@
             <a:fld id="{6EAD5615-7F4F-4584-84D5-CC95918C321F}" type="datetime4">
               <a:rPr lang="en-US" smtClean="0"/>
               <a:pPr/>
-              <a:t>October 8, 2017</a:t>
+              <a:t>October 9, 2017</a:t>
             </a:fld>
             <a:endParaRPr lang="en-US"/>
           </a:p>
@@ -8103,7 +8760,7 @@
             <a:fld id="{76EEA923-9BEE-48CE-9F28-5B525F399BAD}" type="datetime4">
               <a:rPr lang="en-US" smtClean="0"/>
               <a:pPr/>
-              <a:t>October 8, 2017</a:t>
+              <a:t>October 9, 2017</a:t>
             </a:fld>
             <a:endParaRPr lang="en-US"/>
           </a:p>
@@ -8399,7 +9056,7 @@
             <a:fld id="{17D0EFEE-2756-4A20-BF2A-63F0A94F99AC}" type="datetime4">
               <a:rPr lang="en-US" smtClean="0"/>
               <a:pPr/>
-              <a:t>October 8, 2017</a:t>
+              <a:t>October 9, 2017</a:t>
             </a:fld>
             <a:endParaRPr lang="en-US" dirty="0"/>
           </a:p>
@@ -9015,7 +9672,6 @@
               <a:rPr lang="en-US" b="0" dirty="0"/>
               <a:t>?</a:t>
             </a:r>
-            <a:endParaRPr lang="en-US" b="0" dirty="0"/>
           </a:p>
           <a:p>
             <a:endParaRPr lang="en-US" dirty="0"/>
@@ -9932,11 +10588,11 @@
   <p:clrMapOvr>
     <a:masterClrMapping/>
   </p:clrMapOvr>
-  <mc:AlternateContent xmlns:mc="http://schemas.openxmlformats.org/markup-compatibility/2006">
-    <mc:Choice xmlns:p14="http://schemas.microsoft.com/office/powerpoint/2010/main" Requires="p14">
+  <mc:AlternateContent xmlns:mc="http://schemas.openxmlformats.org/markup-compatibility/2006" xmlns:p14="http://schemas.microsoft.com/office/powerpoint/2010/main">
+    <mc:Choice Requires="p14">
       <p:transition p14:dur="0"/>
     </mc:Choice>
-    <mc:Fallback>
+    <mc:Fallback xmlns="">
       <p:transition xmlns:p14="http://schemas.microsoft.com/office/powerpoint/2010/main"/>
     </mc:Fallback>
   </mc:AlternateContent>
@@ -10158,11 +10814,7 @@
             </a:r>
             <a:r>
               <a:rPr lang="en-US" dirty="0"/>
-              <a:t>and other illicit opiates (n=12)</a:t>
-            </a:r>
-            <a:r>
-              <a:rPr lang="en-US" dirty="0"/>
-              <a:t> </a:t>
+              <a:t>and other illicit opiates (n=12) </a:t>
             </a:r>
           </a:p>
           <a:p>
@@ -11916,7 +12568,7 @@
         </p:xfrm>
         <a:graphic>
           <a:graphicData uri="http://schemas.openxmlformats.org/drawingml/2006/chart">
-            <c:chart xmlns:c="http://schemas.openxmlformats.org/drawingml/2006/chart" xmlns:r="http://schemas.openxmlformats.org/officeDocument/2006/relationships" r:id="rId2"/>
+            <c:chart xmlns:c="http://schemas.openxmlformats.org/drawingml/2006/chart" xmlns:r="http://schemas.openxmlformats.org/officeDocument/2006/relationships" r:id="rId3"/>
           </a:graphicData>
         </a:graphic>
       </p:graphicFrame>
@@ -11940,7 +12592,7 @@
         </p:xfrm>
         <a:graphic>
           <a:graphicData uri="http://schemas.openxmlformats.org/drawingml/2006/chart">
-            <c:chart xmlns:c="http://schemas.openxmlformats.org/drawingml/2006/chart" xmlns:r="http://schemas.openxmlformats.org/officeDocument/2006/relationships" r:id="rId3"/>
+            <c:chart xmlns:c="http://schemas.openxmlformats.org/drawingml/2006/chart" xmlns:r="http://schemas.openxmlformats.org/officeDocument/2006/relationships" r:id="rId4"/>
           </a:graphicData>
         </a:graphic>
       </p:graphicFrame>
@@ -13056,7 +13708,7 @@
         </p:xfrm>
         <a:graphic>
           <a:graphicData uri="http://schemas.openxmlformats.org/drawingml/2006/chart">
-            <c:chart xmlns:c="http://schemas.openxmlformats.org/drawingml/2006/chart" xmlns:r="http://schemas.openxmlformats.org/officeDocument/2006/relationships" r:id="rId2"/>
+            <c:chart xmlns:c="http://schemas.openxmlformats.org/drawingml/2006/chart" xmlns:r="http://schemas.openxmlformats.org/officeDocument/2006/relationships" r:id="rId3"/>
           </a:graphicData>
         </a:graphic>
       </p:graphicFrame>
@@ -13080,7 +13732,7 @@
         </p:xfrm>
         <a:graphic>
           <a:graphicData uri="http://schemas.openxmlformats.org/drawingml/2006/chart">
-            <c:chart xmlns:c="http://schemas.openxmlformats.org/drawingml/2006/chart" xmlns:r="http://schemas.openxmlformats.org/officeDocument/2006/relationships" r:id="rId3"/>
+            <c:chart xmlns:c="http://schemas.openxmlformats.org/drawingml/2006/chart" xmlns:r="http://schemas.openxmlformats.org/officeDocument/2006/relationships" r:id="rId4"/>
           </a:graphicData>
         </a:graphic>
       </p:graphicFrame>
@@ -14091,6 +14743,13 @@
   <p:clrMapOvr>
     <a:masterClrMapping/>
   </p:clrMapOvr>
+  <p:timing>
+    <p:tnLst>
+      <p:par>
+        <p:cTn xmlns:p14="http://schemas.microsoft.com/office/powerpoint/2010/main" id="1" dur="indefinite" restart="never" nodeType="tmRoot"/>
+      </p:par>
+    </p:tnLst>
+  </p:timing>
 </p:sld>
 </file>
 
@@ -14179,18 +14838,34 @@
               <a:rPr lang="en-US" b="0" dirty="0"/>
               <a:t>change in CD4 cell count after two years was significantly less (-166.61 [31.25]) in the group that reported hard drug use prior to treatment initialization (p=&lt;0.0001) </a:t>
             </a:r>
+            <a:endParaRPr lang="en-US" b="0" dirty="0" smtClean="0"/>
+          </a:p>
+          <a:p>
+            <a:pPr marL="342900" indent="-342900">
+              <a:buFont typeface="Arial"/>
+              <a:buChar char="•"/>
+            </a:pPr>
             <a:r>
               <a:rPr lang="en-US" b="0" dirty="0" smtClean="0"/>
-              <a:t>in both the crude and adjusted models. </a:t>
-            </a:r>
-          </a:p>
-          <a:p>
+              <a:t>Crude </a:t>
+            </a:r>
+            <a:r>
+              <a:rPr lang="en-US" b="0" dirty="0" smtClean="0"/>
+              <a:t>and adjusted </a:t>
+            </a:r>
+            <a:r>
+              <a:rPr lang="en-US" b="0" dirty="0" smtClean="0"/>
+              <a:t>models</a:t>
+            </a:r>
             <a:endParaRPr lang="en-US" b="0" dirty="0" smtClean="0"/>
           </a:p>
           <a:p>
+            <a:endParaRPr lang="en-US" b="0" dirty="0" smtClean="0"/>
+          </a:p>
+          <a:p>
             <a:r>
               <a:rPr lang="en-US" dirty="0" smtClean="0"/>
-              <a:t>Limitations (MCAR or MNAR):</a:t>
+              <a:t>Limitations (MCAR, MAR, MNAR):</a:t>
             </a:r>
           </a:p>
           <a:p>
@@ -14226,10 +14901,95 @@
         </p:xfrm>
         <a:graphic>
           <a:graphicData uri="http://schemas.openxmlformats.org/drawingml/2006/diagram">
-            <dgm:relIds xmlns:dgm="http://schemas.openxmlformats.org/drawingml/2006/diagram" xmlns:r="http://schemas.openxmlformats.org/officeDocument/2006/relationships" r:dm="rId2" r:lo="rId3" r:qs="rId4" r:cs="rId5"/>
+            <dgm:relIds xmlns:dgm="http://schemas.openxmlformats.org/drawingml/2006/diagram" xmlns:r="http://schemas.openxmlformats.org/officeDocument/2006/relationships" r:dm="rId3" r:lo="rId4" r:qs="rId5" r:cs="rId6"/>
           </a:graphicData>
         </a:graphic>
       </p:graphicFrame>
+      <p:sp>
+        <p:nvSpPr>
+          <p:cNvPr id="5" name="TextBox 4"/>
+          <p:cNvSpPr txBox="1"/>
+          <p:nvPr/>
+        </p:nvSpPr>
+        <p:spPr>
+          <a:xfrm>
+            <a:off x="6718940" y="5345271"/>
+            <a:ext cx="2169689" cy="646331"/>
+          </a:xfrm>
+          <a:prstGeom prst="rect">
+            <a:avLst/>
+          </a:prstGeom>
+        </p:spPr>
+        <p:style>
+          <a:lnRef idx="2">
+            <a:schemeClr val="accent1"/>
+          </a:lnRef>
+          <a:fillRef idx="1">
+            <a:schemeClr val="lt1"/>
+          </a:fillRef>
+          <a:effectRef idx="0">
+            <a:schemeClr val="accent1"/>
+          </a:effectRef>
+          <a:fontRef idx="minor">
+            <a:schemeClr val="dk1"/>
+          </a:fontRef>
+        </p:style>
+        <p:txBody>
+          <a:bodyPr wrap="square" rtlCol="0">
+            <a:spAutoFit/>
+          </a:bodyPr>
+          <a:lstStyle/>
+          <a:p>
+            <a:r>
+              <a:rPr lang="en-US" sz="1200" dirty="0" smtClean="0"/>
+              <a:t>Reported lowest aggregate physical health scores </a:t>
+            </a:r>
+          </a:p>
+          <a:p>
+            <a:r>
+              <a:rPr lang="en-US" sz="1200" dirty="0" smtClean="0"/>
+              <a:t>(40.49 </a:t>
+            </a:r>
+            <a:r>
+              <a:rPr lang="en-US" sz="1200" dirty="0"/>
+              <a:t>[9.58]). </a:t>
+            </a:r>
+          </a:p>
+        </p:txBody>
+      </p:sp>
+      <p:cxnSp>
+        <p:nvCxnSpPr>
+          <p:cNvPr id="7" name="Straight Arrow Connector 6"/>
+          <p:cNvCxnSpPr/>
+          <p:nvPr/>
+        </p:nvCxnSpPr>
+        <p:spPr>
+          <a:xfrm flipV="1">
+            <a:off x="5930442" y="5345271"/>
+            <a:ext cx="702100" cy="293508"/>
+          </a:xfrm>
+          <a:prstGeom prst="straightConnector1">
+            <a:avLst/>
+          </a:prstGeom>
+          <a:ln>
+            <a:tailEnd type="arrow"/>
+          </a:ln>
+        </p:spPr>
+        <p:style>
+          <a:lnRef idx="2">
+            <a:schemeClr val="accent1"/>
+          </a:lnRef>
+          <a:fillRef idx="0">
+            <a:schemeClr val="accent1"/>
+          </a:fillRef>
+          <a:effectRef idx="1">
+            <a:schemeClr val="accent1"/>
+          </a:effectRef>
+          <a:fontRef idx="minor">
+            <a:schemeClr val="tx1"/>
+          </a:fontRef>
+        </p:style>
+      </p:cxnSp>
     </p:spTree>
     <p:extLst>
       <p:ext uri="{BB962C8B-B14F-4D97-AF65-F5344CB8AC3E}">
@@ -14240,6 +15000,165 @@
   <p:clrMapOvr>
     <a:masterClrMapping/>
   </p:clrMapOvr>
+  <p:timing>
+    <p:tnLst>
+      <p:par>
+        <p:cTn xmlns:p14="http://schemas.microsoft.com/office/powerpoint/2010/main" id="1" dur="indefinite" restart="never" nodeType="tmRoot">
+          <p:childTnLst>
+            <p:seq concurrent="1" nextAc="seek">
+              <p:cTn id="2" dur="indefinite" nodeType="mainSeq">
+                <p:childTnLst>
+                  <p:par>
+                    <p:cTn id="3" fill="hold">
+                      <p:stCondLst>
+                        <p:cond delay="indefinite"/>
+                      </p:stCondLst>
+                      <p:childTnLst>
+                        <p:par>
+                          <p:cTn id="4" fill="hold">
+                            <p:stCondLst>
+                              <p:cond delay="0"/>
+                            </p:stCondLst>
+                            <p:childTnLst>
+                              <p:par>
+                                <p:cTn id="5" presetID="37" presetClass="entr" presetSubtype="0" fill="hold" grpId="0" nodeType="clickEffect">
+                                  <p:stCondLst>
+                                    <p:cond delay="0"/>
+                                  </p:stCondLst>
+                                  <p:childTnLst>
+                                    <p:set>
+                                      <p:cBhvr>
+                                        <p:cTn id="6" dur="1" fill="hold">
+                                          <p:stCondLst>
+                                            <p:cond delay="0"/>
+                                          </p:stCondLst>
+                                        </p:cTn>
+                                        <p:tgtEl>
+                                          <p:spTgt spid="5"/>
+                                        </p:tgtEl>
+                                        <p:attrNameLst>
+                                          <p:attrName>style.visibility</p:attrName>
+                                        </p:attrNameLst>
+                                      </p:cBhvr>
+                                      <p:to>
+                                        <p:strVal val="visible"/>
+                                      </p:to>
+                                    </p:set>
+                                    <p:animEffect transition="in" filter="fade">
+                                      <p:cBhvr>
+                                        <p:cTn id="7" dur="1000"/>
+                                        <p:tgtEl>
+                                          <p:spTgt spid="5"/>
+                                        </p:tgtEl>
+                                      </p:cBhvr>
+                                    </p:animEffect>
+                                    <p:anim calcmode="lin" valueType="num">
+                                      <p:cBhvr>
+                                        <p:cTn id="8" dur="1000" fill="hold"/>
+                                        <p:tgtEl>
+                                          <p:spTgt spid="5"/>
+                                        </p:tgtEl>
+                                        <p:attrNameLst>
+                                          <p:attrName>ppt_x</p:attrName>
+                                        </p:attrNameLst>
+                                      </p:cBhvr>
+                                      <p:tavLst>
+                                        <p:tav tm="0">
+                                          <p:val>
+                                            <p:strVal val="#ppt_x"/>
+                                          </p:val>
+                                        </p:tav>
+                                        <p:tav tm="100000">
+                                          <p:val>
+                                            <p:strVal val="#ppt_x"/>
+                                          </p:val>
+                                        </p:tav>
+                                      </p:tavLst>
+                                    </p:anim>
+                                    <p:anim calcmode="lin" valueType="num">
+                                      <p:cBhvr>
+                                        <p:cTn id="9" dur="900" decel="100000" fill="hold"/>
+                                        <p:tgtEl>
+                                          <p:spTgt spid="5"/>
+                                        </p:tgtEl>
+                                        <p:attrNameLst>
+                                          <p:attrName>ppt_y</p:attrName>
+                                        </p:attrNameLst>
+                                      </p:cBhvr>
+                                      <p:tavLst>
+                                        <p:tav tm="0">
+                                          <p:val>
+                                            <p:strVal val="#ppt_y+1"/>
+                                          </p:val>
+                                        </p:tav>
+                                        <p:tav tm="100000">
+                                          <p:val>
+                                            <p:strVal val="#ppt_y-.03"/>
+                                          </p:val>
+                                        </p:tav>
+                                      </p:tavLst>
+                                    </p:anim>
+                                    <p:anim calcmode="lin" valueType="num">
+                                      <p:cBhvr>
+                                        <p:cTn id="10" dur="100" accel="100000" fill="hold">
+                                          <p:stCondLst>
+                                            <p:cond delay="900"/>
+                                          </p:stCondLst>
+                                        </p:cTn>
+                                        <p:tgtEl>
+                                          <p:spTgt spid="5"/>
+                                        </p:tgtEl>
+                                        <p:attrNameLst>
+                                          <p:attrName>ppt_y</p:attrName>
+                                        </p:attrNameLst>
+                                      </p:cBhvr>
+                                      <p:tavLst>
+                                        <p:tav tm="0">
+                                          <p:val>
+                                            <p:strVal val="#ppt_y-.03"/>
+                                          </p:val>
+                                        </p:tav>
+                                        <p:tav tm="100000">
+                                          <p:val>
+                                            <p:strVal val="#ppt_y"/>
+                                          </p:val>
+                                        </p:tav>
+                                      </p:tavLst>
+                                    </p:anim>
+                                  </p:childTnLst>
+                                </p:cTn>
+                              </p:par>
+                            </p:childTnLst>
+                          </p:cTn>
+                        </p:par>
+                      </p:childTnLst>
+                    </p:cTn>
+                  </p:par>
+                </p:childTnLst>
+              </p:cTn>
+              <p:prevCondLst>
+                <p:cond evt="onPrev" delay="0">
+                  <p:tgtEl>
+                    <p:sldTgt/>
+                  </p:tgtEl>
+                </p:cond>
+              </p:prevCondLst>
+              <p:nextCondLst>
+                <p:cond evt="onNext" delay="0">
+                  <p:tgtEl>
+                    <p:sldTgt/>
+                  </p:tgtEl>
+                </p:cond>
+              </p:nextCondLst>
+            </p:seq>
+          </p:childTnLst>
+        </p:cTn>
+      </p:par>
+    </p:tnLst>
+    <p:bldLst>
+      <p:bldP spid="5" grpId="0" animBg="1"/>
+    </p:bldLst>
+  </p:timing>
 </p:sld>
 </file>
 
